--- a/docs/ppt/presentation-v.1.pptx
+++ b/docs/ppt/presentation-v.1.pptx
@@ -348,7 +348,7 @@
             <a:fld id="{5586B75A-687E-405C-8A0B-8D00578BA2C3}" type="datetimeFigureOut">
               <a:rPr lang="en-US" dirty="0"/>
               <a:pPr/>
-              <a:t>12/13/18</a:t>
+              <a:t>12/14/18</a:t>
             </a:fld>
             <a:endParaRPr lang="en-US" dirty="0"/>
           </a:p>
@@ -515,7 +515,7 @@
             <a:fld id="{5586B75A-687E-405C-8A0B-8D00578BA2C3}" type="datetimeFigureOut">
               <a:rPr lang="en-US" dirty="0"/>
               <a:pPr/>
-              <a:t>12/13/18</a:t>
+              <a:t>12/14/18</a:t>
             </a:fld>
             <a:endParaRPr lang="en-US" dirty="0"/>
           </a:p>
@@ -692,7 +692,7 @@
             <a:fld id="{5586B75A-687E-405C-8A0B-8D00578BA2C3}" type="datetimeFigureOut">
               <a:rPr lang="en-US" dirty="0"/>
               <a:pPr/>
-              <a:t>12/13/18</a:t>
+              <a:t>12/14/18</a:t>
             </a:fld>
             <a:endParaRPr lang="en-US" dirty="0"/>
           </a:p>
@@ -859,7 +859,7 @@
             <a:fld id="{5586B75A-687E-405C-8A0B-8D00578BA2C3}" type="datetimeFigureOut">
               <a:rPr lang="en-US" dirty="0"/>
               <a:pPr/>
-              <a:t>12/13/18</a:t>
+              <a:t>12/14/18</a:t>
             </a:fld>
             <a:endParaRPr lang="en-US" dirty="0"/>
           </a:p>
@@ -1114,7 +1114,7 @@
             <a:fld id="{5586B75A-687E-405C-8A0B-8D00578BA2C3}" type="datetimeFigureOut">
               <a:rPr lang="en-US" dirty="0"/>
               <a:pPr/>
-              <a:t>12/13/18</a:t>
+              <a:t>12/14/18</a:t>
             </a:fld>
             <a:endParaRPr lang="en-US" dirty="0"/>
           </a:p>
@@ -1399,7 +1399,7 @@
             <a:fld id="{5586B75A-687E-405C-8A0B-8D00578BA2C3}" type="datetimeFigureOut">
               <a:rPr lang="en-US" dirty="0"/>
               <a:pPr/>
-              <a:t>12/13/18</a:t>
+              <a:t>12/14/18</a:t>
             </a:fld>
             <a:endParaRPr lang="en-US" dirty="0"/>
           </a:p>
@@ -1838,7 +1838,7 @@
             <a:fld id="{5586B75A-687E-405C-8A0B-8D00578BA2C3}" type="datetimeFigureOut">
               <a:rPr lang="en-US" dirty="0"/>
               <a:pPr/>
-              <a:t>12/13/18</a:t>
+              <a:t>12/14/18</a:t>
             </a:fld>
             <a:endParaRPr lang="en-US" dirty="0"/>
           </a:p>
@@ -1953,7 +1953,7 @@
             <a:fld id="{5586B75A-687E-405C-8A0B-8D00578BA2C3}" type="datetimeFigureOut">
               <a:rPr lang="en-US" dirty="0"/>
               <a:pPr/>
-              <a:t>12/13/18</a:t>
+              <a:t>12/14/18</a:t>
             </a:fld>
             <a:endParaRPr lang="en-US" dirty="0"/>
           </a:p>
@@ -2045,7 +2045,7 @@
             <a:fld id="{5586B75A-687E-405C-8A0B-8D00578BA2C3}" type="datetimeFigureOut">
               <a:rPr lang="en-US" dirty="0"/>
               <a:pPr/>
-              <a:t>12/13/18</a:t>
+              <a:t>12/14/18</a:t>
             </a:fld>
             <a:endParaRPr lang="en-US" dirty="0"/>
           </a:p>
@@ -2330,7 +2330,7 @@
             <a:fld id="{5586B75A-687E-405C-8A0B-8D00578BA2C3}" type="datetimeFigureOut">
               <a:rPr lang="en-US" dirty="0"/>
               <a:pPr/>
-              <a:t>12/13/18</a:t>
+              <a:t>12/14/18</a:t>
             </a:fld>
             <a:endParaRPr lang="en-US" dirty="0"/>
           </a:p>
@@ -2600,7 +2600,7 @@
             <a:fld id="{5586B75A-687E-405C-8A0B-8D00578BA2C3}" type="datetimeFigureOut">
               <a:rPr lang="en-US" dirty="0"/>
               <a:pPr/>
-              <a:t>12/13/18</a:t>
+              <a:t>12/14/18</a:t>
             </a:fld>
             <a:endParaRPr lang="en-US" dirty="0"/>
           </a:p>
@@ -2894,7 +2894,7 @@
             <a:fld id="{5586B75A-687E-405C-8A0B-8D00578BA2C3}" type="datetimeFigureOut">
               <a:rPr lang="en-US" dirty="0"/>
               <a:pPr/>
-              <a:t>12/13/18</a:t>
+              <a:t>12/14/18</a:t>
             </a:fld>
             <a:endParaRPr lang="en-US" dirty="0"/>
           </a:p>
@@ -7737,14 +7737,6 @@
             </a:r>
             <a:r>
               <a:rPr lang="de" sz="1600" dirty="0" err="1"/>
-              <a:t>eax</a:t>
-            </a:r>
-            <a:r>
-              <a:rPr lang="de" sz="1600" dirty="0"/>
-              <a:t>, </a:t>
-            </a:r>
-            <a:r>
-              <a:rPr lang="de" sz="1600" dirty="0" err="1"/>
               <a:t>ebx</a:t>
             </a:r>
             <a:r>
@@ -7786,7 +7778,7 @@
             </a:r>
             <a:r>
               <a:rPr lang="de" sz="1600" dirty="0"/>
-              <a:t> aufrufen (0x80, 80, etc.)</a:t>
+              <a:t> mit 0x80 ausführen</a:t>
             </a:r>
           </a:p>
         </p:txBody>
@@ -8351,7 +8343,7 @@
         <p:spPr>
           <a:xfrm>
             <a:off x="6424129" y="3933984"/>
-            <a:ext cx="4030270" cy="400110"/>
+            <a:ext cx="4110421" cy="400110"/>
           </a:xfrm>
           <a:prstGeom prst="rect">
             <a:avLst/>
@@ -8383,7 +8375,7 @@
                   </a:schemeClr>
                 </a:solidFill>
               </a:rPr>
-              <a:t>Interrupt mit 0x80 aufrufen (0x80 = Interrupt Handler für System Calls)</a:t>
+              <a:t>Interrupt mit 0x80 ausführen (0x80 = Interrupt Handler für System Calls)</a:t>
             </a:r>
           </a:p>
           <a:p>

--- a/docs/ppt/presentation-v.1.pptx
+++ b/docs/ppt/presentation-v.1.pptx
@@ -12,11 +12,13 @@
     <p:sldId id="260" r:id="rId6"/>
     <p:sldId id="262" r:id="rId7"/>
     <p:sldId id="263" r:id="rId8"/>
-    <p:sldId id="264" r:id="rId9"/>
-    <p:sldId id="266" r:id="rId10"/>
-    <p:sldId id="261" r:id="rId11"/>
-    <p:sldId id="267" r:id="rId12"/>
-    <p:sldId id="268" r:id="rId13"/>
+    <p:sldId id="269" r:id="rId9"/>
+    <p:sldId id="264" r:id="rId10"/>
+    <p:sldId id="266" r:id="rId11"/>
+    <p:sldId id="261" r:id="rId12"/>
+    <p:sldId id="267" r:id="rId13"/>
+    <p:sldId id="270" r:id="rId14"/>
+    <p:sldId id="268" r:id="rId15"/>
   </p:sldIdLst>
   <p:sldSz cx="12192000" cy="6858000"/>
   <p:notesSz cx="6858000" cy="9144000"/>
@@ -3512,7 +3514,7 @@
             </a:br>
             <a:r>
               <a:rPr lang="de-DE" sz="1800" dirty="0"/>
-              <a:t>Zusammenspiel mit HW: Registers</a:t>
+              <a:t>Basic Instructions: Jumps</a:t>
             </a:r>
             <a:br>
               <a:rPr lang="de-DE" dirty="0"/>
@@ -3523,10 +3525,107 @@
       </p:sp>
       <p:sp>
         <p:nvSpPr>
-          <p:cNvPr id="3" name="Content Placeholder 2">
+          <p:cNvPr id="9" name="Rectangle 8">
             <a:extLst>
               <a:ext uri="{FF2B5EF4-FFF2-40B4-BE49-F238E27FC236}">
-                <a16:creationId xmlns:a16="http://schemas.microsoft.com/office/drawing/2014/main" id="{D2052285-1E8D-C241-9802-A601D8E3936B}"/>
+                <a16:creationId xmlns:a16="http://schemas.microsoft.com/office/drawing/2014/main" id="{92C4150B-1425-4B4B-9601-12F94AEABDB4}"/>
+              </a:ext>
+            </a:extLst>
+          </p:cNvPr>
+          <p:cNvSpPr/>
+          <p:nvPr/>
+        </p:nvSpPr>
+        <p:spPr>
+          <a:xfrm>
+            <a:off x="0" y="6577831"/>
+            <a:ext cx="12191999" cy="246221"/>
+          </a:xfrm>
+          <a:prstGeom prst="rect">
+            <a:avLst/>
+          </a:prstGeom>
+        </p:spPr>
+        <p:txBody>
+          <a:bodyPr wrap="square">
+            <a:spAutoFit/>
+          </a:bodyPr>
+          <a:lstStyle/>
+          <a:p>
+            <a:r>
+              <a:rPr lang="de-DE" sz="1000" dirty="0">
+                <a:solidFill>
+                  <a:schemeClr val="bg1">
+                    <a:lumMod val="75000"/>
+                  </a:schemeClr>
+                </a:solidFill>
+              </a:rPr>
+              <a:t>https://</a:t>
+            </a:r>
+            <a:r>
+              <a:rPr lang="de-DE" sz="1000" dirty="0" err="1">
+                <a:solidFill>
+                  <a:schemeClr val="bg1">
+                    <a:lumMod val="75000"/>
+                  </a:schemeClr>
+                </a:solidFill>
+              </a:rPr>
+              <a:t>www.tutorialspoint.com</a:t>
+            </a:r>
+            <a:r>
+              <a:rPr lang="de-DE" sz="1000" dirty="0">
+                <a:solidFill>
+                  <a:schemeClr val="bg1">
+                    <a:lumMod val="75000"/>
+                  </a:schemeClr>
+                </a:solidFill>
+              </a:rPr>
+              <a:t>/</a:t>
+            </a:r>
+            <a:r>
+              <a:rPr lang="de-DE" sz="1000" dirty="0" err="1">
+                <a:solidFill>
+                  <a:schemeClr val="bg1">
+                    <a:lumMod val="75000"/>
+                  </a:schemeClr>
+                </a:solidFill>
+              </a:rPr>
+              <a:t>assembly_programming</a:t>
+            </a:r>
+            <a:r>
+              <a:rPr lang="de-DE" sz="1000" dirty="0">
+                <a:solidFill>
+                  <a:schemeClr val="bg1">
+                    <a:lumMod val="75000"/>
+                  </a:schemeClr>
+                </a:solidFill>
+              </a:rPr>
+              <a:t>/</a:t>
+            </a:r>
+            <a:r>
+              <a:rPr lang="de-DE" sz="1000" dirty="0" err="1">
+                <a:solidFill>
+                  <a:schemeClr val="bg1">
+                    <a:lumMod val="75000"/>
+                  </a:schemeClr>
+                </a:solidFill>
+              </a:rPr>
+              <a:t>assembly_conditions.htm</a:t>
+            </a:r>
+            <a:endParaRPr lang="de-DE" sz="1000" dirty="0">
+              <a:solidFill>
+                <a:schemeClr val="bg1">
+                  <a:lumMod val="75000"/>
+                </a:schemeClr>
+              </a:solidFill>
+            </a:endParaRPr>
+          </a:p>
+        </p:txBody>
+      </p:sp>
+      <p:sp>
+        <p:nvSpPr>
+          <p:cNvPr id="10" name="Content Placeholder 4">
+            <a:extLst>
+              <a:ext uri="{FF2B5EF4-FFF2-40B4-BE49-F238E27FC236}">
+                <a16:creationId xmlns:a16="http://schemas.microsoft.com/office/drawing/2014/main" id="{628F2454-5045-F54F-877E-F13501F84EEC}"/>
               </a:ext>
             </a:extLst>
           </p:cNvPr>
@@ -3547,462 +3646,88 @@
           <a:bodyPr/>
           <a:lstStyle/>
           <a:p>
-            <a:pPr marL="0" indent="0">
-              <a:buNone/>
-            </a:pPr>
+            <a:r>
+              <a:rPr lang="de" dirty="0"/>
+              <a:t>Problem: benötigen einen Weg, um die Reihenfolge der Instruktionen zu ändern</a:t>
+            </a:r>
+          </a:p>
+          <a:p>
             <a:r>
               <a:rPr lang="de-DE" dirty="0"/>
-              <a:t> </a:t>
-            </a:r>
-          </a:p>
-        </p:txBody>
-      </p:sp>
-      <p:sp>
-        <p:nvSpPr>
-          <p:cNvPr id="9" name="Rectangle 8">
+              <a:t>Lösung: Jumps</a:t>
+            </a:r>
+          </a:p>
+          <a:p>
+            <a:r>
+              <a:rPr lang="de-DE" b="1" dirty="0"/>
+              <a:t>Unconditional Jumps </a:t>
+            </a:r>
+            <a:r>
+              <a:rPr lang="de-DE" dirty="0"/>
+              <a:t>(JMP)</a:t>
+            </a:r>
+            <a:endParaRPr lang="de-DE" b="1" dirty="0"/>
+          </a:p>
+          <a:p>
+            <a:r>
+              <a:rPr lang="de-DE" b="1" dirty="0"/>
+              <a:t>Conditional Jumps</a:t>
+            </a:r>
+          </a:p>
+          <a:p>
+            <a:r>
+              <a:rPr lang="de-DE" dirty="0"/>
+              <a:t>Bedingungen mit CMP überprüft</a:t>
+            </a:r>
+          </a:p>
+          <a:p>
+            <a:endParaRPr lang="de-DE" b="1" dirty="0"/>
+          </a:p>
+          <a:p>
+            <a:endParaRPr lang="de-DE" b="1" dirty="0"/>
+          </a:p>
+          <a:p>
+            <a:endParaRPr lang="de-DE" b="1" dirty="0"/>
+          </a:p>
+          <a:p>
+            <a:endParaRPr lang="de-DE" b="1" dirty="0"/>
+          </a:p>
+        </p:txBody>
+      </p:sp>
+      <p:pic>
+        <p:nvPicPr>
+          <p:cNvPr id="12" name="Picture 11" descr="A screenshot of a cell phone&#13;&#10;&#13;&#10;Description automatically generated">
             <a:extLst>
               <a:ext uri="{FF2B5EF4-FFF2-40B4-BE49-F238E27FC236}">
-                <a16:creationId xmlns:a16="http://schemas.microsoft.com/office/drawing/2014/main" id="{92C4150B-1425-4B4B-9601-12F94AEABDB4}"/>
+                <a16:creationId xmlns:a16="http://schemas.microsoft.com/office/drawing/2014/main" id="{D904AFEE-D6A1-2A4D-A54F-AF95E89818A0}"/>
               </a:ext>
             </a:extLst>
           </p:cNvPr>
-          <p:cNvSpPr/>
+          <p:cNvPicPr>
+            <a:picLocks noChangeAspect="1"/>
+          </p:cNvPicPr>
           <p:nvPr/>
-        </p:nvSpPr>
+        </p:nvPicPr>
+        <p:blipFill>
+          <a:blip r:embed="rId2"/>
+          <a:stretch>
+            <a:fillRect/>
+          </a:stretch>
+        </p:blipFill>
         <p:spPr>
           <a:xfrm>
-            <a:off x="0" y="6577831"/>
-            <a:ext cx="12191999" cy="246221"/>
+            <a:off x="3869268" y="3934320"/>
+            <a:ext cx="5969000" cy="1790700"/>
           </a:xfrm>
           <a:prstGeom prst="rect">
             <a:avLst/>
           </a:prstGeom>
         </p:spPr>
-        <p:txBody>
-          <a:bodyPr wrap="square">
-            <a:spAutoFit/>
-          </a:bodyPr>
-          <a:lstStyle/>
-          <a:p>
-            <a:r>
-              <a:rPr lang="de-DE" sz="1000" dirty="0">
-                <a:solidFill>
-                  <a:schemeClr val="bg1">
-                    <a:lumMod val="75000"/>
-                  </a:schemeClr>
-                </a:solidFill>
-                <a:hlinkClick r:id="rId2">
-                  <a:extLst>
-                    <a:ext uri="{A12FA001-AC4F-418D-AE19-62706E023703}">
-                      <ahyp:hlinkClr xmlns:ahyp="http://schemas.microsoft.com/office/drawing/2018/hyperlinkcolor" val="tx"/>
-                    </a:ext>
-                  </a:extLst>
-                </a:hlinkClick>
-              </a:rPr>
-              <a:t>https://</a:t>
-            </a:r>
-            <a:r>
-              <a:rPr lang="de-DE" sz="1000" dirty="0" err="1">
-                <a:solidFill>
-                  <a:schemeClr val="bg1">
-                    <a:lumMod val="75000"/>
-                  </a:schemeClr>
-                </a:solidFill>
-                <a:hlinkClick r:id="rId2">
-                  <a:extLst>
-                    <a:ext uri="{A12FA001-AC4F-418D-AE19-62706E023703}">
-                      <ahyp:hlinkClr xmlns:ahyp="http://schemas.microsoft.com/office/drawing/2018/hyperlinkcolor" val="tx"/>
-                    </a:ext>
-                  </a:extLst>
-                </a:hlinkClick>
-              </a:rPr>
-              <a:t>www.tutorialspoint.com</a:t>
-            </a:r>
-            <a:r>
-              <a:rPr lang="de-DE" sz="1000" dirty="0">
-                <a:solidFill>
-                  <a:schemeClr val="bg1">
-                    <a:lumMod val="75000"/>
-                  </a:schemeClr>
-                </a:solidFill>
-                <a:hlinkClick r:id="rId2">
-                  <a:extLst>
-                    <a:ext uri="{A12FA001-AC4F-418D-AE19-62706E023703}">
-                      <ahyp:hlinkClr xmlns:ahyp="http://schemas.microsoft.com/office/drawing/2018/hyperlinkcolor" val="tx"/>
-                    </a:ext>
-                  </a:extLst>
-                </a:hlinkClick>
-              </a:rPr>
-              <a:t>/</a:t>
-            </a:r>
-            <a:r>
-              <a:rPr lang="de-DE" sz="1000" dirty="0" err="1">
-                <a:solidFill>
-                  <a:schemeClr val="bg1">
-                    <a:lumMod val="75000"/>
-                  </a:schemeClr>
-                </a:solidFill>
-                <a:hlinkClick r:id="rId2">
-                  <a:extLst>
-                    <a:ext uri="{A12FA001-AC4F-418D-AE19-62706E023703}">
-                      <ahyp:hlinkClr xmlns:ahyp="http://schemas.microsoft.com/office/drawing/2018/hyperlinkcolor" val="tx"/>
-                    </a:ext>
-                  </a:extLst>
-                </a:hlinkClick>
-              </a:rPr>
-              <a:t>assembly_programming</a:t>
-            </a:r>
-            <a:r>
-              <a:rPr lang="de-DE" sz="1000" dirty="0">
-                <a:solidFill>
-                  <a:schemeClr val="bg1">
-                    <a:lumMod val="75000"/>
-                  </a:schemeClr>
-                </a:solidFill>
-                <a:hlinkClick r:id="rId2">
-                  <a:extLst>
-                    <a:ext uri="{A12FA001-AC4F-418D-AE19-62706E023703}">
-                      <ahyp:hlinkClr xmlns:ahyp="http://schemas.microsoft.com/office/drawing/2018/hyperlinkcolor" val="tx"/>
-                    </a:ext>
-                  </a:extLst>
-                </a:hlinkClick>
-              </a:rPr>
-              <a:t>/</a:t>
-            </a:r>
-            <a:endParaRPr lang="de-DE" sz="1000" dirty="0">
-              <a:solidFill>
-                <a:schemeClr val="bg1">
-                  <a:lumMod val="75000"/>
-                </a:schemeClr>
-              </a:solidFill>
-            </a:endParaRPr>
-          </a:p>
-        </p:txBody>
-      </p:sp>
-      <p:sp>
-        <p:nvSpPr>
-          <p:cNvPr id="5" name="Content Placeholder 2">
-            <a:extLst>
-              <a:ext uri="{FF2B5EF4-FFF2-40B4-BE49-F238E27FC236}">
-                <a16:creationId xmlns:a16="http://schemas.microsoft.com/office/drawing/2014/main" id="{17139DF2-8C4A-894B-9C38-29D8EFEF8058}"/>
-              </a:ext>
-            </a:extLst>
-          </p:cNvPr>
-          <p:cNvSpPr txBox="1">
-            <a:spLocks/>
-          </p:cNvSpPr>
-          <p:nvPr/>
-        </p:nvSpPr>
-        <p:spPr>
-          <a:xfrm>
-            <a:off x="4021668" y="1016508"/>
-            <a:ext cx="7315200" cy="5120640"/>
-          </a:xfrm>
-          <a:prstGeom prst="rect">
-            <a:avLst/>
-          </a:prstGeom>
-        </p:spPr>
-        <p:txBody>
-          <a:bodyPr vert="horz" lIns="91440" tIns="45720" rIns="91440" bIns="45720" rtlCol="0" anchor="ctr">
-            <a:normAutofit/>
-          </a:bodyPr>
-          <a:lstStyle>
-            <a:lvl1pPr marL="182880" indent="-182880" algn="l" defTabSz="914400" rtl="0" eaLnBrk="1" latinLnBrk="0" hangingPunct="1">
-              <a:lnSpc>
-                <a:spcPct val="90000"/>
-              </a:lnSpc>
-              <a:spcBef>
-                <a:spcPts val="1200"/>
-              </a:spcBef>
-              <a:buClr>
-                <a:schemeClr val="accent1"/>
-              </a:buClr>
-              <a:buFont typeface="Wingdings 2" pitchFamily="18" charset="2"/>
-              <a:buChar char=""/>
-              <a:defRPr sz="2000" kern="1200">
-                <a:solidFill>
-                  <a:schemeClr val="tx1">
-                    <a:lumMod val="65000"/>
-                    <a:lumOff val="35000"/>
-                  </a:schemeClr>
-                </a:solidFill>
-                <a:latin typeface="+mn-lt"/>
-                <a:ea typeface="+mn-ea"/>
-                <a:cs typeface="+mn-cs"/>
-              </a:defRPr>
-            </a:lvl1pPr>
-            <a:lvl2pPr marL="685800" indent="-182880" algn="l" defTabSz="914400" rtl="0" eaLnBrk="1" latinLnBrk="0" hangingPunct="1">
-              <a:lnSpc>
-                <a:spcPct val="90000"/>
-              </a:lnSpc>
-              <a:spcBef>
-                <a:spcPts val="250"/>
-              </a:spcBef>
-              <a:spcAft>
-                <a:spcPts val="250"/>
-              </a:spcAft>
-              <a:buClr>
-                <a:schemeClr val="accent1"/>
-              </a:buClr>
-              <a:buFont typeface="Wingdings 2" pitchFamily="18" charset="2"/>
-              <a:buChar char=""/>
-              <a:defRPr sz="1800" kern="1200">
-                <a:solidFill>
-                  <a:schemeClr val="tx1">
-                    <a:lumMod val="65000"/>
-                    <a:lumOff val="35000"/>
-                  </a:schemeClr>
-                </a:solidFill>
-                <a:latin typeface="+mn-lt"/>
-                <a:ea typeface="+mn-ea"/>
-                <a:cs typeface="+mn-cs"/>
-              </a:defRPr>
-            </a:lvl2pPr>
-            <a:lvl3pPr marL="1143000" indent="-182880" algn="l" defTabSz="914400" rtl="0" eaLnBrk="1" latinLnBrk="0" hangingPunct="1">
-              <a:lnSpc>
-                <a:spcPct val="90000"/>
-              </a:lnSpc>
-              <a:spcBef>
-                <a:spcPts val="250"/>
-              </a:spcBef>
-              <a:spcAft>
-                <a:spcPts val="250"/>
-              </a:spcAft>
-              <a:buClr>
-                <a:schemeClr val="accent1"/>
-              </a:buClr>
-              <a:buFont typeface="Wingdings 2" pitchFamily="18" charset="2"/>
-              <a:buChar char=""/>
-              <a:defRPr sz="1600" kern="1200">
-                <a:solidFill>
-                  <a:schemeClr val="tx1">
-                    <a:lumMod val="65000"/>
-                    <a:lumOff val="35000"/>
-                  </a:schemeClr>
-                </a:solidFill>
-                <a:latin typeface="+mn-lt"/>
-                <a:ea typeface="+mn-ea"/>
-                <a:cs typeface="+mn-cs"/>
-              </a:defRPr>
-            </a:lvl3pPr>
-            <a:lvl4pPr marL="1600200" indent="-182880" algn="l" defTabSz="914400" rtl="0" eaLnBrk="1" latinLnBrk="0" hangingPunct="1">
-              <a:lnSpc>
-                <a:spcPct val="90000"/>
-              </a:lnSpc>
-              <a:spcBef>
-                <a:spcPts val="250"/>
-              </a:spcBef>
-              <a:spcAft>
-                <a:spcPts val="250"/>
-              </a:spcAft>
-              <a:buClr>
-                <a:schemeClr val="accent1"/>
-              </a:buClr>
-              <a:buFont typeface="Wingdings 2" pitchFamily="18" charset="2"/>
-              <a:buChar char=""/>
-              <a:defRPr sz="1400" kern="1200">
-                <a:solidFill>
-                  <a:schemeClr val="tx1">
-                    <a:lumMod val="65000"/>
-                    <a:lumOff val="35000"/>
-                  </a:schemeClr>
-                </a:solidFill>
-                <a:latin typeface="+mn-lt"/>
-                <a:ea typeface="+mn-ea"/>
-                <a:cs typeface="+mn-cs"/>
-              </a:defRPr>
-            </a:lvl4pPr>
-            <a:lvl5pPr marL="2057400" indent="-182880" algn="l" defTabSz="914400" rtl="0" eaLnBrk="1" latinLnBrk="0" hangingPunct="1">
-              <a:lnSpc>
-                <a:spcPct val="90000"/>
-              </a:lnSpc>
-              <a:spcBef>
-                <a:spcPts val="250"/>
-              </a:spcBef>
-              <a:spcAft>
-                <a:spcPts val="250"/>
-              </a:spcAft>
-              <a:buClr>
-                <a:schemeClr val="accent1"/>
-              </a:buClr>
-              <a:buFont typeface="Wingdings 2" pitchFamily="18" charset="2"/>
-              <a:buChar char=""/>
-              <a:defRPr sz="1400" kern="1200">
-                <a:solidFill>
-                  <a:schemeClr val="tx1">
-                    <a:lumMod val="65000"/>
-                    <a:lumOff val="35000"/>
-                  </a:schemeClr>
-                </a:solidFill>
-                <a:latin typeface="+mn-lt"/>
-                <a:ea typeface="+mn-ea"/>
-                <a:cs typeface="+mn-cs"/>
-              </a:defRPr>
-            </a:lvl5pPr>
-            <a:lvl6pPr marL="2514600" indent="-228600" algn="l" defTabSz="914400" rtl="0" eaLnBrk="1" latinLnBrk="0" hangingPunct="1">
-              <a:lnSpc>
-                <a:spcPct val="90000"/>
-              </a:lnSpc>
-              <a:spcBef>
-                <a:spcPts val="250"/>
-              </a:spcBef>
-              <a:spcAft>
-                <a:spcPts val="250"/>
-              </a:spcAft>
-              <a:buClr>
-                <a:schemeClr val="accent1"/>
-              </a:buClr>
-              <a:buFont typeface="Wingdings 2" pitchFamily="18" charset="2"/>
-              <a:buChar char=""/>
-              <a:defRPr sz="1400" kern="1200">
-                <a:solidFill>
-                  <a:schemeClr val="tx1">
-                    <a:lumMod val="65000"/>
-                    <a:lumOff val="35000"/>
-                  </a:schemeClr>
-                </a:solidFill>
-                <a:latin typeface="+mn-lt"/>
-                <a:ea typeface="+mn-ea"/>
-                <a:cs typeface="+mn-cs"/>
-              </a:defRPr>
-            </a:lvl6pPr>
-            <a:lvl7pPr marL="2971800" indent="-228600" algn="l" defTabSz="914400" rtl="0" eaLnBrk="1" latinLnBrk="0" hangingPunct="1">
-              <a:lnSpc>
-                <a:spcPct val="90000"/>
-              </a:lnSpc>
-              <a:spcBef>
-                <a:spcPts val="250"/>
-              </a:spcBef>
-              <a:spcAft>
-                <a:spcPts val="250"/>
-              </a:spcAft>
-              <a:buClr>
-                <a:schemeClr val="accent1"/>
-              </a:buClr>
-              <a:buFont typeface="Wingdings 2" pitchFamily="18" charset="2"/>
-              <a:buChar char=""/>
-              <a:defRPr sz="1400" kern="1200">
-                <a:solidFill>
-                  <a:schemeClr val="tx1">
-                    <a:lumMod val="65000"/>
-                    <a:lumOff val="35000"/>
-                  </a:schemeClr>
-                </a:solidFill>
-                <a:latin typeface="+mn-lt"/>
-                <a:ea typeface="+mn-ea"/>
-                <a:cs typeface="+mn-cs"/>
-              </a:defRPr>
-            </a:lvl7pPr>
-            <a:lvl8pPr marL="3429000" indent="-228600" algn="l" defTabSz="914400" rtl="0" eaLnBrk="1" latinLnBrk="0" hangingPunct="1">
-              <a:lnSpc>
-                <a:spcPct val="90000"/>
-              </a:lnSpc>
-              <a:spcBef>
-                <a:spcPts val="250"/>
-              </a:spcBef>
-              <a:spcAft>
-                <a:spcPts val="250"/>
-              </a:spcAft>
-              <a:buClr>
-                <a:schemeClr val="accent1"/>
-              </a:buClr>
-              <a:buFont typeface="Wingdings 2" pitchFamily="18" charset="2"/>
-              <a:buChar char=""/>
-              <a:defRPr sz="1400" kern="1200">
-                <a:solidFill>
-                  <a:schemeClr val="tx1">
-                    <a:lumMod val="65000"/>
-                    <a:lumOff val="35000"/>
-                  </a:schemeClr>
-                </a:solidFill>
-                <a:latin typeface="+mn-lt"/>
-                <a:ea typeface="+mn-ea"/>
-                <a:cs typeface="+mn-cs"/>
-              </a:defRPr>
-            </a:lvl8pPr>
-            <a:lvl9pPr marL="3886200" indent="-228600" algn="l" defTabSz="914400" rtl="0" eaLnBrk="1" latinLnBrk="0" hangingPunct="1">
-              <a:lnSpc>
-                <a:spcPct val="90000"/>
-              </a:lnSpc>
-              <a:spcBef>
-                <a:spcPts val="250"/>
-              </a:spcBef>
-              <a:spcAft>
-                <a:spcPts val="250"/>
-              </a:spcAft>
-              <a:buClr>
-                <a:schemeClr val="accent1"/>
-              </a:buClr>
-              <a:buFont typeface="Wingdings 2" pitchFamily="18" charset="2"/>
-              <a:buChar char=""/>
-              <a:defRPr sz="1400" kern="1200">
-                <a:solidFill>
-                  <a:schemeClr val="tx1">
-                    <a:lumMod val="65000"/>
-                    <a:lumOff val="35000"/>
-                  </a:schemeClr>
-                </a:solidFill>
-                <a:latin typeface="+mn-lt"/>
-                <a:ea typeface="+mn-ea"/>
-                <a:cs typeface="+mn-cs"/>
-              </a:defRPr>
-            </a:lvl9pPr>
-          </a:lstStyle>
-          <a:p>
-            <a:r>
-              <a:rPr lang="en-US" dirty="0"/>
-              <a:t>The registers store data elements for processing without having to access the memory. A limited number of registers are built into the processor chip</a:t>
-            </a:r>
-          </a:p>
-          <a:p>
-            <a:r>
-              <a:rPr lang="de-DE" dirty="0"/>
-              <a:t> </a:t>
-            </a:r>
-            <a:r>
-              <a:rPr lang="en-US" dirty="0"/>
-              <a:t>General registers</a:t>
-            </a:r>
-          </a:p>
-          <a:p>
-            <a:pPr lvl="1"/>
-            <a:r>
-              <a:rPr lang="en-US" dirty="0"/>
-              <a:t>Data registers</a:t>
-            </a:r>
-          </a:p>
-          <a:p>
-            <a:pPr lvl="1"/>
-            <a:r>
-              <a:rPr lang="en-US" dirty="0"/>
-              <a:t>Pointer registers</a:t>
-            </a:r>
-          </a:p>
-          <a:p>
-            <a:pPr lvl="1"/>
-            <a:r>
-              <a:rPr lang="en-US" dirty="0"/>
-              <a:t>Index registers</a:t>
-            </a:r>
-          </a:p>
-          <a:p>
-            <a:r>
-              <a:rPr lang="en-US" dirty="0"/>
-              <a:t>Control registers</a:t>
-            </a:r>
-          </a:p>
-          <a:p>
-            <a:r>
-              <a:rPr lang="en-US" dirty="0"/>
-              <a:t>Segment registers</a:t>
-            </a:r>
-          </a:p>
-        </p:txBody>
-      </p:sp>
+      </p:pic>
     </p:spTree>
     <p:extLst>
       <p:ext uri="{BB962C8B-B14F-4D97-AF65-F5344CB8AC3E}">
-        <p14:creationId xmlns:p14="http://schemas.microsoft.com/office/powerpoint/2010/main" val="4264246062"/>
+        <p14:creationId xmlns:p14="http://schemas.microsoft.com/office/powerpoint/2010/main" val="3187635475"/>
       </p:ext>
     </p:extLst>
   </p:cSld>
@@ -4059,11 +3784,7 @@
             </a:br>
             <a:r>
               <a:rPr lang="de-DE" sz="1800" dirty="0"/>
-              <a:t>Zusammenspiel mit HW: Memory </a:t>
-            </a:r>
-            <a:r>
-              <a:rPr lang="de-DE" sz="1800" dirty="0" err="1"/>
-              <a:t>Addressing</a:t>
+              <a:t>Zusammenspiel mit HW: Registers</a:t>
             </a:r>
             <a:br>
               <a:rPr lang="de-DE" dirty="0"/>
@@ -4095,78 +3816,652 @@
           </a:xfrm>
         </p:spPr>
         <p:txBody>
-          <a:bodyPr>
-            <a:normAutofit fontScale="92500" lnSpcReduction="10000"/>
+          <a:bodyPr/>
+          <a:lstStyle/>
+          <a:p>
+            <a:pPr marL="0" indent="0">
+              <a:buNone/>
+            </a:pPr>
+            <a:r>
+              <a:rPr lang="de-DE" dirty="0"/>
+              <a:t> </a:t>
+            </a:r>
+          </a:p>
+        </p:txBody>
+      </p:sp>
+      <p:sp>
+        <p:nvSpPr>
+          <p:cNvPr id="9" name="Rectangle 8">
+            <a:extLst>
+              <a:ext uri="{FF2B5EF4-FFF2-40B4-BE49-F238E27FC236}">
+                <a16:creationId xmlns:a16="http://schemas.microsoft.com/office/drawing/2014/main" id="{92C4150B-1425-4B4B-9601-12F94AEABDB4}"/>
+              </a:ext>
+            </a:extLst>
+          </p:cNvPr>
+          <p:cNvSpPr/>
+          <p:nvPr/>
+        </p:nvSpPr>
+        <p:spPr>
+          <a:xfrm>
+            <a:off x="0" y="6577831"/>
+            <a:ext cx="12191999" cy="246221"/>
+          </a:xfrm>
+          <a:prstGeom prst="rect">
+            <a:avLst/>
+          </a:prstGeom>
+        </p:spPr>
+        <p:txBody>
+          <a:bodyPr wrap="square">
+            <a:spAutoFit/>
           </a:bodyPr>
           <a:lstStyle/>
           <a:p>
             <a:r>
+              <a:rPr lang="de-DE" sz="1000" dirty="0">
+                <a:solidFill>
+                  <a:schemeClr val="bg1">
+                    <a:lumMod val="75000"/>
+                  </a:schemeClr>
+                </a:solidFill>
+                <a:hlinkClick r:id="rId2">
+                  <a:extLst>
+                    <a:ext uri="{A12FA001-AC4F-418D-AE19-62706E023703}">
+                      <ahyp:hlinkClr xmlns:ahyp="http://schemas.microsoft.com/office/drawing/2018/hyperlinkcolor" val="tx"/>
+                    </a:ext>
+                  </a:extLst>
+                </a:hlinkClick>
+              </a:rPr>
+              <a:t>https://</a:t>
+            </a:r>
+            <a:r>
+              <a:rPr lang="de-DE" sz="1000" dirty="0" err="1">
+                <a:solidFill>
+                  <a:schemeClr val="bg1">
+                    <a:lumMod val="75000"/>
+                  </a:schemeClr>
+                </a:solidFill>
+                <a:hlinkClick r:id="rId2">
+                  <a:extLst>
+                    <a:ext uri="{A12FA001-AC4F-418D-AE19-62706E023703}">
+                      <ahyp:hlinkClr xmlns:ahyp="http://schemas.microsoft.com/office/drawing/2018/hyperlinkcolor" val="tx"/>
+                    </a:ext>
+                  </a:extLst>
+                </a:hlinkClick>
+              </a:rPr>
+              <a:t>www.tutorialspoint.com</a:t>
+            </a:r>
+            <a:r>
+              <a:rPr lang="de-DE" sz="1000" dirty="0">
+                <a:solidFill>
+                  <a:schemeClr val="bg1">
+                    <a:lumMod val="75000"/>
+                  </a:schemeClr>
+                </a:solidFill>
+                <a:hlinkClick r:id="rId2">
+                  <a:extLst>
+                    <a:ext uri="{A12FA001-AC4F-418D-AE19-62706E023703}">
+                      <ahyp:hlinkClr xmlns:ahyp="http://schemas.microsoft.com/office/drawing/2018/hyperlinkcolor" val="tx"/>
+                    </a:ext>
+                  </a:extLst>
+                </a:hlinkClick>
+              </a:rPr>
+              <a:t>/</a:t>
+            </a:r>
+            <a:r>
+              <a:rPr lang="de-DE" sz="1000" dirty="0" err="1">
+                <a:solidFill>
+                  <a:schemeClr val="bg1">
+                    <a:lumMod val="75000"/>
+                  </a:schemeClr>
+                </a:solidFill>
+                <a:hlinkClick r:id="rId2">
+                  <a:extLst>
+                    <a:ext uri="{A12FA001-AC4F-418D-AE19-62706E023703}">
+                      <ahyp:hlinkClr xmlns:ahyp="http://schemas.microsoft.com/office/drawing/2018/hyperlinkcolor" val="tx"/>
+                    </a:ext>
+                  </a:extLst>
+                </a:hlinkClick>
+              </a:rPr>
+              <a:t>assembly_programming</a:t>
+            </a:r>
+            <a:r>
+              <a:rPr lang="de-DE" sz="1000" dirty="0">
+                <a:solidFill>
+                  <a:schemeClr val="bg1">
+                    <a:lumMod val="75000"/>
+                  </a:schemeClr>
+                </a:solidFill>
+                <a:hlinkClick r:id="rId2">
+                  <a:extLst>
+                    <a:ext uri="{A12FA001-AC4F-418D-AE19-62706E023703}">
+                      <ahyp:hlinkClr xmlns:ahyp="http://schemas.microsoft.com/office/drawing/2018/hyperlinkcolor" val="tx"/>
+                    </a:ext>
+                  </a:extLst>
+                </a:hlinkClick>
+              </a:rPr>
+              <a:t>/</a:t>
+            </a:r>
+            <a:endParaRPr lang="de-DE" sz="1000" dirty="0">
+              <a:solidFill>
+                <a:schemeClr val="bg1">
+                  <a:lumMod val="75000"/>
+                </a:schemeClr>
+              </a:solidFill>
+            </a:endParaRPr>
+          </a:p>
+        </p:txBody>
+      </p:sp>
+      <p:sp>
+        <p:nvSpPr>
+          <p:cNvPr id="5" name="Content Placeholder 2">
+            <a:extLst>
+              <a:ext uri="{FF2B5EF4-FFF2-40B4-BE49-F238E27FC236}">
+                <a16:creationId xmlns:a16="http://schemas.microsoft.com/office/drawing/2014/main" id="{17139DF2-8C4A-894B-9C38-29D8EFEF8058}"/>
+              </a:ext>
+            </a:extLst>
+          </p:cNvPr>
+          <p:cNvSpPr txBox="1">
+            <a:spLocks/>
+          </p:cNvSpPr>
+          <p:nvPr/>
+        </p:nvSpPr>
+        <p:spPr>
+          <a:xfrm>
+            <a:off x="4021668" y="1016508"/>
+            <a:ext cx="7315200" cy="5120640"/>
+          </a:xfrm>
+          <a:prstGeom prst="rect">
+            <a:avLst/>
+          </a:prstGeom>
+        </p:spPr>
+        <p:txBody>
+          <a:bodyPr vert="horz" lIns="91440" tIns="45720" rIns="91440" bIns="45720" rtlCol="0" anchor="ctr">
+            <a:normAutofit/>
+          </a:bodyPr>
+          <a:lstStyle>
+            <a:lvl1pPr marL="182880" indent="-182880" algn="l" defTabSz="914400" rtl="0" eaLnBrk="1" latinLnBrk="0" hangingPunct="1">
+              <a:lnSpc>
+                <a:spcPct val="90000"/>
+              </a:lnSpc>
+              <a:spcBef>
+                <a:spcPts val="1200"/>
+              </a:spcBef>
+              <a:buClr>
+                <a:schemeClr val="accent1"/>
+              </a:buClr>
+              <a:buFont typeface="Wingdings 2" pitchFamily="18" charset="2"/>
+              <a:buChar char=""/>
+              <a:defRPr sz="2000" kern="1200">
+                <a:solidFill>
+                  <a:schemeClr val="tx1">
+                    <a:lumMod val="65000"/>
+                    <a:lumOff val="35000"/>
+                  </a:schemeClr>
+                </a:solidFill>
+                <a:latin typeface="+mn-lt"/>
+                <a:ea typeface="+mn-ea"/>
+                <a:cs typeface="+mn-cs"/>
+              </a:defRPr>
+            </a:lvl1pPr>
+            <a:lvl2pPr marL="685800" indent="-182880" algn="l" defTabSz="914400" rtl="0" eaLnBrk="1" latinLnBrk="0" hangingPunct="1">
+              <a:lnSpc>
+                <a:spcPct val="90000"/>
+              </a:lnSpc>
+              <a:spcBef>
+                <a:spcPts val="250"/>
+              </a:spcBef>
+              <a:spcAft>
+                <a:spcPts val="250"/>
+              </a:spcAft>
+              <a:buClr>
+                <a:schemeClr val="accent1"/>
+              </a:buClr>
+              <a:buFont typeface="Wingdings 2" pitchFamily="18" charset="2"/>
+              <a:buChar char=""/>
+              <a:defRPr sz="1800" kern="1200">
+                <a:solidFill>
+                  <a:schemeClr val="tx1">
+                    <a:lumMod val="65000"/>
+                    <a:lumOff val="35000"/>
+                  </a:schemeClr>
+                </a:solidFill>
+                <a:latin typeface="+mn-lt"/>
+                <a:ea typeface="+mn-ea"/>
+                <a:cs typeface="+mn-cs"/>
+              </a:defRPr>
+            </a:lvl2pPr>
+            <a:lvl3pPr marL="1143000" indent="-182880" algn="l" defTabSz="914400" rtl="0" eaLnBrk="1" latinLnBrk="0" hangingPunct="1">
+              <a:lnSpc>
+                <a:spcPct val="90000"/>
+              </a:lnSpc>
+              <a:spcBef>
+                <a:spcPts val="250"/>
+              </a:spcBef>
+              <a:spcAft>
+                <a:spcPts val="250"/>
+              </a:spcAft>
+              <a:buClr>
+                <a:schemeClr val="accent1"/>
+              </a:buClr>
+              <a:buFont typeface="Wingdings 2" pitchFamily="18" charset="2"/>
+              <a:buChar char=""/>
+              <a:defRPr sz="1600" kern="1200">
+                <a:solidFill>
+                  <a:schemeClr val="tx1">
+                    <a:lumMod val="65000"/>
+                    <a:lumOff val="35000"/>
+                  </a:schemeClr>
+                </a:solidFill>
+                <a:latin typeface="+mn-lt"/>
+                <a:ea typeface="+mn-ea"/>
+                <a:cs typeface="+mn-cs"/>
+              </a:defRPr>
+            </a:lvl3pPr>
+            <a:lvl4pPr marL="1600200" indent="-182880" algn="l" defTabSz="914400" rtl="0" eaLnBrk="1" latinLnBrk="0" hangingPunct="1">
+              <a:lnSpc>
+                <a:spcPct val="90000"/>
+              </a:lnSpc>
+              <a:spcBef>
+                <a:spcPts val="250"/>
+              </a:spcBef>
+              <a:spcAft>
+                <a:spcPts val="250"/>
+              </a:spcAft>
+              <a:buClr>
+                <a:schemeClr val="accent1"/>
+              </a:buClr>
+              <a:buFont typeface="Wingdings 2" pitchFamily="18" charset="2"/>
+              <a:buChar char=""/>
+              <a:defRPr sz="1400" kern="1200">
+                <a:solidFill>
+                  <a:schemeClr val="tx1">
+                    <a:lumMod val="65000"/>
+                    <a:lumOff val="35000"/>
+                  </a:schemeClr>
+                </a:solidFill>
+                <a:latin typeface="+mn-lt"/>
+                <a:ea typeface="+mn-ea"/>
+                <a:cs typeface="+mn-cs"/>
+              </a:defRPr>
+            </a:lvl4pPr>
+            <a:lvl5pPr marL="2057400" indent="-182880" algn="l" defTabSz="914400" rtl="0" eaLnBrk="1" latinLnBrk="0" hangingPunct="1">
+              <a:lnSpc>
+                <a:spcPct val="90000"/>
+              </a:lnSpc>
+              <a:spcBef>
+                <a:spcPts val="250"/>
+              </a:spcBef>
+              <a:spcAft>
+                <a:spcPts val="250"/>
+              </a:spcAft>
+              <a:buClr>
+                <a:schemeClr val="accent1"/>
+              </a:buClr>
+              <a:buFont typeface="Wingdings 2" pitchFamily="18" charset="2"/>
+              <a:buChar char=""/>
+              <a:defRPr sz="1400" kern="1200">
+                <a:solidFill>
+                  <a:schemeClr val="tx1">
+                    <a:lumMod val="65000"/>
+                    <a:lumOff val="35000"/>
+                  </a:schemeClr>
+                </a:solidFill>
+                <a:latin typeface="+mn-lt"/>
+                <a:ea typeface="+mn-ea"/>
+                <a:cs typeface="+mn-cs"/>
+              </a:defRPr>
+            </a:lvl5pPr>
+            <a:lvl6pPr marL="2514600" indent="-228600" algn="l" defTabSz="914400" rtl="0" eaLnBrk="1" latinLnBrk="0" hangingPunct="1">
+              <a:lnSpc>
+                <a:spcPct val="90000"/>
+              </a:lnSpc>
+              <a:spcBef>
+                <a:spcPts val="250"/>
+              </a:spcBef>
+              <a:spcAft>
+                <a:spcPts val="250"/>
+              </a:spcAft>
+              <a:buClr>
+                <a:schemeClr val="accent1"/>
+              </a:buClr>
+              <a:buFont typeface="Wingdings 2" pitchFamily="18" charset="2"/>
+              <a:buChar char=""/>
+              <a:defRPr sz="1400" kern="1200">
+                <a:solidFill>
+                  <a:schemeClr val="tx1">
+                    <a:lumMod val="65000"/>
+                    <a:lumOff val="35000"/>
+                  </a:schemeClr>
+                </a:solidFill>
+                <a:latin typeface="+mn-lt"/>
+                <a:ea typeface="+mn-ea"/>
+                <a:cs typeface="+mn-cs"/>
+              </a:defRPr>
+            </a:lvl6pPr>
+            <a:lvl7pPr marL="2971800" indent="-228600" algn="l" defTabSz="914400" rtl="0" eaLnBrk="1" latinLnBrk="0" hangingPunct="1">
+              <a:lnSpc>
+                <a:spcPct val="90000"/>
+              </a:lnSpc>
+              <a:spcBef>
+                <a:spcPts val="250"/>
+              </a:spcBef>
+              <a:spcAft>
+                <a:spcPts val="250"/>
+              </a:spcAft>
+              <a:buClr>
+                <a:schemeClr val="accent1"/>
+              </a:buClr>
+              <a:buFont typeface="Wingdings 2" pitchFamily="18" charset="2"/>
+              <a:buChar char=""/>
+              <a:defRPr sz="1400" kern="1200">
+                <a:solidFill>
+                  <a:schemeClr val="tx1">
+                    <a:lumMod val="65000"/>
+                    <a:lumOff val="35000"/>
+                  </a:schemeClr>
+                </a:solidFill>
+                <a:latin typeface="+mn-lt"/>
+                <a:ea typeface="+mn-ea"/>
+                <a:cs typeface="+mn-cs"/>
+              </a:defRPr>
+            </a:lvl7pPr>
+            <a:lvl8pPr marL="3429000" indent="-228600" algn="l" defTabSz="914400" rtl="0" eaLnBrk="1" latinLnBrk="0" hangingPunct="1">
+              <a:lnSpc>
+                <a:spcPct val="90000"/>
+              </a:lnSpc>
+              <a:spcBef>
+                <a:spcPts val="250"/>
+              </a:spcBef>
+              <a:spcAft>
+                <a:spcPts val="250"/>
+              </a:spcAft>
+              <a:buClr>
+                <a:schemeClr val="accent1"/>
+              </a:buClr>
+              <a:buFont typeface="Wingdings 2" pitchFamily="18" charset="2"/>
+              <a:buChar char=""/>
+              <a:defRPr sz="1400" kern="1200">
+                <a:solidFill>
+                  <a:schemeClr val="tx1">
+                    <a:lumMod val="65000"/>
+                    <a:lumOff val="35000"/>
+                  </a:schemeClr>
+                </a:solidFill>
+                <a:latin typeface="+mn-lt"/>
+                <a:ea typeface="+mn-ea"/>
+                <a:cs typeface="+mn-cs"/>
+              </a:defRPr>
+            </a:lvl8pPr>
+            <a:lvl9pPr marL="3886200" indent="-228600" algn="l" defTabSz="914400" rtl="0" eaLnBrk="1" latinLnBrk="0" hangingPunct="1">
+              <a:lnSpc>
+                <a:spcPct val="90000"/>
+              </a:lnSpc>
+              <a:spcBef>
+                <a:spcPts val="250"/>
+              </a:spcBef>
+              <a:spcAft>
+                <a:spcPts val="250"/>
+              </a:spcAft>
+              <a:buClr>
+                <a:schemeClr val="accent1"/>
+              </a:buClr>
+              <a:buFont typeface="Wingdings 2" pitchFamily="18" charset="2"/>
+              <a:buChar char=""/>
+              <a:defRPr sz="1400" kern="1200">
+                <a:solidFill>
+                  <a:schemeClr val="tx1">
+                    <a:lumMod val="65000"/>
+                    <a:lumOff val="35000"/>
+                  </a:schemeClr>
+                </a:solidFill>
+                <a:latin typeface="+mn-lt"/>
+                <a:ea typeface="+mn-ea"/>
+                <a:cs typeface="+mn-cs"/>
+              </a:defRPr>
+            </a:lvl9pPr>
+          </a:lstStyle>
+          <a:p>
+            <a:r>
               <a:rPr lang="en-US" dirty="0"/>
-              <a:t>Most assembly language instructions require operands to be processed. An operand address provides the location, where the data to be processed is stored</a:t>
-            </a:r>
-          </a:p>
-          <a:p>
+              <a:t>The registers store data elements for processing without having to access the memory. A limited number of registers are built into the processor chip</a:t>
+            </a:r>
+          </a:p>
+          <a:p>
+            <a:r>
+              <a:rPr lang="de-DE" dirty="0"/>
+              <a:t> </a:t>
+            </a:r>
+            <a:r>
+              <a:rPr lang="en-US" dirty="0"/>
+              <a:t>General registers</a:t>
+            </a:r>
+          </a:p>
+          <a:p>
+            <a:pPr lvl="1"/>
+            <a:r>
+              <a:rPr lang="en-US" dirty="0"/>
+              <a:t>Data registers</a:t>
+            </a:r>
+          </a:p>
+          <a:p>
+            <a:pPr lvl="1"/>
+            <a:r>
+              <a:rPr lang="en-US" dirty="0"/>
+              <a:t>Pointer registers</a:t>
+            </a:r>
+          </a:p>
+          <a:p>
+            <a:pPr lvl="1"/>
+            <a:r>
+              <a:rPr lang="en-US" dirty="0"/>
+              <a:t>Index registers</a:t>
+            </a:r>
+          </a:p>
+          <a:p>
+            <a:r>
+              <a:rPr lang="en-US" dirty="0"/>
+              <a:t>Control registers</a:t>
+            </a:r>
+          </a:p>
+          <a:p>
+            <a:r>
+              <a:rPr lang="en-US" dirty="0"/>
+              <a:t>Segment registers</a:t>
+            </a:r>
+          </a:p>
+        </p:txBody>
+      </p:sp>
+    </p:spTree>
+    <p:extLst>
+      <p:ext uri="{BB962C8B-B14F-4D97-AF65-F5344CB8AC3E}">
+        <p14:creationId xmlns:p14="http://schemas.microsoft.com/office/powerpoint/2010/main" val="4264246062"/>
+      </p:ext>
+    </p:extLst>
+  </p:cSld>
+  <p:clrMapOvr>
+    <a:masterClrMapping/>
+  </p:clrMapOvr>
+</p:sld>
+</file>
+
+<file path=ppt/slides/slide12.xml><?xml version="1.0" encoding="utf-8"?>
+<p:sld xmlns:a="http://schemas.openxmlformats.org/drawingml/2006/main" xmlns:r="http://schemas.openxmlformats.org/officeDocument/2006/relationships" xmlns:p="http://schemas.openxmlformats.org/presentationml/2006/main">
+  <p:cSld>
+    <p:spTree>
+      <p:nvGrpSpPr>
+        <p:cNvPr id="1" name=""/>
+        <p:cNvGrpSpPr/>
+        <p:nvPr/>
+      </p:nvGrpSpPr>
+      <p:grpSpPr>
+        <a:xfrm>
+          <a:off x="0" y="0"/>
+          <a:ext cx="0" cy="0"/>
+          <a:chOff x="0" y="0"/>
+          <a:chExt cx="0" cy="0"/>
+        </a:xfrm>
+      </p:grpSpPr>
+      <p:sp>
+        <p:nvSpPr>
+          <p:cNvPr id="2" name="Title 1">
+            <a:extLst>
+              <a:ext uri="{FF2B5EF4-FFF2-40B4-BE49-F238E27FC236}">
+                <a16:creationId xmlns:a16="http://schemas.microsoft.com/office/drawing/2014/main" id="{E4FF170F-DA51-9542-AF7E-5B03F8E0C1E7}"/>
+              </a:ext>
+            </a:extLst>
+          </p:cNvPr>
+          <p:cNvSpPr>
+            <a:spLocks noGrp="1"/>
+          </p:cNvSpPr>
+          <p:nvPr>
+            <p:ph type="title"/>
+          </p:nvPr>
+        </p:nvSpPr>
+        <p:spPr/>
+        <p:txBody>
+          <a:bodyPr/>
+          <a:lstStyle/>
+          <a:p>
+            <a:r>
+              <a:rPr lang="de-DE" dirty="0"/>
+              <a:t>Assembly </a:t>
+            </a:r>
+            <a:br>
+              <a:rPr lang="de-DE" dirty="0"/>
+            </a:br>
+            <a:r>
+              <a:rPr lang="de-DE" sz="1800" dirty="0"/>
+              <a:t>Zusammenspiel mit HW: Memory </a:t>
+            </a:r>
+            <a:r>
+              <a:rPr lang="de-DE" sz="1800" dirty="0" err="1"/>
+              <a:t>Addressing</a:t>
+            </a:r>
+            <a:br>
+              <a:rPr lang="de-DE" dirty="0"/>
+            </a:br>
+            <a:endParaRPr lang="de-DE" dirty="0"/>
+          </a:p>
+        </p:txBody>
+      </p:sp>
+      <p:sp>
+        <p:nvSpPr>
+          <p:cNvPr id="3" name="Content Placeholder 2">
+            <a:extLst>
+              <a:ext uri="{FF2B5EF4-FFF2-40B4-BE49-F238E27FC236}">
+                <a16:creationId xmlns:a16="http://schemas.microsoft.com/office/drawing/2014/main" id="{D2052285-1E8D-C241-9802-A601D8E3936B}"/>
+              </a:ext>
+            </a:extLst>
+          </p:cNvPr>
+          <p:cNvSpPr>
+            <a:spLocks noGrp="1"/>
+          </p:cNvSpPr>
+          <p:nvPr>
+            <p:ph idx="1"/>
+          </p:nvPr>
+        </p:nvSpPr>
+        <p:spPr>
+          <a:xfrm>
+            <a:off x="3869268" y="864108"/>
+            <a:ext cx="7315200" cy="5120640"/>
+          </a:xfrm>
+        </p:spPr>
+        <p:txBody>
+          <a:bodyPr>
+            <a:normAutofit/>
+          </a:bodyPr>
+          <a:lstStyle/>
+          <a:p>
+            <a:r>
+              <a:rPr lang="de" dirty="0" err="1"/>
+              <a:t>Addressen</a:t>
+            </a:r>
+            <a:r>
+              <a:rPr lang="de" dirty="0"/>
+              <a:t> sind Referenzen auf Daten, die der Prozessor während dem Ausführen eines </a:t>
+            </a:r>
+            <a:r>
+              <a:rPr lang="de" dirty="0" err="1"/>
+              <a:t>Programs</a:t>
+            </a:r>
+            <a:r>
+              <a:rPr lang="de" dirty="0"/>
+              <a:t> verwendet</a:t>
+            </a:r>
+          </a:p>
+          <a:p>
+            <a:r>
+              <a:rPr lang="de" dirty="0"/>
+              <a:t>3 Formen</a:t>
+            </a:r>
+          </a:p>
+          <a:p>
+            <a:pPr lvl="1"/>
             <a:r>
               <a:rPr lang="en-US" b="1" dirty="0"/>
-              <a:t>Register Addressing</a:t>
-            </a:r>
+              <a:t>Register Addressing </a:t>
+            </a:r>
+            <a:r>
+              <a:rPr lang="en-US" dirty="0"/>
+              <a:t>(Register der </a:t>
+            </a:r>
+            <a:r>
+              <a:rPr lang="en-US" dirty="0" err="1"/>
+              <a:t>Operanden</a:t>
+            </a:r>
+            <a:r>
+              <a:rPr lang="en-US" dirty="0"/>
+              <a:t>)</a:t>
+            </a:r>
+            <a:endParaRPr lang="en-US" b="1" dirty="0"/>
           </a:p>
           <a:p>
             <a:pPr lvl="1"/>
             <a:r>
+              <a:rPr lang="en-US" b="1" dirty="0"/>
+              <a:t>Immediate Addressing </a:t>
+            </a:r>
+            <a:r>
               <a:rPr lang="en-US" dirty="0"/>
-              <a:t>Register contains the operand</a:t>
-            </a:r>
+              <a:t>(</a:t>
+            </a:r>
+            <a:r>
+              <a:rPr lang="en-US" dirty="0" err="1"/>
+              <a:t>Konstanten</a:t>
+            </a:r>
+            <a:r>
+              <a:rPr lang="en-US" dirty="0"/>
+              <a:t>)</a:t>
+            </a:r>
+            <a:endParaRPr lang="en-US" b="1" dirty="0"/>
           </a:p>
           <a:p>
             <a:pPr lvl="1"/>
             <a:r>
+              <a:rPr lang="en-US" b="1" dirty="0"/>
+              <a:t>Direct Memory Addressing </a:t>
+            </a:r>
+            <a:r>
               <a:rPr lang="en-US" dirty="0"/>
-              <a:t>Depending upon the instruction, the register may be the first operand, the second operand or both</a:t>
-            </a:r>
-          </a:p>
-          <a:p>
-            <a:pPr lvl="1"/>
+              <a:t>(</a:t>
+            </a:r>
+            <a:r>
+              <a:rPr lang="en-US" dirty="0" err="1"/>
+              <a:t>Direkter</a:t>
+            </a:r>
             <a:r>
               <a:rPr lang="en-US" dirty="0"/>
-              <a:t>As processing data between registers does not involve memory, it provides fastest processing of data.</a:t>
-            </a:r>
-          </a:p>
-          <a:p>
-            <a:r>
-              <a:rPr lang="en-US" b="1" dirty="0"/>
-              <a:t>Immediate Addressing</a:t>
-            </a:r>
-          </a:p>
-          <a:p>
-            <a:pPr lvl="1"/>
+              <a:t> </a:t>
+            </a:r>
+            <a:r>
+              <a:rPr lang="en-US" dirty="0" err="1"/>
+              <a:t>Zugriff</a:t>
+            </a:r>
             <a:r>
               <a:rPr lang="en-US" dirty="0"/>
-              <a:t>Operand has constant value or an expression</a:t>
-            </a:r>
-          </a:p>
-          <a:p>
-            <a:pPr lvl="1"/>
-            <a:r>
-              <a:rPr lang="en-US" dirty="0"/>
-              <a:t>When an instruction with two operands uses immediate addressing, the first operand may be a register or memory location, and the second operand is an immediate constant. The first operand defines the length of the data.</a:t>
-            </a:r>
-          </a:p>
-          <a:p>
-            <a:r>
-              <a:rPr lang="en-US" b="1" dirty="0"/>
-              <a:t>Direct Memory Addressing</a:t>
-            </a:r>
-          </a:p>
-          <a:p>
-            <a:pPr lvl="1"/>
-            <a:r>
-              <a:rPr lang="en-US" dirty="0"/>
-              <a:t>When operands are specified in memory addressing mode, direct access to main memory, usually to the data segment, is required. This way of addressing results in slower processing of data. </a:t>
-            </a:r>
-          </a:p>
-          <a:p>
-            <a:endParaRPr lang="de-DE" dirty="0"/>
+              <a:t> auf Memory)</a:t>
+            </a:r>
+            <a:endParaRPr lang="en-US" b="1" dirty="0"/>
           </a:p>
         </p:txBody>
       </p:sp>
@@ -4305,7 +4600,380 @@
 </p:sld>
 </file>
 
-<file path=ppt/slides/slide12.xml><?xml version="1.0" encoding="utf-8"?>
+<file path=ppt/slides/slide13.xml><?xml version="1.0" encoding="utf-8"?>
+<p:sld xmlns:a="http://schemas.openxmlformats.org/drawingml/2006/main" xmlns:r="http://schemas.openxmlformats.org/officeDocument/2006/relationships" xmlns:p="http://schemas.openxmlformats.org/presentationml/2006/main">
+  <p:cSld>
+    <p:spTree>
+      <p:nvGrpSpPr>
+        <p:cNvPr id="1" name=""/>
+        <p:cNvGrpSpPr/>
+        <p:nvPr/>
+      </p:nvGrpSpPr>
+      <p:grpSpPr>
+        <a:xfrm>
+          <a:off x="0" y="0"/>
+          <a:ext cx="0" cy="0"/>
+          <a:chOff x="0" y="0"/>
+          <a:chExt cx="0" cy="0"/>
+        </a:xfrm>
+      </p:grpSpPr>
+      <p:sp>
+        <p:nvSpPr>
+          <p:cNvPr id="15" name="Content Placeholder 2">
+            <a:extLst>
+              <a:ext uri="{FF2B5EF4-FFF2-40B4-BE49-F238E27FC236}">
+                <a16:creationId xmlns:a16="http://schemas.microsoft.com/office/drawing/2014/main" id="{825DAA1D-475A-D24A-A23C-EF6BD80C9087}"/>
+              </a:ext>
+            </a:extLst>
+          </p:cNvPr>
+          <p:cNvSpPr>
+            <a:spLocks noGrp="1"/>
+          </p:cNvSpPr>
+          <p:nvPr>
+            <p:ph idx="1"/>
+          </p:nvPr>
+        </p:nvSpPr>
+        <p:spPr>
+          <a:xfrm>
+            <a:off x="3869268" y="604380"/>
+            <a:ext cx="7315200" cy="5120640"/>
+          </a:xfrm>
+        </p:spPr>
+        <p:txBody>
+          <a:bodyPr>
+            <a:normAutofit/>
+          </a:bodyPr>
+          <a:lstStyle/>
+          <a:p>
+            <a:pPr lvl="1"/>
+            <a:r>
+              <a:rPr lang="en-US" b="1" dirty="0"/>
+              <a:t>Register Addressing</a:t>
+            </a:r>
+            <a:endParaRPr lang="en-US" dirty="0"/>
+          </a:p>
+          <a:p>
+            <a:pPr lvl="1"/>
+            <a:endParaRPr lang="en-US" b="1" dirty="0"/>
+          </a:p>
+          <a:p>
+            <a:pPr lvl="1"/>
+            <a:endParaRPr lang="en-US" b="1" dirty="0"/>
+          </a:p>
+          <a:p>
+            <a:pPr lvl="1"/>
+            <a:endParaRPr lang="en-US" b="1" dirty="0"/>
+          </a:p>
+          <a:p>
+            <a:pPr marL="502920" lvl="1" indent="0">
+              <a:buNone/>
+            </a:pPr>
+            <a:endParaRPr lang="en-US" b="1" dirty="0"/>
+          </a:p>
+          <a:p>
+            <a:pPr lvl="1"/>
+            <a:r>
+              <a:rPr lang="en-US" b="1" dirty="0"/>
+              <a:t>Immediate Addressing</a:t>
+            </a:r>
+            <a:endParaRPr lang="en-US" dirty="0"/>
+          </a:p>
+          <a:p>
+            <a:pPr marL="502920" lvl="1" indent="0">
+              <a:buNone/>
+            </a:pPr>
+            <a:endParaRPr lang="en-US" b="1" dirty="0"/>
+          </a:p>
+          <a:p>
+            <a:pPr lvl="1"/>
+            <a:endParaRPr lang="en-US" b="1" dirty="0"/>
+          </a:p>
+          <a:p>
+            <a:pPr lvl="1"/>
+            <a:endParaRPr lang="en-US" b="1" dirty="0"/>
+          </a:p>
+          <a:p>
+            <a:pPr lvl="1"/>
+            <a:endParaRPr lang="en-US" b="1" dirty="0"/>
+          </a:p>
+          <a:p>
+            <a:pPr lvl="1"/>
+            <a:r>
+              <a:rPr lang="en-US" b="1" dirty="0"/>
+              <a:t>Direct Memory Addressing</a:t>
+            </a:r>
+          </a:p>
+        </p:txBody>
+      </p:sp>
+      <p:sp>
+        <p:nvSpPr>
+          <p:cNvPr id="2" name="Title 1">
+            <a:extLst>
+              <a:ext uri="{FF2B5EF4-FFF2-40B4-BE49-F238E27FC236}">
+                <a16:creationId xmlns:a16="http://schemas.microsoft.com/office/drawing/2014/main" id="{E4FF170F-DA51-9542-AF7E-5B03F8E0C1E7}"/>
+              </a:ext>
+            </a:extLst>
+          </p:cNvPr>
+          <p:cNvSpPr>
+            <a:spLocks noGrp="1"/>
+          </p:cNvSpPr>
+          <p:nvPr>
+            <p:ph type="title"/>
+          </p:nvPr>
+        </p:nvSpPr>
+        <p:spPr/>
+        <p:txBody>
+          <a:bodyPr/>
+          <a:lstStyle/>
+          <a:p>
+            <a:r>
+              <a:rPr lang="de-DE" dirty="0"/>
+              <a:t>Assembly </a:t>
+            </a:r>
+            <a:br>
+              <a:rPr lang="de-DE" dirty="0"/>
+            </a:br>
+            <a:r>
+              <a:rPr lang="de-DE" sz="1800" dirty="0"/>
+              <a:t>Zusammenspiel mit HW: Memory </a:t>
+            </a:r>
+            <a:r>
+              <a:rPr lang="de-DE" sz="1800" dirty="0" err="1"/>
+              <a:t>Addressing</a:t>
+            </a:r>
+            <a:br>
+              <a:rPr lang="de-DE" dirty="0"/>
+            </a:br>
+            <a:endParaRPr lang="de-DE" dirty="0"/>
+          </a:p>
+        </p:txBody>
+      </p:sp>
+      <p:sp>
+        <p:nvSpPr>
+          <p:cNvPr id="9" name="Rectangle 8">
+            <a:extLst>
+              <a:ext uri="{FF2B5EF4-FFF2-40B4-BE49-F238E27FC236}">
+                <a16:creationId xmlns:a16="http://schemas.microsoft.com/office/drawing/2014/main" id="{92C4150B-1425-4B4B-9601-12F94AEABDB4}"/>
+              </a:ext>
+            </a:extLst>
+          </p:cNvPr>
+          <p:cNvSpPr/>
+          <p:nvPr/>
+        </p:nvSpPr>
+        <p:spPr>
+          <a:xfrm>
+            <a:off x="0" y="6577831"/>
+            <a:ext cx="12191999" cy="246221"/>
+          </a:xfrm>
+          <a:prstGeom prst="rect">
+            <a:avLst/>
+          </a:prstGeom>
+        </p:spPr>
+        <p:txBody>
+          <a:bodyPr wrap="square">
+            <a:spAutoFit/>
+          </a:bodyPr>
+          <a:lstStyle/>
+          <a:p>
+            <a:r>
+              <a:rPr lang="de-DE" sz="1000" dirty="0">
+                <a:solidFill>
+                  <a:schemeClr val="bg1">
+                    <a:lumMod val="75000"/>
+                  </a:schemeClr>
+                </a:solidFill>
+                <a:hlinkClick r:id="rId2">
+                  <a:extLst>
+                    <a:ext uri="{A12FA001-AC4F-418D-AE19-62706E023703}">
+                      <ahyp:hlinkClr xmlns:ahyp="http://schemas.microsoft.com/office/drawing/2018/hyperlinkcolor" val="tx"/>
+                    </a:ext>
+                  </a:extLst>
+                </a:hlinkClick>
+              </a:rPr>
+              <a:t>https://</a:t>
+            </a:r>
+            <a:r>
+              <a:rPr lang="de-DE" sz="1000" dirty="0" err="1">
+                <a:solidFill>
+                  <a:schemeClr val="bg1">
+                    <a:lumMod val="75000"/>
+                  </a:schemeClr>
+                </a:solidFill>
+                <a:hlinkClick r:id="rId2">
+                  <a:extLst>
+                    <a:ext uri="{A12FA001-AC4F-418D-AE19-62706E023703}">
+                      <ahyp:hlinkClr xmlns:ahyp="http://schemas.microsoft.com/office/drawing/2018/hyperlinkcolor" val="tx"/>
+                    </a:ext>
+                  </a:extLst>
+                </a:hlinkClick>
+              </a:rPr>
+              <a:t>www.tutorialspoint.com</a:t>
+            </a:r>
+            <a:r>
+              <a:rPr lang="de-DE" sz="1000" dirty="0">
+                <a:solidFill>
+                  <a:schemeClr val="bg1">
+                    <a:lumMod val="75000"/>
+                  </a:schemeClr>
+                </a:solidFill>
+                <a:hlinkClick r:id="rId2">
+                  <a:extLst>
+                    <a:ext uri="{A12FA001-AC4F-418D-AE19-62706E023703}">
+                      <ahyp:hlinkClr xmlns:ahyp="http://schemas.microsoft.com/office/drawing/2018/hyperlinkcolor" val="tx"/>
+                    </a:ext>
+                  </a:extLst>
+                </a:hlinkClick>
+              </a:rPr>
+              <a:t>/</a:t>
+            </a:r>
+            <a:r>
+              <a:rPr lang="de-DE" sz="1000" dirty="0" err="1">
+                <a:solidFill>
+                  <a:schemeClr val="bg1">
+                    <a:lumMod val="75000"/>
+                  </a:schemeClr>
+                </a:solidFill>
+                <a:hlinkClick r:id="rId2">
+                  <a:extLst>
+                    <a:ext uri="{A12FA001-AC4F-418D-AE19-62706E023703}">
+                      <ahyp:hlinkClr xmlns:ahyp="http://schemas.microsoft.com/office/drawing/2018/hyperlinkcolor" val="tx"/>
+                    </a:ext>
+                  </a:extLst>
+                </a:hlinkClick>
+              </a:rPr>
+              <a:t>assembly_programming</a:t>
+            </a:r>
+            <a:r>
+              <a:rPr lang="de-DE" sz="1000" dirty="0">
+                <a:solidFill>
+                  <a:schemeClr val="bg1">
+                    <a:lumMod val="75000"/>
+                  </a:schemeClr>
+                </a:solidFill>
+                <a:hlinkClick r:id="rId2">
+                  <a:extLst>
+                    <a:ext uri="{A12FA001-AC4F-418D-AE19-62706E023703}">
+                      <ahyp:hlinkClr xmlns:ahyp="http://schemas.microsoft.com/office/drawing/2018/hyperlinkcolor" val="tx"/>
+                    </a:ext>
+                  </a:extLst>
+                </a:hlinkClick>
+              </a:rPr>
+              <a:t>/</a:t>
+            </a:r>
+            <a:endParaRPr lang="de-DE" sz="1000" dirty="0">
+              <a:solidFill>
+                <a:schemeClr val="bg1">
+                  <a:lumMod val="75000"/>
+                </a:schemeClr>
+              </a:solidFill>
+            </a:endParaRPr>
+          </a:p>
+        </p:txBody>
+      </p:sp>
+      <p:pic>
+        <p:nvPicPr>
+          <p:cNvPr id="8" name="Picture 7">
+            <a:extLst>
+              <a:ext uri="{FF2B5EF4-FFF2-40B4-BE49-F238E27FC236}">
+                <a16:creationId xmlns:a16="http://schemas.microsoft.com/office/drawing/2014/main" id="{2BAC4A73-DCB3-214C-9CE2-EA1075E01363}"/>
+              </a:ext>
+            </a:extLst>
+          </p:cNvPr>
+          <p:cNvPicPr>
+            <a:picLocks noChangeAspect="1"/>
+          </p:cNvPicPr>
+          <p:nvPr/>
+        </p:nvPicPr>
+        <p:blipFill>
+          <a:blip r:embed="rId3"/>
+          <a:stretch>
+            <a:fillRect/>
+          </a:stretch>
+        </p:blipFill>
+        <p:spPr>
+          <a:xfrm>
+            <a:off x="4164330" y="1700128"/>
+            <a:ext cx="5943600" cy="927100"/>
+          </a:xfrm>
+          <a:prstGeom prst="rect">
+            <a:avLst/>
+          </a:prstGeom>
+        </p:spPr>
+      </p:pic>
+      <p:pic>
+        <p:nvPicPr>
+          <p:cNvPr id="11" name="Picture 10">
+            <a:extLst>
+              <a:ext uri="{FF2B5EF4-FFF2-40B4-BE49-F238E27FC236}">
+                <a16:creationId xmlns:a16="http://schemas.microsoft.com/office/drawing/2014/main" id="{912A8433-70D9-A444-B76C-527DADB7C557}"/>
+              </a:ext>
+            </a:extLst>
+          </p:cNvPr>
+          <p:cNvPicPr>
+            <a:picLocks noChangeAspect="1"/>
+          </p:cNvPicPr>
+          <p:nvPr/>
+        </p:nvPicPr>
+        <p:blipFill>
+          <a:blip r:embed="rId4"/>
+          <a:stretch>
+            <a:fillRect/>
+          </a:stretch>
+        </p:blipFill>
+        <p:spPr>
+          <a:xfrm>
+            <a:off x="4240530" y="3376786"/>
+            <a:ext cx="5867400" cy="901700"/>
+          </a:xfrm>
+          <a:prstGeom prst="rect">
+            <a:avLst/>
+          </a:prstGeom>
+        </p:spPr>
+      </p:pic>
+      <p:pic>
+        <p:nvPicPr>
+          <p:cNvPr id="13" name="Picture 12">
+            <a:extLst>
+              <a:ext uri="{FF2B5EF4-FFF2-40B4-BE49-F238E27FC236}">
+                <a16:creationId xmlns:a16="http://schemas.microsoft.com/office/drawing/2014/main" id="{DABF29CF-AF62-F948-975F-653E18120534}"/>
+              </a:ext>
+            </a:extLst>
+          </p:cNvPr>
+          <p:cNvPicPr>
+            <a:picLocks noChangeAspect="1"/>
+          </p:cNvPicPr>
+          <p:nvPr/>
+        </p:nvPicPr>
+        <p:blipFill>
+          <a:blip r:embed="rId5"/>
+          <a:stretch>
+            <a:fillRect/>
+          </a:stretch>
+        </p:blipFill>
+        <p:spPr>
+          <a:xfrm>
+            <a:off x="4240530" y="5028044"/>
+            <a:ext cx="5905500" cy="622300"/>
+          </a:xfrm>
+          <a:prstGeom prst="rect">
+            <a:avLst/>
+          </a:prstGeom>
+        </p:spPr>
+      </p:pic>
+    </p:spTree>
+    <p:extLst>
+      <p:ext uri="{BB962C8B-B14F-4D97-AF65-F5344CB8AC3E}">
+        <p14:creationId xmlns:p14="http://schemas.microsoft.com/office/powerpoint/2010/main" val="1864453358"/>
+      </p:ext>
+    </p:extLst>
+  </p:cSld>
+  <p:clrMapOvr>
+    <a:masterClrMapping/>
+  </p:clrMapOvr>
+</p:sld>
+</file>
+
+<file path=ppt/slides/slide14.xml><?xml version="1.0" encoding="utf-8"?>
 <p:sld xmlns:a="http://schemas.openxmlformats.org/drawingml/2006/main" xmlns:r="http://schemas.openxmlformats.org/officeDocument/2006/relationships" xmlns:p="http://schemas.openxmlformats.org/presentationml/2006/main">
   <p:cSld>
     <p:spTree>
@@ -5479,530 +6147,6 @@
           </a:p>
         </p:txBody>
       </p:sp>
-      <p:graphicFrame>
-        <p:nvGraphicFramePr>
-          <p:cNvPr id="4" name="Content Placeholder 3">
-            <a:extLst>
-              <a:ext uri="{FF2B5EF4-FFF2-40B4-BE49-F238E27FC236}">
-                <a16:creationId xmlns:a16="http://schemas.microsoft.com/office/drawing/2014/main" id="{9379639B-830B-5745-8694-CADC1368A630}"/>
-              </a:ext>
-            </a:extLst>
-          </p:cNvPr>
-          <p:cNvGraphicFramePr>
-            <a:graphicFrameLocks noGrp="1"/>
-          </p:cNvGraphicFramePr>
-          <p:nvPr>
-            <p:ph idx="1"/>
-            <p:extLst>
-              <p:ext uri="{D42A27DB-BD31-4B8C-83A1-F6EECF244321}">
-                <p14:modId xmlns:p14="http://schemas.microsoft.com/office/powerpoint/2010/main" val="3171791086"/>
-              </p:ext>
-            </p:extLst>
-          </p:nvPr>
-        </p:nvGraphicFramePr>
-        <p:xfrm>
-          <a:off x="3951866" y="739613"/>
-          <a:ext cx="7315200" cy="2565400"/>
-        </p:xfrm>
-        <a:graphic>
-          <a:graphicData uri="http://schemas.openxmlformats.org/drawingml/2006/table">
-            <a:tbl>
-              <a:tblPr firstRow="1" bandRow="1">
-                <a:tableStyleId>{5C22544A-7EE6-4342-B048-85BDC9FD1C3A}</a:tableStyleId>
-              </a:tblPr>
-              <a:tblGrid>
-                <a:gridCol w="3657600">
-                  <a:extLst>
-                    <a:ext uri="{9D8B030D-6E8A-4147-A177-3AD203B41FA5}">
-                      <a16:colId xmlns:a16="http://schemas.microsoft.com/office/drawing/2014/main" val="2590089963"/>
-                    </a:ext>
-                  </a:extLst>
-                </a:gridCol>
-                <a:gridCol w="3657600">
-                  <a:extLst>
-                    <a:ext uri="{9D8B030D-6E8A-4147-A177-3AD203B41FA5}">
-                      <a16:colId xmlns:a16="http://schemas.microsoft.com/office/drawing/2014/main" val="3460553856"/>
-                    </a:ext>
-                  </a:extLst>
-                </a:gridCol>
-              </a:tblGrid>
-              <a:tr h="370840">
-                <a:tc>
-                  <a:txBody>
-                    <a:bodyPr/>
-                    <a:lstStyle/>
-                    <a:p>
-                      <a:r>
-                        <a:rPr lang="de-DE" noProof="0" dirty="0"/>
-                        <a:t>CISC</a:t>
-                      </a:r>
-                    </a:p>
-                  </a:txBody>
-                  <a:tcPr/>
-                </a:tc>
-                <a:tc>
-                  <a:txBody>
-                    <a:bodyPr/>
-                    <a:lstStyle/>
-                    <a:p>
-                      <a:r>
-                        <a:rPr lang="de-DE" noProof="0"/>
-                        <a:t>RISC</a:t>
-                      </a:r>
-                    </a:p>
-                  </a:txBody>
-                  <a:tcPr/>
-                </a:tc>
-                <a:extLst>
-                  <a:ext uri="{0D108BD9-81ED-4DB2-BD59-A6C34878D82A}">
-                    <a16:rowId xmlns:a16="http://schemas.microsoft.com/office/drawing/2014/main" val="3119317953"/>
-                  </a:ext>
-                </a:extLst>
-              </a:tr>
-              <a:tr h="370840">
-                <a:tc>
-                  <a:txBody>
-                    <a:bodyPr/>
-                    <a:lstStyle/>
-                    <a:p>
-                      <a:r>
-                        <a:rPr lang="de-DE" sz="1600" noProof="0" dirty="0">
-                          <a:solidFill>
-                            <a:schemeClr val="tx1">
-                              <a:lumMod val="65000"/>
-                              <a:lumOff val="35000"/>
-                            </a:schemeClr>
-                          </a:solidFill>
-                        </a:rPr>
-                        <a:t>Schwerpunkt Hardware</a:t>
-                      </a:r>
-                    </a:p>
-                  </a:txBody>
-                  <a:tcPr/>
-                </a:tc>
-                <a:tc>
-                  <a:txBody>
-                    <a:bodyPr/>
-                    <a:lstStyle/>
-                    <a:p>
-                      <a:r>
-                        <a:rPr lang="de-DE" sz="1600" noProof="0" dirty="0">
-                          <a:solidFill>
-                            <a:schemeClr val="tx1">
-                              <a:lumMod val="65000"/>
-                              <a:lumOff val="35000"/>
-                            </a:schemeClr>
-                          </a:solidFill>
-                        </a:rPr>
-                        <a:t>Schwerpunkt Software</a:t>
-                      </a:r>
-                    </a:p>
-                  </a:txBody>
-                  <a:tcPr/>
-                </a:tc>
-                <a:extLst>
-                  <a:ext uri="{0D108BD9-81ED-4DB2-BD59-A6C34878D82A}">
-                    <a16:rowId xmlns:a16="http://schemas.microsoft.com/office/drawing/2014/main" val="2515010785"/>
-                  </a:ext>
-                </a:extLst>
-              </a:tr>
-              <a:tr h="370840">
-                <a:tc>
-                  <a:txBody>
-                    <a:bodyPr/>
-                    <a:lstStyle/>
-                    <a:p>
-                      <a:r>
-                        <a:rPr lang="de-DE" sz="1600" noProof="0" dirty="0">
-                          <a:solidFill>
-                            <a:schemeClr val="tx1">
-                              <a:lumMod val="65000"/>
-                              <a:lumOff val="35000"/>
-                            </a:schemeClr>
-                          </a:solidFill>
-                        </a:rPr>
-                        <a:t>Multi-</a:t>
-                      </a:r>
-                      <a:r>
-                        <a:rPr lang="de-DE" sz="1600" noProof="0" dirty="0" err="1">
-                          <a:solidFill>
-                            <a:schemeClr val="tx1">
-                              <a:lumMod val="65000"/>
-                              <a:lumOff val="35000"/>
-                            </a:schemeClr>
-                          </a:solidFill>
-                        </a:rPr>
-                        <a:t>clock</a:t>
-                      </a:r>
-                      <a:r>
-                        <a:rPr lang="de-DE" sz="1600" noProof="0" dirty="0">
-                          <a:solidFill>
-                            <a:schemeClr val="tx1">
-                              <a:lumMod val="65000"/>
-                              <a:lumOff val="35000"/>
-                            </a:schemeClr>
-                          </a:solidFill>
-                        </a:rPr>
-                        <a:t> komplexe Anweisungen</a:t>
-                      </a:r>
-                    </a:p>
-                  </a:txBody>
-                  <a:tcPr/>
-                </a:tc>
-                <a:tc>
-                  <a:txBody>
-                    <a:bodyPr/>
-                    <a:lstStyle/>
-                    <a:p>
-                      <a:pPr marL="0" marR="0" indent="0" algn="l" defTabSz="914400" rtl="0" eaLnBrk="1" fontAlgn="auto" latinLnBrk="0" hangingPunct="1">
-                        <a:lnSpc>
-                          <a:spcPct val="100000"/>
-                        </a:lnSpc>
-                        <a:spcBef>
-                          <a:spcPts val="0"/>
-                        </a:spcBef>
-                        <a:spcAft>
-                          <a:spcPts val="0"/>
-                        </a:spcAft>
-                        <a:buClrTx/>
-                        <a:buSzTx/>
-                        <a:buFontTx/>
-                        <a:buNone/>
-                        <a:tabLst/>
-                        <a:defRPr/>
-                      </a:pPr>
-                      <a:r>
-                        <a:rPr lang="en-US" sz="1600" b="0" i="0" kern="1200" noProof="0" dirty="0">
-                          <a:solidFill>
-                            <a:schemeClr val="tx1">
-                              <a:lumMod val="65000"/>
-                              <a:lumOff val="35000"/>
-                            </a:schemeClr>
-                          </a:solidFill>
-                          <a:effectLst/>
-                          <a:latin typeface="+mn-lt"/>
-                          <a:ea typeface="+mn-ea"/>
-                          <a:cs typeface="+mn-cs"/>
-                        </a:rPr>
-                        <a:t>Single-clock (reduced instruction only)</a:t>
-                      </a:r>
-                      <a:endParaRPr lang="de-DE" sz="1600" noProof="0" dirty="0">
-                        <a:solidFill>
-                          <a:schemeClr val="tx1">
-                            <a:lumMod val="65000"/>
-                            <a:lumOff val="35000"/>
-                          </a:schemeClr>
-                        </a:solidFill>
-                      </a:endParaRPr>
-                    </a:p>
-                  </a:txBody>
-                  <a:tcPr/>
-                </a:tc>
-                <a:extLst>
-                  <a:ext uri="{0D108BD9-81ED-4DB2-BD59-A6C34878D82A}">
-                    <a16:rowId xmlns:a16="http://schemas.microsoft.com/office/drawing/2014/main" val="3914462225"/>
-                  </a:ext>
-                </a:extLst>
-              </a:tr>
-              <a:tr h="370840">
-                <a:tc>
-                  <a:txBody>
-                    <a:bodyPr/>
-                    <a:lstStyle/>
-                    <a:p>
-                      <a:pPr marL="0" marR="0" indent="0" algn="l" defTabSz="914400" rtl="0" eaLnBrk="1" fontAlgn="auto" latinLnBrk="0" hangingPunct="1">
-                        <a:lnSpc>
-                          <a:spcPct val="100000"/>
-                        </a:lnSpc>
-                        <a:spcBef>
-                          <a:spcPts val="0"/>
-                        </a:spcBef>
-                        <a:spcAft>
-                          <a:spcPts val="0"/>
-                        </a:spcAft>
-                        <a:buClrTx/>
-                        <a:buSzTx/>
-                        <a:buFontTx/>
-                        <a:buNone/>
-                        <a:tabLst/>
-                        <a:defRPr/>
-                      </a:pPr>
-                      <a:r>
-                        <a:rPr lang="de" sz="1600" noProof="0" dirty="0">
-                          <a:solidFill>
-                            <a:schemeClr val="tx1">
-                              <a:lumMod val="65000"/>
-                              <a:lumOff val="35000"/>
-                            </a:schemeClr>
-                          </a:solidFill>
-                        </a:rPr>
-                        <a:t>Weniger Code, hohe Zyklen pro Sekunde</a:t>
-                      </a:r>
-                      <a:endParaRPr lang="de-DE" sz="1600" noProof="0" dirty="0">
-                        <a:solidFill>
-                          <a:schemeClr val="tx1">
-                            <a:lumMod val="65000"/>
-                            <a:lumOff val="35000"/>
-                          </a:schemeClr>
-                        </a:solidFill>
-                      </a:endParaRPr>
-                    </a:p>
-                  </a:txBody>
-                  <a:tcPr/>
-                </a:tc>
-                <a:tc>
-                  <a:txBody>
-                    <a:bodyPr/>
-                    <a:lstStyle/>
-                    <a:p>
-                      <a:r>
-                        <a:rPr lang="de-DE" sz="1600" noProof="0" dirty="0">
-                          <a:solidFill>
-                            <a:schemeClr val="tx1">
-                              <a:lumMod val="65000"/>
-                              <a:lumOff val="35000"/>
-                            </a:schemeClr>
-                          </a:solidFill>
-                        </a:rPr>
-                        <a:t>Mehr Code, niedrige Zyklen pro Sekunde</a:t>
-                      </a:r>
-                    </a:p>
-                  </a:txBody>
-                  <a:tcPr/>
-                </a:tc>
-                <a:extLst>
-                  <a:ext uri="{0D108BD9-81ED-4DB2-BD59-A6C34878D82A}">
-                    <a16:rowId xmlns:a16="http://schemas.microsoft.com/office/drawing/2014/main" val="1462870049"/>
-                  </a:ext>
-                </a:extLst>
-              </a:tr>
-              <a:tr h="370840">
-                <a:tc>
-                  <a:txBody>
-                    <a:bodyPr/>
-                    <a:lstStyle/>
-                    <a:p>
-                      <a:r>
-                        <a:rPr lang="de-DE" sz="1600" noProof="0" dirty="0">
-                          <a:solidFill>
-                            <a:schemeClr val="tx1">
-                              <a:lumMod val="65000"/>
-                              <a:lumOff val="35000"/>
-                            </a:schemeClr>
-                          </a:solidFill>
-                        </a:rPr>
-                        <a:t>Transistoren zum Speichern verwendet komplexe Anweisungen</a:t>
-                      </a:r>
-                    </a:p>
-                  </a:txBody>
-                  <a:tcPr/>
-                </a:tc>
-                <a:tc>
-                  <a:txBody>
-                    <a:bodyPr/>
-                    <a:lstStyle/>
-                    <a:p>
-                      <a:r>
-                        <a:rPr lang="de-DE" sz="1600" noProof="0" dirty="0">
-                          <a:solidFill>
-                            <a:schemeClr val="tx1">
-                              <a:lumMod val="65000"/>
-                              <a:lumOff val="35000"/>
-                            </a:schemeClr>
-                          </a:solidFill>
-                        </a:rPr>
-                        <a:t>Verwendet mehr Transistoren in den Speicherregistern</a:t>
-                      </a:r>
-                    </a:p>
-                  </a:txBody>
-                  <a:tcPr/>
-                </a:tc>
-                <a:extLst>
-                  <a:ext uri="{0D108BD9-81ED-4DB2-BD59-A6C34878D82A}">
-                    <a16:rowId xmlns:a16="http://schemas.microsoft.com/office/drawing/2014/main" val="1297299129"/>
-                  </a:ext>
-                </a:extLst>
-              </a:tr>
-              <a:tr h="370840">
-                <a:tc>
-                  <a:txBody>
-                    <a:bodyPr/>
-                    <a:lstStyle/>
-                    <a:p>
-                      <a:r>
-                        <a:rPr lang="en-US" sz="1600" b="0" i="0" kern="1200" noProof="0" dirty="0">
-                          <a:solidFill>
-                            <a:schemeClr val="tx1">
-                              <a:lumMod val="65000"/>
-                              <a:lumOff val="35000"/>
-                            </a:schemeClr>
-                          </a:solidFill>
-                          <a:effectLst/>
-                          <a:latin typeface="+mn-lt"/>
-                          <a:ea typeface="+mn-ea"/>
-                          <a:cs typeface="+mn-cs"/>
-                        </a:rPr>
-                        <a:t>Memory-to-memory:</a:t>
-                      </a:r>
-                      <a:br>
-                        <a:rPr lang="en-US" sz="1600" noProof="0" dirty="0">
-                          <a:solidFill>
-                            <a:schemeClr val="tx1">
-                              <a:lumMod val="65000"/>
-                              <a:lumOff val="35000"/>
-                            </a:schemeClr>
-                          </a:solidFill>
-                        </a:rPr>
-                      </a:br>
-                      <a:r>
-                        <a:rPr lang="en-US" sz="1100" b="0" i="0" kern="1200" noProof="0" dirty="0">
-                          <a:solidFill>
-                            <a:schemeClr val="tx1">
-                              <a:lumMod val="65000"/>
-                              <a:lumOff val="35000"/>
-                            </a:schemeClr>
-                          </a:solidFill>
-                          <a:effectLst/>
-                          <a:latin typeface="+mn-lt"/>
-                          <a:ea typeface="+mn-ea"/>
-                          <a:cs typeface="+mn-cs"/>
-                        </a:rPr>
-                        <a:t>"LOAD" und "STORE" in Anweisungen </a:t>
-                      </a:r>
-                      <a:r>
-                        <a:rPr lang="en-US" sz="1100" b="0" i="0" kern="1200" noProof="0" dirty="0" err="1">
-                          <a:solidFill>
-                            <a:schemeClr val="tx1">
-                              <a:lumMod val="65000"/>
-                              <a:lumOff val="35000"/>
-                            </a:schemeClr>
-                          </a:solidFill>
-                          <a:effectLst/>
-                          <a:latin typeface="+mn-lt"/>
-                          <a:ea typeface="+mn-ea"/>
-                          <a:cs typeface="+mn-cs"/>
-                        </a:rPr>
-                        <a:t>eingebettet</a:t>
-                      </a:r>
-                      <a:endParaRPr lang="de-DE" sz="1600" noProof="0" dirty="0">
-                        <a:solidFill>
-                          <a:schemeClr val="tx1">
-                            <a:lumMod val="65000"/>
-                            <a:lumOff val="35000"/>
-                          </a:schemeClr>
-                        </a:solidFill>
-                      </a:endParaRPr>
-                    </a:p>
-                  </a:txBody>
-                  <a:tcPr/>
-                </a:tc>
-                <a:tc>
-                  <a:txBody>
-                    <a:bodyPr/>
-                    <a:lstStyle/>
-                    <a:p>
-                      <a:r>
-                        <a:rPr lang="de-DE" sz="1600" noProof="0" dirty="0">
-                          <a:solidFill>
-                            <a:schemeClr val="tx1">
-                              <a:lumMod val="65000"/>
-                              <a:lumOff val="35000"/>
-                            </a:schemeClr>
-                          </a:solidFill>
-                        </a:rPr>
-                        <a:t>Register-</a:t>
-                      </a:r>
-                      <a:r>
-                        <a:rPr lang="de-DE" sz="1600" noProof="0" dirty="0" err="1">
-                          <a:solidFill>
-                            <a:schemeClr val="tx1">
-                              <a:lumMod val="65000"/>
-                              <a:lumOff val="35000"/>
-                            </a:schemeClr>
-                          </a:solidFill>
-                        </a:rPr>
-                        <a:t>to</a:t>
-                      </a:r>
-                      <a:r>
-                        <a:rPr lang="de-DE" sz="1600" noProof="0" dirty="0">
-                          <a:solidFill>
-                            <a:schemeClr val="tx1">
-                              <a:lumMod val="65000"/>
-                              <a:lumOff val="35000"/>
-                            </a:schemeClr>
-                          </a:solidFill>
-                        </a:rPr>
-                        <a:t>-register:</a:t>
-                      </a:r>
-                    </a:p>
-                    <a:p>
-                      <a:r>
-                        <a:rPr lang="en-US" sz="1100" b="0" i="0" kern="1200" noProof="0" dirty="0">
-                          <a:solidFill>
-                            <a:schemeClr val="tx1">
-                              <a:lumMod val="65000"/>
-                              <a:lumOff val="35000"/>
-                            </a:schemeClr>
-                          </a:solidFill>
-                          <a:effectLst/>
-                          <a:latin typeface="+mn-lt"/>
-                          <a:ea typeface="+mn-ea"/>
-                          <a:cs typeface="+mn-cs"/>
-                        </a:rPr>
-                        <a:t>"LOAD" und "STORE" </a:t>
-                      </a:r>
-                      <a:r>
-                        <a:rPr lang="en-US" sz="1100" b="0" i="0" kern="1200" noProof="0" dirty="0" err="1">
-                          <a:solidFill>
-                            <a:schemeClr val="tx1">
-                              <a:lumMod val="65000"/>
-                              <a:lumOff val="35000"/>
-                            </a:schemeClr>
-                          </a:solidFill>
-                          <a:effectLst/>
-                          <a:latin typeface="+mn-lt"/>
-                          <a:ea typeface="+mn-ea"/>
-                          <a:cs typeface="+mn-cs"/>
-                        </a:rPr>
-                        <a:t>unabhängige</a:t>
-                      </a:r>
-                      <a:r>
-                        <a:rPr lang="en-US" sz="1100" b="0" i="0" kern="1200" noProof="0" dirty="0">
-                          <a:solidFill>
-                            <a:schemeClr val="tx1">
-                              <a:lumMod val="65000"/>
-                              <a:lumOff val="35000"/>
-                            </a:schemeClr>
-                          </a:solidFill>
-                          <a:effectLst/>
-                          <a:latin typeface="+mn-lt"/>
-                          <a:ea typeface="+mn-ea"/>
-                          <a:cs typeface="+mn-cs"/>
-                        </a:rPr>
-                        <a:t> Anweisungen</a:t>
-                      </a:r>
-                      <a:endParaRPr lang="de-DE" sz="1100" noProof="0" dirty="0">
-                        <a:solidFill>
-                          <a:schemeClr val="tx1">
-                            <a:lumMod val="65000"/>
-                            <a:lumOff val="35000"/>
-                          </a:schemeClr>
-                        </a:solidFill>
-                      </a:endParaRPr>
-                    </a:p>
-                  </a:txBody>
-                  <a:tcPr/>
-                </a:tc>
-                <a:extLst>
-                  <a:ext uri="{0D108BD9-81ED-4DB2-BD59-A6C34878D82A}">
-                    <a16:rowId xmlns:a16="http://schemas.microsoft.com/office/drawing/2014/main" val="3265054602"/>
-                  </a:ext>
-                </a:extLst>
-              </a:tr>
-            </a:tbl>
-          </a:graphicData>
-        </a:graphic>
-      </p:graphicFrame>
       <p:sp>
         <p:nvSpPr>
           <p:cNvPr id="6" name="TextBox 5">
@@ -6089,12 +6233,60 @@
           </a:p>
         </p:txBody>
       </p:sp>
+      <p:sp>
+        <p:nvSpPr>
+          <p:cNvPr id="7" name="Rectangle 6">
+            <a:extLst>
+              <a:ext uri="{FF2B5EF4-FFF2-40B4-BE49-F238E27FC236}">
+                <a16:creationId xmlns:a16="http://schemas.microsoft.com/office/drawing/2014/main" id="{7471B51A-6762-B149-A235-1B4DB7E404F2}"/>
+              </a:ext>
+            </a:extLst>
+          </p:cNvPr>
+          <p:cNvSpPr/>
+          <p:nvPr/>
+        </p:nvSpPr>
+        <p:spPr>
+          <a:xfrm>
+            <a:off x="3951866" y="5011312"/>
+            <a:ext cx="3275763" cy="738664"/>
+          </a:xfrm>
+          <a:prstGeom prst="rect">
+            <a:avLst/>
+          </a:prstGeom>
+        </p:spPr>
+        <p:txBody>
+          <a:bodyPr wrap="square">
+            <a:spAutoFit/>
+          </a:bodyPr>
+          <a:lstStyle/>
+          <a:p>
+            <a:r>
+              <a:rPr lang="de" sz="1400" b="1" dirty="0">
+                <a:solidFill>
+                  <a:srgbClr val="777777"/>
+                </a:solidFill>
+                <a:latin typeface="Open Sans"/>
+              </a:rPr>
+              <a:t>Beispiele CISC</a:t>
+            </a:r>
+            <a:r>
+              <a:rPr lang="de" sz="1400" dirty="0">
+                <a:solidFill>
+                  <a:srgbClr val="777777"/>
+                </a:solidFill>
+                <a:latin typeface="Open Sans"/>
+              </a:rPr>
+              <a:t>: Motorola 68000 (68K), DEC VAX, PDP-11, mehrere Generationen von Intel x86, und 8051</a:t>
+            </a:r>
+          </a:p>
+        </p:txBody>
+      </p:sp>
       <p:pic>
         <p:nvPicPr>
-          <p:cNvPr id="5" name="Picture 4" descr="A circuit board&#13;&#10;&#13;&#10;Description automatically generated">
+          <p:cNvPr id="12" name="Picture 11" descr="A circuit board&#13;&#10;&#13;&#10;Description automatically generated">
             <a:extLst>
               <a:ext uri="{FF2B5EF4-FFF2-40B4-BE49-F238E27FC236}">
-                <a16:creationId xmlns:a16="http://schemas.microsoft.com/office/drawing/2014/main" id="{17B84A0E-6AFC-C44F-B43B-FF2ABF7A1B65}"/>
+                <a16:creationId xmlns:a16="http://schemas.microsoft.com/office/drawing/2014/main" id="{4CAC02F0-AF0A-AB48-A028-146A2FE17D26}"/>
               </a:ext>
             </a:extLst>
           </p:cNvPr>
@@ -6111,8 +6303,8 @@
         </p:blipFill>
         <p:spPr>
           <a:xfrm>
-            <a:off x="5065901" y="4235773"/>
-            <a:ext cx="1373589" cy="1237204"/>
+            <a:off x="3951866" y="3970768"/>
+            <a:ext cx="3275763" cy="902428"/>
           </a:xfrm>
           <a:prstGeom prst="rect">
             <a:avLst/>
@@ -6121,10 +6313,10 @@
       </p:pic>
       <p:pic>
         <p:nvPicPr>
-          <p:cNvPr id="8" name="Picture 7" descr="A circuit board&#13;&#10;&#13;&#10;Description automatically generated">
+          <p:cNvPr id="14" name="Picture 13" descr="A blue sign sitting on the side of a circuit board&#13;&#10;&#13;&#10;Description automatically generated">
             <a:extLst>
               <a:ext uri="{FF2B5EF4-FFF2-40B4-BE49-F238E27FC236}">
-                <a16:creationId xmlns:a16="http://schemas.microsoft.com/office/drawing/2014/main" id="{77DCF18E-F0B5-B844-B2D8-326E329D041A}"/>
+                <a16:creationId xmlns:a16="http://schemas.microsoft.com/office/drawing/2014/main" id="{2E30F7AC-080D-4144-B51C-EC630A33EA83}"/>
               </a:ext>
             </a:extLst>
           </p:cNvPr>
@@ -6141,8 +6333,8 @@
         </p:blipFill>
         <p:spPr>
           <a:xfrm>
-            <a:off x="8304990" y="4235773"/>
-            <a:ext cx="1850519" cy="1237204"/>
+            <a:off x="8991601" y="3938610"/>
+            <a:ext cx="914400" cy="939800"/>
           </a:xfrm>
           <a:prstGeom prst="rect">
             <a:avLst/>
@@ -6151,10 +6343,10 @@
       </p:pic>
       <p:sp>
         <p:nvSpPr>
-          <p:cNvPr id="3" name="Rectangle 2">
+          <p:cNvPr id="15" name="Rectangle 14">
             <a:extLst>
               <a:ext uri="{FF2B5EF4-FFF2-40B4-BE49-F238E27FC236}">
-                <a16:creationId xmlns:a16="http://schemas.microsoft.com/office/drawing/2014/main" id="{3434EC44-2A2D-2946-B5EA-28C051E770A4}"/>
+                <a16:creationId xmlns:a16="http://schemas.microsoft.com/office/drawing/2014/main" id="{A5E3B5AA-9322-DD40-B709-42C57733571B}"/>
               </a:ext>
             </a:extLst>
           </p:cNvPr>
@@ -6163,111 +6355,1120 @@
         </p:nvSpPr>
         <p:spPr>
           <a:xfrm>
-            <a:off x="7195131" y="5654501"/>
-            <a:ext cx="6096000" cy="923330"/>
+            <a:off x="7979094" y="4992557"/>
+            <a:ext cx="3275763" cy="1169551"/>
           </a:xfrm>
           <a:prstGeom prst="rect">
             <a:avLst/>
           </a:prstGeom>
         </p:spPr>
         <p:txBody>
-          <a:bodyPr>
+          <a:bodyPr wrap="square">
             <a:spAutoFit/>
           </a:bodyPr>
           <a:lstStyle/>
           <a:p>
             <a:r>
-              <a:rPr lang="en-US" dirty="0">
+              <a:rPr lang="de" sz="1400" b="1" dirty="0">
                 <a:solidFill>
                   <a:srgbClr val="777777"/>
                 </a:solidFill>
                 <a:latin typeface="Open Sans"/>
               </a:rPr>
-              <a:t>MIPS, PowerPC, Atmel’s AVR, Microchip PIC processors, Arm processors, RISC-V, and all modern microprocessors have at least some elements of RISC</a:t>
-            </a:r>
-            <a:endParaRPr lang="de-DE" dirty="0"/>
-          </a:p>
-        </p:txBody>
-      </p:sp>
-      <p:sp>
-        <p:nvSpPr>
-          <p:cNvPr id="7" name="Rectangle 6">
+              <a:t>Beispiele RISC</a:t>
+            </a:r>
+            <a:r>
+              <a:rPr lang="de" sz="1400" dirty="0">
+                <a:solidFill>
+                  <a:srgbClr val="777777"/>
+                </a:solidFill>
+                <a:latin typeface="Open Sans"/>
+              </a:rPr>
+              <a:t>: </a:t>
+            </a:r>
+            <a:r>
+              <a:rPr lang="en-US" sz="1400" dirty="0">
+                <a:solidFill>
+                  <a:srgbClr val="777777"/>
+                </a:solidFill>
+                <a:latin typeface="Open Sans"/>
+              </a:rPr>
+              <a:t>MIPS, PowerPC, Atmel’s AVR, Microchip PIC processors, Arm processors, RISC-V, und </a:t>
+            </a:r>
+            <a:r>
+              <a:rPr lang="en-US" sz="1400" dirty="0" err="1">
+                <a:solidFill>
+                  <a:srgbClr val="777777"/>
+                </a:solidFill>
+                <a:latin typeface="Open Sans"/>
+              </a:rPr>
+              <a:t>alle</a:t>
+            </a:r>
+            <a:r>
+              <a:rPr lang="en-US" sz="1400" dirty="0">
+                <a:solidFill>
+                  <a:srgbClr val="777777"/>
+                </a:solidFill>
+                <a:latin typeface="Open Sans"/>
+              </a:rPr>
+              <a:t> </a:t>
+            </a:r>
+            <a:r>
+              <a:rPr lang="en-US" sz="1400" dirty="0" err="1">
+                <a:solidFill>
+                  <a:srgbClr val="777777"/>
+                </a:solidFill>
+                <a:latin typeface="Open Sans"/>
+              </a:rPr>
+              <a:t>modernen</a:t>
+            </a:r>
+            <a:r>
+              <a:rPr lang="en-US" sz="1400" dirty="0">
+                <a:solidFill>
+                  <a:srgbClr val="777777"/>
+                </a:solidFill>
+                <a:latin typeface="Open Sans"/>
+              </a:rPr>
+              <a:t> </a:t>
+            </a:r>
+            <a:r>
+              <a:rPr lang="en-US" sz="1400" dirty="0" err="1">
+                <a:solidFill>
+                  <a:srgbClr val="777777"/>
+                </a:solidFill>
+                <a:latin typeface="Open Sans"/>
+              </a:rPr>
+              <a:t>Mikroprozessoren</a:t>
+            </a:r>
+            <a:r>
+              <a:rPr lang="en-US" sz="1400" dirty="0">
+                <a:solidFill>
+                  <a:srgbClr val="777777"/>
+                </a:solidFill>
+                <a:latin typeface="Open Sans"/>
+              </a:rPr>
+              <a:t> </a:t>
+            </a:r>
+            <a:r>
+              <a:rPr lang="en-US" sz="1400" dirty="0" err="1">
+                <a:solidFill>
+                  <a:srgbClr val="777777"/>
+                </a:solidFill>
+                <a:latin typeface="Open Sans"/>
+              </a:rPr>
+              <a:t>haben</a:t>
+            </a:r>
+            <a:r>
+              <a:rPr lang="en-US" sz="1400" dirty="0">
+                <a:solidFill>
+                  <a:srgbClr val="777777"/>
+                </a:solidFill>
+                <a:latin typeface="Open Sans"/>
+              </a:rPr>
+              <a:t> </a:t>
+            </a:r>
+            <a:r>
+              <a:rPr lang="en-US" sz="1400" dirty="0" err="1">
+                <a:solidFill>
+                  <a:srgbClr val="777777"/>
+                </a:solidFill>
+                <a:latin typeface="Open Sans"/>
+              </a:rPr>
+              <a:t>mindestens</a:t>
+            </a:r>
+            <a:r>
+              <a:rPr lang="en-US" sz="1400" dirty="0">
+                <a:solidFill>
+                  <a:srgbClr val="777777"/>
+                </a:solidFill>
+                <a:latin typeface="Open Sans"/>
+              </a:rPr>
+              <a:t> </a:t>
+            </a:r>
+            <a:r>
+              <a:rPr lang="en-US" sz="1400" dirty="0" err="1">
+                <a:solidFill>
+                  <a:srgbClr val="777777"/>
+                </a:solidFill>
+                <a:latin typeface="Open Sans"/>
+              </a:rPr>
+              <a:t>Elemente</a:t>
+            </a:r>
+            <a:r>
+              <a:rPr lang="en-US" sz="1400" dirty="0">
+                <a:solidFill>
+                  <a:srgbClr val="777777"/>
+                </a:solidFill>
+                <a:latin typeface="Open Sans"/>
+              </a:rPr>
+              <a:t> von RISC</a:t>
+            </a:r>
+            <a:endParaRPr lang="de" sz="1400" dirty="0">
+              <a:solidFill>
+                <a:srgbClr val="777777"/>
+              </a:solidFill>
+              <a:latin typeface="Open Sans"/>
+            </a:endParaRPr>
+          </a:p>
+        </p:txBody>
+      </p:sp>
+      <p:graphicFrame>
+        <p:nvGraphicFramePr>
+          <p:cNvPr id="18" name="Content Placeholder 17">
             <a:extLst>
               <a:ext uri="{FF2B5EF4-FFF2-40B4-BE49-F238E27FC236}">
-                <a16:creationId xmlns:a16="http://schemas.microsoft.com/office/drawing/2014/main" id="{7471B51A-6762-B149-A235-1B4DB7E404F2}"/>
+                <a16:creationId xmlns:a16="http://schemas.microsoft.com/office/drawing/2014/main" id="{5B4C5269-8CD8-224C-9706-6499F8ECFDB9}"/>
               </a:ext>
             </a:extLst>
           </p:cNvPr>
-          <p:cNvSpPr/>
-          <p:nvPr/>
-        </p:nvSpPr>
-        <p:spPr>
-          <a:xfrm>
-            <a:off x="3391490" y="5548135"/>
-            <a:ext cx="6096000" cy="646331"/>
-          </a:xfrm>
-          <a:prstGeom prst="rect">
-            <a:avLst/>
-          </a:prstGeom>
-        </p:spPr>
-        <p:txBody>
-          <a:bodyPr>
-            <a:spAutoFit/>
-          </a:bodyPr>
-          <a:lstStyle/>
-          <a:p>
-            <a:r>
-              <a:rPr lang="en-US" dirty="0">
-                <a:solidFill>
-                  <a:srgbClr val="777777"/>
-                </a:solidFill>
-                <a:latin typeface="Open Sans"/>
-              </a:rPr>
-              <a:t>Motorola 68000 (68K), DEC VAX, PDP-11, several generations of the Intel x86, and 8051</a:t>
-            </a:r>
-            <a:endParaRPr lang="de-DE" dirty="0"/>
-          </a:p>
-        </p:txBody>
-      </p:sp>
-      <p:sp>
-        <p:nvSpPr>
-          <p:cNvPr id="9" name="TextBox 8">
-            <a:extLst>
-              <a:ext uri="{FF2B5EF4-FFF2-40B4-BE49-F238E27FC236}">
-                <a16:creationId xmlns:a16="http://schemas.microsoft.com/office/drawing/2014/main" id="{4ADAFD02-3AA1-F74F-855E-ACD54228A164}"/>
-              </a:ext>
-            </a:extLst>
-          </p:cNvPr>
-          <p:cNvSpPr txBox="1"/>
-          <p:nvPr/>
-        </p:nvSpPr>
-        <p:spPr>
-          <a:xfrm>
-            <a:off x="3951866" y="3950208"/>
-            <a:ext cx="3538726" cy="369332"/>
-          </a:xfrm>
-          <a:prstGeom prst="rect">
-            <a:avLst/>
-          </a:prstGeom>
-          <a:noFill/>
-        </p:spPr>
-        <p:txBody>
-          <a:bodyPr wrap="none" rtlCol="0">
-            <a:spAutoFit/>
-          </a:bodyPr>
-          <a:lstStyle/>
-          <a:p>
-            <a:r>
-              <a:rPr lang="de-DE" dirty="0" err="1"/>
-              <a:t>Vorallem</a:t>
-            </a:r>
-            <a:r>
-              <a:rPr lang="de-DE" dirty="0"/>
-              <a:t> heute bei Mobile-Geräten</a:t>
-            </a:r>
-          </a:p>
-        </p:txBody>
-      </p:sp>
+          <p:cNvGraphicFramePr>
+            <a:graphicFrameLocks noGrp="1"/>
+          </p:cNvGraphicFramePr>
+          <p:nvPr>
+            <p:ph idx="1"/>
+            <p:extLst>
+              <p:ext uri="{D42A27DB-BD31-4B8C-83A1-F6EECF244321}">
+                <p14:modId xmlns:p14="http://schemas.microsoft.com/office/powerpoint/2010/main" val="500953648"/>
+              </p:ext>
+            </p:extLst>
+          </p:nvPr>
+        </p:nvGraphicFramePr>
+        <p:xfrm>
+          <a:off x="3939657" y="775565"/>
+          <a:ext cx="7315200" cy="2886911"/>
+        </p:xfrm>
+        <a:graphic>
+          <a:graphicData uri="http://schemas.openxmlformats.org/drawingml/2006/table">
+            <a:tbl>
+              <a:tblPr/>
+              <a:tblGrid>
+                <a:gridCol w="3657600">
+                  <a:extLst>
+                    <a:ext uri="{9D8B030D-6E8A-4147-A177-3AD203B41FA5}">
+                      <a16:colId xmlns:a16="http://schemas.microsoft.com/office/drawing/2014/main" val="1154041650"/>
+                    </a:ext>
+                  </a:extLst>
+                </a:gridCol>
+                <a:gridCol w="3657600">
+                  <a:extLst>
+                    <a:ext uri="{9D8B030D-6E8A-4147-A177-3AD203B41FA5}">
+                      <a16:colId xmlns:a16="http://schemas.microsoft.com/office/drawing/2014/main" val="2395578863"/>
+                    </a:ext>
+                  </a:extLst>
+                </a:gridCol>
+              </a:tblGrid>
+              <a:tr h="373075">
+                <a:tc>
+                  <a:txBody>
+                    <a:bodyPr/>
+                    <a:lstStyle/>
+                    <a:p>
+                      <a:pPr algn="l"/>
+                      <a:r>
+                        <a:rPr lang="en-US" sz="1700" b="1" dirty="0">
+                          <a:solidFill>
+                            <a:schemeClr val="tx1">
+                              <a:lumMod val="65000"/>
+                              <a:lumOff val="35000"/>
+                            </a:schemeClr>
+                          </a:solidFill>
+                          <a:effectLst/>
+                        </a:rPr>
+                        <a:t>CISC</a:t>
+                      </a:r>
+                    </a:p>
+                  </a:txBody>
+                  <a:tcPr marL="118872" marR="118872" marT="54864" marB="54864" anchor="ctr">
+                    <a:lnL w="9525" cap="flat" cmpd="sng" algn="ctr">
+                      <a:solidFill>
+                        <a:srgbClr val="DFE2E5"/>
+                      </a:solidFill>
+                      <a:prstDash val="solid"/>
+                      <a:round/>
+                      <a:headEnd type="none" w="med" len="med"/>
+                      <a:tailEnd type="none" w="med" len="med"/>
+                    </a:lnL>
+                    <a:lnR w="9525" cap="flat" cmpd="sng" algn="ctr">
+                      <a:solidFill>
+                        <a:srgbClr val="DFE2E5"/>
+                      </a:solidFill>
+                      <a:prstDash val="solid"/>
+                      <a:round/>
+                      <a:headEnd type="none" w="med" len="med"/>
+                      <a:tailEnd type="none" w="med" len="med"/>
+                    </a:lnR>
+                    <a:lnT w="9525" cap="flat" cmpd="sng" algn="ctr">
+                      <a:solidFill>
+                        <a:srgbClr val="DFE2E5"/>
+                      </a:solidFill>
+                      <a:prstDash val="solid"/>
+                      <a:round/>
+                      <a:headEnd type="none" w="med" len="med"/>
+                      <a:tailEnd type="none" w="med" len="med"/>
+                    </a:lnT>
+                    <a:lnB w="9525" cap="flat" cmpd="sng" algn="ctr">
+                      <a:solidFill>
+                        <a:srgbClr val="DFE2E5"/>
+                      </a:solidFill>
+                      <a:prstDash val="solid"/>
+                      <a:round/>
+                      <a:headEnd type="none" w="med" len="med"/>
+                      <a:tailEnd type="none" w="med" len="med"/>
+                    </a:lnB>
+                    <a:solidFill>
+                      <a:schemeClr val="bg1">
+                        <a:lumMod val="95000"/>
+                      </a:schemeClr>
+                    </a:solidFill>
+                  </a:tcPr>
+                </a:tc>
+                <a:tc>
+                  <a:txBody>
+                    <a:bodyPr/>
+                    <a:lstStyle/>
+                    <a:p>
+                      <a:pPr algn="l"/>
+                      <a:r>
+                        <a:rPr lang="en-US" sz="1700" b="1" dirty="0">
+                          <a:solidFill>
+                            <a:schemeClr val="tx1">
+                              <a:lumMod val="65000"/>
+                              <a:lumOff val="35000"/>
+                            </a:schemeClr>
+                          </a:solidFill>
+                          <a:effectLst/>
+                        </a:rPr>
+                        <a:t>RISC</a:t>
+                      </a:r>
+                    </a:p>
+                  </a:txBody>
+                  <a:tcPr marL="118872" marR="118872" marT="54864" marB="54864" anchor="ctr">
+                    <a:lnL w="9525" cap="flat" cmpd="sng" algn="ctr">
+                      <a:solidFill>
+                        <a:srgbClr val="DFE2E5"/>
+                      </a:solidFill>
+                      <a:prstDash val="solid"/>
+                      <a:round/>
+                      <a:headEnd type="none" w="med" len="med"/>
+                      <a:tailEnd type="none" w="med" len="med"/>
+                    </a:lnL>
+                    <a:lnR w="9525" cap="flat" cmpd="sng" algn="ctr">
+                      <a:solidFill>
+                        <a:srgbClr val="DFE2E5"/>
+                      </a:solidFill>
+                      <a:prstDash val="solid"/>
+                      <a:round/>
+                      <a:headEnd type="none" w="med" len="med"/>
+                      <a:tailEnd type="none" w="med" len="med"/>
+                    </a:lnR>
+                    <a:lnT w="9525" cap="flat" cmpd="sng" algn="ctr">
+                      <a:solidFill>
+                        <a:srgbClr val="DFE2E5"/>
+                      </a:solidFill>
+                      <a:prstDash val="solid"/>
+                      <a:round/>
+                      <a:headEnd type="none" w="med" len="med"/>
+                      <a:tailEnd type="none" w="med" len="med"/>
+                    </a:lnT>
+                    <a:lnB w="9525" cap="flat" cmpd="sng" algn="ctr">
+                      <a:solidFill>
+                        <a:srgbClr val="DFE2E5"/>
+                      </a:solidFill>
+                      <a:prstDash val="solid"/>
+                      <a:round/>
+                      <a:headEnd type="none" w="med" len="med"/>
+                      <a:tailEnd type="none" w="med" len="med"/>
+                    </a:lnB>
+                    <a:solidFill>
+                      <a:schemeClr val="bg1">
+                        <a:lumMod val="95000"/>
+                      </a:schemeClr>
+                    </a:solidFill>
+                  </a:tcPr>
+                </a:tc>
+                <a:extLst>
+                  <a:ext uri="{0D108BD9-81ED-4DB2-BD59-A6C34878D82A}">
+                    <a16:rowId xmlns:a16="http://schemas.microsoft.com/office/drawing/2014/main" val="4240854285"/>
+                  </a:ext>
+                </a:extLst>
+              </a:tr>
+              <a:tr h="373075">
+                <a:tc>
+                  <a:txBody>
+                    <a:bodyPr/>
+                    <a:lstStyle/>
+                    <a:p>
+                      <a:pPr algn="l"/>
+                      <a:r>
+                        <a:rPr lang="en-US" sz="1600" dirty="0" err="1">
+                          <a:solidFill>
+                            <a:schemeClr val="tx1">
+                              <a:lumMod val="65000"/>
+                              <a:lumOff val="35000"/>
+                            </a:schemeClr>
+                          </a:solidFill>
+                          <a:effectLst/>
+                        </a:rPr>
+                        <a:t>Schwerpunkt</a:t>
+                      </a:r>
+                      <a:r>
+                        <a:rPr lang="en-US" sz="1600" dirty="0">
+                          <a:solidFill>
+                            <a:schemeClr val="tx1">
+                              <a:lumMod val="65000"/>
+                              <a:lumOff val="35000"/>
+                            </a:schemeClr>
+                          </a:solidFill>
+                          <a:effectLst/>
+                        </a:rPr>
+                        <a:t> Hardware</a:t>
+                      </a:r>
+                    </a:p>
+                  </a:txBody>
+                  <a:tcPr marL="118872" marR="118872" marT="54864" marB="54864" anchor="ctr">
+                    <a:lnL w="9525" cap="flat" cmpd="sng" algn="ctr">
+                      <a:solidFill>
+                        <a:srgbClr val="DFE2E5"/>
+                      </a:solidFill>
+                      <a:prstDash val="solid"/>
+                      <a:round/>
+                      <a:headEnd type="none" w="med" len="med"/>
+                      <a:tailEnd type="none" w="med" len="med"/>
+                    </a:lnL>
+                    <a:lnR w="9525" cap="flat" cmpd="sng" algn="ctr">
+                      <a:solidFill>
+                        <a:srgbClr val="DFE2E5"/>
+                      </a:solidFill>
+                      <a:prstDash val="solid"/>
+                      <a:round/>
+                      <a:headEnd type="none" w="med" len="med"/>
+                      <a:tailEnd type="none" w="med" len="med"/>
+                    </a:lnR>
+                    <a:lnT w="9525" cap="flat" cmpd="sng" algn="ctr">
+                      <a:solidFill>
+                        <a:srgbClr val="DFE2E5"/>
+                      </a:solidFill>
+                      <a:prstDash val="solid"/>
+                      <a:round/>
+                      <a:headEnd type="none" w="med" len="med"/>
+                      <a:tailEnd type="none" w="med" len="med"/>
+                    </a:lnT>
+                    <a:lnB w="9525" cap="flat" cmpd="sng" algn="ctr">
+                      <a:solidFill>
+                        <a:srgbClr val="DFE2E5"/>
+                      </a:solidFill>
+                      <a:prstDash val="solid"/>
+                      <a:round/>
+                      <a:headEnd type="none" w="med" len="med"/>
+                      <a:tailEnd type="none" w="med" len="med"/>
+                    </a:lnB>
+                  </a:tcPr>
+                </a:tc>
+                <a:tc>
+                  <a:txBody>
+                    <a:bodyPr/>
+                    <a:lstStyle/>
+                    <a:p>
+                      <a:pPr algn="l"/>
+                      <a:r>
+                        <a:rPr lang="en-US" sz="1600">
+                          <a:solidFill>
+                            <a:schemeClr val="tx1">
+                              <a:lumMod val="65000"/>
+                              <a:lumOff val="35000"/>
+                            </a:schemeClr>
+                          </a:solidFill>
+                          <a:effectLst/>
+                        </a:rPr>
+                        <a:t>Schwerpunkt Software</a:t>
+                      </a:r>
+                    </a:p>
+                  </a:txBody>
+                  <a:tcPr marL="118872" marR="118872" marT="54864" marB="54864" anchor="ctr">
+                    <a:lnL w="9525" cap="flat" cmpd="sng" algn="ctr">
+                      <a:solidFill>
+                        <a:srgbClr val="DFE2E5"/>
+                      </a:solidFill>
+                      <a:prstDash val="solid"/>
+                      <a:round/>
+                      <a:headEnd type="none" w="med" len="med"/>
+                      <a:tailEnd type="none" w="med" len="med"/>
+                    </a:lnL>
+                    <a:lnR w="9525" cap="flat" cmpd="sng" algn="ctr">
+                      <a:solidFill>
+                        <a:srgbClr val="DFE2E5"/>
+                      </a:solidFill>
+                      <a:prstDash val="solid"/>
+                      <a:round/>
+                      <a:headEnd type="none" w="med" len="med"/>
+                      <a:tailEnd type="none" w="med" len="med"/>
+                    </a:lnR>
+                    <a:lnT w="9525" cap="flat" cmpd="sng" algn="ctr">
+                      <a:solidFill>
+                        <a:srgbClr val="DFE2E5"/>
+                      </a:solidFill>
+                      <a:prstDash val="solid"/>
+                      <a:round/>
+                      <a:headEnd type="none" w="med" len="med"/>
+                      <a:tailEnd type="none" w="med" len="med"/>
+                    </a:lnT>
+                    <a:lnB w="9525" cap="flat" cmpd="sng" algn="ctr">
+                      <a:solidFill>
+                        <a:srgbClr val="DFE2E5"/>
+                      </a:solidFill>
+                      <a:prstDash val="solid"/>
+                      <a:round/>
+                      <a:headEnd type="none" w="med" len="med"/>
+                      <a:tailEnd type="none" w="med" len="med"/>
+                    </a:lnB>
+                  </a:tcPr>
+                </a:tc>
+                <a:extLst>
+                  <a:ext uri="{0D108BD9-81ED-4DB2-BD59-A6C34878D82A}">
+                    <a16:rowId xmlns:a16="http://schemas.microsoft.com/office/drawing/2014/main" val="2860332215"/>
+                  </a:ext>
+                </a:extLst>
+              </a:tr>
+              <a:tr h="416813">
+                <a:tc>
+                  <a:txBody>
+                    <a:bodyPr/>
+                    <a:lstStyle/>
+                    <a:p>
+                      <a:pPr algn="l"/>
+                      <a:r>
+                        <a:rPr lang="en-US" sz="1600" dirty="0">
+                          <a:solidFill>
+                            <a:schemeClr val="tx1">
+                              <a:lumMod val="65000"/>
+                              <a:lumOff val="35000"/>
+                            </a:schemeClr>
+                          </a:solidFill>
+                          <a:effectLst/>
+                        </a:rPr>
+                        <a:t>Multi-clock </a:t>
+                      </a:r>
+                      <a:r>
+                        <a:rPr lang="en-US" sz="1600" dirty="0" err="1">
+                          <a:solidFill>
+                            <a:schemeClr val="tx1">
+                              <a:lumMod val="65000"/>
+                              <a:lumOff val="35000"/>
+                            </a:schemeClr>
+                          </a:solidFill>
+                          <a:effectLst/>
+                        </a:rPr>
+                        <a:t>komplexe</a:t>
+                      </a:r>
+                      <a:r>
+                        <a:rPr lang="en-US" sz="1600" dirty="0">
+                          <a:solidFill>
+                            <a:schemeClr val="tx1">
+                              <a:lumMod val="65000"/>
+                              <a:lumOff val="35000"/>
+                            </a:schemeClr>
+                          </a:solidFill>
+                          <a:effectLst/>
+                        </a:rPr>
+                        <a:t> Anweisungen</a:t>
+                      </a:r>
+                    </a:p>
+                  </a:txBody>
+                  <a:tcPr marL="118872" marR="118872" marT="54864" marB="54864" anchor="ctr">
+                    <a:lnL w="9525" cap="flat" cmpd="sng" algn="ctr">
+                      <a:solidFill>
+                        <a:srgbClr val="DFE2E5"/>
+                      </a:solidFill>
+                      <a:prstDash val="solid"/>
+                      <a:round/>
+                      <a:headEnd type="none" w="med" len="med"/>
+                      <a:tailEnd type="none" w="med" len="med"/>
+                    </a:lnL>
+                    <a:lnR w="9525" cap="flat" cmpd="sng" algn="ctr">
+                      <a:solidFill>
+                        <a:srgbClr val="DFE2E5"/>
+                      </a:solidFill>
+                      <a:prstDash val="solid"/>
+                      <a:round/>
+                      <a:headEnd type="none" w="med" len="med"/>
+                      <a:tailEnd type="none" w="med" len="med"/>
+                    </a:lnR>
+                    <a:lnT w="9525" cap="flat" cmpd="sng" algn="ctr">
+                      <a:solidFill>
+                        <a:srgbClr val="DFE2E5"/>
+                      </a:solidFill>
+                      <a:prstDash val="solid"/>
+                      <a:round/>
+                      <a:headEnd type="none" w="med" len="med"/>
+                      <a:tailEnd type="none" w="med" len="med"/>
+                    </a:lnT>
+                    <a:lnB w="9525" cap="flat" cmpd="sng" algn="ctr">
+                      <a:solidFill>
+                        <a:srgbClr val="DFE2E5"/>
+                      </a:solidFill>
+                      <a:prstDash val="solid"/>
+                      <a:round/>
+                      <a:headEnd type="none" w="med" len="med"/>
+                      <a:tailEnd type="none" w="med" len="med"/>
+                    </a:lnB>
+                    <a:solidFill>
+                      <a:srgbClr val="F8F8F8"/>
+                    </a:solidFill>
+                  </a:tcPr>
+                </a:tc>
+                <a:tc>
+                  <a:txBody>
+                    <a:bodyPr/>
+                    <a:lstStyle/>
+                    <a:p>
+                      <a:pPr algn="l"/>
+                      <a:r>
+                        <a:rPr lang="en-US" sz="1600">
+                          <a:solidFill>
+                            <a:schemeClr val="tx1">
+                              <a:lumMod val="65000"/>
+                              <a:lumOff val="35000"/>
+                            </a:schemeClr>
+                          </a:solidFill>
+                          <a:effectLst/>
+                        </a:rPr>
+                        <a:t>Single-clock (reduced instruction only)</a:t>
+                      </a:r>
+                    </a:p>
+                  </a:txBody>
+                  <a:tcPr marL="118872" marR="118872" marT="54864" marB="54864" anchor="ctr">
+                    <a:lnL w="9525" cap="flat" cmpd="sng" algn="ctr">
+                      <a:solidFill>
+                        <a:srgbClr val="DFE2E5"/>
+                      </a:solidFill>
+                      <a:prstDash val="solid"/>
+                      <a:round/>
+                      <a:headEnd type="none" w="med" len="med"/>
+                      <a:tailEnd type="none" w="med" len="med"/>
+                    </a:lnL>
+                    <a:lnR w="9525" cap="flat" cmpd="sng" algn="ctr">
+                      <a:solidFill>
+                        <a:srgbClr val="DFE2E5"/>
+                      </a:solidFill>
+                      <a:prstDash val="solid"/>
+                      <a:round/>
+                      <a:headEnd type="none" w="med" len="med"/>
+                      <a:tailEnd type="none" w="med" len="med"/>
+                    </a:lnR>
+                    <a:lnT w="9525" cap="flat" cmpd="sng" algn="ctr">
+                      <a:solidFill>
+                        <a:srgbClr val="DFE2E5"/>
+                      </a:solidFill>
+                      <a:prstDash val="solid"/>
+                      <a:round/>
+                      <a:headEnd type="none" w="med" len="med"/>
+                      <a:tailEnd type="none" w="med" len="med"/>
+                    </a:lnT>
+                    <a:lnB w="9525" cap="flat" cmpd="sng" algn="ctr">
+                      <a:solidFill>
+                        <a:srgbClr val="DFE2E5"/>
+                      </a:solidFill>
+                      <a:prstDash val="solid"/>
+                      <a:round/>
+                      <a:headEnd type="none" w="med" len="med"/>
+                      <a:tailEnd type="none" w="med" len="med"/>
+                    </a:lnB>
+                    <a:solidFill>
+                      <a:srgbClr val="F8F8F8"/>
+                    </a:solidFill>
+                  </a:tcPr>
+                </a:tc>
+                <a:extLst>
+                  <a:ext uri="{0D108BD9-81ED-4DB2-BD59-A6C34878D82A}">
+                    <a16:rowId xmlns:a16="http://schemas.microsoft.com/office/drawing/2014/main" val="4257036458"/>
+                  </a:ext>
+                </a:extLst>
+              </a:tr>
+              <a:tr h="451104">
+                <a:tc>
+                  <a:txBody>
+                    <a:bodyPr/>
+                    <a:lstStyle/>
+                    <a:p>
+                      <a:pPr algn="l"/>
+                      <a:r>
+                        <a:rPr lang="de" sz="1600" dirty="0">
+                          <a:solidFill>
+                            <a:schemeClr val="tx1">
+                              <a:lumMod val="65000"/>
+                              <a:lumOff val="35000"/>
+                            </a:schemeClr>
+                          </a:solidFill>
+                          <a:effectLst/>
+                        </a:rPr>
+                        <a:t>Weniger Code, hohe Zyklen pro Sekunde</a:t>
+                      </a:r>
+                    </a:p>
+                  </a:txBody>
+                  <a:tcPr marL="118872" marR="118872" marT="54864" marB="54864" anchor="ctr">
+                    <a:lnL w="9525" cap="flat" cmpd="sng" algn="ctr">
+                      <a:solidFill>
+                        <a:srgbClr val="DFE2E5"/>
+                      </a:solidFill>
+                      <a:prstDash val="solid"/>
+                      <a:round/>
+                      <a:headEnd type="none" w="med" len="med"/>
+                      <a:tailEnd type="none" w="med" len="med"/>
+                    </a:lnL>
+                    <a:lnR w="9525" cap="flat" cmpd="sng" algn="ctr">
+                      <a:solidFill>
+                        <a:srgbClr val="DFE2E5"/>
+                      </a:solidFill>
+                      <a:prstDash val="solid"/>
+                      <a:round/>
+                      <a:headEnd type="none" w="med" len="med"/>
+                      <a:tailEnd type="none" w="med" len="med"/>
+                    </a:lnR>
+                    <a:lnT w="9525" cap="flat" cmpd="sng" algn="ctr">
+                      <a:solidFill>
+                        <a:srgbClr val="DFE2E5"/>
+                      </a:solidFill>
+                      <a:prstDash val="solid"/>
+                      <a:round/>
+                      <a:headEnd type="none" w="med" len="med"/>
+                      <a:tailEnd type="none" w="med" len="med"/>
+                    </a:lnT>
+                    <a:lnB w="9525" cap="flat" cmpd="sng" algn="ctr">
+                      <a:solidFill>
+                        <a:srgbClr val="DFE2E5"/>
+                      </a:solidFill>
+                      <a:prstDash val="solid"/>
+                      <a:round/>
+                      <a:headEnd type="none" w="med" len="med"/>
+                      <a:tailEnd type="none" w="med" len="med"/>
+                    </a:lnB>
+                  </a:tcPr>
+                </a:tc>
+                <a:tc>
+                  <a:txBody>
+                    <a:bodyPr/>
+                    <a:lstStyle/>
+                    <a:p>
+                      <a:pPr algn="l"/>
+                      <a:r>
+                        <a:rPr lang="de" sz="1600">
+                          <a:solidFill>
+                            <a:schemeClr val="tx1">
+                              <a:lumMod val="65000"/>
+                              <a:lumOff val="35000"/>
+                            </a:schemeClr>
+                          </a:solidFill>
+                          <a:effectLst/>
+                        </a:rPr>
+                        <a:t>Mehr Code, niedrige Zyklen pro Sekunde</a:t>
+                      </a:r>
+                    </a:p>
+                  </a:txBody>
+                  <a:tcPr marL="118872" marR="118872" marT="54864" marB="54864" anchor="ctr">
+                    <a:lnL w="9525" cap="flat" cmpd="sng" algn="ctr">
+                      <a:solidFill>
+                        <a:srgbClr val="DFE2E5"/>
+                      </a:solidFill>
+                      <a:prstDash val="solid"/>
+                      <a:round/>
+                      <a:headEnd type="none" w="med" len="med"/>
+                      <a:tailEnd type="none" w="med" len="med"/>
+                    </a:lnL>
+                    <a:lnR w="9525" cap="flat" cmpd="sng" algn="ctr">
+                      <a:solidFill>
+                        <a:srgbClr val="DFE2E5"/>
+                      </a:solidFill>
+                      <a:prstDash val="solid"/>
+                      <a:round/>
+                      <a:headEnd type="none" w="med" len="med"/>
+                      <a:tailEnd type="none" w="med" len="med"/>
+                    </a:lnR>
+                    <a:lnT w="9525" cap="flat" cmpd="sng" algn="ctr">
+                      <a:solidFill>
+                        <a:srgbClr val="DFE2E5"/>
+                      </a:solidFill>
+                      <a:prstDash val="solid"/>
+                      <a:round/>
+                      <a:headEnd type="none" w="med" len="med"/>
+                      <a:tailEnd type="none" w="med" len="med"/>
+                    </a:lnT>
+                    <a:lnB w="9525" cap="flat" cmpd="sng" algn="ctr">
+                      <a:solidFill>
+                        <a:srgbClr val="DFE2E5"/>
+                      </a:solidFill>
+                      <a:prstDash val="solid"/>
+                      <a:round/>
+                      <a:headEnd type="none" w="med" len="med"/>
+                      <a:tailEnd type="none" w="med" len="med"/>
+                    </a:lnB>
+                  </a:tcPr>
+                </a:tc>
+                <a:extLst>
+                  <a:ext uri="{0D108BD9-81ED-4DB2-BD59-A6C34878D82A}">
+                    <a16:rowId xmlns:a16="http://schemas.microsoft.com/office/drawing/2014/main" val="3927744624"/>
+                  </a:ext>
+                </a:extLst>
+              </a:tr>
+              <a:tr h="636422">
+                <a:tc>
+                  <a:txBody>
+                    <a:bodyPr/>
+                    <a:lstStyle/>
+                    <a:p>
+                      <a:pPr algn="l"/>
+                      <a:r>
+                        <a:rPr lang="de" sz="1600" dirty="0">
+                          <a:solidFill>
+                            <a:schemeClr val="tx1">
+                              <a:lumMod val="65000"/>
+                              <a:lumOff val="35000"/>
+                            </a:schemeClr>
+                          </a:solidFill>
+                          <a:effectLst/>
+                        </a:rPr>
+                        <a:t>Transistoren zum Speichern verwendet komplexe Anweisungen</a:t>
+                      </a:r>
+                    </a:p>
+                  </a:txBody>
+                  <a:tcPr marL="118872" marR="118872" marT="54864" marB="54864" anchor="ctr">
+                    <a:lnL w="9525" cap="flat" cmpd="sng" algn="ctr">
+                      <a:solidFill>
+                        <a:srgbClr val="DFE2E5"/>
+                      </a:solidFill>
+                      <a:prstDash val="solid"/>
+                      <a:round/>
+                      <a:headEnd type="none" w="med" len="med"/>
+                      <a:tailEnd type="none" w="med" len="med"/>
+                    </a:lnL>
+                    <a:lnR w="9525" cap="flat" cmpd="sng" algn="ctr">
+                      <a:solidFill>
+                        <a:srgbClr val="DFE2E5"/>
+                      </a:solidFill>
+                      <a:prstDash val="solid"/>
+                      <a:round/>
+                      <a:headEnd type="none" w="med" len="med"/>
+                      <a:tailEnd type="none" w="med" len="med"/>
+                    </a:lnR>
+                    <a:lnT w="9525" cap="flat" cmpd="sng" algn="ctr">
+                      <a:solidFill>
+                        <a:srgbClr val="DFE2E5"/>
+                      </a:solidFill>
+                      <a:prstDash val="solid"/>
+                      <a:round/>
+                      <a:headEnd type="none" w="med" len="med"/>
+                      <a:tailEnd type="none" w="med" len="med"/>
+                    </a:lnT>
+                    <a:lnB w="9525" cap="flat" cmpd="sng" algn="ctr">
+                      <a:solidFill>
+                        <a:srgbClr val="DFE2E5"/>
+                      </a:solidFill>
+                      <a:prstDash val="solid"/>
+                      <a:round/>
+                      <a:headEnd type="none" w="med" len="med"/>
+                      <a:tailEnd type="none" w="med" len="med"/>
+                    </a:lnB>
+                    <a:solidFill>
+                      <a:srgbClr val="F8F8F8"/>
+                    </a:solidFill>
+                  </a:tcPr>
+                </a:tc>
+                <a:tc>
+                  <a:txBody>
+                    <a:bodyPr/>
+                    <a:lstStyle/>
+                    <a:p>
+                      <a:pPr algn="l"/>
+                      <a:r>
+                        <a:rPr lang="de" sz="1600" dirty="0">
+                          <a:solidFill>
+                            <a:schemeClr val="tx1">
+                              <a:lumMod val="65000"/>
+                              <a:lumOff val="35000"/>
+                            </a:schemeClr>
+                          </a:solidFill>
+                          <a:effectLst/>
+                        </a:rPr>
+                        <a:t>Verwendet mehr Transistoren in den Speicherregistern</a:t>
+                      </a:r>
+                    </a:p>
+                  </a:txBody>
+                  <a:tcPr marL="118872" marR="118872" marT="54864" marB="54864" anchor="ctr">
+                    <a:lnL w="9525" cap="flat" cmpd="sng" algn="ctr">
+                      <a:solidFill>
+                        <a:srgbClr val="DFE2E5"/>
+                      </a:solidFill>
+                      <a:prstDash val="solid"/>
+                      <a:round/>
+                      <a:headEnd type="none" w="med" len="med"/>
+                      <a:tailEnd type="none" w="med" len="med"/>
+                    </a:lnL>
+                    <a:lnR w="9525" cap="flat" cmpd="sng" algn="ctr">
+                      <a:solidFill>
+                        <a:srgbClr val="DFE2E5"/>
+                      </a:solidFill>
+                      <a:prstDash val="solid"/>
+                      <a:round/>
+                      <a:headEnd type="none" w="med" len="med"/>
+                      <a:tailEnd type="none" w="med" len="med"/>
+                    </a:lnR>
+                    <a:lnT w="9525" cap="flat" cmpd="sng" algn="ctr">
+                      <a:solidFill>
+                        <a:srgbClr val="DFE2E5"/>
+                      </a:solidFill>
+                      <a:prstDash val="solid"/>
+                      <a:round/>
+                      <a:headEnd type="none" w="med" len="med"/>
+                      <a:tailEnd type="none" w="med" len="med"/>
+                    </a:lnT>
+                    <a:lnB w="9525" cap="flat" cmpd="sng" algn="ctr">
+                      <a:solidFill>
+                        <a:srgbClr val="DFE2E5"/>
+                      </a:solidFill>
+                      <a:prstDash val="solid"/>
+                      <a:round/>
+                      <a:headEnd type="none" w="med" len="med"/>
+                      <a:tailEnd type="none" w="med" len="med"/>
+                    </a:lnB>
+                    <a:solidFill>
+                      <a:srgbClr val="F8F8F8"/>
+                    </a:solidFill>
+                  </a:tcPr>
+                </a:tc>
+                <a:extLst>
+                  <a:ext uri="{0D108BD9-81ED-4DB2-BD59-A6C34878D82A}">
+                    <a16:rowId xmlns:a16="http://schemas.microsoft.com/office/drawing/2014/main" val="720553503"/>
+                  </a:ext>
+                </a:extLst>
+              </a:tr>
+              <a:tr h="636422">
+                <a:tc>
+                  <a:txBody>
+                    <a:bodyPr/>
+                    <a:lstStyle/>
+                    <a:p>
+                      <a:pPr algn="l"/>
+                      <a:r>
+                        <a:rPr lang="en-US" sz="1700" dirty="0">
+                          <a:solidFill>
+                            <a:schemeClr val="tx1">
+                              <a:lumMod val="65000"/>
+                              <a:lumOff val="35000"/>
+                            </a:schemeClr>
+                          </a:solidFill>
+                          <a:effectLst/>
+                        </a:rPr>
+                        <a:t>Memory-to-memory: </a:t>
+                      </a:r>
+                      <a:br>
+                        <a:rPr lang="en-US" sz="1700" dirty="0">
+                          <a:solidFill>
+                            <a:schemeClr val="tx1">
+                              <a:lumMod val="65000"/>
+                              <a:lumOff val="35000"/>
+                            </a:schemeClr>
+                          </a:solidFill>
+                          <a:effectLst/>
+                        </a:rPr>
+                      </a:br>
+                      <a:r>
+                        <a:rPr lang="en-US" sz="1200" dirty="0">
+                          <a:solidFill>
+                            <a:schemeClr val="tx1">
+                              <a:lumMod val="65000"/>
+                              <a:lumOff val="35000"/>
+                            </a:schemeClr>
+                          </a:solidFill>
+                          <a:effectLst/>
+                        </a:rPr>
+                        <a:t>"LOAD" und "STORE" in Anweisungen </a:t>
+                      </a:r>
+                      <a:r>
+                        <a:rPr lang="en-US" sz="1200" dirty="0" err="1">
+                          <a:solidFill>
+                            <a:schemeClr val="tx1">
+                              <a:lumMod val="65000"/>
+                              <a:lumOff val="35000"/>
+                            </a:schemeClr>
+                          </a:solidFill>
+                          <a:effectLst/>
+                        </a:rPr>
+                        <a:t>eingebettet</a:t>
+                      </a:r>
+                      <a:endParaRPr lang="en-US" sz="1700" dirty="0">
+                        <a:solidFill>
+                          <a:schemeClr val="tx1">
+                            <a:lumMod val="65000"/>
+                            <a:lumOff val="35000"/>
+                          </a:schemeClr>
+                        </a:solidFill>
+                        <a:effectLst/>
+                      </a:endParaRPr>
+                    </a:p>
+                  </a:txBody>
+                  <a:tcPr marL="118872" marR="118872" marT="54864" marB="54864" anchor="ctr">
+                    <a:lnL w="9525" cap="flat" cmpd="sng" algn="ctr">
+                      <a:solidFill>
+                        <a:srgbClr val="DFE2E5"/>
+                      </a:solidFill>
+                      <a:prstDash val="solid"/>
+                      <a:round/>
+                      <a:headEnd type="none" w="med" len="med"/>
+                      <a:tailEnd type="none" w="med" len="med"/>
+                    </a:lnL>
+                    <a:lnR w="9525" cap="flat" cmpd="sng" algn="ctr">
+                      <a:solidFill>
+                        <a:srgbClr val="DFE2E5"/>
+                      </a:solidFill>
+                      <a:prstDash val="solid"/>
+                      <a:round/>
+                      <a:headEnd type="none" w="med" len="med"/>
+                      <a:tailEnd type="none" w="med" len="med"/>
+                    </a:lnR>
+                    <a:lnT w="9525" cap="flat" cmpd="sng" algn="ctr">
+                      <a:solidFill>
+                        <a:srgbClr val="DFE2E5"/>
+                      </a:solidFill>
+                      <a:prstDash val="solid"/>
+                      <a:round/>
+                      <a:headEnd type="none" w="med" len="med"/>
+                      <a:tailEnd type="none" w="med" len="med"/>
+                    </a:lnT>
+                    <a:lnB w="9525" cap="flat" cmpd="sng" algn="ctr">
+                      <a:solidFill>
+                        <a:srgbClr val="DFE2E5"/>
+                      </a:solidFill>
+                      <a:prstDash val="solid"/>
+                      <a:round/>
+                      <a:headEnd type="none" w="med" len="med"/>
+                      <a:tailEnd type="none" w="med" len="med"/>
+                    </a:lnB>
+                  </a:tcPr>
+                </a:tc>
+                <a:tc>
+                  <a:txBody>
+                    <a:bodyPr/>
+                    <a:lstStyle/>
+                    <a:p>
+                      <a:pPr algn="l"/>
+                      <a:r>
+                        <a:rPr lang="de" sz="1700" dirty="0">
+                          <a:solidFill>
+                            <a:schemeClr val="tx1">
+                              <a:lumMod val="65000"/>
+                              <a:lumOff val="35000"/>
+                            </a:schemeClr>
+                          </a:solidFill>
+                          <a:effectLst/>
+                        </a:rPr>
+                        <a:t>Register-</a:t>
+                      </a:r>
+                      <a:r>
+                        <a:rPr lang="de" sz="1700" dirty="0" err="1">
+                          <a:solidFill>
+                            <a:schemeClr val="tx1">
+                              <a:lumMod val="65000"/>
+                              <a:lumOff val="35000"/>
+                            </a:schemeClr>
+                          </a:solidFill>
+                          <a:effectLst/>
+                        </a:rPr>
+                        <a:t>to</a:t>
+                      </a:r>
+                      <a:r>
+                        <a:rPr lang="de" sz="1700" dirty="0">
+                          <a:solidFill>
+                            <a:schemeClr val="tx1">
+                              <a:lumMod val="65000"/>
+                              <a:lumOff val="35000"/>
+                            </a:schemeClr>
+                          </a:solidFill>
+                          <a:effectLst/>
+                        </a:rPr>
+                        <a:t>-register: </a:t>
+                      </a:r>
+                      <a:br>
+                        <a:rPr lang="de" sz="1700" dirty="0">
+                          <a:solidFill>
+                            <a:schemeClr val="tx1">
+                              <a:lumMod val="65000"/>
+                              <a:lumOff val="35000"/>
+                            </a:schemeClr>
+                          </a:solidFill>
+                          <a:effectLst/>
+                        </a:rPr>
+                      </a:br>
+                      <a:r>
+                        <a:rPr lang="de" sz="1200" dirty="0">
+                          <a:solidFill>
+                            <a:schemeClr val="tx1">
+                              <a:lumMod val="65000"/>
+                              <a:lumOff val="35000"/>
+                            </a:schemeClr>
+                          </a:solidFill>
+                          <a:effectLst/>
+                        </a:rPr>
+                        <a:t>"LOAD" und "STORE" unabhängige Anweisungen</a:t>
+                      </a:r>
+                      <a:endParaRPr lang="de" sz="1700" dirty="0">
+                        <a:solidFill>
+                          <a:schemeClr val="tx1">
+                            <a:lumMod val="65000"/>
+                            <a:lumOff val="35000"/>
+                          </a:schemeClr>
+                        </a:solidFill>
+                        <a:effectLst/>
+                      </a:endParaRPr>
+                    </a:p>
+                  </a:txBody>
+                  <a:tcPr marL="118872" marR="118872" marT="54864" marB="54864" anchor="ctr">
+                    <a:lnL w="9525" cap="flat" cmpd="sng" algn="ctr">
+                      <a:solidFill>
+                        <a:srgbClr val="DFE2E5"/>
+                      </a:solidFill>
+                      <a:prstDash val="solid"/>
+                      <a:round/>
+                      <a:headEnd type="none" w="med" len="med"/>
+                      <a:tailEnd type="none" w="med" len="med"/>
+                    </a:lnL>
+                    <a:lnR w="9525" cap="flat" cmpd="sng" algn="ctr">
+                      <a:solidFill>
+                        <a:srgbClr val="DFE2E5"/>
+                      </a:solidFill>
+                      <a:prstDash val="solid"/>
+                      <a:round/>
+                      <a:headEnd type="none" w="med" len="med"/>
+                      <a:tailEnd type="none" w="med" len="med"/>
+                    </a:lnR>
+                    <a:lnT w="9525" cap="flat" cmpd="sng" algn="ctr">
+                      <a:solidFill>
+                        <a:srgbClr val="DFE2E5"/>
+                      </a:solidFill>
+                      <a:prstDash val="solid"/>
+                      <a:round/>
+                      <a:headEnd type="none" w="med" len="med"/>
+                      <a:tailEnd type="none" w="med" len="med"/>
+                    </a:lnT>
+                    <a:lnB w="9525" cap="flat" cmpd="sng" algn="ctr">
+                      <a:solidFill>
+                        <a:srgbClr val="DFE2E5"/>
+                      </a:solidFill>
+                      <a:prstDash val="solid"/>
+                      <a:round/>
+                      <a:headEnd type="none" w="med" len="med"/>
+                      <a:tailEnd type="none" w="med" len="med"/>
+                    </a:lnB>
+                  </a:tcPr>
+                </a:tc>
+                <a:extLst>
+                  <a:ext uri="{0D108BD9-81ED-4DB2-BD59-A6C34878D82A}">
+                    <a16:rowId xmlns:a16="http://schemas.microsoft.com/office/drawing/2014/main" val="3878755837"/>
+                  </a:ext>
+                </a:extLst>
+              </a:tr>
+            </a:tbl>
+          </a:graphicData>
+        </a:graphic>
+      </p:graphicFrame>
     </p:spTree>
     <p:extLst>
       <p:ext uri="{BB962C8B-B14F-4D97-AF65-F5344CB8AC3E}">
@@ -6459,12 +7660,121 @@
           </a:p>
         </p:txBody>
       </p:sp>
+      <p:sp>
+        <p:nvSpPr>
+          <p:cNvPr id="15" name="TextBox 14">
+            <a:extLst>
+              <a:ext uri="{FF2B5EF4-FFF2-40B4-BE49-F238E27FC236}">
+                <a16:creationId xmlns:a16="http://schemas.microsoft.com/office/drawing/2014/main" id="{D2C7D1EA-D7E2-1341-9235-97E6F829EF9F}"/>
+              </a:ext>
+            </a:extLst>
+          </p:cNvPr>
+          <p:cNvSpPr txBox="1"/>
+          <p:nvPr/>
+        </p:nvSpPr>
+        <p:spPr>
+          <a:xfrm>
+            <a:off x="3869268" y="3899559"/>
+            <a:ext cx="3217547" cy="369332"/>
+          </a:xfrm>
+          <a:prstGeom prst="rect">
+            <a:avLst/>
+          </a:prstGeom>
+          <a:noFill/>
+        </p:spPr>
+        <p:txBody>
+          <a:bodyPr wrap="none" rtlCol="0">
+            <a:spAutoFit/>
+          </a:bodyPr>
+          <a:lstStyle/>
+          <a:p>
+            <a:r>
+              <a:rPr lang="de-DE" dirty="0" err="1">
+                <a:solidFill>
+                  <a:schemeClr val="tx1">
+                    <a:lumMod val="65000"/>
+                    <a:lumOff val="35000"/>
+                  </a:schemeClr>
+                </a:solidFill>
+                <a:latin typeface="Andale Mono" panose="020B0509000000000004" pitchFamily="49" charset="0"/>
+              </a:rPr>
+              <a:t>operation</a:t>
+            </a:r>
+            <a:r>
+              <a:rPr lang="de-DE" dirty="0">
+                <a:solidFill>
+                  <a:schemeClr val="tx1">
+                    <a:lumMod val="65000"/>
+                    <a:lumOff val="35000"/>
+                  </a:schemeClr>
+                </a:solidFill>
+                <a:latin typeface="Andale Mono" panose="020B0509000000000004" pitchFamily="49" charset="0"/>
+              </a:rPr>
+              <a:t> [</a:t>
+            </a:r>
+            <a:r>
+              <a:rPr lang="de-DE" dirty="0" err="1">
+                <a:solidFill>
+                  <a:schemeClr val="tx1">
+                    <a:lumMod val="65000"/>
+                    <a:lumOff val="35000"/>
+                  </a:schemeClr>
+                </a:solidFill>
+                <a:latin typeface="Andale Mono" panose="020B0509000000000004" pitchFamily="49" charset="0"/>
+              </a:rPr>
+              <a:t>operand</a:t>
+            </a:r>
+            <a:r>
+              <a:rPr lang="de-DE" dirty="0">
+                <a:solidFill>
+                  <a:schemeClr val="tx1">
+                    <a:lumMod val="65000"/>
+                    <a:lumOff val="35000"/>
+                  </a:schemeClr>
+                </a:solidFill>
+                <a:latin typeface="Andale Mono" panose="020B0509000000000004" pitchFamily="49" charset="0"/>
+              </a:rPr>
+              <a:t>, …]</a:t>
+            </a:r>
+          </a:p>
+        </p:txBody>
+      </p:sp>
+      <p:pic>
+        <p:nvPicPr>
+          <p:cNvPr id="4" name="Picture 3" descr="A screenshot of a cell phone&#13;&#10;&#13;&#10;Description automatically generated">
+            <a:extLst>
+              <a:ext uri="{FF2B5EF4-FFF2-40B4-BE49-F238E27FC236}">
+                <a16:creationId xmlns:a16="http://schemas.microsoft.com/office/drawing/2014/main" id="{EEB53945-8CA6-244D-9FDD-3E740D93B396}"/>
+              </a:ext>
+            </a:extLst>
+          </p:cNvPr>
+          <p:cNvPicPr>
+            <a:picLocks noChangeAspect="1"/>
+          </p:cNvPicPr>
+          <p:nvPr/>
+        </p:nvPicPr>
+        <p:blipFill>
+          <a:blip r:embed="rId3"/>
+          <a:stretch>
+            <a:fillRect/>
+          </a:stretch>
+        </p:blipFill>
+        <p:spPr>
+          <a:xfrm>
+            <a:off x="3724640" y="4491839"/>
+            <a:ext cx="4908972" cy="1130638"/>
+          </a:xfrm>
+          <a:prstGeom prst="rect">
+            <a:avLst/>
+          </a:prstGeom>
+        </p:spPr>
+      </p:pic>
       <p:graphicFrame>
         <p:nvGraphicFramePr>
-          <p:cNvPr id="10" name="Table 9">
+          <p:cNvPr id="5" name="Table 4">
             <a:extLst>
               <a:ext uri="{FF2B5EF4-FFF2-40B4-BE49-F238E27FC236}">
-                <a16:creationId xmlns:a16="http://schemas.microsoft.com/office/drawing/2014/main" id="{D0EFF0E6-4BB0-AB4E-B265-5CE37D8A6E14}"/>
+                <a16:creationId xmlns:a16="http://schemas.microsoft.com/office/drawing/2014/main" id="{6621737A-339A-2D4E-AB0A-AAE96D2ADAC5}"/>
               </a:ext>
             </a:extLst>
           </p:cNvPr>
@@ -6474,417 +7784,1004 @@
           <p:nvPr>
             <p:extLst>
               <p:ext uri="{D42A27DB-BD31-4B8C-83A1-F6EECF244321}">
-                <p14:modId xmlns:p14="http://schemas.microsoft.com/office/powerpoint/2010/main" val="2897292762"/>
+                <p14:modId xmlns:p14="http://schemas.microsoft.com/office/powerpoint/2010/main" val="1192769645"/>
               </p:ext>
             </p:extLst>
           </p:nvPr>
         </p:nvGraphicFramePr>
         <p:xfrm>
-          <a:off x="3869268" y="755974"/>
-          <a:ext cx="7315200" cy="2865120"/>
+          <a:off x="3869268" y="752971"/>
+          <a:ext cx="7315200" cy="2874872"/>
         </p:xfrm>
         <a:graphic>
           <a:graphicData uri="http://schemas.openxmlformats.org/drawingml/2006/table">
             <a:tbl>
-              <a:tblPr firstRow="1" bandRow="1">
-                <a:tableStyleId>{5C22544A-7EE6-4342-B048-85BDC9FD1C3A}</a:tableStyleId>
-              </a:tblPr>
+              <a:tblPr/>
               <a:tblGrid>
                 <a:gridCol w="3657600">
                   <a:extLst>
                     <a:ext uri="{9D8B030D-6E8A-4147-A177-3AD203B41FA5}">
-                      <a16:colId xmlns:a16="http://schemas.microsoft.com/office/drawing/2014/main" val="2317206412"/>
+                      <a16:colId xmlns:a16="http://schemas.microsoft.com/office/drawing/2014/main" val="990149135"/>
                     </a:ext>
                   </a:extLst>
                 </a:gridCol>
                 <a:gridCol w="3657600">
                   <a:extLst>
                     <a:ext uri="{9D8B030D-6E8A-4147-A177-3AD203B41FA5}">
-                      <a16:colId xmlns:a16="http://schemas.microsoft.com/office/drawing/2014/main" val="3589141513"/>
+                      <a16:colId xmlns:a16="http://schemas.microsoft.com/office/drawing/2014/main" val="1530611058"/>
                     </a:ext>
                   </a:extLst>
                 </a:gridCol>
               </a:tblGrid>
-              <a:tr h="370840">
+              <a:tr h="373075">
                 <a:tc>
                   <a:txBody>
                     <a:bodyPr/>
                     <a:lstStyle/>
                     <a:p>
+                      <a:pPr algn="l"/>
                       <a:r>
-                        <a:rPr lang="de-DE" dirty="0"/>
+                        <a:rPr lang="en-US" sz="1700" b="1" dirty="0" err="1">
+                          <a:solidFill>
+                            <a:schemeClr val="tx1">
+                              <a:lumMod val="65000"/>
+                              <a:lumOff val="35000"/>
+                            </a:schemeClr>
+                          </a:solidFill>
+                          <a:effectLst/>
+                        </a:rPr>
                         <a:t>Anweisung</a:t>
                       </a:r>
+                      <a:endParaRPr lang="en-US" sz="1700" b="1" dirty="0">
+                        <a:solidFill>
+                          <a:schemeClr val="tx1">
+                            <a:lumMod val="65000"/>
+                            <a:lumOff val="35000"/>
+                          </a:schemeClr>
+                        </a:solidFill>
+                        <a:effectLst/>
+                      </a:endParaRPr>
                     </a:p>
                   </a:txBody>
-                  <a:tcPr/>
+                  <a:tcPr marL="118872" marR="118872" marT="54864" marB="54864" anchor="ctr">
+                    <a:lnL w="9525" cap="flat" cmpd="sng" algn="ctr">
+                      <a:solidFill>
+                        <a:srgbClr val="DFE2E5"/>
+                      </a:solidFill>
+                      <a:prstDash val="solid"/>
+                      <a:round/>
+                      <a:headEnd type="none" w="med" len="med"/>
+                      <a:tailEnd type="none" w="med" len="med"/>
+                    </a:lnL>
+                    <a:lnR w="9525" cap="flat" cmpd="sng" algn="ctr">
+                      <a:solidFill>
+                        <a:srgbClr val="DFE2E5"/>
+                      </a:solidFill>
+                      <a:prstDash val="solid"/>
+                      <a:round/>
+                      <a:headEnd type="none" w="med" len="med"/>
+                      <a:tailEnd type="none" w="med" len="med"/>
+                    </a:lnR>
+                    <a:lnT w="9525" cap="flat" cmpd="sng" algn="ctr">
+                      <a:solidFill>
+                        <a:srgbClr val="DFE2E5"/>
+                      </a:solidFill>
+                      <a:prstDash val="solid"/>
+                      <a:round/>
+                      <a:headEnd type="none" w="med" len="med"/>
+                      <a:tailEnd type="none" w="med" len="med"/>
+                    </a:lnT>
+                    <a:lnB w="9525" cap="flat" cmpd="sng" algn="ctr">
+                      <a:solidFill>
+                        <a:srgbClr val="DFE2E5"/>
+                      </a:solidFill>
+                      <a:prstDash val="solid"/>
+                      <a:round/>
+                      <a:headEnd type="none" w="med" len="med"/>
+                      <a:tailEnd type="none" w="med" len="med"/>
+                    </a:lnB>
+                    <a:solidFill>
+                      <a:schemeClr val="bg1">
+                        <a:lumMod val="95000"/>
+                      </a:schemeClr>
+                    </a:solidFill>
+                  </a:tcPr>
                 </a:tc>
                 <a:tc>
                   <a:txBody>
                     <a:bodyPr/>
                     <a:lstStyle/>
                     <a:p>
+                      <a:pPr algn="l"/>
                       <a:r>
-                        <a:rPr lang="de-DE" dirty="0"/>
-                        <a:t>Beschreibung</a:t>
-                      </a:r>
-                    </a:p>
-                  </a:txBody>
-                  <a:tcPr/>
-                </a:tc>
-                <a:extLst>
-                  <a:ext uri="{0D108BD9-81ED-4DB2-BD59-A6C34878D82A}">
-                    <a16:rowId xmlns:a16="http://schemas.microsoft.com/office/drawing/2014/main" val="1781904454"/>
-                  </a:ext>
-                </a:extLst>
-              </a:tr>
-              <a:tr h="370840">
-                <a:tc>
-                  <a:txBody>
-                    <a:bodyPr/>
-                    <a:lstStyle/>
-                    <a:p>
-                      <a:r>
-                        <a:rPr lang="de-DE" dirty="0">
+                        <a:rPr lang="en-US" sz="1700" b="1" dirty="0" err="1">
                           <a:solidFill>
                             <a:schemeClr val="tx1">
                               <a:lumMod val="65000"/>
                               <a:lumOff val="35000"/>
                             </a:schemeClr>
                           </a:solidFill>
+                          <a:effectLst/>
+                        </a:rPr>
+                        <a:t>Beschreibung</a:t>
+                      </a:r>
+                      <a:endParaRPr lang="en-US" sz="1700" b="1" dirty="0">
+                        <a:solidFill>
+                          <a:schemeClr val="tx1">
+                            <a:lumMod val="65000"/>
+                            <a:lumOff val="35000"/>
+                          </a:schemeClr>
+                        </a:solidFill>
+                        <a:effectLst/>
+                      </a:endParaRPr>
+                    </a:p>
+                  </a:txBody>
+                  <a:tcPr marL="118872" marR="118872" marT="54864" marB="54864" anchor="ctr">
+                    <a:lnL w="9525" cap="flat" cmpd="sng" algn="ctr">
+                      <a:solidFill>
+                        <a:srgbClr val="DFE2E5"/>
+                      </a:solidFill>
+                      <a:prstDash val="solid"/>
+                      <a:round/>
+                      <a:headEnd type="none" w="med" len="med"/>
+                      <a:tailEnd type="none" w="med" len="med"/>
+                    </a:lnL>
+                    <a:lnR w="9525" cap="flat" cmpd="sng" algn="ctr">
+                      <a:solidFill>
+                        <a:srgbClr val="DFE2E5"/>
+                      </a:solidFill>
+                      <a:prstDash val="solid"/>
+                      <a:round/>
+                      <a:headEnd type="none" w="med" len="med"/>
+                      <a:tailEnd type="none" w="med" len="med"/>
+                    </a:lnR>
+                    <a:lnT w="9525" cap="flat" cmpd="sng" algn="ctr">
+                      <a:solidFill>
+                        <a:srgbClr val="DFE2E5"/>
+                      </a:solidFill>
+                      <a:prstDash val="solid"/>
+                      <a:round/>
+                      <a:headEnd type="none" w="med" len="med"/>
+                      <a:tailEnd type="none" w="med" len="med"/>
+                    </a:lnT>
+                    <a:lnB w="9525" cap="flat" cmpd="sng" algn="ctr">
+                      <a:solidFill>
+                        <a:srgbClr val="DFE2E5"/>
+                      </a:solidFill>
+                      <a:prstDash val="solid"/>
+                      <a:round/>
+                      <a:headEnd type="none" w="med" len="med"/>
+                      <a:tailEnd type="none" w="med" len="med"/>
+                    </a:lnB>
+                    <a:solidFill>
+                      <a:schemeClr val="bg1">
+                        <a:lumMod val="95000"/>
+                      </a:schemeClr>
+                    </a:solidFill>
+                  </a:tcPr>
+                </a:tc>
+                <a:extLst>
+                  <a:ext uri="{0D108BD9-81ED-4DB2-BD59-A6C34878D82A}">
+                    <a16:rowId xmlns:a16="http://schemas.microsoft.com/office/drawing/2014/main" val="3980048051"/>
+                  </a:ext>
+                </a:extLst>
+              </a:tr>
+              <a:tr h="636422">
+                <a:tc>
+                  <a:txBody>
+                    <a:bodyPr/>
+                    <a:lstStyle/>
+                    <a:p>
+                      <a:pPr algn="l"/>
+                      <a:r>
+                        <a:rPr lang="en-US" sz="1700">
+                          <a:solidFill>
+                            <a:schemeClr val="tx1">
+                              <a:lumMod val="65000"/>
+                              <a:lumOff val="35000"/>
+                            </a:schemeClr>
+                          </a:solidFill>
+                          <a:effectLst/>
                         </a:rPr>
                         <a:t>mov</a:t>
                       </a:r>
                     </a:p>
                   </a:txBody>
-                  <a:tcPr/>
+                  <a:tcPr marL="118872" marR="118872" marT="54864" marB="54864" anchor="ctr">
+                    <a:lnL w="9525" cap="flat" cmpd="sng" algn="ctr">
+                      <a:solidFill>
+                        <a:srgbClr val="DFE2E5"/>
+                      </a:solidFill>
+                      <a:prstDash val="solid"/>
+                      <a:round/>
+                      <a:headEnd type="none" w="med" len="med"/>
+                      <a:tailEnd type="none" w="med" len="med"/>
+                    </a:lnL>
+                    <a:lnR w="9525" cap="flat" cmpd="sng" algn="ctr">
+                      <a:solidFill>
+                        <a:srgbClr val="DFE2E5"/>
+                      </a:solidFill>
+                      <a:prstDash val="solid"/>
+                      <a:round/>
+                      <a:headEnd type="none" w="med" len="med"/>
+                      <a:tailEnd type="none" w="med" len="med"/>
+                    </a:lnR>
+                    <a:lnT w="9525" cap="flat" cmpd="sng" algn="ctr">
+                      <a:solidFill>
+                        <a:srgbClr val="DFE2E5"/>
+                      </a:solidFill>
+                      <a:prstDash val="solid"/>
+                      <a:round/>
+                      <a:headEnd type="none" w="med" len="med"/>
+                      <a:tailEnd type="none" w="med" len="med"/>
+                    </a:lnT>
+                    <a:lnB w="9525" cap="flat" cmpd="sng" algn="ctr">
+                      <a:solidFill>
+                        <a:srgbClr val="DFE2E5"/>
+                      </a:solidFill>
+                      <a:prstDash val="solid"/>
+                      <a:round/>
+                      <a:headEnd type="none" w="med" len="med"/>
+                      <a:tailEnd type="none" w="med" len="med"/>
+                    </a:lnB>
+                  </a:tcPr>
                 </a:tc>
                 <a:tc>
                   <a:txBody>
                     <a:bodyPr/>
                     <a:lstStyle/>
                     <a:p>
-                      <a:pPr marL="285750" indent="-285750">
-                        <a:buFontTx/>
-                        <a:buChar char="-"/>
-                      </a:pPr>
+                      <a:pPr algn="l"/>
                       <a:r>
-                        <a:rPr lang="de-DE" dirty="0" err="1">
+                        <a:rPr lang="de" sz="1700">
                           <a:solidFill>
                             <a:schemeClr val="tx1">
                               <a:lumMod val="65000"/>
                               <a:lumOff val="35000"/>
                             </a:schemeClr>
                           </a:solidFill>
+                          <a:effectLst/>
                         </a:rPr>
-                        <a:t>move</a:t>
+                        <a:t>Bewegt einen Wert in ein Register (move)</a:t>
                       </a:r>
+                    </a:p>
+                  </a:txBody>
+                  <a:tcPr marL="118872" marR="118872" marT="54864" marB="54864" anchor="ctr">
+                    <a:lnL w="9525" cap="flat" cmpd="sng" algn="ctr">
+                      <a:solidFill>
+                        <a:srgbClr val="DFE2E5"/>
+                      </a:solidFill>
+                      <a:prstDash val="solid"/>
+                      <a:round/>
+                      <a:headEnd type="none" w="med" len="med"/>
+                      <a:tailEnd type="none" w="med" len="med"/>
+                    </a:lnL>
+                    <a:lnR w="9525" cap="flat" cmpd="sng" algn="ctr">
+                      <a:solidFill>
+                        <a:srgbClr val="DFE2E5"/>
+                      </a:solidFill>
+                      <a:prstDash val="solid"/>
+                      <a:round/>
+                      <a:headEnd type="none" w="med" len="med"/>
+                      <a:tailEnd type="none" w="med" len="med"/>
+                    </a:lnR>
+                    <a:lnT w="9525" cap="flat" cmpd="sng" algn="ctr">
+                      <a:solidFill>
+                        <a:srgbClr val="DFE2E5"/>
+                      </a:solidFill>
+                      <a:prstDash val="solid"/>
+                      <a:round/>
+                      <a:headEnd type="none" w="med" len="med"/>
+                      <a:tailEnd type="none" w="med" len="med"/>
+                    </a:lnT>
+                    <a:lnB w="9525" cap="flat" cmpd="sng" algn="ctr">
+                      <a:solidFill>
+                        <a:srgbClr val="DFE2E5"/>
+                      </a:solidFill>
+                      <a:prstDash val="solid"/>
+                      <a:round/>
+                      <a:headEnd type="none" w="med" len="med"/>
+                      <a:tailEnd type="none" w="med" len="med"/>
+                    </a:lnB>
+                  </a:tcPr>
+                </a:tc>
+                <a:extLst>
+                  <a:ext uri="{0D108BD9-81ED-4DB2-BD59-A6C34878D82A}">
+                    <a16:rowId xmlns:a16="http://schemas.microsoft.com/office/drawing/2014/main" val="2232702780"/>
+                  </a:ext>
+                </a:extLst>
+              </a:tr>
+              <a:tr h="373075">
+                <a:tc>
+                  <a:txBody>
+                    <a:bodyPr/>
+                    <a:lstStyle/>
+                    <a:p>
+                      <a:pPr algn="l"/>
                       <a:r>
-                        <a:rPr lang="de-DE" dirty="0">
+                        <a:rPr lang="en-US" sz="1700">
                           <a:solidFill>
                             <a:schemeClr val="tx1">
                               <a:lumMod val="65000"/>
                               <a:lumOff val="35000"/>
                             </a:schemeClr>
                           </a:solidFill>
+                          <a:effectLst/>
                         </a:rPr>
-                        <a:t> Anweisung</a:t>
+                        <a:t>add</a:t>
                       </a:r>
                     </a:p>
+                  </a:txBody>
+                  <a:tcPr marL="118872" marR="118872" marT="54864" marB="54864" anchor="ctr">
+                    <a:lnL w="9525" cap="flat" cmpd="sng" algn="ctr">
+                      <a:solidFill>
+                        <a:srgbClr val="DFE2E5"/>
+                      </a:solidFill>
+                      <a:prstDash val="solid"/>
+                      <a:round/>
+                      <a:headEnd type="none" w="med" len="med"/>
+                      <a:tailEnd type="none" w="med" len="med"/>
+                    </a:lnL>
+                    <a:lnR w="9525" cap="flat" cmpd="sng" algn="ctr">
+                      <a:solidFill>
+                        <a:srgbClr val="DFE2E5"/>
+                      </a:solidFill>
+                      <a:prstDash val="solid"/>
+                      <a:round/>
+                      <a:headEnd type="none" w="med" len="med"/>
+                      <a:tailEnd type="none" w="med" len="med"/>
+                    </a:lnR>
+                    <a:lnT w="9525" cap="flat" cmpd="sng" algn="ctr">
+                      <a:solidFill>
+                        <a:srgbClr val="DFE2E5"/>
+                      </a:solidFill>
+                      <a:prstDash val="solid"/>
+                      <a:round/>
+                      <a:headEnd type="none" w="med" len="med"/>
+                      <a:tailEnd type="none" w="med" len="med"/>
+                    </a:lnT>
+                    <a:lnB w="9525" cap="flat" cmpd="sng" algn="ctr">
+                      <a:solidFill>
+                        <a:srgbClr val="DFE2E5"/>
+                      </a:solidFill>
+                      <a:prstDash val="solid"/>
+                      <a:round/>
+                      <a:headEnd type="none" w="med" len="med"/>
+                      <a:tailEnd type="none" w="med" len="med"/>
+                    </a:lnB>
+                    <a:solidFill>
+                      <a:srgbClr val="F8F8F8"/>
+                    </a:solidFill>
+                  </a:tcPr>
+                </a:tc>
+                <a:tc>
+                  <a:txBody>
+                    <a:bodyPr/>
+                    <a:lstStyle/>
                     <a:p>
-                      <a:pPr marL="285750" indent="-285750">
-                        <a:buFontTx/>
-                        <a:buChar char="-"/>
-                      </a:pPr>
+                      <a:pPr algn="l"/>
                       <a:r>
-                        <a:rPr lang="de-DE" dirty="0">
+                        <a:rPr lang="en-US" sz="1700">
                           <a:solidFill>
                             <a:schemeClr val="tx1">
                               <a:lumMod val="65000"/>
                               <a:lumOff val="35000"/>
                             </a:schemeClr>
                           </a:solidFill>
+                          <a:effectLst/>
                         </a:rPr>
-                        <a:t>Bewegt einen Wert in ein Register</a:t>
+                        <a:t>Addition</a:t>
                       </a:r>
                     </a:p>
                   </a:txBody>
-                  <a:tcPr/>
+                  <a:tcPr marL="118872" marR="118872" marT="54864" marB="54864" anchor="ctr">
+                    <a:lnL w="9525" cap="flat" cmpd="sng" algn="ctr">
+                      <a:solidFill>
+                        <a:srgbClr val="DFE2E5"/>
+                      </a:solidFill>
+                      <a:prstDash val="solid"/>
+                      <a:round/>
+                      <a:headEnd type="none" w="med" len="med"/>
+                      <a:tailEnd type="none" w="med" len="med"/>
+                    </a:lnL>
+                    <a:lnR w="9525" cap="flat" cmpd="sng" algn="ctr">
+                      <a:solidFill>
+                        <a:srgbClr val="DFE2E5"/>
+                      </a:solidFill>
+                      <a:prstDash val="solid"/>
+                      <a:round/>
+                      <a:headEnd type="none" w="med" len="med"/>
+                      <a:tailEnd type="none" w="med" len="med"/>
+                    </a:lnR>
+                    <a:lnT w="9525" cap="flat" cmpd="sng" algn="ctr">
+                      <a:solidFill>
+                        <a:srgbClr val="DFE2E5"/>
+                      </a:solidFill>
+                      <a:prstDash val="solid"/>
+                      <a:round/>
+                      <a:headEnd type="none" w="med" len="med"/>
+                      <a:tailEnd type="none" w="med" len="med"/>
+                    </a:lnT>
+                    <a:lnB w="9525" cap="flat" cmpd="sng" algn="ctr">
+                      <a:solidFill>
+                        <a:srgbClr val="DFE2E5"/>
+                      </a:solidFill>
+                      <a:prstDash val="solid"/>
+                      <a:round/>
+                      <a:headEnd type="none" w="med" len="med"/>
+                      <a:tailEnd type="none" w="med" len="med"/>
+                    </a:lnB>
+                    <a:solidFill>
+                      <a:srgbClr val="F8F8F8"/>
+                    </a:solidFill>
+                  </a:tcPr>
                 </a:tc>
                 <a:extLst>
                   <a:ext uri="{0D108BD9-81ED-4DB2-BD59-A6C34878D82A}">
-                    <a16:rowId xmlns:a16="http://schemas.microsoft.com/office/drawing/2014/main" val="2647621659"/>
+                    <a16:rowId xmlns:a16="http://schemas.microsoft.com/office/drawing/2014/main" val="3244031762"/>
                   </a:ext>
                 </a:extLst>
               </a:tr>
-              <a:tr h="370840">
+              <a:tr h="373075">
                 <a:tc>
                   <a:txBody>
                     <a:bodyPr/>
                     <a:lstStyle/>
                     <a:p>
+                      <a:pPr algn="l"/>
                       <a:r>
-                        <a:rPr lang="de-DE" dirty="0">
+                        <a:rPr lang="en-US" sz="1700">
                           <a:solidFill>
                             <a:schemeClr val="tx1">
                               <a:lumMod val="65000"/>
                               <a:lumOff val="35000"/>
                             </a:schemeClr>
                           </a:solidFill>
+                          <a:effectLst/>
                         </a:rPr>
-                        <a:t>add </a:t>
+                        <a:t>sub</a:t>
                       </a:r>
                     </a:p>
                   </a:txBody>
-                  <a:tcPr/>
+                  <a:tcPr marL="118872" marR="118872" marT="54864" marB="54864" anchor="ctr">
+                    <a:lnL w="9525" cap="flat" cmpd="sng" algn="ctr">
+                      <a:solidFill>
+                        <a:srgbClr val="DFE2E5"/>
+                      </a:solidFill>
+                      <a:prstDash val="solid"/>
+                      <a:round/>
+                      <a:headEnd type="none" w="med" len="med"/>
+                      <a:tailEnd type="none" w="med" len="med"/>
+                    </a:lnL>
+                    <a:lnR w="9525" cap="flat" cmpd="sng" algn="ctr">
+                      <a:solidFill>
+                        <a:srgbClr val="DFE2E5"/>
+                      </a:solidFill>
+                      <a:prstDash val="solid"/>
+                      <a:round/>
+                      <a:headEnd type="none" w="med" len="med"/>
+                      <a:tailEnd type="none" w="med" len="med"/>
+                    </a:lnR>
+                    <a:lnT w="9525" cap="flat" cmpd="sng" algn="ctr">
+                      <a:solidFill>
+                        <a:srgbClr val="DFE2E5"/>
+                      </a:solidFill>
+                      <a:prstDash val="solid"/>
+                      <a:round/>
+                      <a:headEnd type="none" w="med" len="med"/>
+                      <a:tailEnd type="none" w="med" len="med"/>
+                    </a:lnT>
+                    <a:lnB w="9525" cap="flat" cmpd="sng" algn="ctr">
+                      <a:solidFill>
+                        <a:srgbClr val="DFE2E5"/>
+                      </a:solidFill>
+                      <a:prstDash val="solid"/>
+                      <a:round/>
+                      <a:headEnd type="none" w="med" len="med"/>
+                      <a:tailEnd type="none" w="med" len="med"/>
+                    </a:lnB>
+                  </a:tcPr>
                 </a:tc>
                 <a:tc>
                   <a:txBody>
                     <a:bodyPr/>
                     <a:lstStyle/>
                     <a:p>
-                      <a:pPr marL="285750" indent="-285750">
-                        <a:buFontTx/>
-                        <a:buChar char="-"/>
-                      </a:pPr>
+                      <a:pPr algn="l"/>
                       <a:r>
-                        <a:rPr lang="de-DE" dirty="0">
+                        <a:rPr lang="en-US" sz="1700">
                           <a:solidFill>
                             <a:schemeClr val="tx1">
                               <a:lumMod val="65000"/>
                               <a:lumOff val="35000"/>
                             </a:schemeClr>
                           </a:solidFill>
+                          <a:effectLst/>
                         </a:rPr>
-                        <a:t>Addition</a:t>
+                        <a:t>Subtraktion</a:t>
                       </a:r>
                     </a:p>
                   </a:txBody>
-                  <a:tcPr/>
+                  <a:tcPr marL="118872" marR="118872" marT="54864" marB="54864" anchor="ctr">
+                    <a:lnL w="9525" cap="flat" cmpd="sng" algn="ctr">
+                      <a:solidFill>
+                        <a:srgbClr val="DFE2E5"/>
+                      </a:solidFill>
+                      <a:prstDash val="solid"/>
+                      <a:round/>
+                      <a:headEnd type="none" w="med" len="med"/>
+                      <a:tailEnd type="none" w="med" len="med"/>
+                    </a:lnL>
+                    <a:lnR w="9525" cap="flat" cmpd="sng" algn="ctr">
+                      <a:solidFill>
+                        <a:srgbClr val="DFE2E5"/>
+                      </a:solidFill>
+                      <a:prstDash val="solid"/>
+                      <a:round/>
+                      <a:headEnd type="none" w="med" len="med"/>
+                      <a:tailEnd type="none" w="med" len="med"/>
+                    </a:lnR>
+                    <a:lnT w="9525" cap="flat" cmpd="sng" algn="ctr">
+                      <a:solidFill>
+                        <a:srgbClr val="DFE2E5"/>
+                      </a:solidFill>
+                      <a:prstDash val="solid"/>
+                      <a:round/>
+                      <a:headEnd type="none" w="med" len="med"/>
+                      <a:tailEnd type="none" w="med" len="med"/>
+                    </a:lnT>
+                    <a:lnB w="9525" cap="flat" cmpd="sng" algn="ctr">
+                      <a:solidFill>
+                        <a:srgbClr val="DFE2E5"/>
+                      </a:solidFill>
+                      <a:prstDash val="solid"/>
+                      <a:round/>
+                      <a:headEnd type="none" w="med" len="med"/>
+                      <a:tailEnd type="none" w="med" len="med"/>
+                    </a:lnB>
+                  </a:tcPr>
                 </a:tc>
                 <a:extLst>
                   <a:ext uri="{0D108BD9-81ED-4DB2-BD59-A6C34878D82A}">
-                    <a16:rowId xmlns:a16="http://schemas.microsoft.com/office/drawing/2014/main" val="563418857"/>
+                    <a16:rowId xmlns:a16="http://schemas.microsoft.com/office/drawing/2014/main" val="2861431438"/>
                   </a:ext>
                 </a:extLst>
               </a:tr>
-              <a:tr h="370840">
+              <a:tr h="373075">
                 <a:tc>
                   <a:txBody>
                     <a:bodyPr/>
                     <a:lstStyle/>
                     <a:p>
+                      <a:pPr algn="l"/>
                       <a:r>
-                        <a:rPr lang="de-DE" dirty="0">
+                        <a:rPr lang="en-US" sz="1700">
                           <a:solidFill>
                             <a:schemeClr val="tx1">
                               <a:lumMod val="65000"/>
                               <a:lumOff val="35000"/>
                             </a:schemeClr>
                           </a:solidFill>
+                          <a:effectLst/>
                         </a:rPr>
-                        <a:t>sub</a:t>
+                        <a:t>push</a:t>
                       </a:r>
                     </a:p>
                   </a:txBody>
-                  <a:tcPr/>
+                  <a:tcPr marL="118872" marR="118872" marT="54864" marB="54864" anchor="ctr">
+                    <a:lnL w="9525" cap="flat" cmpd="sng" algn="ctr">
+                      <a:solidFill>
+                        <a:srgbClr val="DFE2E5"/>
+                      </a:solidFill>
+                      <a:prstDash val="solid"/>
+                      <a:round/>
+                      <a:headEnd type="none" w="med" len="med"/>
+                      <a:tailEnd type="none" w="med" len="med"/>
+                    </a:lnL>
+                    <a:lnR w="9525" cap="flat" cmpd="sng" algn="ctr">
+                      <a:solidFill>
+                        <a:srgbClr val="DFE2E5"/>
+                      </a:solidFill>
+                      <a:prstDash val="solid"/>
+                      <a:round/>
+                      <a:headEnd type="none" w="med" len="med"/>
+                      <a:tailEnd type="none" w="med" len="med"/>
+                    </a:lnR>
+                    <a:lnT w="9525" cap="flat" cmpd="sng" algn="ctr">
+                      <a:solidFill>
+                        <a:srgbClr val="DFE2E5"/>
+                      </a:solidFill>
+                      <a:prstDash val="solid"/>
+                      <a:round/>
+                      <a:headEnd type="none" w="med" len="med"/>
+                      <a:tailEnd type="none" w="med" len="med"/>
+                    </a:lnT>
+                    <a:lnB w="9525" cap="flat" cmpd="sng" algn="ctr">
+                      <a:solidFill>
+                        <a:srgbClr val="DFE2E5"/>
+                      </a:solidFill>
+                      <a:prstDash val="solid"/>
+                      <a:round/>
+                      <a:headEnd type="none" w="med" len="med"/>
+                      <a:tailEnd type="none" w="med" len="med"/>
+                    </a:lnB>
+                    <a:solidFill>
+                      <a:srgbClr val="F8F8F8"/>
+                    </a:solidFill>
+                  </a:tcPr>
                 </a:tc>
                 <a:tc>
                   <a:txBody>
                     <a:bodyPr/>
                     <a:lstStyle/>
                     <a:p>
-                      <a:pPr marL="285750" indent="-285750">
-                        <a:buFontTx/>
-                        <a:buChar char="-"/>
-                      </a:pPr>
+                      <a:pPr algn="l"/>
                       <a:r>
-                        <a:rPr lang="de-DE" dirty="0">
+                        <a:rPr lang="en-US" sz="1700" dirty="0">
                           <a:solidFill>
                             <a:schemeClr val="tx1">
                               <a:lumMod val="65000"/>
                               <a:lumOff val="35000"/>
                             </a:schemeClr>
                           </a:solidFill>
+                          <a:effectLst/>
                         </a:rPr>
-                        <a:t>Subtraktion</a:t>
+                        <a:t>Wert auf Stack </a:t>
                       </a:r>
-                    </a:p>
-                  </a:txBody>
-                  <a:tcPr/>
-                </a:tc>
-                <a:extLst>
-                  <a:ext uri="{0D108BD9-81ED-4DB2-BD59-A6C34878D82A}">
-                    <a16:rowId xmlns:a16="http://schemas.microsoft.com/office/drawing/2014/main" val="548426433"/>
-                  </a:ext>
-                </a:extLst>
-              </a:tr>
-              <a:tr h="370840">
-                <a:tc>
-                  <a:txBody>
-                    <a:bodyPr/>
-                    <a:lstStyle/>
-                    <a:p>
                       <a:r>
-                        <a:rPr lang="de-DE" dirty="0">
+                        <a:rPr lang="en-US" sz="1700" dirty="0" err="1">
                           <a:solidFill>
                             <a:schemeClr val="tx1">
                               <a:lumMod val="65000"/>
                               <a:lumOff val="35000"/>
                             </a:schemeClr>
                           </a:solidFill>
+                          <a:effectLst/>
                         </a:rPr>
-                        <a:t>push</a:t>
+                        <a:t>pushen</a:t>
+                      </a:r>
+                      <a:endParaRPr lang="en-US" sz="1700" dirty="0">
+                        <a:solidFill>
+                          <a:schemeClr val="tx1">
+                            <a:lumMod val="65000"/>
+                            <a:lumOff val="35000"/>
+                          </a:schemeClr>
+                        </a:solidFill>
+                        <a:effectLst/>
+                      </a:endParaRPr>
+                    </a:p>
+                  </a:txBody>
+                  <a:tcPr marL="118872" marR="118872" marT="54864" marB="54864" anchor="ctr">
+                    <a:lnL w="9525" cap="flat" cmpd="sng" algn="ctr">
+                      <a:solidFill>
+                        <a:srgbClr val="DFE2E5"/>
+                      </a:solidFill>
+                      <a:prstDash val="solid"/>
+                      <a:round/>
+                      <a:headEnd type="none" w="med" len="med"/>
+                      <a:tailEnd type="none" w="med" len="med"/>
+                    </a:lnL>
+                    <a:lnR w="9525" cap="flat" cmpd="sng" algn="ctr">
+                      <a:solidFill>
+                        <a:srgbClr val="DFE2E5"/>
+                      </a:solidFill>
+                      <a:prstDash val="solid"/>
+                      <a:round/>
+                      <a:headEnd type="none" w="med" len="med"/>
+                      <a:tailEnd type="none" w="med" len="med"/>
+                    </a:lnR>
+                    <a:lnT w="9525" cap="flat" cmpd="sng" algn="ctr">
+                      <a:solidFill>
+                        <a:srgbClr val="DFE2E5"/>
+                      </a:solidFill>
+                      <a:prstDash val="solid"/>
+                      <a:round/>
+                      <a:headEnd type="none" w="med" len="med"/>
+                      <a:tailEnd type="none" w="med" len="med"/>
+                    </a:lnT>
+                    <a:lnB w="9525" cap="flat" cmpd="sng" algn="ctr">
+                      <a:solidFill>
+                        <a:srgbClr val="DFE2E5"/>
+                      </a:solidFill>
+                      <a:prstDash val="solid"/>
+                      <a:round/>
+                      <a:headEnd type="none" w="med" len="med"/>
+                      <a:tailEnd type="none" w="med" len="med"/>
+                    </a:lnB>
+                    <a:solidFill>
+                      <a:srgbClr val="F8F8F8"/>
+                    </a:solidFill>
+                  </a:tcPr>
+                </a:tc>
+                <a:extLst>
+                  <a:ext uri="{0D108BD9-81ED-4DB2-BD59-A6C34878D82A}">
+                    <a16:rowId xmlns:a16="http://schemas.microsoft.com/office/drawing/2014/main" val="4255598823"/>
+                  </a:ext>
+                </a:extLst>
+              </a:tr>
+              <a:tr h="373075">
+                <a:tc>
+                  <a:txBody>
+                    <a:bodyPr/>
+                    <a:lstStyle/>
+                    <a:p>
+                      <a:pPr algn="l"/>
+                      <a:r>
+                        <a:rPr lang="en-US" sz="1700">
+                          <a:solidFill>
+                            <a:schemeClr val="tx1">
+                              <a:lumMod val="65000"/>
+                              <a:lumOff val="35000"/>
+                            </a:schemeClr>
+                          </a:solidFill>
+                          <a:effectLst/>
+                        </a:rPr>
+                        <a:t>pop</a:t>
                       </a:r>
                     </a:p>
                   </a:txBody>
-                  <a:tcPr/>
+                  <a:tcPr marL="118872" marR="118872" marT="54864" marB="54864" anchor="ctr">
+                    <a:lnL w="9525" cap="flat" cmpd="sng" algn="ctr">
+                      <a:solidFill>
+                        <a:srgbClr val="DFE2E5"/>
+                      </a:solidFill>
+                      <a:prstDash val="solid"/>
+                      <a:round/>
+                      <a:headEnd type="none" w="med" len="med"/>
+                      <a:tailEnd type="none" w="med" len="med"/>
+                    </a:lnL>
+                    <a:lnR w="9525" cap="flat" cmpd="sng" algn="ctr">
+                      <a:solidFill>
+                        <a:srgbClr val="DFE2E5"/>
+                      </a:solidFill>
+                      <a:prstDash val="solid"/>
+                      <a:round/>
+                      <a:headEnd type="none" w="med" len="med"/>
+                      <a:tailEnd type="none" w="med" len="med"/>
+                    </a:lnR>
+                    <a:lnT w="9525" cap="flat" cmpd="sng" algn="ctr">
+                      <a:solidFill>
+                        <a:srgbClr val="DFE2E5"/>
+                      </a:solidFill>
+                      <a:prstDash val="solid"/>
+                      <a:round/>
+                      <a:headEnd type="none" w="med" len="med"/>
+                      <a:tailEnd type="none" w="med" len="med"/>
+                    </a:lnT>
+                    <a:lnB w="9525" cap="flat" cmpd="sng" algn="ctr">
+                      <a:solidFill>
+                        <a:srgbClr val="DFE2E5"/>
+                      </a:solidFill>
+                      <a:prstDash val="solid"/>
+                      <a:round/>
+                      <a:headEnd type="none" w="med" len="med"/>
+                      <a:tailEnd type="none" w="med" len="med"/>
+                    </a:lnB>
+                  </a:tcPr>
                 </a:tc>
                 <a:tc>
                   <a:txBody>
                     <a:bodyPr/>
                     <a:lstStyle/>
                     <a:p>
-                      <a:pPr marL="285750" indent="-285750">
-                        <a:buFontTx/>
-                        <a:buChar char="-"/>
-                      </a:pPr>
+                      <a:pPr algn="l"/>
                       <a:r>
-                        <a:rPr lang="de-DE" dirty="0">
+                        <a:rPr lang="en-US" sz="1700" dirty="0">
                           <a:solidFill>
                             <a:schemeClr val="tx1">
                               <a:lumMod val="65000"/>
                               <a:lumOff val="35000"/>
                             </a:schemeClr>
                           </a:solidFill>
+                          <a:effectLst/>
                         </a:rPr>
-                        <a:t>Auf Stack pushen</a:t>
+                        <a:t>Wert von Stack </a:t>
                       </a:r>
-                    </a:p>
-                  </a:txBody>
-                  <a:tcPr/>
-                </a:tc>
-                <a:extLst>
-                  <a:ext uri="{0D108BD9-81ED-4DB2-BD59-A6C34878D82A}">
-                    <a16:rowId xmlns:a16="http://schemas.microsoft.com/office/drawing/2014/main" val="2543626398"/>
-                  </a:ext>
-                </a:extLst>
-              </a:tr>
-              <a:tr h="370840">
-                <a:tc>
-                  <a:txBody>
-                    <a:bodyPr/>
-                    <a:lstStyle/>
-                    <a:p>
                       <a:r>
-                        <a:rPr lang="de-DE" dirty="0" err="1">
+                        <a:rPr lang="en-US" sz="1700" dirty="0" err="1">
                           <a:solidFill>
                             <a:schemeClr val="tx1">
                               <a:lumMod val="65000"/>
                               <a:lumOff val="35000"/>
                             </a:schemeClr>
                           </a:solidFill>
+                          <a:effectLst/>
                         </a:rPr>
-                        <a:t>pop</a:t>
+                        <a:t>entfernen</a:t>
                       </a:r>
-                      <a:endParaRPr lang="de-DE" dirty="0">
+                      <a:endParaRPr lang="en-US" sz="1700" dirty="0">
                         <a:solidFill>
                           <a:schemeClr val="tx1">
                             <a:lumMod val="65000"/>
                             <a:lumOff val="35000"/>
                           </a:schemeClr>
                         </a:solidFill>
+                        <a:effectLst/>
                       </a:endParaRPr>
                     </a:p>
                   </a:txBody>
-                  <a:tcPr/>
+                  <a:tcPr marL="118872" marR="118872" marT="54864" marB="54864" anchor="ctr">
+                    <a:lnL w="9525" cap="flat" cmpd="sng" algn="ctr">
+                      <a:solidFill>
+                        <a:srgbClr val="DFE2E5"/>
+                      </a:solidFill>
+                      <a:prstDash val="solid"/>
+                      <a:round/>
+                      <a:headEnd type="none" w="med" len="med"/>
+                      <a:tailEnd type="none" w="med" len="med"/>
+                    </a:lnL>
+                    <a:lnR w="9525" cap="flat" cmpd="sng" algn="ctr">
+                      <a:solidFill>
+                        <a:srgbClr val="DFE2E5"/>
+                      </a:solidFill>
+                      <a:prstDash val="solid"/>
+                      <a:round/>
+                      <a:headEnd type="none" w="med" len="med"/>
+                      <a:tailEnd type="none" w="med" len="med"/>
+                    </a:lnR>
+                    <a:lnT w="9525" cap="flat" cmpd="sng" algn="ctr">
+                      <a:solidFill>
+                        <a:srgbClr val="DFE2E5"/>
+                      </a:solidFill>
+                      <a:prstDash val="solid"/>
+                      <a:round/>
+                      <a:headEnd type="none" w="med" len="med"/>
+                      <a:tailEnd type="none" w="med" len="med"/>
+                    </a:lnT>
+                    <a:lnB w="9525" cap="flat" cmpd="sng" algn="ctr">
+                      <a:solidFill>
+                        <a:srgbClr val="DFE2E5"/>
+                      </a:solidFill>
+                      <a:prstDash val="solid"/>
+                      <a:round/>
+                      <a:headEnd type="none" w="med" len="med"/>
+                      <a:tailEnd type="none" w="med" len="med"/>
+                    </a:lnB>
+                  </a:tcPr>
+                </a:tc>
+                <a:extLst>
+                  <a:ext uri="{0D108BD9-81ED-4DB2-BD59-A6C34878D82A}">
+                    <a16:rowId xmlns:a16="http://schemas.microsoft.com/office/drawing/2014/main" val="4203268053"/>
+                  </a:ext>
+                </a:extLst>
+              </a:tr>
+              <a:tr h="373075">
+                <a:tc>
+                  <a:txBody>
+                    <a:bodyPr/>
+                    <a:lstStyle/>
+                    <a:p>
+                      <a:pPr algn="l"/>
+                      <a:r>
+                        <a:rPr lang="en-US" sz="1700" dirty="0" err="1">
+                          <a:solidFill>
+                            <a:schemeClr val="tx1">
+                              <a:lumMod val="65000"/>
+                              <a:lumOff val="35000"/>
+                            </a:schemeClr>
+                          </a:solidFill>
+                          <a:effectLst/>
+                        </a:rPr>
+                        <a:t>int</a:t>
+                      </a:r>
+                      <a:endParaRPr lang="en-US" sz="1700" dirty="0">
+                        <a:solidFill>
+                          <a:schemeClr val="tx1">
+                            <a:lumMod val="65000"/>
+                            <a:lumOff val="35000"/>
+                          </a:schemeClr>
+                        </a:solidFill>
+                        <a:effectLst/>
+                      </a:endParaRPr>
+                    </a:p>
+                  </a:txBody>
+                  <a:tcPr marL="118872" marR="118872" marT="54864" marB="54864" anchor="ctr">
+                    <a:lnL w="9525" cap="flat" cmpd="sng" algn="ctr">
+                      <a:solidFill>
+                        <a:srgbClr val="DFE2E5"/>
+                      </a:solidFill>
+                      <a:prstDash val="solid"/>
+                      <a:round/>
+                      <a:headEnd type="none" w="med" len="med"/>
+                      <a:tailEnd type="none" w="med" len="med"/>
+                    </a:lnL>
+                    <a:lnR w="9525" cap="flat" cmpd="sng" algn="ctr">
+                      <a:solidFill>
+                        <a:srgbClr val="DFE2E5"/>
+                      </a:solidFill>
+                      <a:prstDash val="solid"/>
+                      <a:round/>
+                      <a:headEnd type="none" w="med" len="med"/>
+                      <a:tailEnd type="none" w="med" len="med"/>
+                    </a:lnR>
+                    <a:lnT w="9525" cap="flat" cmpd="sng" algn="ctr">
+                      <a:solidFill>
+                        <a:srgbClr val="DFE2E5"/>
+                      </a:solidFill>
+                      <a:prstDash val="solid"/>
+                      <a:round/>
+                      <a:headEnd type="none" w="med" len="med"/>
+                      <a:tailEnd type="none" w="med" len="med"/>
+                    </a:lnT>
+                    <a:lnB w="9525" cap="flat" cmpd="sng" algn="ctr">
+                      <a:solidFill>
+                        <a:srgbClr val="DFE2E5"/>
+                      </a:solidFill>
+                      <a:prstDash val="solid"/>
+                      <a:round/>
+                      <a:headEnd type="none" w="med" len="med"/>
+                      <a:tailEnd type="none" w="med" len="med"/>
+                    </a:lnB>
+                    <a:solidFill>
+                      <a:srgbClr val="F8F8F8"/>
+                    </a:solidFill>
+                  </a:tcPr>
                 </a:tc>
                 <a:tc>
                   <a:txBody>
                     <a:bodyPr/>
                     <a:lstStyle/>
                     <a:p>
-                      <a:pPr marL="285750" indent="-285750">
-                        <a:buFontTx/>
-                        <a:buChar char="-"/>
-                      </a:pPr>
+                      <a:pPr algn="l"/>
                       <a:r>
-                        <a:rPr lang="de-DE" dirty="0">
+                        <a:rPr lang="en-US" sz="1700" dirty="0">
                           <a:solidFill>
                             <a:schemeClr val="tx1">
                               <a:lumMod val="65000"/>
                               <a:lumOff val="35000"/>
                             </a:schemeClr>
                           </a:solidFill>
-                        </a:rPr>
-                        <a:t>Von Stack entfernen</a:t>
-                      </a:r>
-                    </a:p>
-                  </a:txBody>
-                  <a:tcPr/>
-                </a:tc>
-                <a:extLst>
-                  <a:ext uri="{0D108BD9-81ED-4DB2-BD59-A6C34878D82A}">
-                    <a16:rowId xmlns:a16="http://schemas.microsoft.com/office/drawing/2014/main" val="3936765572"/>
-                  </a:ext>
-                </a:extLst>
-              </a:tr>
-              <a:tr h="370840">
-                <a:tc>
-                  <a:txBody>
-                    <a:bodyPr/>
-                    <a:lstStyle/>
-                    <a:p>
-                      <a:r>
-                        <a:rPr lang="de-DE" dirty="0" err="1">
-                          <a:solidFill>
-                            <a:schemeClr val="tx1">
-                              <a:lumMod val="65000"/>
-                              <a:lumOff val="35000"/>
-                            </a:schemeClr>
-                          </a:solidFill>
-                        </a:rPr>
-                        <a:t>int</a:t>
-                      </a:r>
-                      <a:endParaRPr lang="de-DE" dirty="0">
-                        <a:solidFill>
-                          <a:schemeClr val="tx1">
-                            <a:lumMod val="65000"/>
-                            <a:lumOff val="35000"/>
-                          </a:schemeClr>
-                        </a:solidFill>
-                      </a:endParaRPr>
-                    </a:p>
-                  </a:txBody>
-                  <a:tcPr/>
-                </a:tc>
-                <a:tc>
-                  <a:txBody>
-                    <a:bodyPr/>
-                    <a:lstStyle/>
-                    <a:p>
-                      <a:pPr marL="285750" indent="-285750">
-                        <a:buFontTx/>
-                        <a:buChar char="-"/>
-                      </a:pPr>
-                      <a:r>
-                        <a:rPr lang="de-DE" dirty="0">
-                          <a:solidFill>
-                            <a:schemeClr val="tx1">
-                              <a:lumMod val="65000"/>
-                              <a:lumOff val="35000"/>
-                            </a:schemeClr>
-                          </a:solidFill>
+                          <a:effectLst/>
                         </a:rPr>
                         <a:t>Interrupt</a:t>
                       </a:r>
                     </a:p>
                   </a:txBody>
-                  <a:tcPr/>
+                  <a:tcPr marL="118872" marR="118872" marT="54864" marB="54864" anchor="ctr">
+                    <a:lnL w="9525" cap="flat" cmpd="sng" algn="ctr">
+                      <a:solidFill>
+                        <a:srgbClr val="DFE2E5"/>
+                      </a:solidFill>
+                      <a:prstDash val="solid"/>
+                      <a:round/>
+                      <a:headEnd type="none" w="med" len="med"/>
+                      <a:tailEnd type="none" w="med" len="med"/>
+                    </a:lnL>
+                    <a:lnR w="9525" cap="flat" cmpd="sng" algn="ctr">
+                      <a:solidFill>
+                        <a:srgbClr val="DFE2E5"/>
+                      </a:solidFill>
+                      <a:prstDash val="solid"/>
+                      <a:round/>
+                      <a:headEnd type="none" w="med" len="med"/>
+                      <a:tailEnd type="none" w="med" len="med"/>
+                    </a:lnR>
+                    <a:lnT w="9525" cap="flat" cmpd="sng" algn="ctr">
+                      <a:solidFill>
+                        <a:srgbClr val="DFE2E5"/>
+                      </a:solidFill>
+                      <a:prstDash val="solid"/>
+                      <a:round/>
+                      <a:headEnd type="none" w="med" len="med"/>
+                      <a:tailEnd type="none" w="med" len="med"/>
+                    </a:lnT>
+                    <a:lnB w="9525" cap="flat" cmpd="sng" algn="ctr">
+                      <a:solidFill>
+                        <a:srgbClr val="DFE2E5"/>
+                      </a:solidFill>
+                      <a:prstDash val="solid"/>
+                      <a:round/>
+                      <a:headEnd type="none" w="med" len="med"/>
+                      <a:tailEnd type="none" w="med" len="med"/>
+                    </a:lnB>
+                    <a:solidFill>
+                      <a:srgbClr val="F8F8F8"/>
+                    </a:solidFill>
+                  </a:tcPr>
                 </a:tc>
                 <a:extLst>
                   <a:ext uri="{0D108BD9-81ED-4DB2-BD59-A6C34878D82A}">
-                    <a16:rowId xmlns:a16="http://schemas.microsoft.com/office/drawing/2014/main" val="873218023"/>
+                    <a16:rowId xmlns:a16="http://schemas.microsoft.com/office/drawing/2014/main" val="1233279995"/>
                   </a:ext>
                 </a:extLst>
               </a:tr>
@@ -6892,114 +8789,6 @@
           </a:graphicData>
         </a:graphic>
       </p:graphicFrame>
-      <p:pic>
-        <p:nvPicPr>
-          <p:cNvPr id="13" name="Picture 12">
-            <a:extLst>
-              <a:ext uri="{FF2B5EF4-FFF2-40B4-BE49-F238E27FC236}">
-                <a16:creationId xmlns:a16="http://schemas.microsoft.com/office/drawing/2014/main" id="{421A5798-2A2D-E34B-9DBE-4BC488D5E129}"/>
-              </a:ext>
-            </a:extLst>
-          </p:cNvPr>
-          <p:cNvPicPr>
-            <a:picLocks noChangeAspect="1"/>
-          </p:cNvPicPr>
-          <p:nvPr/>
-        </p:nvPicPr>
-        <p:blipFill rotWithShape="1">
-          <a:blip r:embed="rId3"/>
-          <a:srcRect r="56650"/>
-          <a:stretch/>
-        </p:blipFill>
-        <p:spPr>
-          <a:xfrm>
-            <a:off x="3869268" y="4621668"/>
-            <a:ext cx="4178090" cy="1031100"/>
-          </a:xfrm>
-          <a:prstGeom prst="rect">
-            <a:avLst/>
-          </a:prstGeom>
-        </p:spPr>
-      </p:pic>
-      <p:sp>
-        <p:nvSpPr>
-          <p:cNvPr id="15" name="TextBox 14">
-            <a:extLst>
-              <a:ext uri="{FF2B5EF4-FFF2-40B4-BE49-F238E27FC236}">
-                <a16:creationId xmlns:a16="http://schemas.microsoft.com/office/drawing/2014/main" id="{D2C7D1EA-D7E2-1341-9235-97E6F829EF9F}"/>
-              </a:ext>
-            </a:extLst>
-          </p:cNvPr>
-          <p:cNvSpPr txBox="1"/>
-          <p:nvPr/>
-        </p:nvSpPr>
-        <p:spPr>
-          <a:xfrm>
-            <a:off x="3869268" y="3903890"/>
-            <a:ext cx="3217547" cy="369332"/>
-          </a:xfrm>
-          <a:prstGeom prst="rect">
-            <a:avLst/>
-          </a:prstGeom>
-          <a:noFill/>
-        </p:spPr>
-        <p:txBody>
-          <a:bodyPr wrap="none" rtlCol="0">
-            <a:spAutoFit/>
-          </a:bodyPr>
-          <a:lstStyle/>
-          <a:p>
-            <a:r>
-              <a:rPr lang="de-DE" dirty="0" err="1">
-                <a:solidFill>
-                  <a:schemeClr val="tx1">
-                    <a:lumMod val="65000"/>
-                    <a:lumOff val="35000"/>
-                  </a:schemeClr>
-                </a:solidFill>
-                <a:latin typeface="Andale Mono" panose="020B0509000000000004" pitchFamily="49" charset="0"/>
-              </a:rPr>
-              <a:t>operation</a:t>
-            </a:r>
-            <a:r>
-              <a:rPr lang="de-DE" dirty="0">
-                <a:solidFill>
-                  <a:schemeClr val="tx1">
-                    <a:lumMod val="65000"/>
-                    <a:lumOff val="35000"/>
-                  </a:schemeClr>
-                </a:solidFill>
-                <a:latin typeface="Andale Mono" panose="020B0509000000000004" pitchFamily="49" charset="0"/>
-              </a:rPr>
-              <a:t> [</a:t>
-            </a:r>
-            <a:r>
-              <a:rPr lang="de-DE" dirty="0" err="1">
-                <a:solidFill>
-                  <a:schemeClr val="tx1">
-                    <a:lumMod val="65000"/>
-                    <a:lumOff val="35000"/>
-                  </a:schemeClr>
-                </a:solidFill>
-                <a:latin typeface="Andale Mono" panose="020B0509000000000004" pitchFamily="49" charset="0"/>
-              </a:rPr>
-              <a:t>operand</a:t>
-            </a:r>
-            <a:r>
-              <a:rPr lang="de-DE" dirty="0">
-                <a:solidFill>
-                  <a:schemeClr val="tx1">
-                    <a:lumMod val="65000"/>
-                    <a:lumOff val="35000"/>
-                  </a:schemeClr>
-                </a:solidFill>
-                <a:latin typeface="Andale Mono" panose="020B0509000000000004" pitchFamily="49" charset="0"/>
-              </a:rPr>
-              <a:t>, …]</a:t>
-            </a:r>
-          </a:p>
-        </p:txBody>
-      </p:sp>
     </p:spTree>
     <p:extLst>
       <p:ext uri="{BB962C8B-B14F-4D97-AF65-F5344CB8AC3E}">
@@ -7191,468 +8980,12 @@
           </a:p>
         </p:txBody>
       </p:sp>
-      <p:graphicFrame>
-        <p:nvGraphicFramePr>
-          <p:cNvPr id="10" name="Table 9">
+      <p:sp>
+        <p:nvSpPr>
+          <p:cNvPr id="5" name="Content Placeholder 4">
             <a:extLst>
               <a:ext uri="{FF2B5EF4-FFF2-40B4-BE49-F238E27FC236}">
-                <a16:creationId xmlns:a16="http://schemas.microsoft.com/office/drawing/2014/main" id="{D0EFF0E6-4BB0-AB4E-B265-5CE37D8A6E14}"/>
-              </a:ext>
-            </a:extLst>
-          </p:cNvPr>
-          <p:cNvGraphicFramePr>
-            <a:graphicFrameLocks noGrp="1"/>
-          </p:cNvGraphicFramePr>
-          <p:nvPr>
-            <p:extLst>
-              <p:ext uri="{D42A27DB-BD31-4B8C-83A1-F6EECF244321}">
-                <p14:modId xmlns:p14="http://schemas.microsoft.com/office/powerpoint/2010/main" val="224013616"/>
-              </p:ext>
-            </p:extLst>
-          </p:nvPr>
-        </p:nvGraphicFramePr>
-        <p:xfrm>
-          <a:off x="3869268" y="755974"/>
-          <a:ext cx="7315200" cy="2595880"/>
-        </p:xfrm>
-        <a:graphic>
-          <a:graphicData uri="http://schemas.openxmlformats.org/drawingml/2006/table">
-            <a:tbl>
-              <a:tblPr firstRow="1" bandRow="1">
-                <a:tableStyleId>{5C22544A-7EE6-4342-B048-85BDC9FD1C3A}</a:tableStyleId>
-              </a:tblPr>
-              <a:tblGrid>
-                <a:gridCol w="3657600">
-                  <a:extLst>
-                    <a:ext uri="{9D8B030D-6E8A-4147-A177-3AD203B41FA5}">
-                      <a16:colId xmlns:a16="http://schemas.microsoft.com/office/drawing/2014/main" val="2317206412"/>
-                    </a:ext>
-                  </a:extLst>
-                </a:gridCol>
-                <a:gridCol w="3657600">
-                  <a:extLst>
-                    <a:ext uri="{9D8B030D-6E8A-4147-A177-3AD203B41FA5}">
-                      <a16:colId xmlns:a16="http://schemas.microsoft.com/office/drawing/2014/main" val="3589141513"/>
-                    </a:ext>
-                  </a:extLst>
-                </a:gridCol>
-              </a:tblGrid>
-              <a:tr h="370840">
-                <a:tc>
-                  <a:txBody>
-                    <a:bodyPr/>
-                    <a:lstStyle/>
-                    <a:p>
-                      <a:r>
-                        <a:rPr lang="de-DE" dirty="0" err="1"/>
-                        <a:t>eax</a:t>
-                      </a:r>
-                      <a:endParaRPr lang="de-DE" dirty="0"/>
-                    </a:p>
-                  </a:txBody>
-                  <a:tcPr/>
-                </a:tc>
-                <a:tc>
-                  <a:txBody>
-                    <a:bodyPr/>
-                    <a:lstStyle/>
-                    <a:p>
-                      <a:r>
-                        <a:rPr lang="de-DE" dirty="0"/>
-                        <a:t>System Call</a:t>
-                      </a:r>
-                    </a:p>
-                  </a:txBody>
-                  <a:tcPr/>
-                </a:tc>
-                <a:extLst>
-                  <a:ext uri="{0D108BD9-81ED-4DB2-BD59-A6C34878D82A}">
-                    <a16:rowId xmlns:a16="http://schemas.microsoft.com/office/drawing/2014/main" val="1781904454"/>
-                  </a:ext>
-                </a:extLst>
-              </a:tr>
-              <a:tr h="370840">
-                <a:tc>
-                  <a:txBody>
-                    <a:bodyPr/>
-                    <a:lstStyle/>
-                    <a:p>
-                      <a:r>
-                        <a:rPr lang="de-DE" dirty="0">
-                          <a:solidFill>
-                            <a:schemeClr val="tx1">
-                              <a:lumMod val="65000"/>
-                              <a:lumOff val="35000"/>
-                            </a:schemeClr>
-                          </a:solidFill>
-                          <a:latin typeface="Andale Mono" panose="020B0509000000000004" pitchFamily="49" charset="0"/>
-                        </a:rPr>
-                        <a:t>1</a:t>
-                      </a:r>
-                    </a:p>
-                  </a:txBody>
-                  <a:tcPr/>
-                </a:tc>
-                <a:tc>
-                  <a:txBody>
-                    <a:bodyPr/>
-                    <a:lstStyle/>
-                    <a:p>
-                      <a:pPr marL="0" indent="0">
-                        <a:buFontTx/>
-                        <a:buNone/>
-                      </a:pPr>
-                      <a:r>
-                        <a:rPr lang="de-DE" dirty="0" err="1">
-                          <a:solidFill>
-                            <a:schemeClr val="tx1">
-                              <a:lumMod val="65000"/>
-                              <a:lumOff val="35000"/>
-                            </a:schemeClr>
-                          </a:solidFill>
-                          <a:latin typeface="Andale Mono" panose="020B0509000000000004" pitchFamily="49" charset="0"/>
-                        </a:rPr>
-                        <a:t>sys_exit</a:t>
-                      </a:r>
-                      <a:endParaRPr lang="de-DE" dirty="0">
-                        <a:solidFill>
-                          <a:schemeClr val="tx1">
-                            <a:lumMod val="65000"/>
-                            <a:lumOff val="35000"/>
-                          </a:schemeClr>
-                        </a:solidFill>
-                        <a:latin typeface="Andale Mono" panose="020B0509000000000004" pitchFamily="49" charset="0"/>
-                      </a:endParaRPr>
-                    </a:p>
-                  </a:txBody>
-                  <a:tcPr/>
-                </a:tc>
-                <a:extLst>
-                  <a:ext uri="{0D108BD9-81ED-4DB2-BD59-A6C34878D82A}">
-                    <a16:rowId xmlns:a16="http://schemas.microsoft.com/office/drawing/2014/main" val="2647621659"/>
-                  </a:ext>
-                </a:extLst>
-              </a:tr>
-              <a:tr h="370840">
-                <a:tc>
-                  <a:txBody>
-                    <a:bodyPr/>
-                    <a:lstStyle/>
-                    <a:p>
-                      <a:r>
-                        <a:rPr lang="de-DE" dirty="0">
-                          <a:solidFill>
-                            <a:schemeClr val="tx1">
-                              <a:lumMod val="65000"/>
-                              <a:lumOff val="35000"/>
-                            </a:schemeClr>
-                          </a:solidFill>
-                          <a:latin typeface="Andale Mono" panose="020B0509000000000004" pitchFamily="49" charset="0"/>
-                        </a:rPr>
-                        <a:t>2</a:t>
-                      </a:r>
-                    </a:p>
-                  </a:txBody>
-                  <a:tcPr/>
-                </a:tc>
-                <a:tc>
-                  <a:txBody>
-                    <a:bodyPr/>
-                    <a:lstStyle/>
-                    <a:p>
-                      <a:pPr marL="0" indent="0">
-                        <a:buFontTx/>
-                        <a:buNone/>
-                      </a:pPr>
-                      <a:r>
-                        <a:rPr lang="de-DE" dirty="0" err="1">
-                          <a:solidFill>
-                            <a:schemeClr val="tx1">
-                              <a:lumMod val="65000"/>
-                              <a:lumOff val="35000"/>
-                            </a:schemeClr>
-                          </a:solidFill>
-                          <a:latin typeface="Andale Mono" panose="020B0509000000000004" pitchFamily="49" charset="0"/>
-                        </a:rPr>
-                        <a:t>sys_fork</a:t>
-                      </a:r>
-                      <a:endParaRPr lang="de-DE" dirty="0">
-                        <a:solidFill>
-                          <a:schemeClr val="tx1">
-                            <a:lumMod val="65000"/>
-                            <a:lumOff val="35000"/>
-                          </a:schemeClr>
-                        </a:solidFill>
-                        <a:latin typeface="Andale Mono" panose="020B0509000000000004" pitchFamily="49" charset="0"/>
-                      </a:endParaRPr>
-                    </a:p>
-                  </a:txBody>
-                  <a:tcPr/>
-                </a:tc>
-                <a:extLst>
-                  <a:ext uri="{0D108BD9-81ED-4DB2-BD59-A6C34878D82A}">
-                    <a16:rowId xmlns:a16="http://schemas.microsoft.com/office/drawing/2014/main" val="563418857"/>
-                  </a:ext>
-                </a:extLst>
-              </a:tr>
-              <a:tr h="370840">
-                <a:tc>
-                  <a:txBody>
-                    <a:bodyPr/>
-                    <a:lstStyle/>
-                    <a:p>
-                      <a:r>
-                        <a:rPr lang="de-DE" dirty="0">
-                          <a:solidFill>
-                            <a:schemeClr val="tx1">
-                              <a:lumMod val="65000"/>
-                              <a:lumOff val="35000"/>
-                            </a:schemeClr>
-                          </a:solidFill>
-                          <a:latin typeface="Andale Mono" panose="020B0509000000000004" pitchFamily="49" charset="0"/>
-                        </a:rPr>
-                        <a:t>3</a:t>
-                      </a:r>
-                    </a:p>
-                  </a:txBody>
-                  <a:tcPr/>
-                </a:tc>
-                <a:tc>
-                  <a:txBody>
-                    <a:bodyPr/>
-                    <a:lstStyle/>
-                    <a:p>
-                      <a:pPr marL="0" indent="0">
-                        <a:buFontTx/>
-                        <a:buNone/>
-                      </a:pPr>
-                      <a:r>
-                        <a:rPr lang="de-DE" dirty="0" err="1">
-                          <a:solidFill>
-                            <a:schemeClr val="tx1">
-                              <a:lumMod val="65000"/>
-                              <a:lumOff val="35000"/>
-                            </a:schemeClr>
-                          </a:solidFill>
-                          <a:latin typeface="Andale Mono" panose="020B0509000000000004" pitchFamily="49" charset="0"/>
-                        </a:rPr>
-                        <a:t>sys_read</a:t>
-                      </a:r>
-                      <a:endParaRPr lang="de-DE" dirty="0">
-                        <a:solidFill>
-                          <a:schemeClr val="tx1">
-                            <a:lumMod val="65000"/>
-                            <a:lumOff val="35000"/>
-                          </a:schemeClr>
-                        </a:solidFill>
-                        <a:latin typeface="Andale Mono" panose="020B0509000000000004" pitchFamily="49" charset="0"/>
-                      </a:endParaRPr>
-                    </a:p>
-                  </a:txBody>
-                  <a:tcPr/>
-                </a:tc>
-                <a:extLst>
-                  <a:ext uri="{0D108BD9-81ED-4DB2-BD59-A6C34878D82A}">
-                    <a16:rowId xmlns:a16="http://schemas.microsoft.com/office/drawing/2014/main" val="548426433"/>
-                  </a:ext>
-                </a:extLst>
-              </a:tr>
-              <a:tr h="370840">
-                <a:tc>
-                  <a:txBody>
-                    <a:bodyPr/>
-                    <a:lstStyle/>
-                    <a:p>
-                      <a:r>
-                        <a:rPr lang="de-DE" dirty="0">
-                          <a:solidFill>
-                            <a:schemeClr val="tx1">
-                              <a:lumMod val="65000"/>
-                              <a:lumOff val="35000"/>
-                            </a:schemeClr>
-                          </a:solidFill>
-                          <a:latin typeface="Andale Mono" panose="020B0509000000000004" pitchFamily="49" charset="0"/>
-                        </a:rPr>
-                        <a:t>4</a:t>
-                      </a:r>
-                    </a:p>
-                  </a:txBody>
-                  <a:tcPr/>
-                </a:tc>
-                <a:tc>
-                  <a:txBody>
-                    <a:bodyPr/>
-                    <a:lstStyle/>
-                    <a:p>
-                      <a:pPr marL="0" indent="0">
-                        <a:buFontTx/>
-                        <a:buNone/>
-                      </a:pPr>
-                      <a:r>
-                        <a:rPr lang="de-DE" dirty="0" err="1">
-                          <a:solidFill>
-                            <a:schemeClr val="tx1">
-                              <a:lumMod val="65000"/>
-                              <a:lumOff val="35000"/>
-                            </a:schemeClr>
-                          </a:solidFill>
-                          <a:latin typeface="Andale Mono" panose="020B0509000000000004" pitchFamily="49" charset="0"/>
-                        </a:rPr>
-                        <a:t>sys_write</a:t>
-                      </a:r>
-                      <a:endParaRPr lang="de-DE" dirty="0">
-                        <a:solidFill>
-                          <a:schemeClr val="tx1">
-                            <a:lumMod val="65000"/>
-                            <a:lumOff val="35000"/>
-                          </a:schemeClr>
-                        </a:solidFill>
-                        <a:latin typeface="Andale Mono" panose="020B0509000000000004" pitchFamily="49" charset="0"/>
-                      </a:endParaRPr>
-                    </a:p>
-                  </a:txBody>
-                  <a:tcPr/>
-                </a:tc>
-                <a:extLst>
-                  <a:ext uri="{0D108BD9-81ED-4DB2-BD59-A6C34878D82A}">
-                    <a16:rowId xmlns:a16="http://schemas.microsoft.com/office/drawing/2014/main" val="2543626398"/>
-                  </a:ext>
-                </a:extLst>
-              </a:tr>
-              <a:tr h="370840">
-                <a:tc>
-                  <a:txBody>
-                    <a:bodyPr/>
-                    <a:lstStyle/>
-                    <a:p>
-                      <a:r>
-                        <a:rPr lang="de-DE" dirty="0">
-                          <a:solidFill>
-                            <a:schemeClr val="tx1">
-                              <a:lumMod val="65000"/>
-                              <a:lumOff val="35000"/>
-                            </a:schemeClr>
-                          </a:solidFill>
-                          <a:latin typeface="Andale Mono" panose="020B0509000000000004" pitchFamily="49" charset="0"/>
-                        </a:rPr>
-                        <a:t>5</a:t>
-                      </a:r>
-                    </a:p>
-                  </a:txBody>
-                  <a:tcPr/>
-                </a:tc>
-                <a:tc>
-                  <a:txBody>
-                    <a:bodyPr/>
-                    <a:lstStyle/>
-                    <a:p>
-                      <a:pPr marL="0" indent="0">
-                        <a:buFontTx/>
-                        <a:buNone/>
-                      </a:pPr>
-                      <a:r>
-                        <a:rPr lang="de-DE" dirty="0" err="1">
-                          <a:solidFill>
-                            <a:schemeClr val="tx1">
-                              <a:lumMod val="65000"/>
-                              <a:lumOff val="35000"/>
-                            </a:schemeClr>
-                          </a:solidFill>
-                          <a:latin typeface="Andale Mono" panose="020B0509000000000004" pitchFamily="49" charset="0"/>
-                        </a:rPr>
-                        <a:t>sys_open</a:t>
-                      </a:r>
-                      <a:endParaRPr lang="de-DE" dirty="0">
-                        <a:solidFill>
-                          <a:schemeClr val="tx1">
-                            <a:lumMod val="65000"/>
-                            <a:lumOff val="35000"/>
-                          </a:schemeClr>
-                        </a:solidFill>
-                        <a:latin typeface="Andale Mono" panose="020B0509000000000004" pitchFamily="49" charset="0"/>
-                      </a:endParaRPr>
-                    </a:p>
-                  </a:txBody>
-                  <a:tcPr/>
-                </a:tc>
-                <a:extLst>
-                  <a:ext uri="{0D108BD9-81ED-4DB2-BD59-A6C34878D82A}">
-                    <a16:rowId xmlns:a16="http://schemas.microsoft.com/office/drawing/2014/main" val="3936765572"/>
-                  </a:ext>
-                </a:extLst>
-              </a:tr>
-              <a:tr h="370840">
-                <a:tc>
-                  <a:txBody>
-                    <a:bodyPr/>
-                    <a:lstStyle/>
-                    <a:p>
-                      <a:r>
-                        <a:rPr lang="de-DE" dirty="0">
-                          <a:solidFill>
-                            <a:schemeClr val="tx1">
-                              <a:lumMod val="65000"/>
-                              <a:lumOff val="35000"/>
-                            </a:schemeClr>
-                          </a:solidFill>
-                          <a:latin typeface="Andale Mono" panose="020B0509000000000004" pitchFamily="49" charset="0"/>
-                        </a:rPr>
-                        <a:t>6</a:t>
-                      </a:r>
-                    </a:p>
-                  </a:txBody>
-                  <a:tcPr/>
-                </a:tc>
-                <a:tc>
-                  <a:txBody>
-                    <a:bodyPr/>
-                    <a:lstStyle/>
-                    <a:p>
-                      <a:pPr marL="0" indent="0">
-                        <a:buFontTx/>
-                        <a:buNone/>
-                      </a:pPr>
-                      <a:r>
-                        <a:rPr lang="de-DE" dirty="0" err="1">
-                          <a:solidFill>
-                            <a:schemeClr val="tx1">
-                              <a:lumMod val="65000"/>
-                              <a:lumOff val="35000"/>
-                            </a:schemeClr>
-                          </a:solidFill>
-                          <a:latin typeface="Andale Mono" panose="020B0509000000000004" pitchFamily="49" charset="0"/>
-                        </a:rPr>
-                        <a:t>sys_close</a:t>
-                      </a:r>
-                      <a:endParaRPr lang="de-DE" dirty="0">
-                        <a:solidFill>
-                          <a:schemeClr val="tx1">
-                            <a:lumMod val="65000"/>
-                            <a:lumOff val="35000"/>
-                          </a:schemeClr>
-                        </a:solidFill>
-                        <a:latin typeface="Andale Mono" panose="020B0509000000000004" pitchFamily="49" charset="0"/>
-                      </a:endParaRPr>
-                    </a:p>
-                  </a:txBody>
-                  <a:tcPr/>
-                </a:tc>
-                <a:extLst>
-                  <a:ext uri="{0D108BD9-81ED-4DB2-BD59-A6C34878D82A}">
-                    <a16:rowId xmlns:a16="http://schemas.microsoft.com/office/drawing/2014/main" val="873218023"/>
-                  </a:ext>
-                </a:extLst>
-              </a:tr>
-            </a:tbl>
-          </a:graphicData>
-        </a:graphic>
-      </p:graphicFrame>
-      <p:sp>
-        <p:nvSpPr>
-          <p:cNvPr id="11" name="Content Placeholder 2">
-            <a:extLst>
-              <a:ext uri="{FF2B5EF4-FFF2-40B4-BE49-F238E27FC236}">
-                <a16:creationId xmlns:a16="http://schemas.microsoft.com/office/drawing/2014/main" id="{142BFAB9-89BD-4747-A0C3-2EA1474F51FA}"/>
+                <a16:creationId xmlns:a16="http://schemas.microsoft.com/office/drawing/2014/main" id="{CF451FC3-2BDC-3D44-ADF0-DC8372DCE088}"/>
               </a:ext>
             </a:extLst>
           </p:cNvPr>
@@ -7663,123 +8996,22 @@
             <p:ph idx="1"/>
           </p:nvPr>
         </p:nvSpPr>
-        <p:spPr>
-          <a:xfrm>
-            <a:off x="3869268" y="3506147"/>
-            <a:ext cx="7315200" cy="2554399"/>
-          </a:xfrm>
-        </p:spPr>
-        <p:txBody>
-          <a:bodyPr>
-            <a:normAutofit/>
-          </a:bodyPr>
+        <p:spPr/>
+        <p:txBody>
+          <a:bodyPr/>
           <a:lstStyle/>
           <a:p>
-            <a:pPr marL="0" indent="0">
-              <a:lnSpc>
-                <a:spcPct val="150000"/>
-              </a:lnSpc>
-              <a:buNone/>
-            </a:pPr>
             <a:r>
               <a:rPr lang="de" dirty="0"/>
-              <a:t>Vorgehen:</a:t>
-            </a:r>
-          </a:p>
-          <a:p>
-            <a:pPr marL="457200" indent="-457200">
-              <a:lnSpc>
-                <a:spcPct val="120000"/>
-              </a:lnSpc>
-              <a:buFont typeface="+mj-lt"/>
-              <a:buAutoNum type="arabicPeriod"/>
-            </a:pPr>
-            <a:r>
-              <a:rPr lang="de" sz="1600" dirty="0"/>
-              <a:t>  </a:t>
-            </a:r>
-            <a:r>
-              <a:rPr lang="de" sz="1600" b="1" dirty="0"/>
-              <a:t>System Call </a:t>
-            </a:r>
-            <a:r>
-              <a:rPr lang="de" sz="1600" dirty="0"/>
-              <a:t>in Register </a:t>
-            </a:r>
-            <a:r>
-              <a:rPr lang="de" sz="1600" dirty="0" err="1"/>
-              <a:t>eax</a:t>
-            </a:r>
-            <a:r>
-              <a:rPr lang="de" sz="1600" dirty="0"/>
-              <a:t> speichern</a:t>
-            </a:r>
-          </a:p>
-          <a:p>
-            <a:pPr marL="457200" indent="-457200">
-              <a:lnSpc>
-                <a:spcPct val="120000"/>
-              </a:lnSpc>
-              <a:buFont typeface="+mj-lt"/>
-              <a:buAutoNum type="arabicPeriod"/>
-            </a:pPr>
-            <a:r>
-              <a:rPr lang="de" sz="1600" dirty="0"/>
-              <a:t>  </a:t>
-            </a:r>
-            <a:r>
-              <a:rPr lang="de" sz="1600" b="1" dirty="0"/>
-              <a:t>Argumente</a:t>
-            </a:r>
-            <a:r>
-              <a:rPr lang="de" sz="1600" dirty="0"/>
-              <a:t> zum System Call in die Register </a:t>
-            </a:r>
-            <a:r>
-              <a:rPr lang="de" sz="1600" dirty="0" err="1"/>
-              <a:t>ebx</a:t>
-            </a:r>
-            <a:r>
-              <a:rPr lang="de" sz="1600" dirty="0"/>
-              <a:t>, </a:t>
-            </a:r>
-            <a:r>
-              <a:rPr lang="de" sz="1600" dirty="0" err="1"/>
-              <a:t>ecx</a:t>
-            </a:r>
-            <a:r>
-              <a:rPr lang="de" sz="1600" dirty="0"/>
-              <a:t>, </a:t>
-            </a:r>
-            <a:r>
-              <a:rPr lang="de" sz="1600" dirty="0" err="1"/>
-              <a:t>edx</a:t>
-            </a:r>
-            <a:r>
-              <a:rPr lang="de" sz="1600" dirty="0"/>
-              <a:t> speichern</a:t>
-            </a:r>
-          </a:p>
-          <a:p>
-            <a:pPr marL="457200" indent="-457200">
-              <a:lnSpc>
-                <a:spcPct val="120000"/>
-              </a:lnSpc>
-              <a:buFont typeface="+mj-lt"/>
-              <a:buAutoNum type="arabicPeriod"/>
-            </a:pPr>
-            <a:r>
-              <a:rPr lang="de" sz="1600" dirty="0"/>
-              <a:t>  </a:t>
-            </a:r>
-            <a:r>
-              <a:rPr lang="de" sz="1600" b="1" dirty="0"/>
-              <a:t>Interrupt</a:t>
-            </a:r>
-            <a:r>
-              <a:rPr lang="de" sz="1600" dirty="0"/>
-              <a:t> mit 0x80 ausführen</a:t>
-            </a:r>
+              <a:t>Methoden, um vom Betriebssystem bestimmte Funktionalitäten aufzurufen (z.B. Lesen oder Schreiben von Daten)</a:t>
+            </a:r>
+          </a:p>
+          <a:p>
+            <a:r>
+              <a:rPr lang="de" dirty="0"/>
+              <a:t>Kontrolle wird während der Ausführung dem Kernel übergeben</a:t>
+            </a:r>
+            <a:endParaRPr lang="de-DE" dirty="0"/>
           </a:p>
         </p:txBody>
       </p:sp>
@@ -7797,6 +9029,1302 @@
 </file>
 
 <file path=ppt/slides/slide8.xml><?xml version="1.0" encoding="utf-8"?>
+<p:sld xmlns:a="http://schemas.openxmlformats.org/drawingml/2006/main" xmlns:r="http://schemas.openxmlformats.org/officeDocument/2006/relationships" xmlns:p="http://schemas.openxmlformats.org/presentationml/2006/main">
+  <p:cSld>
+    <p:spTree>
+      <p:nvGrpSpPr>
+        <p:cNvPr id="1" name=""/>
+        <p:cNvGrpSpPr/>
+        <p:nvPr/>
+      </p:nvGrpSpPr>
+      <p:grpSpPr>
+        <a:xfrm>
+          <a:off x="0" y="0"/>
+          <a:ext cx="0" cy="0"/>
+          <a:chOff x="0" y="0"/>
+          <a:chExt cx="0" cy="0"/>
+        </a:xfrm>
+      </p:grpSpPr>
+      <p:sp>
+        <p:nvSpPr>
+          <p:cNvPr id="2" name="Title 1">
+            <a:extLst>
+              <a:ext uri="{FF2B5EF4-FFF2-40B4-BE49-F238E27FC236}">
+                <a16:creationId xmlns:a16="http://schemas.microsoft.com/office/drawing/2014/main" id="{E4FF170F-DA51-9542-AF7E-5B03F8E0C1E7}"/>
+              </a:ext>
+            </a:extLst>
+          </p:cNvPr>
+          <p:cNvSpPr>
+            <a:spLocks noGrp="1"/>
+          </p:cNvSpPr>
+          <p:nvPr>
+            <p:ph type="title"/>
+          </p:nvPr>
+        </p:nvSpPr>
+        <p:spPr/>
+        <p:txBody>
+          <a:bodyPr/>
+          <a:lstStyle/>
+          <a:p>
+            <a:r>
+              <a:rPr lang="de-DE" dirty="0"/>
+              <a:t>Assembly </a:t>
+            </a:r>
+            <a:br>
+              <a:rPr lang="de-DE" dirty="0"/>
+            </a:br>
+            <a:r>
+              <a:rPr lang="de-DE" sz="1800" dirty="0"/>
+              <a:t>Basic Instructions: System Calls</a:t>
+            </a:r>
+            <a:br>
+              <a:rPr lang="de-DE" dirty="0"/>
+            </a:br>
+            <a:endParaRPr lang="de-DE" dirty="0"/>
+          </a:p>
+        </p:txBody>
+      </p:sp>
+      <p:sp>
+        <p:nvSpPr>
+          <p:cNvPr id="9" name="Rectangle 8">
+            <a:extLst>
+              <a:ext uri="{FF2B5EF4-FFF2-40B4-BE49-F238E27FC236}">
+                <a16:creationId xmlns:a16="http://schemas.microsoft.com/office/drawing/2014/main" id="{92C4150B-1425-4B4B-9601-12F94AEABDB4}"/>
+              </a:ext>
+            </a:extLst>
+          </p:cNvPr>
+          <p:cNvSpPr/>
+          <p:nvPr/>
+        </p:nvSpPr>
+        <p:spPr>
+          <a:xfrm>
+            <a:off x="0" y="6577831"/>
+            <a:ext cx="12191999" cy="246221"/>
+          </a:xfrm>
+          <a:prstGeom prst="rect">
+            <a:avLst/>
+          </a:prstGeom>
+        </p:spPr>
+        <p:txBody>
+          <a:bodyPr wrap="square">
+            <a:spAutoFit/>
+          </a:bodyPr>
+          <a:lstStyle/>
+          <a:p>
+            <a:r>
+              <a:rPr lang="de-DE" sz="1000" dirty="0">
+                <a:solidFill>
+                  <a:schemeClr val="bg1">
+                    <a:lumMod val="75000"/>
+                  </a:schemeClr>
+                </a:solidFill>
+                <a:hlinkClick r:id="rId2">
+                  <a:extLst>
+                    <a:ext uri="{A12FA001-AC4F-418D-AE19-62706E023703}">
+                      <ahyp:hlinkClr xmlns:ahyp="http://schemas.microsoft.com/office/drawing/2018/hyperlinkcolor" val="tx"/>
+                    </a:ext>
+                  </a:extLst>
+                </a:hlinkClick>
+              </a:rPr>
+              <a:t>https://</a:t>
+            </a:r>
+            <a:r>
+              <a:rPr lang="de-DE" sz="1000" dirty="0" err="1">
+                <a:solidFill>
+                  <a:schemeClr val="bg1">
+                    <a:lumMod val="75000"/>
+                  </a:schemeClr>
+                </a:solidFill>
+                <a:hlinkClick r:id="rId2">
+                  <a:extLst>
+                    <a:ext uri="{A12FA001-AC4F-418D-AE19-62706E023703}">
+                      <ahyp:hlinkClr xmlns:ahyp="http://schemas.microsoft.com/office/drawing/2018/hyperlinkcolor" val="tx"/>
+                    </a:ext>
+                  </a:extLst>
+                </a:hlinkClick>
+              </a:rPr>
+              <a:t>www.tutorialspoint.com</a:t>
+            </a:r>
+            <a:r>
+              <a:rPr lang="de-DE" sz="1000" dirty="0">
+                <a:solidFill>
+                  <a:schemeClr val="bg1">
+                    <a:lumMod val="75000"/>
+                  </a:schemeClr>
+                </a:solidFill>
+                <a:hlinkClick r:id="rId2">
+                  <a:extLst>
+                    <a:ext uri="{A12FA001-AC4F-418D-AE19-62706E023703}">
+                      <ahyp:hlinkClr xmlns:ahyp="http://schemas.microsoft.com/office/drawing/2018/hyperlinkcolor" val="tx"/>
+                    </a:ext>
+                  </a:extLst>
+                </a:hlinkClick>
+              </a:rPr>
+              <a:t>/</a:t>
+            </a:r>
+            <a:r>
+              <a:rPr lang="de-DE" sz="1000" dirty="0" err="1">
+                <a:solidFill>
+                  <a:schemeClr val="bg1">
+                    <a:lumMod val="75000"/>
+                  </a:schemeClr>
+                </a:solidFill>
+                <a:hlinkClick r:id="rId2">
+                  <a:extLst>
+                    <a:ext uri="{A12FA001-AC4F-418D-AE19-62706E023703}">
+                      <ahyp:hlinkClr xmlns:ahyp="http://schemas.microsoft.com/office/drawing/2018/hyperlinkcolor" val="tx"/>
+                    </a:ext>
+                  </a:extLst>
+                </a:hlinkClick>
+              </a:rPr>
+              <a:t>assembly_programming</a:t>
+            </a:r>
+            <a:r>
+              <a:rPr lang="de-DE" sz="1000" dirty="0">
+                <a:solidFill>
+                  <a:schemeClr val="bg1">
+                    <a:lumMod val="75000"/>
+                  </a:schemeClr>
+                </a:solidFill>
+                <a:hlinkClick r:id="rId2">
+                  <a:extLst>
+                    <a:ext uri="{A12FA001-AC4F-418D-AE19-62706E023703}">
+                      <ahyp:hlinkClr xmlns:ahyp="http://schemas.microsoft.com/office/drawing/2018/hyperlinkcolor" val="tx"/>
+                    </a:ext>
+                  </a:extLst>
+                </a:hlinkClick>
+              </a:rPr>
+              <a:t>/</a:t>
+            </a:r>
+            <a:endParaRPr lang="de-DE" sz="1000" dirty="0">
+              <a:solidFill>
+                <a:schemeClr val="bg1">
+                  <a:lumMod val="75000"/>
+                </a:schemeClr>
+              </a:solidFill>
+            </a:endParaRPr>
+          </a:p>
+        </p:txBody>
+      </p:sp>
+      <p:sp>
+        <p:nvSpPr>
+          <p:cNvPr id="11" name="Content Placeholder 2">
+            <a:extLst>
+              <a:ext uri="{FF2B5EF4-FFF2-40B4-BE49-F238E27FC236}">
+                <a16:creationId xmlns:a16="http://schemas.microsoft.com/office/drawing/2014/main" id="{142BFAB9-89BD-4747-A0C3-2EA1474F51FA}"/>
+              </a:ext>
+            </a:extLst>
+          </p:cNvPr>
+          <p:cNvSpPr>
+            <a:spLocks noGrp="1"/>
+          </p:cNvSpPr>
+          <p:nvPr>
+            <p:ph idx="1"/>
+          </p:nvPr>
+        </p:nvSpPr>
+        <p:spPr>
+          <a:xfrm>
+            <a:off x="3869268" y="3506147"/>
+            <a:ext cx="7315200" cy="2554399"/>
+          </a:xfrm>
+        </p:spPr>
+        <p:txBody>
+          <a:bodyPr>
+            <a:normAutofit/>
+          </a:bodyPr>
+          <a:lstStyle/>
+          <a:p>
+            <a:pPr marL="0" indent="0">
+              <a:lnSpc>
+                <a:spcPct val="150000"/>
+              </a:lnSpc>
+              <a:buNone/>
+            </a:pPr>
+            <a:r>
+              <a:rPr lang="de" dirty="0"/>
+              <a:t>Vorgehen:</a:t>
+            </a:r>
+          </a:p>
+          <a:p>
+            <a:pPr marL="457200" indent="-457200">
+              <a:lnSpc>
+                <a:spcPct val="120000"/>
+              </a:lnSpc>
+              <a:buFont typeface="+mj-lt"/>
+              <a:buAutoNum type="arabicPeriod"/>
+            </a:pPr>
+            <a:r>
+              <a:rPr lang="de" sz="1600" dirty="0"/>
+              <a:t>  </a:t>
+            </a:r>
+            <a:r>
+              <a:rPr lang="de" sz="1600" b="1" dirty="0"/>
+              <a:t>System Call </a:t>
+            </a:r>
+            <a:r>
+              <a:rPr lang="de" sz="1600" dirty="0"/>
+              <a:t>in Register </a:t>
+            </a:r>
+            <a:r>
+              <a:rPr lang="de" sz="1600" dirty="0" err="1"/>
+              <a:t>eax</a:t>
+            </a:r>
+            <a:r>
+              <a:rPr lang="de" sz="1600" dirty="0"/>
+              <a:t> speichern</a:t>
+            </a:r>
+          </a:p>
+          <a:p>
+            <a:pPr marL="457200" indent="-457200">
+              <a:lnSpc>
+                <a:spcPct val="120000"/>
+              </a:lnSpc>
+              <a:buFont typeface="+mj-lt"/>
+              <a:buAutoNum type="arabicPeriod"/>
+            </a:pPr>
+            <a:r>
+              <a:rPr lang="de" sz="1600" dirty="0"/>
+              <a:t>  </a:t>
+            </a:r>
+            <a:r>
+              <a:rPr lang="de" sz="1600" b="1" dirty="0"/>
+              <a:t>Argumente</a:t>
+            </a:r>
+            <a:r>
+              <a:rPr lang="de" sz="1600" dirty="0"/>
+              <a:t> zum System Call in die Register </a:t>
+            </a:r>
+            <a:r>
+              <a:rPr lang="de" sz="1600" dirty="0" err="1"/>
+              <a:t>ebx</a:t>
+            </a:r>
+            <a:r>
+              <a:rPr lang="de" sz="1600" dirty="0"/>
+              <a:t>, </a:t>
+            </a:r>
+            <a:r>
+              <a:rPr lang="de" sz="1600" dirty="0" err="1"/>
+              <a:t>ecx</a:t>
+            </a:r>
+            <a:r>
+              <a:rPr lang="de" sz="1600" dirty="0"/>
+              <a:t>, </a:t>
+            </a:r>
+            <a:r>
+              <a:rPr lang="de" sz="1600" dirty="0" err="1"/>
+              <a:t>edx</a:t>
+            </a:r>
+            <a:r>
+              <a:rPr lang="de" sz="1600" dirty="0"/>
+              <a:t> speichern</a:t>
+            </a:r>
+          </a:p>
+          <a:p>
+            <a:pPr marL="457200" indent="-457200">
+              <a:lnSpc>
+                <a:spcPct val="120000"/>
+              </a:lnSpc>
+              <a:buFont typeface="+mj-lt"/>
+              <a:buAutoNum type="arabicPeriod"/>
+            </a:pPr>
+            <a:r>
+              <a:rPr lang="de" sz="1600" dirty="0"/>
+              <a:t>  </a:t>
+            </a:r>
+            <a:r>
+              <a:rPr lang="de" sz="1600" b="1" dirty="0"/>
+              <a:t>Interrupt</a:t>
+            </a:r>
+            <a:r>
+              <a:rPr lang="de" sz="1600" dirty="0"/>
+              <a:t> mit 0x80 ausführen</a:t>
+            </a:r>
+          </a:p>
+        </p:txBody>
+      </p:sp>
+      <p:graphicFrame>
+        <p:nvGraphicFramePr>
+          <p:cNvPr id="3" name="Table 2">
+            <a:extLst>
+              <a:ext uri="{FF2B5EF4-FFF2-40B4-BE49-F238E27FC236}">
+                <a16:creationId xmlns:a16="http://schemas.microsoft.com/office/drawing/2014/main" id="{80CABFD5-8000-3A4C-8782-BA27C1BA13C4}"/>
+              </a:ext>
+            </a:extLst>
+          </p:cNvPr>
+          <p:cNvGraphicFramePr>
+            <a:graphicFrameLocks noGrp="1"/>
+          </p:cNvGraphicFramePr>
+          <p:nvPr>
+            <p:extLst>
+              <p:ext uri="{D42A27DB-BD31-4B8C-83A1-F6EECF244321}">
+                <p14:modId xmlns:p14="http://schemas.microsoft.com/office/powerpoint/2010/main" val="1686936578"/>
+              </p:ext>
+            </p:extLst>
+          </p:nvPr>
+        </p:nvGraphicFramePr>
+        <p:xfrm>
+          <a:off x="3869268" y="764712"/>
+          <a:ext cx="7315200" cy="2611525"/>
+        </p:xfrm>
+        <a:graphic>
+          <a:graphicData uri="http://schemas.openxmlformats.org/drawingml/2006/table">
+            <a:tbl>
+              <a:tblPr/>
+              <a:tblGrid>
+                <a:gridCol w="3657600">
+                  <a:extLst>
+                    <a:ext uri="{9D8B030D-6E8A-4147-A177-3AD203B41FA5}">
+                      <a16:colId xmlns:a16="http://schemas.microsoft.com/office/drawing/2014/main" val="3072758980"/>
+                    </a:ext>
+                  </a:extLst>
+                </a:gridCol>
+                <a:gridCol w="3657600">
+                  <a:extLst>
+                    <a:ext uri="{9D8B030D-6E8A-4147-A177-3AD203B41FA5}">
+                      <a16:colId xmlns:a16="http://schemas.microsoft.com/office/drawing/2014/main" val="511954097"/>
+                    </a:ext>
+                  </a:extLst>
+                </a:gridCol>
+              </a:tblGrid>
+              <a:tr h="373075">
+                <a:tc>
+                  <a:txBody>
+                    <a:bodyPr/>
+                    <a:lstStyle/>
+                    <a:p>
+                      <a:pPr algn="l"/>
+                      <a:r>
+                        <a:rPr lang="en-US" sz="1700" b="1" dirty="0" err="1">
+                          <a:solidFill>
+                            <a:schemeClr val="tx1">
+                              <a:lumMod val="65000"/>
+                              <a:lumOff val="35000"/>
+                            </a:schemeClr>
+                          </a:solidFill>
+                          <a:effectLst/>
+                        </a:rPr>
+                        <a:t>eax</a:t>
+                      </a:r>
+                      <a:endParaRPr lang="en-US" sz="1700" b="1" dirty="0">
+                        <a:solidFill>
+                          <a:schemeClr val="tx1">
+                            <a:lumMod val="65000"/>
+                            <a:lumOff val="35000"/>
+                          </a:schemeClr>
+                        </a:solidFill>
+                        <a:effectLst/>
+                      </a:endParaRPr>
+                    </a:p>
+                  </a:txBody>
+                  <a:tcPr marL="118872" marR="118872" marT="54864" marB="54864" anchor="ctr">
+                    <a:lnL w="9525" cap="flat" cmpd="sng" algn="ctr">
+                      <a:solidFill>
+                        <a:srgbClr val="DFE2E5"/>
+                      </a:solidFill>
+                      <a:prstDash val="solid"/>
+                      <a:round/>
+                      <a:headEnd type="none" w="med" len="med"/>
+                      <a:tailEnd type="none" w="med" len="med"/>
+                    </a:lnL>
+                    <a:lnR w="9525" cap="flat" cmpd="sng" algn="ctr">
+                      <a:solidFill>
+                        <a:srgbClr val="DFE2E5"/>
+                      </a:solidFill>
+                      <a:prstDash val="solid"/>
+                      <a:round/>
+                      <a:headEnd type="none" w="med" len="med"/>
+                      <a:tailEnd type="none" w="med" len="med"/>
+                    </a:lnR>
+                    <a:lnT w="9525" cap="flat" cmpd="sng" algn="ctr">
+                      <a:solidFill>
+                        <a:srgbClr val="DFE2E5"/>
+                      </a:solidFill>
+                      <a:prstDash val="solid"/>
+                      <a:round/>
+                      <a:headEnd type="none" w="med" len="med"/>
+                      <a:tailEnd type="none" w="med" len="med"/>
+                    </a:lnT>
+                    <a:lnB w="9525" cap="flat" cmpd="sng" algn="ctr">
+                      <a:solidFill>
+                        <a:srgbClr val="DFE2E5"/>
+                      </a:solidFill>
+                      <a:prstDash val="solid"/>
+                      <a:round/>
+                      <a:headEnd type="none" w="med" len="med"/>
+                      <a:tailEnd type="none" w="med" len="med"/>
+                    </a:lnB>
+                    <a:solidFill>
+                      <a:schemeClr val="bg1">
+                        <a:lumMod val="95000"/>
+                      </a:schemeClr>
+                    </a:solidFill>
+                  </a:tcPr>
+                </a:tc>
+                <a:tc>
+                  <a:txBody>
+                    <a:bodyPr/>
+                    <a:lstStyle/>
+                    <a:p>
+                      <a:pPr algn="l"/>
+                      <a:r>
+                        <a:rPr lang="en-US" sz="1700" b="1" dirty="0">
+                          <a:solidFill>
+                            <a:schemeClr val="tx1">
+                              <a:lumMod val="65000"/>
+                              <a:lumOff val="35000"/>
+                            </a:schemeClr>
+                          </a:solidFill>
+                          <a:effectLst/>
+                        </a:rPr>
+                        <a:t>System Call</a:t>
+                      </a:r>
+                    </a:p>
+                  </a:txBody>
+                  <a:tcPr marL="118872" marR="118872" marT="54864" marB="54864" anchor="ctr">
+                    <a:lnL w="9525" cap="flat" cmpd="sng" algn="ctr">
+                      <a:solidFill>
+                        <a:srgbClr val="DFE2E5"/>
+                      </a:solidFill>
+                      <a:prstDash val="solid"/>
+                      <a:round/>
+                      <a:headEnd type="none" w="med" len="med"/>
+                      <a:tailEnd type="none" w="med" len="med"/>
+                    </a:lnL>
+                    <a:lnR w="9525" cap="flat" cmpd="sng" algn="ctr">
+                      <a:solidFill>
+                        <a:srgbClr val="DFE2E5"/>
+                      </a:solidFill>
+                      <a:prstDash val="solid"/>
+                      <a:round/>
+                      <a:headEnd type="none" w="med" len="med"/>
+                      <a:tailEnd type="none" w="med" len="med"/>
+                    </a:lnR>
+                    <a:lnT w="9525" cap="flat" cmpd="sng" algn="ctr">
+                      <a:solidFill>
+                        <a:srgbClr val="DFE2E5"/>
+                      </a:solidFill>
+                      <a:prstDash val="solid"/>
+                      <a:round/>
+                      <a:headEnd type="none" w="med" len="med"/>
+                      <a:tailEnd type="none" w="med" len="med"/>
+                    </a:lnT>
+                    <a:lnB w="9525" cap="flat" cmpd="sng" algn="ctr">
+                      <a:solidFill>
+                        <a:srgbClr val="DFE2E5"/>
+                      </a:solidFill>
+                      <a:prstDash val="solid"/>
+                      <a:round/>
+                      <a:headEnd type="none" w="med" len="med"/>
+                      <a:tailEnd type="none" w="med" len="med"/>
+                    </a:lnB>
+                    <a:solidFill>
+                      <a:schemeClr val="bg1">
+                        <a:lumMod val="95000"/>
+                      </a:schemeClr>
+                    </a:solidFill>
+                  </a:tcPr>
+                </a:tc>
+                <a:extLst>
+                  <a:ext uri="{0D108BD9-81ED-4DB2-BD59-A6C34878D82A}">
+                    <a16:rowId xmlns:a16="http://schemas.microsoft.com/office/drawing/2014/main" val="2561047265"/>
+                  </a:ext>
+                </a:extLst>
+              </a:tr>
+              <a:tr h="373075">
+                <a:tc>
+                  <a:txBody>
+                    <a:bodyPr/>
+                    <a:lstStyle/>
+                    <a:p>
+                      <a:pPr algn="l"/>
+                      <a:r>
+                        <a:rPr lang="en-US" sz="1700">
+                          <a:solidFill>
+                            <a:schemeClr val="tx1">
+                              <a:lumMod val="65000"/>
+                              <a:lumOff val="35000"/>
+                            </a:schemeClr>
+                          </a:solidFill>
+                          <a:effectLst/>
+                        </a:rPr>
+                        <a:t>1</a:t>
+                      </a:r>
+                    </a:p>
+                  </a:txBody>
+                  <a:tcPr marL="118872" marR="118872" marT="54864" marB="54864" anchor="ctr">
+                    <a:lnL w="9525" cap="flat" cmpd="sng" algn="ctr">
+                      <a:solidFill>
+                        <a:srgbClr val="DFE2E5"/>
+                      </a:solidFill>
+                      <a:prstDash val="solid"/>
+                      <a:round/>
+                      <a:headEnd type="none" w="med" len="med"/>
+                      <a:tailEnd type="none" w="med" len="med"/>
+                    </a:lnL>
+                    <a:lnR w="9525" cap="flat" cmpd="sng" algn="ctr">
+                      <a:solidFill>
+                        <a:srgbClr val="DFE2E5"/>
+                      </a:solidFill>
+                      <a:prstDash val="solid"/>
+                      <a:round/>
+                      <a:headEnd type="none" w="med" len="med"/>
+                      <a:tailEnd type="none" w="med" len="med"/>
+                    </a:lnR>
+                    <a:lnT w="9525" cap="flat" cmpd="sng" algn="ctr">
+                      <a:solidFill>
+                        <a:srgbClr val="DFE2E5"/>
+                      </a:solidFill>
+                      <a:prstDash val="solid"/>
+                      <a:round/>
+                      <a:headEnd type="none" w="med" len="med"/>
+                      <a:tailEnd type="none" w="med" len="med"/>
+                    </a:lnT>
+                    <a:lnB w="9525" cap="flat" cmpd="sng" algn="ctr">
+                      <a:solidFill>
+                        <a:srgbClr val="DFE2E5"/>
+                      </a:solidFill>
+                      <a:prstDash val="solid"/>
+                      <a:round/>
+                      <a:headEnd type="none" w="med" len="med"/>
+                      <a:tailEnd type="none" w="med" len="med"/>
+                    </a:lnB>
+                  </a:tcPr>
+                </a:tc>
+                <a:tc>
+                  <a:txBody>
+                    <a:bodyPr/>
+                    <a:lstStyle/>
+                    <a:p>
+                      <a:pPr algn="l"/>
+                      <a:r>
+                        <a:rPr lang="en-US" sz="1700">
+                          <a:solidFill>
+                            <a:schemeClr val="tx1">
+                              <a:lumMod val="65000"/>
+                              <a:lumOff val="35000"/>
+                            </a:schemeClr>
+                          </a:solidFill>
+                          <a:effectLst/>
+                        </a:rPr>
+                        <a:t>sys_exit</a:t>
+                      </a:r>
+                    </a:p>
+                  </a:txBody>
+                  <a:tcPr marL="118872" marR="118872" marT="54864" marB="54864" anchor="ctr">
+                    <a:lnL w="9525" cap="flat" cmpd="sng" algn="ctr">
+                      <a:solidFill>
+                        <a:srgbClr val="DFE2E5"/>
+                      </a:solidFill>
+                      <a:prstDash val="solid"/>
+                      <a:round/>
+                      <a:headEnd type="none" w="med" len="med"/>
+                      <a:tailEnd type="none" w="med" len="med"/>
+                    </a:lnL>
+                    <a:lnR w="9525" cap="flat" cmpd="sng" algn="ctr">
+                      <a:solidFill>
+                        <a:srgbClr val="DFE2E5"/>
+                      </a:solidFill>
+                      <a:prstDash val="solid"/>
+                      <a:round/>
+                      <a:headEnd type="none" w="med" len="med"/>
+                      <a:tailEnd type="none" w="med" len="med"/>
+                    </a:lnR>
+                    <a:lnT w="9525" cap="flat" cmpd="sng" algn="ctr">
+                      <a:solidFill>
+                        <a:srgbClr val="DFE2E5"/>
+                      </a:solidFill>
+                      <a:prstDash val="solid"/>
+                      <a:round/>
+                      <a:headEnd type="none" w="med" len="med"/>
+                      <a:tailEnd type="none" w="med" len="med"/>
+                    </a:lnT>
+                    <a:lnB w="9525" cap="flat" cmpd="sng" algn="ctr">
+                      <a:solidFill>
+                        <a:srgbClr val="DFE2E5"/>
+                      </a:solidFill>
+                      <a:prstDash val="solid"/>
+                      <a:round/>
+                      <a:headEnd type="none" w="med" len="med"/>
+                      <a:tailEnd type="none" w="med" len="med"/>
+                    </a:lnB>
+                  </a:tcPr>
+                </a:tc>
+                <a:extLst>
+                  <a:ext uri="{0D108BD9-81ED-4DB2-BD59-A6C34878D82A}">
+                    <a16:rowId xmlns:a16="http://schemas.microsoft.com/office/drawing/2014/main" val="1230849113"/>
+                  </a:ext>
+                </a:extLst>
+              </a:tr>
+              <a:tr h="373075">
+                <a:tc>
+                  <a:txBody>
+                    <a:bodyPr/>
+                    <a:lstStyle/>
+                    <a:p>
+                      <a:pPr algn="l"/>
+                      <a:r>
+                        <a:rPr lang="en-US" sz="1700">
+                          <a:solidFill>
+                            <a:schemeClr val="tx1">
+                              <a:lumMod val="65000"/>
+                              <a:lumOff val="35000"/>
+                            </a:schemeClr>
+                          </a:solidFill>
+                          <a:effectLst/>
+                        </a:rPr>
+                        <a:t>2</a:t>
+                      </a:r>
+                    </a:p>
+                  </a:txBody>
+                  <a:tcPr marL="118872" marR="118872" marT="54864" marB="54864" anchor="ctr">
+                    <a:lnL w="9525" cap="flat" cmpd="sng" algn="ctr">
+                      <a:solidFill>
+                        <a:srgbClr val="DFE2E5"/>
+                      </a:solidFill>
+                      <a:prstDash val="solid"/>
+                      <a:round/>
+                      <a:headEnd type="none" w="med" len="med"/>
+                      <a:tailEnd type="none" w="med" len="med"/>
+                    </a:lnL>
+                    <a:lnR w="9525" cap="flat" cmpd="sng" algn="ctr">
+                      <a:solidFill>
+                        <a:srgbClr val="DFE2E5"/>
+                      </a:solidFill>
+                      <a:prstDash val="solid"/>
+                      <a:round/>
+                      <a:headEnd type="none" w="med" len="med"/>
+                      <a:tailEnd type="none" w="med" len="med"/>
+                    </a:lnR>
+                    <a:lnT w="9525" cap="flat" cmpd="sng" algn="ctr">
+                      <a:solidFill>
+                        <a:srgbClr val="DFE2E5"/>
+                      </a:solidFill>
+                      <a:prstDash val="solid"/>
+                      <a:round/>
+                      <a:headEnd type="none" w="med" len="med"/>
+                      <a:tailEnd type="none" w="med" len="med"/>
+                    </a:lnT>
+                    <a:lnB w="9525" cap="flat" cmpd="sng" algn="ctr">
+                      <a:solidFill>
+                        <a:srgbClr val="DFE2E5"/>
+                      </a:solidFill>
+                      <a:prstDash val="solid"/>
+                      <a:round/>
+                      <a:headEnd type="none" w="med" len="med"/>
+                      <a:tailEnd type="none" w="med" len="med"/>
+                    </a:lnB>
+                    <a:solidFill>
+                      <a:srgbClr val="F8F8F8"/>
+                    </a:solidFill>
+                  </a:tcPr>
+                </a:tc>
+                <a:tc>
+                  <a:txBody>
+                    <a:bodyPr/>
+                    <a:lstStyle/>
+                    <a:p>
+                      <a:pPr algn="l"/>
+                      <a:r>
+                        <a:rPr lang="en-US" sz="1700">
+                          <a:solidFill>
+                            <a:schemeClr val="tx1">
+                              <a:lumMod val="65000"/>
+                              <a:lumOff val="35000"/>
+                            </a:schemeClr>
+                          </a:solidFill>
+                          <a:effectLst/>
+                        </a:rPr>
+                        <a:t>sys_fork</a:t>
+                      </a:r>
+                    </a:p>
+                  </a:txBody>
+                  <a:tcPr marL="118872" marR="118872" marT="54864" marB="54864" anchor="ctr">
+                    <a:lnL w="9525" cap="flat" cmpd="sng" algn="ctr">
+                      <a:solidFill>
+                        <a:srgbClr val="DFE2E5"/>
+                      </a:solidFill>
+                      <a:prstDash val="solid"/>
+                      <a:round/>
+                      <a:headEnd type="none" w="med" len="med"/>
+                      <a:tailEnd type="none" w="med" len="med"/>
+                    </a:lnL>
+                    <a:lnR w="9525" cap="flat" cmpd="sng" algn="ctr">
+                      <a:solidFill>
+                        <a:srgbClr val="DFE2E5"/>
+                      </a:solidFill>
+                      <a:prstDash val="solid"/>
+                      <a:round/>
+                      <a:headEnd type="none" w="med" len="med"/>
+                      <a:tailEnd type="none" w="med" len="med"/>
+                    </a:lnR>
+                    <a:lnT w="9525" cap="flat" cmpd="sng" algn="ctr">
+                      <a:solidFill>
+                        <a:srgbClr val="DFE2E5"/>
+                      </a:solidFill>
+                      <a:prstDash val="solid"/>
+                      <a:round/>
+                      <a:headEnd type="none" w="med" len="med"/>
+                      <a:tailEnd type="none" w="med" len="med"/>
+                    </a:lnT>
+                    <a:lnB w="9525" cap="flat" cmpd="sng" algn="ctr">
+                      <a:solidFill>
+                        <a:srgbClr val="DFE2E5"/>
+                      </a:solidFill>
+                      <a:prstDash val="solid"/>
+                      <a:round/>
+                      <a:headEnd type="none" w="med" len="med"/>
+                      <a:tailEnd type="none" w="med" len="med"/>
+                    </a:lnB>
+                    <a:solidFill>
+                      <a:srgbClr val="F8F8F8"/>
+                    </a:solidFill>
+                  </a:tcPr>
+                </a:tc>
+                <a:extLst>
+                  <a:ext uri="{0D108BD9-81ED-4DB2-BD59-A6C34878D82A}">
+                    <a16:rowId xmlns:a16="http://schemas.microsoft.com/office/drawing/2014/main" val="3796882395"/>
+                  </a:ext>
+                </a:extLst>
+              </a:tr>
+              <a:tr h="373075">
+                <a:tc>
+                  <a:txBody>
+                    <a:bodyPr/>
+                    <a:lstStyle/>
+                    <a:p>
+                      <a:pPr algn="l"/>
+                      <a:r>
+                        <a:rPr lang="en-US" sz="1700">
+                          <a:solidFill>
+                            <a:schemeClr val="tx1">
+                              <a:lumMod val="65000"/>
+                              <a:lumOff val="35000"/>
+                            </a:schemeClr>
+                          </a:solidFill>
+                          <a:effectLst/>
+                        </a:rPr>
+                        <a:t>3</a:t>
+                      </a:r>
+                    </a:p>
+                  </a:txBody>
+                  <a:tcPr marL="118872" marR="118872" marT="54864" marB="54864" anchor="ctr">
+                    <a:lnL w="9525" cap="flat" cmpd="sng" algn="ctr">
+                      <a:solidFill>
+                        <a:srgbClr val="DFE2E5"/>
+                      </a:solidFill>
+                      <a:prstDash val="solid"/>
+                      <a:round/>
+                      <a:headEnd type="none" w="med" len="med"/>
+                      <a:tailEnd type="none" w="med" len="med"/>
+                    </a:lnL>
+                    <a:lnR w="9525" cap="flat" cmpd="sng" algn="ctr">
+                      <a:solidFill>
+                        <a:srgbClr val="DFE2E5"/>
+                      </a:solidFill>
+                      <a:prstDash val="solid"/>
+                      <a:round/>
+                      <a:headEnd type="none" w="med" len="med"/>
+                      <a:tailEnd type="none" w="med" len="med"/>
+                    </a:lnR>
+                    <a:lnT w="9525" cap="flat" cmpd="sng" algn="ctr">
+                      <a:solidFill>
+                        <a:srgbClr val="DFE2E5"/>
+                      </a:solidFill>
+                      <a:prstDash val="solid"/>
+                      <a:round/>
+                      <a:headEnd type="none" w="med" len="med"/>
+                      <a:tailEnd type="none" w="med" len="med"/>
+                    </a:lnT>
+                    <a:lnB w="9525" cap="flat" cmpd="sng" algn="ctr">
+                      <a:solidFill>
+                        <a:srgbClr val="DFE2E5"/>
+                      </a:solidFill>
+                      <a:prstDash val="solid"/>
+                      <a:round/>
+                      <a:headEnd type="none" w="med" len="med"/>
+                      <a:tailEnd type="none" w="med" len="med"/>
+                    </a:lnB>
+                  </a:tcPr>
+                </a:tc>
+                <a:tc>
+                  <a:txBody>
+                    <a:bodyPr/>
+                    <a:lstStyle/>
+                    <a:p>
+                      <a:pPr algn="l"/>
+                      <a:r>
+                        <a:rPr lang="en-US" sz="1700">
+                          <a:solidFill>
+                            <a:schemeClr val="tx1">
+                              <a:lumMod val="65000"/>
+                              <a:lumOff val="35000"/>
+                            </a:schemeClr>
+                          </a:solidFill>
+                          <a:effectLst/>
+                        </a:rPr>
+                        <a:t>sys_read</a:t>
+                      </a:r>
+                    </a:p>
+                  </a:txBody>
+                  <a:tcPr marL="118872" marR="118872" marT="54864" marB="54864" anchor="ctr">
+                    <a:lnL w="9525" cap="flat" cmpd="sng" algn="ctr">
+                      <a:solidFill>
+                        <a:srgbClr val="DFE2E5"/>
+                      </a:solidFill>
+                      <a:prstDash val="solid"/>
+                      <a:round/>
+                      <a:headEnd type="none" w="med" len="med"/>
+                      <a:tailEnd type="none" w="med" len="med"/>
+                    </a:lnL>
+                    <a:lnR w="9525" cap="flat" cmpd="sng" algn="ctr">
+                      <a:solidFill>
+                        <a:srgbClr val="DFE2E5"/>
+                      </a:solidFill>
+                      <a:prstDash val="solid"/>
+                      <a:round/>
+                      <a:headEnd type="none" w="med" len="med"/>
+                      <a:tailEnd type="none" w="med" len="med"/>
+                    </a:lnR>
+                    <a:lnT w="9525" cap="flat" cmpd="sng" algn="ctr">
+                      <a:solidFill>
+                        <a:srgbClr val="DFE2E5"/>
+                      </a:solidFill>
+                      <a:prstDash val="solid"/>
+                      <a:round/>
+                      <a:headEnd type="none" w="med" len="med"/>
+                      <a:tailEnd type="none" w="med" len="med"/>
+                    </a:lnT>
+                    <a:lnB w="9525" cap="flat" cmpd="sng" algn="ctr">
+                      <a:solidFill>
+                        <a:srgbClr val="DFE2E5"/>
+                      </a:solidFill>
+                      <a:prstDash val="solid"/>
+                      <a:round/>
+                      <a:headEnd type="none" w="med" len="med"/>
+                      <a:tailEnd type="none" w="med" len="med"/>
+                    </a:lnB>
+                  </a:tcPr>
+                </a:tc>
+                <a:extLst>
+                  <a:ext uri="{0D108BD9-81ED-4DB2-BD59-A6C34878D82A}">
+                    <a16:rowId xmlns:a16="http://schemas.microsoft.com/office/drawing/2014/main" val="868293796"/>
+                  </a:ext>
+                </a:extLst>
+              </a:tr>
+              <a:tr h="373075">
+                <a:tc>
+                  <a:txBody>
+                    <a:bodyPr/>
+                    <a:lstStyle/>
+                    <a:p>
+                      <a:pPr algn="l"/>
+                      <a:r>
+                        <a:rPr lang="en-US" sz="1700">
+                          <a:solidFill>
+                            <a:schemeClr val="tx1">
+                              <a:lumMod val="65000"/>
+                              <a:lumOff val="35000"/>
+                            </a:schemeClr>
+                          </a:solidFill>
+                          <a:effectLst/>
+                        </a:rPr>
+                        <a:t>4</a:t>
+                      </a:r>
+                    </a:p>
+                  </a:txBody>
+                  <a:tcPr marL="118872" marR="118872" marT="54864" marB="54864" anchor="ctr">
+                    <a:lnL w="9525" cap="flat" cmpd="sng" algn="ctr">
+                      <a:solidFill>
+                        <a:srgbClr val="DFE2E5"/>
+                      </a:solidFill>
+                      <a:prstDash val="solid"/>
+                      <a:round/>
+                      <a:headEnd type="none" w="med" len="med"/>
+                      <a:tailEnd type="none" w="med" len="med"/>
+                    </a:lnL>
+                    <a:lnR w="9525" cap="flat" cmpd="sng" algn="ctr">
+                      <a:solidFill>
+                        <a:srgbClr val="DFE2E5"/>
+                      </a:solidFill>
+                      <a:prstDash val="solid"/>
+                      <a:round/>
+                      <a:headEnd type="none" w="med" len="med"/>
+                      <a:tailEnd type="none" w="med" len="med"/>
+                    </a:lnR>
+                    <a:lnT w="9525" cap="flat" cmpd="sng" algn="ctr">
+                      <a:solidFill>
+                        <a:srgbClr val="DFE2E5"/>
+                      </a:solidFill>
+                      <a:prstDash val="solid"/>
+                      <a:round/>
+                      <a:headEnd type="none" w="med" len="med"/>
+                      <a:tailEnd type="none" w="med" len="med"/>
+                    </a:lnT>
+                    <a:lnB w="9525" cap="flat" cmpd="sng" algn="ctr">
+                      <a:solidFill>
+                        <a:srgbClr val="DFE2E5"/>
+                      </a:solidFill>
+                      <a:prstDash val="solid"/>
+                      <a:round/>
+                      <a:headEnd type="none" w="med" len="med"/>
+                      <a:tailEnd type="none" w="med" len="med"/>
+                    </a:lnB>
+                    <a:solidFill>
+                      <a:srgbClr val="F8F8F8"/>
+                    </a:solidFill>
+                  </a:tcPr>
+                </a:tc>
+                <a:tc>
+                  <a:txBody>
+                    <a:bodyPr/>
+                    <a:lstStyle/>
+                    <a:p>
+                      <a:pPr algn="l"/>
+                      <a:r>
+                        <a:rPr lang="en-US" sz="1700">
+                          <a:solidFill>
+                            <a:schemeClr val="tx1">
+                              <a:lumMod val="65000"/>
+                              <a:lumOff val="35000"/>
+                            </a:schemeClr>
+                          </a:solidFill>
+                          <a:effectLst/>
+                        </a:rPr>
+                        <a:t>sys_write</a:t>
+                      </a:r>
+                    </a:p>
+                  </a:txBody>
+                  <a:tcPr marL="118872" marR="118872" marT="54864" marB="54864" anchor="ctr">
+                    <a:lnL w="9525" cap="flat" cmpd="sng" algn="ctr">
+                      <a:solidFill>
+                        <a:srgbClr val="DFE2E5"/>
+                      </a:solidFill>
+                      <a:prstDash val="solid"/>
+                      <a:round/>
+                      <a:headEnd type="none" w="med" len="med"/>
+                      <a:tailEnd type="none" w="med" len="med"/>
+                    </a:lnL>
+                    <a:lnR w="9525" cap="flat" cmpd="sng" algn="ctr">
+                      <a:solidFill>
+                        <a:srgbClr val="DFE2E5"/>
+                      </a:solidFill>
+                      <a:prstDash val="solid"/>
+                      <a:round/>
+                      <a:headEnd type="none" w="med" len="med"/>
+                      <a:tailEnd type="none" w="med" len="med"/>
+                    </a:lnR>
+                    <a:lnT w="9525" cap="flat" cmpd="sng" algn="ctr">
+                      <a:solidFill>
+                        <a:srgbClr val="DFE2E5"/>
+                      </a:solidFill>
+                      <a:prstDash val="solid"/>
+                      <a:round/>
+                      <a:headEnd type="none" w="med" len="med"/>
+                      <a:tailEnd type="none" w="med" len="med"/>
+                    </a:lnT>
+                    <a:lnB w="9525" cap="flat" cmpd="sng" algn="ctr">
+                      <a:solidFill>
+                        <a:srgbClr val="DFE2E5"/>
+                      </a:solidFill>
+                      <a:prstDash val="solid"/>
+                      <a:round/>
+                      <a:headEnd type="none" w="med" len="med"/>
+                      <a:tailEnd type="none" w="med" len="med"/>
+                    </a:lnB>
+                    <a:solidFill>
+                      <a:srgbClr val="F8F8F8"/>
+                    </a:solidFill>
+                  </a:tcPr>
+                </a:tc>
+                <a:extLst>
+                  <a:ext uri="{0D108BD9-81ED-4DB2-BD59-A6C34878D82A}">
+                    <a16:rowId xmlns:a16="http://schemas.microsoft.com/office/drawing/2014/main" val="2356972524"/>
+                  </a:ext>
+                </a:extLst>
+              </a:tr>
+              <a:tr h="373075">
+                <a:tc>
+                  <a:txBody>
+                    <a:bodyPr/>
+                    <a:lstStyle/>
+                    <a:p>
+                      <a:pPr algn="l"/>
+                      <a:r>
+                        <a:rPr lang="en-US" sz="1700">
+                          <a:solidFill>
+                            <a:schemeClr val="tx1">
+                              <a:lumMod val="65000"/>
+                              <a:lumOff val="35000"/>
+                            </a:schemeClr>
+                          </a:solidFill>
+                          <a:effectLst/>
+                        </a:rPr>
+                        <a:t>5</a:t>
+                      </a:r>
+                    </a:p>
+                  </a:txBody>
+                  <a:tcPr marL="118872" marR="118872" marT="54864" marB="54864" anchor="ctr">
+                    <a:lnL w="9525" cap="flat" cmpd="sng" algn="ctr">
+                      <a:solidFill>
+                        <a:srgbClr val="DFE2E5"/>
+                      </a:solidFill>
+                      <a:prstDash val="solid"/>
+                      <a:round/>
+                      <a:headEnd type="none" w="med" len="med"/>
+                      <a:tailEnd type="none" w="med" len="med"/>
+                    </a:lnL>
+                    <a:lnR w="9525" cap="flat" cmpd="sng" algn="ctr">
+                      <a:solidFill>
+                        <a:srgbClr val="DFE2E5"/>
+                      </a:solidFill>
+                      <a:prstDash val="solid"/>
+                      <a:round/>
+                      <a:headEnd type="none" w="med" len="med"/>
+                      <a:tailEnd type="none" w="med" len="med"/>
+                    </a:lnR>
+                    <a:lnT w="9525" cap="flat" cmpd="sng" algn="ctr">
+                      <a:solidFill>
+                        <a:srgbClr val="DFE2E5"/>
+                      </a:solidFill>
+                      <a:prstDash val="solid"/>
+                      <a:round/>
+                      <a:headEnd type="none" w="med" len="med"/>
+                      <a:tailEnd type="none" w="med" len="med"/>
+                    </a:lnT>
+                    <a:lnB w="9525" cap="flat" cmpd="sng" algn="ctr">
+                      <a:solidFill>
+                        <a:srgbClr val="DFE2E5"/>
+                      </a:solidFill>
+                      <a:prstDash val="solid"/>
+                      <a:round/>
+                      <a:headEnd type="none" w="med" len="med"/>
+                      <a:tailEnd type="none" w="med" len="med"/>
+                    </a:lnB>
+                  </a:tcPr>
+                </a:tc>
+                <a:tc>
+                  <a:txBody>
+                    <a:bodyPr/>
+                    <a:lstStyle/>
+                    <a:p>
+                      <a:pPr algn="l"/>
+                      <a:r>
+                        <a:rPr lang="en-US" sz="1700">
+                          <a:solidFill>
+                            <a:schemeClr val="tx1">
+                              <a:lumMod val="65000"/>
+                              <a:lumOff val="35000"/>
+                            </a:schemeClr>
+                          </a:solidFill>
+                          <a:effectLst/>
+                        </a:rPr>
+                        <a:t>sys_open</a:t>
+                      </a:r>
+                    </a:p>
+                  </a:txBody>
+                  <a:tcPr marL="118872" marR="118872" marT="54864" marB="54864" anchor="ctr">
+                    <a:lnL w="9525" cap="flat" cmpd="sng" algn="ctr">
+                      <a:solidFill>
+                        <a:srgbClr val="DFE2E5"/>
+                      </a:solidFill>
+                      <a:prstDash val="solid"/>
+                      <a:round/>
+                      <a:headEnd type="none" w="med" len="med"/>
+                      <a:tailEnd type="none" w="med" len="med"/>
+                    </a:lnL>
+                    <a:lnR w="9525" cap="flat" cmpd="sng" algn="ctr">
+                      <a:solidFill>
+                        <a:srgbClr val="DFE2E5"/>
+                      </a:solidFill>
+                      <a:prstDash val="solid"/>
+                      <a:round/>
+                      <a:headEnd type="none" w="med" len="med"/>
+                      <a:tailEnd type="none" w="med" len="med"/>
+                    </a:lnR>
+                    <a:lnT w="9525" cap="flat" cmpd="sng" algn="ctr">
+                      <a:solidFill>
+                        <a:srgbClr val="DFE2E5"/>
+                      </a:solidFill>
+                      <a:prstDash val="solid"/>
+                      <a:round/>
+                      <a:headEnd type="none" w="med" len="med"/>
+                      <a:tailEnd type="none" w="med" len="med"/>
+                    </a:lnT>
+                    <a:lnB w="9525" cap="flat" cmpd="sng" algn="ctr">
+                      <a:solidFill>
+                        <a:srgbClr val="DFE2E5"/>
+                      </a:solidFill>
+                      <a:prstDash val="solid"/>
+                      <a:round/>
+                      <a:headEnd type="none" w="med" len="med"/>
+                      <a:tailEnd type="none" w="med" len="med"/>
+                    </a:lnB>
+                  </a:tcPr>
+                </a:tc>
+                <a:extLst>
+                  <a:ext uri="{0D108BD9-81ED-4DB2-BD59-A6C34878D82A}">
+                    <a16:rowId xmlns:a16="http://schemas.microsoft.com/office/drawing/2014/main" val="1754953116"/>
+                  </a:ext>
+                </a:extLst>
+              </a:tr>
+              <a:tr h="373075">
+                <a:tc>
+                  <a:txBody>
+                    <a:bodyPr/>
+                    <a:lstStyle/>
+                    <a:p>
+                      <a:pPr algn="l"/>
+                      <a:r>
+                        <a:rPr lang="en-US" sz="1700">
+                          <a:solidFill>
+                            <a:schemeClr val="tx1">
+                              <a:lumMod val="65000"/>
+                              <a:lumOff val="35000"/>
+                            </a:schemeClr>
+                          </a:solidFill>
+                          <a:effectLst/>
+                        </a:rPr>
+                        <a:t>6</a:t>
+                      </a:r>
+                    </a:p>
+                  </a:txBody>
+                  <a:tcPr marL="118872" marR="118872" marT="54864" marB="54864" anchor="ctr">
+                    <a:lnL w="9525" cap="flat" cmpd="sng" algn="ctr">
+                      <a:solidFill>
+                        <a:srgbClr val="DFE2E5"/>
+                      </a:solidFill>
+                      <a:prstDash val="solid"/>
+                      <a:round/>
+                      <a:headEnd type="none" w="med" len="med"/>
+                      <a:tailEnd type="none" w="med" len="med"/>
+                    </a:lnL>
+                    <a:lnR w="9525" cap="flat" cmpd="sng" algn="ctr">
+                      <a:solidFill>
+                        <a:srgbClr val="DFE2E5"/>
+                      </a:solidFill>
+                      <a:prstDash val="solid"/>
+                      <a:round/>
+                      <a:headEnd type="none" w="med" len="med"/>
+                      <a:tailEnd type="none" w="med" len="med"/>
+                    </a:lnR>
+                    <a:lnT w="9525" cap="flat" cmpd="sng" algn="ctr">
+                      <a:solidFill>
+                        <a:srgbClr val="DFE2E5"/>
+                      </a:solidFill>
+                      <a:prstDash val="solid"/>
+                      <a:round/>
+                      <a:headEnd type="none" w="med" len="med"/>
+                      <a:tailEnd type="none" w="med" len="med"/>
+                    </a:lnT>
+                    <a:lnB w="9525" cap="flat" cmpd="sng" algn="ctr">
+                      <a:solidFill>
+                        <a:srgbClr val="DFE2E5"/>
+                      </a:solidFill>
+                      <a:prstDash val="solid"/>
+                      <a:round/>
+                      <a:headEnd type="none" w="med" len="med"/>
+                      <a:tailEnd type="none" w="med" len="med"/>
+                    </a:lnB>
+                    <a:solidFill>
+                      <a:srgbClr val="F8F8F8"/>
+                    </a:solidFill>
+                  </a:tcPr>
+                </a:tc>
+                <a:tc>
+                  <a:txBody>
+                    <a:bodyPr/>
+                    <a:lstStyle/>
+                    <a:p>
+                      <a:pPr algn="l"/>
+                      <a:r>
+                        <a:rPr lang="en-US" sz="1700" dirty="0" err="1">
+                          <a:solidFill>
+                            <a:schemeClr val="tx1">
+                              <a:lumMod val="65000"/>
+                              <a:lumOff val="35000"/>
+                            </a:schemeClr>
+                          </a:solidFill>
+                          <a:effectLst/>
+                        </a:rPr>
+                        <a:t>sys_close</a:t>
+                      </a:r>
+                      <a:endParaRPr lang="en-US" sz="1700" dirty="0">
+                        <a:solidFill>
+                          <a:schemeClr val="tx1">
+                            <a:lumMod val="65000"/>
+                            <a:lumOff val="35000"/>
+                          </a:schemeClr>
+                        </a:solidFill>
+                        <a:effectLst/>
+                      </a:endParaRPr>
+                    </a:p>
+                  </a:txBody>
+                  <a:tcPr marL="118872" marR="118872" marT="54864" marB="54864" anchor="ctr">
+                    <a:lnL w="9525" cap="flat" cmpd="sng" algn="ctr">
+                      <a:solidFill>
+                        <a:srgbClr val="DFE2E5"/>
+                      </a:solidFill>
+                      <a:prstDash val="solid"/>
+                      <a:round/>
+                      <a:headEnd type="none" w="med" len="med"/>
+                      <a:tailEnd type="none" w="med" len="med"/>
+                    </a:lnL>
+                    <a:lnR w="9525" cap="flat" cmpd="sng" algn="ctr">
+                      <a:solidFill>
+                        <a:srgbClr val="DFE2E5"/>
+                      </a:solidFill>
+                      <a:prstDash val="solid"/>
+                      <a:round/>
+                      <a:headEnd type="none" w="med" len="med"/>
+                      <a:tailEnd type="none" w="med" len="med"/>
+                    </a:lnR>
+                    <a:lnT w="9525" cap="flat" cmpd="sng" algn="ctr">
+                      <a:solidFill>
+                        <a:srgbClr val="DFE2E5"/>
+                      </a:solidFill>
+                      <a:prstDash val="solid"/>
+                      <a:round/>
+                      <a:headEnd type="none" w="med" len="med"/>
+                      <a:tailEnd type="none" w="med" len="med"/>
+                    </a:lnT>
+                    <a:lnB w="9525" cap="flat" cmpd="sng" algn="ctr">
+                      <a:solidFill>
+                        <a:srgbClr val="DFE2E5"/>
+                      </a:solidFill>
+                      <a:prstDash val="solid"/>
+                      <a:round/>
+                      <a:headEnd type="none" w="med" len="med"/>
+                      <a:tailEnd type="none" w="med" len="med"/>
+                    </a:lnB>
+                    <a:solidFill>
+                      <a:srgbClr val="F8F8F8"/>
+                    </a:solidFill>
+                  </a:tcPr>
+                </a:tc>
+                <a:extLst>
+                  <a:ext uri="{0D108BD9-81ED-4DB2-BD59-A6C34878D82A}">
+                    <a16:rowId xmlns:a16="http://schemas.microsoft.com/office/drawing/2014/main" val="2062382598"/>
+                  </a:ext>
+                </a:extLst>
+              </a:tr>
+            </a:tbl>
+          </a:graphicData>
+        </a:graphic>
+      </p:graphicFrame>
+    </p:spTree>
+    <p:extLst>
+      <p:ext uri="{BB962C8B-B14F-4D97-AF65-F5344CB8AC3E}">
+        <p14:creationId xmlns:p14="http://schemas.microsoft.com/office/powerpoint/2010/main" val="829537864"/>
+      </p:ext>
+    </p:extLst>
+  </p:cSld>
+  <p:clrMapOvr>
+    <a:masterClrMapping/>
+  </p:clrMapOvr>
+</p:sld>
+</file>
+
+<file path=ppt/slides/slide9.xml><?xml version="1.0" encoding="utf-8"?>
 <p:sld xmlns:a="http://schemas.openxmlformats.org/drawingml/2006/main" xmlns:r="http://schemas.openxmlformats.org/officeDocument/2006/relationships" xmlns:p="http://schemas.openxmlformats.org/presentationml/2006/main">
   <p:cSld>
     <p:spTree>
@@ -8078,7 +10606,7 @@
         <p:spPr>
           <a:xfrm>
             <a:off x="5276277" y="2473543"/>
-            <a:ext cx="2287806" cy="246221"/>
+            <a:ext cx="3543534" cy="338554"/>
           </a:xfrm>
           <a:prstGeom prst="rect">
             <a:avLst/>
@@ -8091,7 +10619,7 @@
           <a:lstStyle/>
           <a:p>
             <a:r>
-              <a:rPr lang="de-DE" sz="1000" dirty="0">
+              <a:rPr lang="de-DE" sz="1600" dirty="0">
                 <a:solidFill>
                   <a:schemeClr val="tx1">
                     <a:lumMod val="65000"/>
@@ -8102,7 +10630,7 @@
               <a:t> 1. System Call in Register </a:t>
             </a:r>
             <a:r>
-              <a:rPr lang="de-DE" sz="1000" dirty="0" err="1">
+              <a:rPr lang="de-DE" sz="1600" dirty="0" err="1">
                 <a:solidFill>
                   <a:schemeClr val="tx1">
                     <a:lumMod val="65000"/>
@@ -8113,7 +10641,7 @@
               <a:t>eax</a:t>
             </a:r>
             <a:r>
-              <a:rPr lang="de-DE" sz="1000" dirty="0">
+              <a:rPr lang="de-DE" sz="1600" dirty="0">
                 <a:solidFill>
                   <a:schemeClr val="tx1">
                     <a:lumMod val="65000"/>
@@ -8140,8 +10668,8 @@
         </p:nvSpPr>
         <p:spPr>
           <a:xfrm>
-            <a:off x="3505599" y="4257934"/>
-            <a:ext cx="3331361" cy="400110"/>
+            <a:off x="3491183" y="4403462"/>
+            <a:ext cx="5209631" cy="584775"/>
           </a:xfrm>
           <a:prstGeom prst="rect">
             <a:avLst/>
@@ -8154,7 +10682,7 @@
           <a:lstStyle/>
           <a:p>
             <a:r>
-              <a:rPr lang="de-DE" sz="1000" dirty="0">
+              <a:rPr lang="de-DE" sz="1600" dirty="0">
                 <a:solidFill>
                   <a:schemeClr val="tx1">
                     <a:lumMod val="65000"/>
@@ -8165,7 +10693,7 @@
               <a:t> 2. </a:t>
             </a:r>
             <a:r>
-              <a:rPr lang="de" sz="1000" dirty="0">
+              <a:rPr lang="de" sz="1600" dirty="0">
                 <a:solidFill>
                   <a:schemeClr val="tx1">
                     <a:lumMod val="65000"/>
@@ -8176,7 +10704,7 @@
               <a:t>Argument zum System Call in das Register </a:t>
             </a:r>
             <a:r>
-              <a:rPr lang="de" sz="1000" dirty="0" err="1">
+              <a:rPr lang="de" sz="1600" dirty="0" err="1">
                 <a:solidFill>
                   <a:schemeClr val="tx1">
                     <a:lumMod val="65000"/>
@@ -8187,7 +10715,7 @@
               <a:t>ebx</a:t>
             </a:r>
             <a:r>
-              <a:rPr lang="de" sz="1000" dirty="0">
+              <a:rPr lang="de" sz="1600" dirty="0">
                 <a:solidFill>
                   <a:schemeClr val="tx1">
                     <a:lumMod val="65000"/>
@@ -8199,7 +10727,7 @@
             </a:r>
           </a:p>
           <a:p>
-            <a:endParaRPr lang="de-DE" sz="1000" dirty="0">
+            <a:endParaRPr lang="de-DE" sz="1600" dirty="0">
               <a:solidFill>
                 <a:schemeClr val="tx1">
                   <a:lumMod val="65000"/>
@@ -8224,8 +10752,8 @@
         </p:nvSpPr>
         <p:spPr>
           <a:xfrm rot="5400000" flipH="1">
-            <a:off x="3482825" y="3598193"/>
-            <a:ext cx="894855" cy="424626"/>
+            <a:off x="3363695" y="3717323"/>
+            <a:ext cx="1133116" cy="424626"/>
           </a:xfrm>
           <a:prstGeom prst="bentUpArrow">
             <a:avLst>
@@ -8284,7 +10812,7 @@
         <p:spPr>
           <a:xfrm flipH="1">
             <a:off x="4672619" y="3693268"/>
-            <a:ext cx="1786530" cy="383436"/>
+            <a:ext cx="1095253" cy="383436"/>
           </a:xfrm>
           <a:prstGeom prst="bentUpArrow">
             <a:avLst>
@@ -8342,8 +10870,8 @@
         </p:nvSpPr>
         <p:spPr>
           <a:xfrm>
-            <a:off x="6424129" y="3933984"/>
-            <a:ext cx="4110421" cy="400110"/>
+            <a:off x="5767872" y="3911420"/>
+            <a:ext cx="6473054" cy="584775"/>
           </a:xfrm>
           <a:prstGeom prst="rect">
             <a:avLst/>
@@ -8356,7 +10884,7 @@
           <a:lstStyle/>
           <a:p>
             <a:r>
-              <a:rPr lang="de-DE" sz="1000" dirty="0">
+              <a:rPr lang="de-DE" sz="1600" dirty="0">
                 <a:solidFill>
                   <a:schemeClr val="tx1">
                     <a:lumMod val="65000"/>
@@ -8367,7 +10895,7 @@
               <a:t> 3. </a:t>
             </a:r>
             <a:r>
-              <a:rPr lang="de" sz="1000" dirty="0">
+              <a:rPr lang="de" sz="1600" dirty="0">
                 <a:solidFill>
                   <a:schemeClr val="tx1">
                     <a:lumMod val="65000"/>
@@ -8379,7 +10907,7 @@
             </a:r>
           </a:p>
           <a:p>
-            <a:endParaRPr lang="de-DE" sz="1000" dirty="0">
+            <a:endParaRPr lang="de-DE" sz="1600" dirty="0">
               <a:solidFill>
                 <a:schemeClr val="tx1">
                   <a:lumMod val="65000"/>
@@ -8394,342 +10922,6 @@
     <p:extLst>
       <p:ext uri="{BB962C8B-B14F-4D97-AF65-F5344CB8AC3E}">
         <p14:creationId xmlns:p14="http://schemas.microsoft.com/office/powerpoint/2010/main" val="3178162482"/>
-      </p:ext>
-    </p:extLst>
-  </p:cSld>
-  <p:clrMapOvr>
-    <a:masterClrMapping/>
-  </p:clrMapOvr>
-</p:sld>
-</file>
-
-<file path=ppt/slides/slide9.xml><?xml version="1.0" encoding="utf-8"?>
-<p:sld xmlns:a="http://schemas.openxmlformats.org/drawingml/2006/main" xmlns:r="http://schemas.openxmlformats.org/officeDocument/2006/relationships" xmlns:p="http://schemas.openxmlformats.org/presentationml/2006/main">
-  <p:cSld>
-    <p:spTree>
-      <p:nvGrpSpPr>
-        <p:cNvPr id="1" name=""/>
-        <p:cNvGrpSpPr/>
-        <p:nvPr/>
-      </p:nvGrpSpPr>
-      <p:grpSpPr>
-        <a:xfrm>
-          <a:off x="0" y="0"/>
-          <a:ext cx="0" cy="0"/>
-          <a:chOff x="0" y="0"/>
-          <a:chExt cx="0" cy="0"/>
-        </a:xfrm>
-      </p:grpSpPr>
-      <p:sp>
-        <p:nvSpPr>
-          <p:cNvPr id="2" name="Title 1">
-            <a:extLst>
-              <a:ext uri="{FF2B5EF4-FFF2-40B4-BE49-F238E27FC236}">
-                <a16:creationId xmlns:a16="http://schemas.microsoft.com/office/drawing/2014/main" id="{E4FF170F-DA51-9542-AF7E-5B03F8E0C1E7}"/>
-              </a:ext>
-            </a:extLst>
-          </p:cNvPr>
-          <p:cNvSpPr>
-            <a:spLocks noGrp="1"/>
-          </p:cNvSpPr>
-          <p:nvPr>
-            <p:ph type="title"/>
-          </p:nvPr>
-        </p:nvSpPr>
-        <p:spPr/>
-        <p:txBody>
-          <a:bodyPr/>
-          <a:lstStyle/>
-          <a:p>
-            <a:r>
-              <a:rPr lang="de-DE" dirty="0"/>
-              <a:t>Assembly </a:t>
-            </a:r>
-            <a:br>
-              <a:rPr lang="de-DE" dirty="0"/>
-            </a:br>
-            <a:r>
-              <a:rPr lang="de-DE" sz="1800" dirty="0"/>
-              <a:t>Basic Instructions: Jumps</a:t>
-            </a:r>
-            <a:br>
-              <a:rPr lang="de-DE" dirty="0"/>
-            </a:br>
-            <a:endParaRPr lang="de-DE" dirty="0"/>
-          </a:p>
-        </p:txBody>
-      </p:sp>
-      <p:sp>
-        <p:nvSpPr>
-          <p:cNvPr id="9" name="Rectangle 8">
-            <a:extLst>
-              <a:ext uri="{FF2B5EF4-FFF2-40B4-BE49-F238E27FC236}">
-                <a16:creationId xmlns:a16="http://schemas.microsoft.com/office/drawing/2014/main" id="{92C4150B-1425-4B4B-9601-12F94AEABDB4}"/>
-              </a:ext>
-            </a:extLst>
-          </p:cNvPr>
-          <p:cNvSpPr/>
-          <p:nvPr/>
-        </p:nvSpPr>
-        <p:spPr>
-          <a:xfrm>
-            <a:off x="0" y="6577831"/>
-            <a:ext cx="12191999" cy="246221"/>
-          </a:xfrm>
-          <a:prstGeom prst="rect">
-            <a:avLst/>
-          </a:prstGeom>
-        </p:spPr>
-        <p:txBody>
-          <a:bodyPr wrap="square">
-            <a:spAutoFit/>
-          </a:bodyPr>
-          <a:lstStyle/>
-          <a:p>
-            <a:r>
-              <a:rPr lang="de-DE" sz="1000" dirty="0">
-                <a:solidFill>
-                  <a:schemeClr val="bg1">
-                    <a:lumMod val="75000"/>
-                  </a:schemeClr>
-                </a:solidFill>
-                <a:hlinkClick r:id="rId2">
-                  <a:extLst>
-                    <a:ext uri="{A12FA001-AC4F-418D-AE19-62706E023703}">
-                      <ahyp:hlinkClr xmlns:ahyp="http://schemas.microsoft.com/office/drawing/2018/hyperlinkcolor" val="tx"/>
-                    </a:ext>
-                  </a:extLst>
-                </a:hlinkClick>
-              </a:rPr>
-              <a:t>https://</a:t>
-            </a:r>
-            <a:r>
-              <a:rPr lang="de-DE" sz="1000" dirty="0" err="1">
-                <a:solidFill>
-                  <a:schemeClr val="bg1">
-                    <a:lumMod val="75000"/>
-                  </a:schemeClr>
-                </a:solidFill>
-                <a:hlinkClick r:id="rId2">
-                  <a:extLst>
-                    <a:ext uri="{A12FA001-AC4F-418D-AE19-62706E023703}">
-                      <ahyp:hlinkClr xmlns:ahyp="http://schemas.microsoft.com/office/drawing/2018/hyperlinkcolor" val="tx"/>
-                    </a:ext>
-                  </a:extLst>
-                </a:hlinkClick>
-              </a:rPr>
-              <a:t>www.tutorialspoint.com</a:t>
-            </a:r>
-            <a:r>
-              <a:rPr lang="de-DE" sz="1000" dirty="0">
-                <a:solidFill>
-                  <a:schemeClr val="bg1">
-                    <a:lumMod val="75000"/>
-                  </a:schemeClr>
-                </a:solidFill>
-                <a:hlinkClick r:id="rId2">
-                  <a:extLst>
-                    <a:ext uri="{A12FA001-AC4F-418D-AE19-62706E023703}">
-                      <ahyp:hlinkClr xmlns:ahyp="http://schemas.microsoft.com/office/drawing/2018/hyperlinkcolor" val="tx"/>
-                    </a:ext>
-                  </a:extLst>
-                </a:hlinkClick>
-              </a:rPr>
-              <a:t>/</a:t>
-            </a:r>
-            <a:r>
-              <a:rPr lang="de-DE" sz="1000" dirty="0" err="1">
-                <a:solidFill>
-                  <a:schemeClr val="bg1">
-                    <a:lumMod val="75000"/>
-                  </a:schemeClr>
-                </a:solidFill>
-                <a:hlinkClick r:id="rId2">
-                  <a:extLst>
-                    <a:ext uri="{A12FA001-AC4F-418D-AE19-62706E023703}">
-                      <ahyp:hlinkClr xmlns:ahyp="http://schemas.microsoft.com/office/drawing/2018/hyperlinkcolor" val="tx"/>
-                    </a:ext>
-                  </a:extLst>
-                </a:hlinkClick>
-              </a:rPr>
-              <a:t>assembly_programming</a:t>
-            </a:r>
-            <a:r>
-              <a:rPr lang="de-DE" sz="1000" dirty="0">
-                <a:solidFill>
-                  <a:schemeClr val="bg1">
-                    <a:lumMod val="75000"/>
-                  </a:schemeClr>
-                </a:solidFill>
-                <a:hlinkClick r:id="rId2">
-                  <a:extLst>
-                    <a:ext uri="{A12FA001-AC4F-418D-AE19-62706E023703}">
-                      <ahyp:hlinkClr xmlns:ahyp="http://schemas.microsoft.com/office/drawing/2018/hyperlinkcolor" val="tx"/>
-                    </a:ext>
-                  </a:extLst>
-                </a:hlinkClick>
-              </a:rPr>
-              <a:t>/</a:t>
-            </a:r>
-            <a:endParaRPr lang="de-DE" sz="1000" dirty="0">
-              <a:solidFill>
-                <a:schemeClr val="bg1">
-                  <a:lumMod val="75000"/>
-                </a:schemeClr>
-              </a:solidFill>
-            </a:endParaRPr>
-          </a:p>
-        </p:txBody>
-      </p:sp>
-      <p:sp>
-        <p:nvSpPr>
-          <p:cNvPr id="3" name="TextBox 2">
-            <a:extLst>
-              <a:ext uri="{FF2B5EF4-FFF2-40B4-BE49-F238E27FC236}">
-                <a16:creationId xmlns:a16="http://schemas.microsoft.com/office/drawing/2014/main" id="{B2978205-18E4-364C-B659-B2C0CEA5023D}"/>
-              </a:ext>
-            </a:extLst>
-          </p:cNvPr>
-          <p:cNvSpPr txBox="1"/>
-          <p:nvPr/>
-        </p:nvSpPr>
-        <p:spPr>
-          <a:xfrm>
-            <a:off x="3523488" y="1694688"/>
-            <a:ext cx="7752572" cy="923330"/>
-          </a:xfrm>
-          <a:prstGeom prst="rect">
-            <a:avLst/>
-          </a:prstGeom>
-          <a:noFill/>
-        </p:spPr>
-        <p:txBody>
-          <a:bodyPr wrap="none" rtlCol="0">
-            <a:spAutoFit/>
-          </a:bodyPr>
-          <a:lstStyle/>
-          <a:p>
-            <a:r>
-              <a:rPr lang="de-DE" dirty="0"/>
-              <a:t>Wenn man etwas </a:t>
-            </a:r>
-            <a:r>
-              <a:rPr lang="de-DE" dirty="0" err="1"/>
-              <a:t>compared</a:t>
-            </a:r>
-            <a:r>
-              <a:rPr lang="de-DE" dirty="0"/>
-              <a:t> mit CMP werden die Flags gesetzt welche zutreffen</a:t>
-            </a:r>
-          </a:p>
-          <a:p>
-            <a:endParaRPr lang="de-DE" dirty="0"/>
-          </a:p>
-          <a:p>
-            <a:r>
-              <a:rPr lang="de-DE" dirty="0"/>
-              <a:t>J&lt;</a:t>
-            </a:r>
-            <a:r>
-              <a:rPr lang="de-DE" dirty="0" err="1"/>
-              <a:t>condition</a:t>
-            </a:r>
-            <a:r>
-              <a:rPr lang="de-DE" dirty="0"/>
-              <a:t>&gt;</a:t>
-            </a:r>
-          </a:p>
-        </p:txBody>
-      </p:sp>
-      <p:pic>
-        <p:nvPicPr>
-          <p:cNvPr id="5" name="Picture 4" descr="A screenshot of a cell phone&#13;&#10;&#13;&#10;Description automatically generated">
-            <a:extLst>
-              <a:ext uri="{FF2B5EF4-FFF2-40B4-BE49-F238E27FC236}">
-                <a16:creationId xmlns:a16="http://schemas.microsoft.com/office/drawing/2014/main" id="{BF2640B9-3C07-B047-87A0-CB3BAB262373}"/>
-              </a:ext>
-            </a:extLst>
-          </p:cNvPr>
-          <p:cNvPicPr>
-            <a:picLocks noChangeAspect="1"/>
-          </p:cNvPicPr>
-          <p:nvPr/>
-        </p:nvPicPr>
-        <p:blipFill>
-          <a:blip r:embed="rId3"/>
-          <a:stretch>
-            <a:fillRect/>
-          </a:stretch>
-        </p:blipFill>
-        <p:spPr>
-          <a:xfrm>
-            <a:off x="3516360" y="2709218"/>
-            <a:ext cx="7759700" cy="3454400"/>
-          </a:xfrm>
-          <a:prstGeom prst="rect">
-            <a:avLst/>
-          </a:prstGeom>
-        </p:spPr>
-      </p:pic>
-      <p:sp>
-        <p:nvSpPr>
-          <p:cNvPr id="6" name="Rectangle 5">
-            <a:extLst>
-              <a:ext uri="{FF2B5EF4-FFF2-40B4-BE49-F238E27FC236}">
-                <a16:creationId xmlns:a16="http://schemas.microsoft.com/office/drawing/2014/main" id="{319B858D-FF30-314C-AFB6-54895554EB81}"/>
-              </a:ext>
-            </a:extLst>
-          </p:cNvPr>
-          <p:cNvSpPr/>
-          <p:nvPr/>
-        </p:nvSpPr>
-        <p:spPr>
-          <a:xfrm>
-            <a:off x="3645408" y="800671"/>
-            <a:ext cx="6096000" cy="276999"/>
-          </a:xfrm>
-          <a:prstGeom prst="rect">
-            <a:avLst/>
-          </a:prstGeom>
-        </p:spPr>
-        <p:txBody>
-          <a:bodyPr>
-            <a:spAutoFit/>
-          </a:bodyPr>
-          <a:lstStyle/>
-          <a:p>
-            <a:r>
-              <a:rPr lang="de-DE" sz="1200" dirty="0"/>
-              <a:t>https://</a:t>
-            </a:r>
-            <a:r>
-              <a:rPr lang="de-DE" sz="1200" dirty="0" err="1"/>
-              <a:t>www.tutorialspoint.com</a:t>
-            </a:r>
-            <a:r>
-              <a:rPr lang="de-DE" sz="1200" dirty="0"/>
-              <a:t>/</a:t>
-            </a:r>
-            <a:r>
-              <a:rPr lang="de-DE" sz="1200" dirty="0" err="1"/>
-              <a:t>assembly_programming</a:t>
-            </a:r>
-            <a:r>
-              <a:rPr lang="de-DE" sz="1200" dirty="0"/>
-              <a:t>/</a:t>
-            </a:r>
-            <a:r>
-              <a:rPr lang="de-DE" sz="1200" dirty="0" err="1"/>
-              <a:t>assembly_conditions.htm</a:t>
-            </a:r>
-            <a:endParaRPr lang="de-DE" sz="1200" dirty="0"/>
-          </a:p>
-        </p:txBody>
-      </p:sp>
-    </p:spTree>
-    <p:extLst>
-      <p:ext uri="{BB962C8B-B14F-4D97-AF65-F5344CB8AC3E}">
-        <p14:creationId xmlns:p14="http://schemas.microsoft.com/office/powerpoint/2010/main" val="3187635475"/>
       </p:ext>
     </p:extLst>
   </p:cSld>

--- a/docs/ppt/presentation-v.1.pptx
+++ b/docs/ppt/presentation-v.1.pptx
@@ -4,6 +4,9 @@
   <p:sldMasterIdLst>
     <p:sldMasterId id="2147483840" r:id="rId1"/>
   </p:sldMasterIdLst>
+  <p:notesMasterIdLst>
+    <p:notesMasterId r:id="rId17"/>
+  </p:notesMasterIdLst>
   <p:sldIdLst>
     <p:sldId id="256" r:id="rId2"/>
     <p:sldId id="257" r:id="rId3"/>
@@ -19,6 +22,7 @@
     <p:sldId id="267" r:id="rId13"/>
     <p:sldId id="270" r:id="rId14"/>
     <p:sldId id="268" r:id="rId15"/>
+    <p:sldId id="271" r:id="rId16"/>
   </p:sldIdLst>
   <p:sldSz cx="12192000" cy="6858000"/>
   <p:notesSz cx="6858000" cy="9144000"/>
@@ -125,6 +129,1530 @@
 </p:presentation>
 </file>
 
+<file path=ppt/notesMasters/notesMaster1.xml><?xml version="1.0" encoding="utf-8"?>
+<p:notesMaster xmlns:a="http://schemas.openxmlformats.org/drawingml/2006/main" xmlns:r="http://schemas.openxmlformats.org/officeDocument/2006/relationships" xmlns:p="http://schemas.openxmlformats.org/presentationml/2006/main">
+  <p:cSld>
+    <p:bg>
+      <p:bgRef idx="1001">
+        <a:schemeClr val="bg1"/>
+      </p:bgRef>
+    </p:bg>
+    <p:spTree>
+      <p:nvGrpSpPr>
+        <p:cNvPr id="1" name=""/>
+        <p:cNvGrpSpPr/>
+        <p:nvPr/>
+      </p:nvGrpSpPr>
+      <p:grpSpPr>
+        <a:xfrm>
+          <a:off x="0" y="0"/>
+          <a:ext cx="0" cy="0"/>
+          <a:chOff x="0" y="0"/>
+          <a:chExt cx="0" cy="0"/>
+        </a:xfrm>
+      </p:grpSpPr>
+      <p:sp>
+        <p:nvSpPr>
+          <p:cNvPr id="2" name="Header Placeholder 1"/>
+          <p:cNvSpPr>
+            <a:spLocks noGrp="1"/>
+          </p:cNvSpPr>
+          <p:nvPr>
+            <p:ph type="hdr" sz="quarter"/>
+          </p:nvPr>
+        </p:nvSpPr>
+        <p:spPr>
+          <a:xfrm>
+            <a:off x="0" y="0"/>
+            <a:ext cx="2971800" cy="458788"/>
+          </a:xfrm>
+          <a:prstGeom prst="rect">
+            <a:avLst/>
+          </a:prstGeom>
+        </p:spPr>
+        <p:txBody>
+          <a:bodyPr vert="horz" lIns="91440" tIns="45720" rIns="91440" bIns="45720" rtlCol="0"/>
+          <a:lstStyle>
+            <a:lvl1pPr algn="l">
+              <a:defRPr sz="1200"/>
+            </a:lvl1pPr>
+          </a:lstStyle>
+          <a:p>
+            <a:endParaRPr lang="de-DE"/>
+          </a:p>
+        </p:txBody>
+      </p:sp>
+      <p:sp>
+        <p:nvSpPr>
+          <p:cNvPr id="3" name="Date Placeholder 2"/>
+          <p:cNvSpPr>
+            <a:spLocks noGrp="1"/>
+          </p:cNvSpPr>
+          <p:nvPr>
+            <p:ph type="dt" idx="1"/>
+          </p:nvPr>
+        </p:nvSpPr>
+        <p:spPr>
+          <a:xfrm>
+            <a:off x="3884613" y="0"/>
+            <a:ext cx="2971800" cy="458788"/>
+          </a:xfrm>
+          <a:prstGeom prst="rect">
+            <a:avLst/>
+          </a:prstGeom>
+        </p:spPr>
+        <p:txBody>
+          <a:bodyPr vert="horz" lIns="91440" tIns="45720" rIns="91440" bIns="45720" rtlCol="0"/>
+          <a:lstStyle>
+            <a:lvl1pPr algn="r">
+              <a:defRPr sz="1200"/>
+            </a:lvl1pPr>
+          </a:lstStyle>
+          <a:p>
+            <a:fld id="{AC3BDCA9-A9D7-BC48-81B5-76823D62D066}" type="datetimeFigureOut">
+              <a:rPr lang="de-DE" smtClean="0"/>
+              <a:t>20.12.18</a:t>
+            </a:fld>
+            <a:endParaRPr lang="de-DE"/>
+          </a:p>
+        </p:txBody>
+      </p:sp>
+      <p:sp>
+        <p:nvSpPr>
+          <p:cNvPr id="4" name="Slide Image Placeholder 3"/>
+          <p:cNvSpPr>
+            <a:spLocks noGrp="1" noRot="1" noChangeAspect="1"/>
+          </p:cNvSpPr>
+          <p:nvPr>
+            <p:ph type="sldImg" idx="2"/>
+          </p:nvPr>
+        </p:nvSpPr>
+        <p:spPr>
+          <a:xfrm>
+            <a:off x="685800" y="1143000"/>
+            <a:ext cx="5486400" cy="3086100"/>
+          </a:xfrm>
+          <a:prstGeom prst="rect">
+            <a:avLst/>
+          </a:prstGeom>
+          <a:noFill/>
+          <a:ln w="12700">
+            <a:solidFill>
+              <a:prstClr val="black"/>
+            </a:solidFill>
+          </a:ln>
+        </p:spPr>
+        <p:txBody>
+          <a:bodyPr vert="horz" lIns="91440" tIns="45720" rIns="91440" bIns="45720" rtlCol="0" anchor="ctr"/>
+          <a:lstStyle/>
+          <a:p>
+            <a:endParaRPr lang="de-DE"/>
+          </a:p>
+        </p:txBody>
+      </p:sp>
+      <p:sp>
+        <p:nvSpPr>
+          <p:cNvPr id="5" name="Notes Placeholder 4"/>
+          <p:cNvSpPr>
+            <a:spLocks noGrp="1"/>
+          </p:cNvSpPr>
+          <p:nvPr>
+            <p:ph type="body" sz="quarter" idx="3"/>
+          </p:nvPr>
+        </p:nvSpPr>
+        <p:spPr>
+          <a:xfrm>
+            <a:off x="685800" y="4400550"/>
+            <a:ext cx="5486400" cy="3600450"/>
+          </a:xfrm>
+          <a:prstGeom prst="rect">
+            <a:avLst/>
+          </a:prstGeom>
+        </p:spPr>
+        <p:txBody>
+          <a:bodyPr vert="horz" lIns="91440" tIns="45720" rIns="91440" bIns="45720" rtlCol="0"/>
+          <a:lstStyle/>
+          <a:p>
+            <a:pPr lvl="0"/>
+            <a:r>
+              <a:rPr lang="en-US"/>
+              <a:t>Edit Master text styles</a:t>
+            </a:r>
+          </a:p>
+          <a:p>
+            <a:pPr lvl="1"/>
+            <a:r>
+              <a:rPr lang="en-US"/>
+              <a:t>Second level</a:t>
+            </a:r>
+          </a:p>
+          <a:p>
+            <a:pPr lvl="2"/>
+            <a:r>
+              <a:rPr lang="en-US"/>
+              <a:t>Third level</a:t>
+            </a:r>
+          </a:p>
+          <a:p>
+            <a:pPr lvl="3"/>
+            <a:r>
+              <a:rPr lang="en-US"/>
+              <a:t>Fourth level</a:t>
+            </a:r>
+          </a:p>
+          <a:p>
+            <a:pPr lvl="4"/>
+            <a:r>
+              <a:rPr lang="en-US"/>
+              <a:t>Fifth level</a:t>
+            </a:r>
+            <a:endParaRPr lang="de-DE"/>
+          </a:p>
+        </p:txBody>
+      </p:sp>
+      <p:sp>
+        <p:nvSpPr>
+          <p:cNvPr id="6" name="Footer Placeholder 5"/>
+          <p:cNvSpPr>
+            <a:spLocks noGrp="1"/>
+          </p:cNvSpPr>
+          <p:nvPr>
+            <p:ph type="ftr" sz="quarter" idx="4"/>
+          </p:nvPr>
+        </p:nvSpPr>
+        <p:spPr>
+          <a:xfrm>
+            <a:off x="0" y="8685213"/>
+            <a:ext cx="2971800" cy="458787"/>
+          </a:xfrm>
+          <a:prstGeom prst="rect">
+            <a:avLst/>
+          </a:prstGeom>
+        </p:spPr>
+        <p:txBody>
+          <a:bodyPr vert="horz" lIns="91440" tIns="45720" rIns="91440" bIns="45720" rtlCol="0" anchor="b"/>
+          <a:lstStyle>
+            <a:lvl1pPr algn="l">
+              <a:defRPr sz="1200"/>
+            </a:lvl1pPr>
+          </a:lstStyle>
+          <a:p>
+            <a:endParaRPr lang="de-DE"/>
+          </a:p>
+        </p:txBody>
+      </p:sp>
+      <p:sp>
+        <p:nvSpPr>
+          <p:cNvPr id="7" name="Slide Number Placeholder 6"/>
+          <p:cNvSpPr>
+            <a:spLocks noGrp="1"/>
+          </p:cNvSpPr>
+          <p:nvPr>
+            <p:ph type="sldNum" sz="quarter" idx="5"/>
+          </p:nvPr>
+        </p:nvSpPr>
+        <p:spPr>
+          <a:xfrm>
+            <a:off x="3884613" y="8685213"/>
+            <a:ext cx="2971800" cy="458787"/>
+          </a:xfrm>
+          <a:prstGeom prst="rect">
+            <a:avLst/>
+          </a:prstGeom>
+        </p:spPr>
+        <p:txBody>
+          <a:bodyPr vert="horz" lIns="91440" tIns="45720" rIns="91440" bIns="45720" rtlCol="0" anchor="b"/>
+          <a:lstStyle>
+            <a:lvl1pPr algn="r">
+              <a:defRPr sz="1200"/>
+            </a:lvl1pPr>
+          </a:lstStyle>
+          <a:p>
+            <a:fld id="{D5D372CE-76E9-9944-82F4-FC8D172DCAA3}" type="slidenum">
+              <a:rPr lang="de-DE" smtClean="0"/>
+              <a:t>‹#›</a:t>
+            </a:fld>
+            <a:endParaRPr lang="de-DE"/>
+          </a:p>
+        </p:txBody>
+      </p:sp>
+    </p:spTree>
+    <p:extLst>
+      <p:ext uri="{BB962C8B-B14F-4D97-AF65-F5344CB8AC3E}">
+        <p14:creationId xmlns:p14="http://schemas.microsoft.com/office/powerpoint/2010/main" val="4231378257"/>
+      </p:ext>
+    </p:extLst>
+  </p:cSld>
+  <p:clrMap bg1="lt1" tx1="dk1" bg2="lt2" tx2="dk2" accent1="accent1" accent2="accent2" accent3="accent3" accent4="accent4" accent5="accent5" accent6="accent6" hlink="hlink" folHlink="folHlink"/>
+  <p:notesStyle>
+    <a:lvl1pPr marL="0" algn="l" defTabSz="914400" rtl="0" eaLnBrk="1" latinLnBrk="0" hangingPunct="1">
+      <a:defRPr sz="1200" kern="1200">
+        <a:solidFill>
+          <a:schemeClr val="tx1"/>
+        </a:solidFill>
+        <a:latin typeface="+mn-lt"/>
+        <a:ea typeface="+mn-ea"/>
+        <a:cs typeface="+mn-cs"/>
+      </a:defRPr>
+    </a:lvl1pPr>
+    <a:lvl2pPr marL="457200" algn="l" defTabSz="914400" rtl="0" eaLnBrk="1" latinLnBrk="0" hangingPunct="1">
+      <a:defRPr sz="1200" kern="1200">
+        <a:solidFill>
+          <a:schemeClr val="tx1"/>
+        </a:solidFill>
+        <a:latin typeface="+mn-lt"/>
+        <a:ea typeface="+mn-ea"/>
+        <a:cs typeface="+mn-cs"/>
+      </a:defRPr>
+    </a:lvl2pPr>
+    <a:lvl3pPr marL="914400" algn="l" defTabSz="914400" rtl="0" eaLnBrk="1" latinLnBrk="0" hangingPunct="1">
+      <a:defRPr sz="1200" kern="1200">
+        <a:solidFill>
+          <a:schemeClr val="tx1"/>
+        </a:solidFill>
+        <a:latin typeface="+mn-lt"/>
+        <a:ea typeface="+mn-ea"/>
+        <a:cs typeface="+mn-cs"/>
+      </a:defRPr>
+    </a:lvl3pPr>
+    <a:lvl4pPr marL="1371600" algn="l" defTabSz="914400" rtl="0" eaLnBrk="1" latinLnBrk="0" hangingPunct="1">
+      <a:defRPr sz="1200" kern="1200">
+        <a:solidFill>
+          <a:schemeClr val="tx1"/>
+        </a:solidFill>
+        <a:latin typeface="+mn-lt"/>
+        <a:ea typeface="+mn-ea"/>
+        <a:cs typeface="+mn-cs"/>
+      </a:defRPr>
+    </a:lvl4pPr>
+    <a:lvl5pPr marL="1828800" algn="l" defTabSz="914400" rtl="0" eaLnBrk="1" latinLnBrk="0" hangingPunct="1">
+      <a:defRPr sz="1200" kern="1200">
+        <a:solidFill>
+          <a:schemeClr val="tx1"/>
+        </a:solidFill>
+        <a:latin typeface="+mn-lt"/>
+        <a:ea typeface="+mn-ea"/>
+        <a:cs typeface="+mn-cs"/>
+      </a:defRPr>
+    </a:lvl5pPr>
+    <a:lvl6pPr marL="2286000" algn="l" defTabSz="914400" rtl="0" eaLnBrk="1" latinLnBrk="0" hangingPunct="1">
+      <a:defRPr sz="1200" kern="1200">
+        <a:solidFill>
+          <a:schemeClr val="tx1"/>
+        </a:solidFill>
+        <a:latin typeface="+mn-lt"/>
+        <a:ea typeface="+mn-ea"/>
+        <a:cs typeface="+mn-cs"/>
+      </a:defRPr>
+    </a:lvl6pPr>
+    <a:lvl7pPr marL="2743200" algn="l" defTabSz="914400" rtl="0" eaLnBrk="1" latinLnBrk="0" hangingPunct="1">
+      <a:defRPr sz="1200" kern="1200">
+        <a:solidFill>
+          <a:schemeClr val="tx1"/>
+        </a:solidFill>
+        <a:latin typeface="+mn-lt"/>
+        <a:ea typeface="+mn-ea"/>
+        <a:cs typeface="+mn-cs"/>
+      </a:defRPr>
+    </a:lvl7pPr>
+    <a:lvl8pPr marL="3200400" algn="l" defTabSz="914400" rtl="0" eaLnBrk="1" latinLnBrk="0" hangingPunct="1">
+      <a:defRPr sz="1200" kern="1200">
+        <a:solidFill>
+          <a:schemeClr val="tx1"/>
+        </a:solidFill>
+        <a:latin typeface="+mn-lt"/>
+        <a:ea typeface="+mn-ea"/>
+        <a:cs typeface="+mn-cs"/>
+      </a:defRPr>
+    </a:lvl8pPr>
+    <a:lvl9pPr marL="3657600" algn="l" defTabSz="914400" rtl="0" eaLnBrk="1" latinLnBrk="0" hangingPunct="1">
+      <a:defRPr sz="1200" kern="1200">
+        <a:solidFill>
+          <a:schemeClr val="tx1"/>
+        </a:solidFill>
+        <a:latin typeface="+mn-lt"/>
+        <a:ea typeface="+mn-ea"/>
+        <a:cs typeface="+mn-cs"/>
+      </a:defRPr>
+    </a:lvl9pPr>
+  </p:notesStyle>
+</p:notesMaster>
+</file>
+
+<file path=ppt/notesSlides/notesSlide1.xml><?xml version="1.0" encoding="utf-8"?>
+<p:notes xmlns:a="http://schemas.openxmlformats.org/drawingml/2006/main" xmlns:r="http://schemas.openxmlformats.org/officeDocument/2006/relationships" xmlns:p="http://schemas.openxmlformats.org/presentationml/2006/main">
+  <p:cSld>
+    <p:spTree>
+      <p:nvGrpSpPr>
+        <p:cNvPr id="1" name=""/>
+        <p:cNvGrpSpPr/>
+        <p:nvPr/>
+      </p:nvGrpSpPr>
+      <p:grpSpPr>
+        <a:xfrm>
+          <a:off x="0" y="0"/>
+          <a:ext cx="0" cy="0"/>
+          <a:chOff x="0" y="0"/>
+          <a:chExt cx="0" cy="0"/>
+        </a:xfrm>
+      </p:grpSpPr>
+      <p:sp>
+        <p:nvSpPr>
+          <p:cNvPr id="2" name="Slide Image Placeholder 1"/>
+          <p:cNvSpPr>
+            <a:spLocks noGrp="1" noRot="1" noChangeAspect="1"/>
+          </p:cNvSpPr>
+          <p:nvPr>
+            <p:ph type="sldImg"/>
+          </p:nvPr>
+        </p:nvSpPr>
+        <p:spPr/>
+      </p:sp>
+      <p:sp>
+        <p:nvSpPr>
+          <p:cNvPr id="3" name="Notes Placeholder 2"/>
+          <p:cNvSpPr>
+            <a:spLocks noGrp="1"/>
+          </p:cNvSpPr>
+          <p:nvPr>
+            <p:ph type="body" idx="1"/>
+          </p:nvPr>
+        </p:nvSpPr>
+        <p:spPr/>
+        <p:txBody>
+          <a:bodyPr/>
+          <a:lstStyle/>
+          <a:p>
+            <a:pPr marL="171450" indent="-171450">
+              <a:buFontTx/>
+              <a:buChar char="-"/>
+            </a:pPr>
+            <a:r>
+              <a:rPr lang="en-US" sz="1200" b="0" i="0" kern="1200" dirty="0" err="1">
+                <a:solidFill>
+                  <a:schemeClr val="tx1"/>
+                </a:solidFill>
+                <a:effectLst/>
+                <a:latin typeface="+mn-lt"/>
+                <a:ea typeface="+mn-ea"/>
+                <a:cs typeface="+mn-cs"/>
+              </a:rPr>
+              <a:t>Verarbeitet</a:t>
+            </a:r>
+            <a:r>
+              <a:rPr lang="en-US" sz="1200" b="0" i="0" kern="1200" dirty="0">
+                <a:solidFill>
+                  <a:schemeClr val="tx1"/>
+                </a:solidFill>
+                <a:effectLst/>
+                <a:latin typeface="+mn-lt"/>
+                <a:ea typeface="+mn-ea"/>
+                <a:cs typeface="+mn-cs"/>
+              </a:rPr>
+              <a:t> den Interrupt-Request</a:t>
+            </a:r>
+          </a:p>
+          <a:p>
+            <a:pPr marL="171450" indent="-171450">
+              <a:buFontTx/>
+              <a:buChar char="-"/>
+            </a:pPr>
+            <a:r>
+              <a:rPr lang="en-US" sz="1200" b="0" i="0" kern="1200" dirty="0" err="1">
+                <a:solidFill>
+                  <a:schemeClr val="tx1"/>
+                </a:solidFill>
+                <a:effectLst/>
+                <a:latin typeface="+mn-lt"/>
+                <a:ea typeface="+mn-ea"/>
+                <a:cs typeface="+mn-cs"/>
+              </a:rPr>
+              <a:t>Sendet</a:t>
+            </a:r>
+            <a:r>
+              <a:rPr lang="en-US" sz="1200" b="0" i="0" kern="1200" dirty="0">
+                <a:solidFill>
+                  <a:schemeClr val="tx1"/>
+                </a:solidFill>
+                <a:effectLst/>
+                <a:latin typeface="+mn-lt"/>
+                <a:ea typeface="+mn-ea"/>
+                <a:cs typeface="+mn-cs"/>
+              </a:rPr>
+              <a:t> </a:t>
+            </a:r>
+            <a:r>
+              <a:rPr lang="en-US" sz="1200" b="0" i="0" kern="1200" dirty="0" err="1">
+                <a:solidFill>
+                  <a:schemeClr val="tx1"/>
+                </a:solidFill>
+                <a:effectLst/>
+                <a:latin typeface="+mn-lt"/>
+                <a:ea typeface="+mn-ea"/>
+                <a:cs typeface="+mn-cs"/>
+              </a:rPr>
+              <a:t>ihn</a:t>
+            </a:r>
+            <a:r>
+              <a:rPr lang="en-US" sz="1200" b="0" i="0" kern="1200" dirty="0">
+                <a:solidFill>
+                  <a:schemeClr val="tx1"/>
+                </a:solidFill>
+                <a:effectLst/>
+                <a:latin typeface="+mn-lt"/>
+                <a:ea typeface="+mn-ea"/>
+                <a:cs typeface="+mn-cs"/>
+              </a:rPr>
+              <a:t> </a:t>
+            </a:r>
+            <a:r>
+              <a:rPr lang="en-US" sz="1200" b="0" i="0" kern="1200" dirty="0" err="1">
+                <a:solidFill>
+                  <a:schemeClr val="tx1"/>
+                </a:solidFill>
+                <a:effectLst/>
+                <a:latin typeface="+mn-lt"/>
+                <a:ea typeface="+mn-ea"/>
+                <a:cs typeface="+mn-cs"/>
+              </a:rPr>
+              <a:t>zur</a:t>
+            </a:r>
+            <a:r>
+              <a:rPr lang="en-US" sz="1200" b="0" i="0" kern="1200" dirty="0">
+                <a:solidFill>
+                  <a:schemeClr val="tx1"/>
+                </a:solidFill>
+                <a:effectLst/>
+                <a:latin typeface="+mn-lt"/>
+                <a:ea typeface="+mn-ea"/>
+                <a:cs typeface="+mn-cs"/>
+              </a:rPr>
+              <a:t> CPU</a:t>
+            </a:r>
+          </a:p>
+          <a:p>
+            <a:pPr marL="171450" indent="-171450">
+              <a:buFontTx/>
+              <a:buChar char="-"/>
+            </a:pPr>
+            <a:r>
+              <a:rPr lang="en-US" sz="1200" b="0" i="0" kern="1200" dirty="0" err="1">
+                <a:solidFill>
+                  <a:schemeClr val="tx1"/>
+                </a:solidFill>
+                <a:effectLst/>
+                <a:latin typeface="+mn-lt"/>
+                <a:ea typeface="+mn-ea"/>
+                <a:cs typeface="+mn-cs"/>
+              </a:rPr>
+              <a:t>Aktiver</a:t>
+            </a:r>
+            <a:r>
+              <a:rPr lang="en-US" sz="1200" b="0" i="0" kern="1200" dirty="0">
+                <a:solidFill>
+                  <a:schemeClr val="tx1"/>
+                </a:solidFill>
+                <a:effectLst/>
+                <a:latin typeface="+mn-lt"/>
+                <a:ea typeface="+mn-ea"/>
+                <a:cs typeface="+mn-cs"/>
+              </a:rPr>
+              <a:t> </a:t>
+            </a:r>
+            <a:r>
+              <a:rPr lang="en-US" sz="1200" b="0" i="0" kern="1200" dirty="0" err="1">
+                <a:solidFill>
+                  <a:schemeClr val="tx1"/>
+                </a:solidFill>
+                <a:effectLst/>
+                <a:latin typeface="+mn-lt"/>
+                <a:ea typeface="+mn-ea"/>
+                <a:cs typeface="+mn-cs"/>
+              </a:rPr>
+              <a:t>Prozess</a:t>
+            </a:r>
+            <a:r>
+              <a:rPr lang="en-US" sz="1200" b="0" i="0" kern="1200" dirty="0">
+                <a:solidFill>
+                  <a:schemeClr val="tx1"/>
+                </a:solidFill>
+                <a:effectLst/>
+                <a:latin typeface="+mn-lt"/>
+                <a:ea typeface="+mn-ea"/>
+                <a:cs typeface="+mn-cs"/>
+              </a:rPr>
+              <a:t> </a:t>
+            </a:r>
+            <a:r>
+              <a:rPr lang="en-US" sz="1200" b="0" i="0" kern="1200" dirty="0" err="1">
+                <a:solidFill>
+                  <a:schemeClr val="tx1"/>
+                </a:solidFill>
+                <a:effectLst/>
+                <a:latin typeface="+mn-lt"/>
+                <a:ea typeface="+mn-ea"/>
+                <a:cs typeface="+mn-cs"/>
+              </a:rPr>
+              <a:t>wird</a:t>
+            </a:r>
+            <a:r>
+              <a:rPr lang="en-US" sz="1200" b="0" i="0" kern="1200" dirty="0">
+                <a:solidFill>
+                  <a:schemeClr val="tx1"/>
+                </a:solidFill>
+                <a:effectLst/>
+                <a:latin typeface="+mn-lt"/>
+                <a:ea typeface="+mn-ea"/>
+                <a:cs typeface="+mn-cs"/>
+              </a:rPr>
+              <a:t> </a:t>
+            </a:r>
+            <a:r>
+              <a:rPr lang="en-US" sz="1200" b="0" i="0" kern="1200" dirty="0" err="1">
+                <a:solidFill>
+                  <a:schemeClr val="tx1"/>
+                </a:solidFill>
+                <a:effectLst/>
+                <a:latin typeface="+mn-lt"/>
+                <a:ea typeface="+mn-ea"/>
+                <a:cs typeface="+mn-cs"/>
+              </a:rPr>
+              <a:t>unterbrochen</a:t>
+            </a:r>
+            <a:endParaRPr lang="de-DE" dirty="0"/>
+          </a:p>
+        </p:txBody>
+      </p:sp>
+      <p:sp>
+        <p:nvSpPr>
+          <p:cNvPr id="4" name="Slide Number Placeholder 3"/>
+          <p:cNvSpPr>
+            <a:spLocks noGrp="1"/>
+          </p:cNvSpPr>
+          <p:nvPr>
+            <p:ph type="sldNum" sz="quarter" idx="5"/>
+          </p:nvPr>
+        </p:nvSpPr>
+        <p:spPr/>
+        <p:txBody>
+          <a:bodyPr/>
+          <a:lstStyle/>
+          <a:p>
+            <a:fld id="{D5D372CE-76E9-9944-82F4-FC8D172DCAA3}" type="slidenum">
+              <a:rPr lang="de-DE" smtClean="0"/>
+              <a:t>3</a:t>
+            </a:fld>
+            <a:endParaRPr lang="de-DE"/>
+          </a:p>
+        </p:txBody>
+      </p:sp>
+    </p:spTree>
+    <p:extLst>
+      <p:ext uri="{BB962C8B-B14F-4D97-AF65-F5344CB8AC3E}">
+        <p14:creationId xmlns:p14="http://schemas.microsoft.com/office/powerpoint/2010/main" val="1449618938"/>
+      </p:ext>
+    </p:extLst>
+  </p:cSld>
+  <p:clrMapOvr>
+    <a:masterClrMapping/>
+  </p:clrMapOvr>
+</p:notes>
+</file>
+
+<file path=ppt/notesSlides/notesSlide2.xml><?xml version="1.0" encoding="utf-8"?>
+<p:notes xmlns:a="http://schemas.openxmlformats.org/drawingml/2006/main" xmlns:r="http://schemas.openxmlformats.org/officeDocument/2006/relationships" xmlns:p="http://schemas.openxmlformats.org/presentationml/2006/main">
+  <p:cSld>
+    <p:spTree>
+      <p:nvGrpSpPr>
+        <p:cNvPr id="1" name=""/>
+        <p:cNvGrpSpPr/>
+        <p:nvPr/>
+      </p:nvGrpSpPr>
+      <p:grpSpPr>
+        <a:xfrm>
+          <a:off x="0" y="0"/>
+          <a:ext cx="0" cy="0"/>
+          <a:chOff x="0" y="0"/>
+          <a:chExt cx="0" cy="0"/>
+        </a:xfrm>
+      </p:grpSpPr>
+      <p:sp>
+        <p:nvSpPr>
+          <p:cNvPr id="2" name="Slide Image Placeholder 1"/>
+          <p:cNvSpPr>
+            <a:spLocks noGrp="1" noRot="1" noChangeAspect="1"/>
+          </p:cNvSpPr>
+          <p:nvPr>
+            <p:ph type="sldImg"/>
+          </p:nvPr>
+        </p:nvSpPr>
+        <p:spPr/>
+      </p:sp>
+      <p:sp>
+        <p:nvSpPr>
+          <p:cNvPr id="3" name="Notes Placeholder 2"/>
+          <p:cNvSpPr>
+            <a:spLocks noGrp="1"/>
+          </p:cNvSpPr>
+          <p:nvPr>
+            <p:ph type="body" idx="1"/>
+          </p:nvPr>
+        </p:nvSpPr>
+        <p:spPr/>
+        <p:txBody>
+          <a:bodyPr/>
+          <a:lstStyle/>
+          <a:p>
+            <a:r>
+              <a:rPr lang="de-DE" dirty="0"/>
+              <a:t>- </a:t>
+            </a:r>
+            <a:r>
+              <a:rPr lang="de" sz="1200" b="0" i="0" u="none" strike="noStrike" kern="1200" dirty="0">
+                <a:solidFill>
+                  <a:schemeClr val="tx1"/>
+                </a:solidFill>
+                <a:effectLst/>
+                <a:latin typeface="+mn-lt"/>
+                <a:ea typeface="+mn-ea"/>
+                <a:cs typeface="+mn-cs"/>
+              </a:rPr>
+              <a:t>Grundsätzlich ist RISC weniger performativ, da es am Ende mehr Zeilen von Code braucht und mehr RAM benötigt, um ein gleiches </a:t>
+            </a:r>
+            <a:r>
+              <a:rPr lang="de" sz="1200" b="0" i="0" u="none" strike="noStrike" kern="1200" dirty="0" err="1">
+                <a:solidFill>
+                  <a:schemeClr val="tx1"/>
+                </a:solidFill>
+                <a:effectLst/>
+                <a:latin typeface="+mn-lt"/>
+                <a:ea typeface="+mn-ea"/>
+                <a:cs typeface="+mn-cs"/>
+              </a:rPr>
+              <a:t>Program</a:t>
+            </a:r>
+            <a:r>
+              <a:rPr lang="de" sz="1200" b="0" i="0" u="none" strike="noStrike" kern="1200" dirty="0">
+                <a:solidFill>
+                  <a:schemeClr val="tx1"/>
+                </a:solidFill>
+                <a:effectLst/>
+                <a:latin typeface="+mn-lt"/>
+                <a:ea typeface="+mn-ea"/>
+                <a:cs typeface="+mn-cs"/>
+              </a:rPr>
+              <a:t> in CISC auszuführen</a:t>
+            </a:r>
+            <a:endParaRPr lang="de-DE" dirty="0"/>
+          </a:p>
+        </p:txBody>
+      </p:sp>
+      <p:sp>
+        <p:nvSpPr>
+          <p:cNvPr id="4" name="Slide Number Placeholder 3"/>
+          <p:cNvSpPr>
+            <a:spLocks noGrp="1"/>
+          </p:cNvSpPr>
+          <p:nvPr>
+            <p:ph type="sldNum" sz="quarter" idx="5"/>
+          </p:nvPr>
+        </p:nvSpPr>
+        <p:spPr/>
+        <p:txBody>
+          <a:bodyPr/>
+          <a:lstStyle/>
+          <a:p>
+            <a:fld id="{D5D372CE-76E9-9944-82F4-FC8D172DCAA3}" type="slidenum">
+              <a:rPr lang="de-DE" smtClean="0"/>
+              <a:t>5</a:t>
+            </a:fld>
+            <a:endParaRPr lang="de-DE"/>
+          </a:p>
+        </p:txBody>
+      </p:sp>
+    </p:spTree>
+    <p:extLst>
+      <p:ext uri="{BB962C8B-B14F-4D97-AF65-F5344CB8AC3E}">
+        <p14:creationId xmlns:p14="http://schemas.microsoft.com/office/powerpoint/2010/main" val="4080888654"/>
+      </p:ext>
+    </p:extLst>
+  </p:cSld>
+  <p:clrMapOvr>
+    <a:masterClrMapping/>
+  </p:clrMapOvr>
+</p:notes>
+</file>
+
+<file path=ppt/notesSlides/notesSlide3.xml><?xml version="1.0" encoding="utf-8"?>
+<p:notes xmlns:a="http://schemas.openxmlformats.org/drawingml/2006/main" xmlns:r="http://schemas.openxmlformats.org/officeDocument/2006/relationships" xmlns:p="http://schemas.openxmlformats.org/presentationml/2006/main">
+  <p:cSld>
+    <p:spTree>
+      <p:nvGrpSpPr>
+        <p:cNvPr id="1" name=""/>
+        <p:cNvGrpSpPr/>
+        <p:nvPr/>
+      </p:nvGrpSpPr>
+      <p:grpSpPr>
+        <a:xfrm>
+          <a:off x="0" y="0"/>
+          <a:ext cx="0" cy="0"/>
+          <a:chOff x="0" y="0"/>
+          <a:chExt cx="0" cy="0"/>
+        </a:xfrm>
+      </p:grpSpPr>
+      <p:sp>
+        <p:nvSpPr>
+          <p:cNvPr id="2" name="Slide Image Placeholder 1"/>
+          <p:cNvSpPr>
+            <a:spLocks noGrp="1" noRot="1" noChangeAspect="1"/>
+          </p:cNvSpPr>
+          <p:nvPr>
+            <p:ph type="sldImg"/>
+          </p:nvPr>
+        </p:nvSpPr>
+        <p:spPr/>
+      </p:sp>
+      <p:sp>
+        <p:nvSpPr>
+          <p:cNvPr id="3" name="Notes Placeholder 2"/>
+          <p:cNvSpPr>
+            <a:spLocks noGrp="1"/>
+          </p:cNvSpPr>
+          <p:nvPr>
+            <p:ph type="body" idx="1"/>
+          </p:nvPr>
+        </p:nvSpPr>
+        <p:spPr/>
+        <p:txBody>
+          <a:bodyPr/>
+          <a:lstStyle/>
+          <a:p>
+            <a:pPr marL="171450" indent="-171450">
+              <a:buFontTx/>
+              <a:buChar char="-"/>
+            </a:pPr>
+            <a:r>
+              <a:rPr lang="en-US" sz="1200" b="1" i="0" kern="1200" dirty="0">
+                <a:solidFill>
+                  <a:schemeClr val="tx1"/>
+                </a:solidFill>
+                <a:effectLst/>
+                <a:latin typeface="+mn-lt"/>
+                <a:ea typeface="+mn-ea"/>
+                <a:cs typeface="+mn-cs"/>
+              </a:rPr>
+              <a:t>primary accumulator: </a:t>
+            </a:r>
+            <a:r>
+              <a:rPr lang="en-US" sz="1200" b="0" i="0" kern="1200" dirty="0">
+                <a:solidFill>
+                  <a:schemeClr val="tx1"/>
+                </a:solidFill>
+                <a:effectLst/>
+                <a:latin typeface="+mn-lt"/>
+                <a:ea typeface="+mn-ea"/>
+                <a:cs typeface="+mn-cs"/>
+              </a:rPr>
+              <a:t>used in input/output and most arithmetic instructions</a:t>
+            </a:r>
+          </a:p>
+          <a:p>
+            <a:pPr marL="171450" indent="-171450">
+              <a:buFontTx/>
+              <a:buChar char="-"/>
+            </a:pPr>
+            <a:r>
+              <a:rPr lang="en-US" sz="1200" b="1" i="0" kern="1200" dirty="0">
+                <a:solidFill>
+                  <a:schemeClr val="tx1"/>
+                </a:solidFill>
+                <a:effectLst/>
+                <a:latin typeface="+mn-lt"/>
+                <a:ea typeface="+mn-ea"/>
+                <a:cs typeface="+mn-cs"/>
+              </a:rPr>
+              <a:t>base register: </a:t>
+            </a:r>
+            <a:r>
+              <a:rPr lang="en-US" sz="1200" b="0" i="0" kern="1200" dirty="0">
+                <a:solidFill>
+                  <a:schemeClr val="tx1"/>
+                </a:solidFill>
+                <a:effectLst/>
+                <a:latin typeface="+mn-lt"/>
+                <a:ea typeface="+mn-ea"/>
+                <a:cs typeface="+mn-cs"/>
+              </a:rPr>
+              <a:t>used in indexed addressing</a:t>
+            </a:r>
+          </a:p>
+          <a:p>
+            <a:pPr marL="171450" indent="-171450">
+              <a:buFontTx/>
+              <a:buChar char="-"/>
+            </a:pPr>
+            <a:r>
+              <a:rPr lang="en-US" sz="1200" b="1" i="0" kern="1200" dirty="0">
+                <a:solidFill>
+                  <a:schemeClr val="tx1"/>
+                </a:solidFill>
+                <a:effectLst/>
+                <a:latin typeface="+mn-lt"/>
+                <a:ea typeface="+mn-ea"/>
+                <a:cs typeface="+mn-cs"/>
+              </a:rPr>
+              <a:t>count register: </a:t>
+            </a:r>
+            <a:r>
+              <a:rPr lang="en-US" sz="1200" b="0" i="0" kern="1200" dirty="0">
+                <a:solidFill>
+                  <a:schemeClr val="tx1"/>
+                </a:solidFill>
+                <a:effectLst/>
+                <a:latin typeface="+mn-lt"/>
+                <a:ea typeface="+mn-ea"/>
+                <a:cs typeface="+mn-cs"/>
+              </a:rPr>
+              <a:t>store the loop count in iterative operations</a:t>
+            </a:r>
+          </a:p>
+          <a:p>
+            <a:pPr marL="171450" indent="-171450">
+              <a:buFontTx/>
+              <a:buChar char="-"/>
+            </a:pPr>
+            <a:r>
+              <a:rPr lang="en-US" sz="1200" b="1" i="0" kern="1200" dirty="0">
+                <a:solidFill>
+                  <a:schemeClr val="tx1"/>
+                </a:solidFill>
+                <a:effectLst/>
+                <a:latin typeface="+mn-lt"/>
+                <a:ea typeface="+mn-ea"/>
+                <a:cs typeface="+mn-cs"/>
+              </a:rPr>
+              <a:t>data register: </a:t>
+            </a:r>
+            <a:r>
+              <a:rPr lang="en-US" sz="1200" b="0" i="0" kern="1200" dirty="0">
+                <a:solidFill>
+                  <a:schemeClr val="tx1"/>
+                </a:solidFill>
+                <a:effectLst/>
+                <a:latin typeface="+mn-lt"/>
+                <a:ea typeface="+mn-ea"/>
+                <a:cs typeface="+mn-cs"/>
+              </a:rPr>
+              <a:t>used in input/output operations (multiply / divide)</a:t>
+            </a:r>
+          </a:p>
+          <a:p>
+            <a:pPr marL="171450" indent="-171450">
+              <a:buFontTx/>
+              <a:buChar char="-"/>
+            </a:pPr>
+            <a:endParaRPr lang="de-DE" dirty="0"/>
+          </a:p>
+        </p:txBody>
+      </p:sp>
+      <p:sp>
+        <p:nvSpPr>
+          <p:cNvPr id="4" name="Slide Number Placeholder 3"/>
+          <p:cNvSpPr>
+            <a:spLocks noGrp="1"/>
+          </p:cNvSpPr>
+          <p:nvPr>
+            <p:ph type="sldNum" sz="quarter" idx="5"/>
+          </p:nvPr>
+        </p:nvSpPr>
+        <p:spPr/>
+        <p:txBody>
+          <a:bodyPr/>
+          <a:lstStyle/>
+          <a:p>
+            <a:fld id="{D5D372CE-76E9-9944-82F4-FC8D172DCAA3}" type="slidenum">
+              <a:rPr lang="de-DE" smtClean="0"/>
+              <a:t>8</a:t>
+            </a:fld>
+            <a:endParaRPr lang="de-DE"/>
+          </a:p>
+        </p:txBody>
+      </p:sp>
+    </p:spTree>
+    <p:extLst>
+      <p:ext uri="{BB962C8B-B14F-4D97-AF65-F5344CB8AC3E}">
+        <p14:creationId xmlns:p14="http://schemas.microsoft.com/office/powerpoint/2010/main" val="1588212763"/>
+      </p:ext>
+    </p:extLst>
+  </p:cSld>
+  <p:clrMapOvr>
+    <a:masterClrMapping/>
+  </p:clrMapOvr>
+</p:notes>
+</file>
+
+<file path=ppt/notesSlides/notesSlide4.xml><?xml version="1.0" encoding="utf-8"?>
+<p:notes xmlns:a="http://schemas.openxmlformats.org/drawingml/2006/main" xmlns:r="http://schemas.openxmlformats.org/officeDocument/2006/relationships" xmlns:p="http://schemas.openxmlformats.org/presentationml/2006/main">
+  <p:cSld>
+    <p:spTree>
+      <p:nvGrpSpPr>
+        <p:cNvPr id="1" name=""/>
+        <p:cNvGrpSpPr/>
+        <p:nvPr/>
+      </p:nvGrpSpPr>
+      <p:grpSpPr>
+        <a:xfrm>
+          <a:off x="0" y="0"/>
+          <a:ext cx="0" cy="0"/>
+          <a:chOff x="0" y="0"/>
+          <a:chExt cx="0" cy="0"/>
+        </a:xfrm>
+      </p:grpSpPr>
+      <p:sp>
+        <p:nvSpPr>
+          <p:cNvPr id="2" name="Slide Image Placeholder 1"/>
+          <p:cNvSpPr>
+            <a:spLocks noGrp="1" noRot="1" noChangeAspect="1"/>
+          </p:cNvSpPr>
+          <p:nvPr>
+            <p:ph type="sldImg"/>
+          </p:nvPr>
+        </p:nvSpPr>
+        <p:spPr/>
+      </p:sp>
+      <p:sp>
+        <p:nvSpPr>
+          <p:cNvPr id="3" name="Notes Placeholder 2"/>
+          <p:cNvSpPr>
+            <a:spLocks noGrp="1"/>
+          </p:cNvSpPr>
+          <p:nvPr>
+            <p:ph type="body" idx="1"/>
+          </p:nvPr>
+        </p:nvSpPr>
+        <p:spPr/>
+        <p:txBody>
+          <a:bodyPr/>
+          <a:lstStyle/>
+          <a:p>
+            <a:pPr marL="171450" indent="-171450">
+              <a:buFontTx/>
+              <a:buChar char="-"/>
+            </a:pPr>
+            <a:r>
+              <a:rPr lang="en-US" sz="1200" b="1" i="0" kern="1200" dirty="0">
+                <a:solidFill>
+                  <a:schemeClr val="tx1"/>
+                </a:solidFill>
+                <a:effectLst/>
+                <a:latin typeface="+mn-lt"/>
+                <a:ea typeface="+mn-ea"/>
+                <a:cs typeface="+mn-cs"/>
+              </a:rPr>
+              <a:t>primary accumulator: </a:t>
+            </a:r>
+            <a:r>
+              <a:rPr lang="en-US" sz="1200" b="0" i="0" kern="1200" dirty="0">
+                <a:solidFill>
+                  <a:schemeClr val="tx1"/>
+                </a:solidFill>
+                <a:effectLst/>
+                <a:latin typeface="+mn-lt"/>
+                <a:ea typeface="+mn-ea"/>
+                <a:cs typeface="+mn-cs"/>
+              </a:rPr>
+              <a:t>used in input/output and most arithmetic instructions</a:t>
+            </a:r>
+          </a:p>
+          <a:p>
+            <a:pPr marL="171450" indent="-171450">
+              <a:buFontTx/>
+              <a:buChar char="-"/>
+            </a:pPr>
+            <a:r>
+              <a:rPr lang="en-US" sz="1200" b="1" i="0" kern="1200" dirty="0">
+                <a:solidFill>
+                  <a:schemeClr val="tx1"/>
+                </a:solidFill>
+                <a:effectLst/>
+                <a:latin typeface="+mn-lt"/>
+                <a:ea typeface="+mn-ea"/>
+                <a:cs typeface="+mn-cs"/>
+              </a:rPr>
+              <a:t>base register: </a:t>
+            </a:r>
+            <a:r>
+              <a:rPr lang="en-US" sz="1200" b="0" i="0" kern="1200" dirty="0">
+                <a:solidFill>
+                  <a:schemeClr val="tx1"/>
+                </a:solidFill>
+                <a:effectLst/>
+                <a:latin typeface="+mn-lt"/>
+                <a:ea typeface="+mn-ea"/>
+                <a:cs typeface="+mn-cs"/>
+              </a:rPr>
+              <a:t>used in indexed addressing</a:t>
+            </a:r>
+          </a:p>
+          <a:p>
+            <a:pPr marL="171450" indent="-171450">
+              <a:buFontTx/>
+              <a:buChar char="-"/>
+            </a:pPr>
+            <a:r>
+              <a:rPr lang="en-US" sz="1200" b="1" i="0" kern="1200" dirty="0">
+                <a:solidFill>
+                  <a:schemeClr val="tx1"/>
+                </a:solidFill>
+                <a:effectLst/>
+                <a:latin typeface="+mn-lt"/>
+                <a:ea typeface="+mn-ea"/>
+                <a:cs typeface="+mn-cs"/>
+              </a:rPr>
+              <a:t>count register: </a:t>
+            </a:r>
+            <a:r>
+              <a:rPr lang="en-US" sz="1200" b="0" i="0" kern="1200" dirty="0">
+                <a:solidFill>
+                  <a:schemeClr val="tx1"/>
+                </a:solidFill>
+                <a:effectLst/>
+                <a:latin typeface="+mn-lt"/>
+                <a:ea typeface="+mn-ea"/>
+                <a:cs typeface="+mn-cs"/>
+              </a:rPr>
+              <a:t>store the loop count in iterative operations</a:t>
+            </a:r>
+          </a:p>
+          <a:p>
+            <a:pPr marL="171450" indent="-171450">
+              <a:buFontTx/>
+              <a:buChar char="-"/>
+            </a:pPr>
+            <a:r>
+              <a:rPr lang="en-US" sz="1200" b="1" i="0" kern="1200" dirty="0">
+                <a:solidFill>
+                  <a:schemeClr val="tx1"/>
+                </a:solidFill>
+                <a:effectLst/>
+                <a:latin typeface="+mn-lt"/>
+                <a:ea typeface="+mn-ea"/>
+                <a:cs typeface="+mn-cs"/>
+              </a:rPr>
+              <a:t>data register: </a:t>
+            </a:r>
+            <a:r>
+              <a:rPr lang="en-US" sz="1200" b="0" i="0" kern="1200" dirty="0">
+                <a:solidFill>
+                  <a:schemeClr val="tx1"/>
+                </a:solidFill>
+                <a:effectLst/>
+                <a:latin typeface="+mn-lt"/>
+                <a:ea typeface="+mn-ea"/>
+                <a:cs typeface="+mn-cs"/>
+              </a:rPr>
+              <a:t>used in input/output operations (multiply / divide)</a:t>
+            </a:r>
+          </a:p>
+          <a:p>
+            <a:endParaRPr lang="de-DE" dirty="0"/>
+          </a:p>
+        </p:txBody>
+      </p:sp>
+      <p:sp>
+        <p:nvSpPr>
+          <p:cNvPr id="4" name="Slide Number Placeholder 3"/>
+          <p:cNvSpPr>
+            <a:spLocks noGrp="1"/>
+          </p:cNvSpPr>
+          <p:nvPr>
+            <p:ph type="sldNum" sz="quarter" idx="5"/>
+          </p:nvPr>
+        </p:nvSpPr>
+        <p:spPr/>
+        <p:txBody>
+          <a:bodyPr/>
+          <a:lstStyle/>
+          <a:p>
+            <a:fld id="{D5D372CE-76E9-9944-82F4-FC8D172DCAA3}" type="slidenum">
+              <a:rPr lang="de-DE" smtClean="0"/>
+              <a:t>9</a:t>
+            </a:fld>
+            <a:endParaRPr lang="de-DE"/>
+          </a:p>
+        </p:txBody>
+      </p:sp>
+    </p:spTree>
+    <p:extLst>
+      <p:ext uri="{BB962C8B-B14F-4D97-AF65-F5344CB8AC3E}">
+        <p14:creationId xmlns:p14="http://schemas.microsoft.com/office/powerpoint/2010/main" val="2328440493"/>
+      </p:ext>
+    </p:extLst>
+  </p:cSld>
+  <p:clrMapOvr>
+    <a:masterClrMapping/>
+  </p:clrMapOvr>
+</p:notes>
+</file>
+
+<file path=ppt/notesSlides/notesSlide5.xml><?xml version="1.0" encoding="utf-8"?>
+<p:notes xmlns:a="http://schemas.openxmlformats.org/drawingml/2006/main" xmlns:r="http://schemas.openxmlformats.org/officeDocument/2006/relationships" xmlns:p="http://schemas.openxmlformats.org/presentationml/2006/main">
+  <p:cSld>
+    <p:spTree>
+      <p:nvGrpSpPr>
+        <p:cNvPr id="1" name=""/>
+        <p:cNvGrpSpPr/>
+        <p:nvPr/>
+      </p:nvGrpSpPr>
+      <p:grpSpPr>
+        <a:xfrm>
+          <a:off x="0" y="0"/>
+          <a:ext cx="0" cy="0"/>
+          <a:chOff x="0" y="0"/>
+          <a:chExt cx="0" cy="0"/>
+        </a:xfrm>
+      </p:grpSpPr>
+      <p:sp>
+        <p:nvSpPr>
+          <p:cNvPr id="2" name="Slide Image Placeholder 1"/>
+          <p:cNvSpPr>
+            <a:spLocks noGrp="1" noRot="1" noChangeAspect="1"/>
+          </p:cNvSpPr>
+          <p:nvPr>
+            <p:ph type="sldImg"/>
+          </p:nvPr>
+        </p:nvSpPr>
+        <p:spPr/>
+      </p:sp>
+      <p:sp>
+        <p:nvSpPr>
+          <p:cNvPr id="3" name="Notes Placeholder 2"/>
+          <p:cNvSpPr>
+            <a:spLocks noGrp="1"/>
+          </p:cNvSpPr>
+          <p:nvPr>
+            <p:ph type="body" idx="1"/>
+          </p:nvPr>
+        </p:nvSpPr>
+        <p:spPr/>
+        <p:txBody>
+          <a:bodyPr/>
+          <a:lstStyle/>
+          <a:p>
+            <a:pPr marL="171450" indent="-171450">
+              <a:buFontTx/>
+              <a:buChar char="-"/>
+            </a:pPr>
+            <a:r>
+              <a:rPr lang="en-US" sz="1200" b="1" i="0" kern="1200" dirty="0">
+                <a:solidFill>
+                  <a:schemeClr val="tx1"/>
+                </a:solidFill>
+                <a:effectLst/>
+                <a:latin typeface="+mn-lt"/>
+                <a:ea typeface="+mn-ea"/>
+                <a:cs typeface="+mn-cs"/>
+              </a:rPr>
+              <a:t>primary accumulator: </a:t>
+            </a:r>
+            <a:r>
+              <a:rPr lang="en-US" sz="1200" b="0" i="0" kern="1200" dirty="0">
+                <a:solidFill>
+                  <a:schemeClr val="tx1"/>
+                </a:solidFill>
+                <a:effectLst/>
+                <a:latin typeface="+mn-lt"/>
+                <a:ea typeface="+mn-ea"/>
+                <a:cs typeface="+mn-cs"/>
+              </a:rPr>
+              <a:t>used in input/output and most arithmetic instructions</a:t>
+            </a:r>
+          </a:p>
+          <a:p>
+            <a:pPr marL="171450" indent="-171450">
+              <a:buFontTx/>
+              <a:buChar char="-"/>
+            </a:pPr>
+            <a:r>
+              <a:rPr lang="en-US" sz="1200" b="1" i="0" kern="1200" dirty="0">
+                <a:solidFill>
+                  <a:schemeClr val="tx1"/>
+                </a:solidFill>
+                <a:effectLst/>
+                <a:latin typeface="+mn-lt"/>
+                <a:ea typeface="+mn-ea"/>
+                <a:cs typeface="+mn-cs"/>
+              </a:rPr>
+              <a:t>base register: </a:t>
+            </a:r>
+            <a:r>
+              <a:rPr lang="en-US" sz="1200" b="0" i="0" kern="1200" dirty="0">
+                <a:solidFill>
+                  <a:schemeClr val="tx1"/>
+                </a:solidFill>
+                <a:effectLst/>
+                <a:latin typeface="+mn-lt"/>
+                <a:ea typeface="+mn-ea"/>
+                <a:cs typeface="+mn-cs"/>
+              </a:rPr>
+              <a:t>used in indexed addressing</a:t>
+            </a:r>
+          </a:p>
+          <a:p>
+            <a:pPr marL="171450" indent="-171450">
+              <a:buFontTx/>
+              <a:buChar char="-"/>
+            </a:pPr>
+            <a:r>
+              <a:rPr lang="en-US" sz="1200" b="1" i="0" kern="1200" dirty="0">
+                <a:solidFill>
+                  <a:schemeClr val="tx1"/>
+                </a:solidFill>
+                <a:effectLst/>
+                <a:latin typeface="+mn-lt"/>
+                <a:ea typeface="+mn-ea"/>
+                <a:cs typeface="+mn-cs"/>
+              </a:rPr>
+              <a:t>count register: </a:t>
+            </a:r>
+            <a:r>
+              <a:rPr lang="en-US" sz="1200" b="0" i="0" kern="1200" dirty="0">
+                <a:solidFill>
+                  <a:schemeClr val="tx1"/>
+                </a:solidFill>
+                <a:effectLst/>
+                <a:latin typeface="+mn-lt"/>
+                <a:ea typeface="+mn-ea"/>
+                <a:cs typeface="+mn-cs"/>
+              </a:rPr>
+              <a:t>store the loop count in iterative operations</a:t>
+            </a:r>
+          </a:p>
+          <a:p>
+            <a:pPr marL="171450" indent="-171450">
+              <a:buFontTx/>
+              <a:buChar char="-"/>
+            </a:pPr>
+            <a:r>
+              <a:rPr lang="en-US" sz="1200" b="1" i="0" kern="1200">
+                <a:solidFill>
+                  <a:schemeClr val="tx1"/>
+                </a:solidFill>
+                <a:effectLst/>
+                <a:latin typeface="+mn-lt"/>
+                <a:ea typeface="+mn-ea"/>
+                <a:cs typeface="+mn-cs"/>
+              </a:rPr>
+              <a:t>data register: </a:t>
+            </a:r>
+            <a:r>
+              <a:rPr lang="en-US" sz="1200" b="0" i="0" kern="1200">
+                <a:solidFill>
+                  <a:schemeClr val="tx1"/>
+                </a:solidFill>
+                <a:effectLst/>
+                <a:latin typeface="+mn-lt"/>
+                <a:ea typeface="+mn-ea"/>
+                <a:cs typeface="+mn-cs"/>
+              </a:rPr>
+              <a:t>used in input/output operations (multiply / divide)</a:t>
+            </a:r>
+          </a:p>
+          <a:p>
+            <a:endParaRPr lang="de-DE" dirty="0"/>
+          </a:p>
+        </p:txBody>
+      </p:sp>
+      <p:sp>
+        <p:nvSpPr>
+          <p:cNvPr id="4" name="Slide Number Placeholder 3"/>
+          <p:cNvSpPr>
+            <a:spLocks noGrp="1"/>
+          </p:cNvSpPr>
+          <p:nvPr>
+            <p:ph type="sldNum" sz="quarter" idx="5"/>
+          </p:nvPr>
+        </p:nvSpPr>
+        <p:spPr/>
+        <p:txBody>
+          <a:bodyPr/>
+          <a:lstStyle/>
+          <a:p>
+            <a:fld id="{D5D372CE-76E9-9944-82F4-FC8D172DCAA3}" type="slidenum">
+              <a:rPr lang="de-DE" smtClean="0"/>
+              <a:t>10</a:t>
+            </a:fld>
+            <a:endParaRPr lang="de-DE"/>
+          </a:p>
+        </p:txBody>
+      </p:sp>
+    </p:spTree>
+    <p:extLst>
+      <p:ext uri="{BB962C8B-B14F-4D97-AF65-F5344CB8AC3E}">
+        <p14:creationId xmlns:p14="http://schemas.microsoft.com/office/powerpoint/2010/main" val="1706802575"/>
+      </p:ext>
+    </p:extLst>
+  </p:cSld>
+  <p:clrMapOvr>
+    <a:masterClrMapping/>
+  </p:clrMapOvr>
+</p:notes>
+</file>
+
+<file path=ppt/notesSlides/notesSlide6.xml><?xml version="1.0" encoding="utf-8"?>
+<p:notes xmlns:a="http://schemas.openxmlformats.org/drawingml/2006/main" xmlns:r="http://schemas.openxmlformats.org/officeDocument/2006/relationships" xmlns:p="http://schemas.openxmlformats.org/presentationml/2006/main">
+  <p:cSld>
+    <p:spTree>
+      <p:nvGrpSpPr>
+        <p:cNvPr id="1" name=""/>
+        <p:cNvGrpSpPr/>
+        <p:nvPr/>
+      </p:nvGrpSpPr>
+      <p:grpSpPr>
+        <a:xfrm>
+          <a:off x="0" y="0"/>
+          <a:ext cx="0" cy="0"/>
+          <a:chOff x="0" y="0"/>
+          <a:chExt cx="0" cy="0"/>
+        </a:xfrm>
+      </p:grpSpPr>
+      <p:sp>
+        <p:nvSpPr>
+          <p:cNvPr id="2" name="Slide Image Placeholder 1"/>
+          <p:cNvSpPr>
+            <a:spLocks noGrp="1" noRot="1" noChangeAspect="1"/>
+          </p:cNvSpPr>
+          <p:nvPr>
+            <p:ph type="sldImg"/>
+          </p:nvPr>
+        </p:nvSpPr>
+        <p:spPr/>
+      </p:sp>
+      <p:sp>
+        <p:nvSpPr>
+          <p:cNvPr id="3" name="Notes Placeholder 2"/>
+          <p:cNvSpPr>
+            <a:spLocks noGrp="1"/>
+          </p:cNvSpPr>
+          <p:nvPr>
+            <p:ph type="body" idx="1"/>
+          </p:nvPr>
+        </p:nvSpPr>
+        <p:spPr/>
+        <p:txBody>
+          <a:bodyPr/>
+          <a:lstStyle/>
+          <a:p>
+            <a:pPr marL="171450" indent="-171450">
+              <a:buFontTx/>
+              <a:buChar char="-"/>
+            </a:pPr>
+            <a:r>
+              <a:rPr lang="de" sz="1200" b="0" i="0" u="none" strike="noStrike" kern="1200" dirty="0">
+                <a:solidFill>
+                  <a:schemeClr val="tx1"/>
+                </a:solidFill>
+                <a:effectLst/>
+                <a:latin typeface="+mn-lt"/>
+                <a:ea typeface="+mn-ea"/>
+                <a:cs typeface="+mn-cs"/>
+              </a:rPr>
+              <a:t>wie Prozessoren im Allgemeinen aufgebaut sind, </a:t>
+            </a:r>
+          </a:p>
+          <a:p>
+            <a:pPr marL="171450" indent="-171450">
+              <a:buFontTx/>
+              <a:buChar char="-"/>
+            </a:pPr>
+            <a:r>
+              <a:rPr lang="de" sz="1200" b="0" i="0" u="none" strike="noStrike" kern="1200" dirty="0">
+                <a:solidFill>
+                  <a:schemeClr val="tx1"/>
+                </a:solidFill>
+                <a:effectLst/>
+                <a:latin typeface="+mn-lt"/>
+                <a:ea typeface="+mn-ea"/>
+                <a:cs typeface="+mn-cs"/>
+              </a:rPr>
+              <a:t>der Prozessor auf Instruktionen zugreift und diese ausführt, </a:t>
+            </a:r>
+          </a:p>
+          <a:p>
+            <a:pPr marL="171450" indent="-171450">
+              <a:buFontTx/>
+              <a:buChar char="-"/>
+            </a:pPr>
+            <a:r>
+              <a:rPr lang="de" sz="1200" b="0" i="0" u="none" strike="noStrike" kern="1200" dirty="0">
+                <a:solidFill>
+                  <a:schemeClr val="tx1"/>
+                </a:solidFill>
+                <a:effectLst/>
+                <a:latin typeface="+mn-lt"/>
+                <a:ea typeface="+mn-ea"/>
+                <a:cs typeface="+mn-cs"/>
+              </a:rPr>
+              <a:t>Daten in Registern zwischengespeichert und </a:t>
+            </a:r>
+          </a:p>
+          <a:p>
+            <a:pPr marL="171450" indent="-171450">
+              <a:buFontTx/>
+              <a:buChar char="-"/>
+            </a:pPr>
+            <a:r>
+              <a:rPr lang="de" sz="1200" b="0" i="0" u="none" strike="noStrike" kern="1200" dirty="0">
+                <a:solidFill>
+                  <a:schemeClr val="tx1"/>
+                </a:solidFill>
+                <a:effectLst/>
+                <a:latin typeface="+mn-lt"/>
+                <a:ea typeface="+mn-ea"/>
+                <a:cs typeface="+mn-cs"/>
+              </a:rPr>
+              <a:t>Daten im Memory repräsentiert und abgerufen werden</a:t>
+            </a:r>
+            <a:endParaRPr lang="de-DE" dirty="0"/>
+          </a:p>
+        </p:txBody>
+      </p:sp>
+      <p:sp>
+        <p:nvSpPr>
+          <p:cNvPr id="4" name="Slide Number Placeholder 3"/>
+          <p:cNvSpPr>
+            <a:spLocks noGrp="1"/>
+          </p:cNvSpPr>
+          <p:nvPr>
+            <p:ph type="sldNum" sz="quarter" idx="5"/>
+          </p:nvPr>
+        </p:nvSpPr>
+        <p:spPr/>
+        <p:txBody>
+          <a:bodyPr/>
+          <a:lstStyle/>
+          <a:p>
+            <a:fld id="{D5D372CE-76E9-9944-82F4-FC8D172DCAA3}" type="slidenum">
+              <a:rPr lang="de-DE" smtClean="0"/>
+              <a:t>15</a:t>
+            </a:fld>
+            <a:endParaRPr lang="de-DE"/>
+          </a:p>
+        </p:txBody>
+      </p:sp>
+    </p:spTree>
+    <p:extLst>
+      <p:ext uri="{BB962C8B-B14F-4D97-AF65-F5344CB8AC3E}">
+        <p14:creationId xmlns:p14="http://schemas.microsoft.com/office/powerpoint/2010/main" val="971795516"/>
+      </p:ext>
+    </p:extLst>
+  </p:cSld>
+  <p:clrMapOvr>
+    <a:masterClrMapping/>
+  </p:clrMapOvr>
+</p:notes>
+</file>
+
 <file path=ppt/slideLayouts/slideLayout1.xml><?xml version="1.0" encoding="utf-8"?>
 <p:sldLayout xmlns:a="http://schemas.openxmlformats.org/drawingml/2006/main" xmlns:r="http://schemas.openxmlformats.org/officeDocument/2006/relationships" xmlns:p="http://schemas.openxmlformats.org/presentationml/2006/main" showMasterSp="0" type="title" preserve="1">
   <p:cSld name="Title Slide">
@@ -350,7 +1878,7 @@
             <a:fld id="{5586B75A-687E-405C-8A0B-8D00578BA2C3}" type="datetimeFigureOut">
               <a:rPr lang="en-US" dirty="0"/>
               <a:pPr/>
-              <a:t>12/14/18</a:t>
+              <a:t>12/20/18</a:t>
             </a:fld>
             <a:endParaRPr lang="en-US" dirty="0"/>
           </a:p>
@@ -517,7 +2045,7 @@
             <a:fld id="{5586B75A-687E-405C-8A0B-8D00578BA2C3}" type="datetimeFigureOut">
               <a:rPr lang="en-US" dirty="0"/>
               <a:pPr/>
-              <a:t>12/14/18</a:t>
+              <a:t>12/20/18</a:t>
             </a:fld>
             <a:endParaRPr lang="en-US" dirty="0"/>
           </a:p>
@@ -694,7 +2222,7 @@
             <a:fld id="{5586B75A-687E-405C-8A0B-8D00578BA2C3}" type="datetimeFigureOut">
               <a:rPr lang="en-US" dirty="0"/>
               <a:pPr/>
-              <a:t>12/14/18</a:t>
+              <a:t>12/20/18</a:t>
             </a:fld>
             <a:endParaRPr lang="en-US" dirty="0"/>
           </a:p>
@@ -861,7 +2389,7 @@
             <a:fld id="{5586B75A-687E-405C-8A0B-8D00578BA2C3}" type="datetimeFigureOut">
               <a:rPr lang="en-US" dirty="0"/>
               <a:pPr/>
-              <a:t>12/14/18</a:t>
+              <a:t>12/20/18</a:t>
             </a:fld>
             <a:endParaRPr lang="en-US" dirty="0"/>
           </a:p>
@@ -1116,7 +2644,7 @@
             <a:fld id="{5586B75A-687E-405C-8A0B-8D00578BA2C3}" type="datetimeFigureOut">
               <a:rPr lang="en-US" dirty="0"/>
               <a:pPr/>
-              <a:t>12/14/18</a:t>
+              <a:t>12/20/18</a:t>
             </a:fld>
             <a:endParaRPr lang="en-US" dirty="0"/>
           </a:p>
@@ -1401,7 +2929,7 @@
             <a:fld id="{5586B75A-687E-405C-8A0B-8D00578BA2C3}" type="datetimeFigureOut">
               <a:rPr lang="en-US" dirty="0"/>
               <a:pPr/>
-              <a:t>12/14/18</a:t>
+              <a:t>12/20/18</a:t>
             </a:fld>
             <a:endParaRPr lang="en-US" dirty="0"/>
           </a:p>
@@ -1840,7 +3368,7 @@
             <a:fld id="{5586B75A-687E-405C-8A0B-8D00578BA2C3}" type="datetimeFigureOut">
               <a:rPr lang="en-US" dirty="0"/>
               <a:pPr/>
-              <a:t>12/14/18</a:t>
+              <a:t>12/20/18</a:t>
             </a:fld>
             <a:endParaRPr lang="en-US" dirty="0"/>
           </a:p>
@@ -1955,7 +3483,7 @@
             <a:fld id="{5586B75A-687E-405C-8A0B-8D00578BA2C3}" type="datetimeFigureOut">
               <a:rPr lang="en-US" dirty="0"/>
               <a:pPr/>
-              <a:t>12/14/18</a:t>
+              <a:t>12/20/18</a:t>
             </a:fld>
             <a:endParaRPr lang="en-US" dirty="0"/>
           </a:p>
@@ -2047,7 +3575,7 @@
             <a:fld id="{5586B75A-687E-405C-8A0B-8D00578BA2C3}" type="datetimeFigureOut">
               <a:rPr lang="en-US" dirty="0"/>
               <a:pPr/>
-              <a:t>12/14/18</a:t>
+              <a:t>12/20/18</a:t>
             </a:fld>
             <a:endParaRPr lang="en-US" dirty="0"/>
           </a:p>
@@ -2332,7 +3860,7 @@
             <a:fld id="{5586B75A-687E-405C-8A0B-8D00578BA2C3}" type="datetimeFigureOut">
               <a:rPr lang="en-US" dirty="0"/>
               <a:pPr/>
-              <a:t>12/14/18</a:t>
+              <a:t>12/20/18</a:t>
             </a:fld>
             <a:endParaRPr lang="en-US" dirty="0"/>
           </a:p>
@@ -2602,7 +4130,7 @@
             <a:fld id="{5586B75A-687E-405C-8A0B-8D00578BA2C3}" type="datetimeFigureOut">
               <a:rPr lang="en-US" dirty="0"/>
               <a:pPr/>
-              <a:t>12/14/18</a:t>
+              <a:t>12/20/18</a:t>
             </a:fld>
             <a:endParaRPr lang="en-US" dirty="0"/>
           </a:p>
@@ -2896,7 +4424,7 @@
             <a:fld id="{5586B75A-687E-405C-8A0B-8D00578BA2C3}" type="datetimeFigureOut">
               <a:rPr lang="en-US" dirty="0"/>
               <a:pPr/>
-              <a:t>12/14/18</a:t>
+              <a:t>12/20/18</a:t>
             </a:fld>
             <a:endParaRPr lang="en-US" dirty="0"/>
           </a:p>
@@ -3709,7 +5237,7 @@
           <p:nvPr/>
         </p:nvPicPr>
         <p:blipFill>
-          <a:blip r:embed="rId2"/>
+          <a:blip r:embed="rId3"/>
           <a:stretch>
             <a:fillRect/>
           </a:stretch>
@@ -5202,6 +6730,313 @@
 </p:sld>
 </file>
 
+<file path=ppt/slides/slide15.xml><?xml version="1.0" encoding="utf-8"?>
+<p:sld xmlns:a="http://schemas.openxmlformats.org/drawingml/2006/main" xmlns:r="http://schemas.openxmlformats.org/officeDocument/2006/relationships" xmlns:p="http://schemas.openxmlformats.org/presentationml/2006/main">
+  <p:cSld>
+    <p:spTree>
+      <p:nvGrpSpPr>
+        <p:cNvPr id="1" name=""/>
+        <p:cNvGrpSpPr/>
+        <p:nvPr/>
+      </p:nvGrpSpPr>
+      <p:grpSpPr>
+        <a:xfrm>
+          <a:off x="0" y="0"/>
+          <a:ext cx="0" cy="0"/>
+          <a:chOff x="0" y="0"/>
+          <a:chExt cx="0" cy="0"/>
+        </a:xfrm>
+      </p:grpSpPr>
+      <p:sp>
+        <p:nvSpPr>
+          <p:cNvPr id="2" name="Title 1">
+            <a:extLst>
+              <a:ext uri="{FF2B5EF4-FFF2-40B4-BE49-F238E27FC236}">
+                <a16:creationId xmlns:a16="http://schemas.microsoft.com/office/drawing/2014/main" id="{E4FF170F-DA51-9542-AF7E-5B03F8E0C1E7}"/>
+              </a:ext>
+            </a:extLst>
+          </p:cNvPr>
+          <p:cNvSpPr>
+            <a:spLocks noGrp="1"/>
+          </p:cNvSpPr>
+          <p:nvPr>
+            <p:ph type="title"/>
+          </p:nvPr>
+        </p:nvSpPr>
+        <p:spPr/>
+        <p:txBody>
+          <a:bodyPr/>
+          <a:lstStyle/>
+          <a:p>
+            <a:r>
+              <a:rPr lang="de-DE" dirty="0"/>
+              <a:t>Assembly </a:t>
+            </a:r>
+            <a:br>
+              <a:rPr lang="de-DE" dirty="0"/>
+            </a:br>
+            <a:r>
+              <a:rPr lang="de-DE" sz="1800" dirty="0"/>
+              <a:t>Schlusswort</a:t>
+            </a:r>
+            <a:br>
+              <a:rPr lang="de-DE" dirty="0"/>
+            </a:br>
+            <a:endParaRPr lang="de-DE" dirty="0"/>
+          </a:p>
+        </p:txBody>
+      </p:sp>
+      <p:sp>
+        <p:nvSpPr>
+          <p:cNvPr id="9" name="Rectangle 8">
+            <a:extLst>
+              <a:ext uri="{FF2B5EF4-FFF2-40B4-BE49-F238E27FC236}">
+                <a16:creationId xmlns:a16="http://schemas.microsoft.com/office/drawing/2014/main" id="{92C4150B-1425-4B4B-9601-12F94AEABDB4}"/>
+              </a:ext>
+            </a:extLst>
+          </p:cNvPr>
+          <p:cNvSpPr/>
+          <p:nvPr/>
+        </p:nvSpPr>
+        <p:spPr>
+          <a:xfrm>
+            <a:off x="0" y="6577831"/>
+            <a:ext cx="12191999" cy="246221"/>
+          </a:xfrm>
+          <a:prstGeom prst="rect">
+            <a:avLst/>
+          </a:prstGeom>
+        </p:spPr>
+        <p:txBody>
+          <a:bodyPr wrap="square">
+            <a:spAutoFit/>
+          </a:bodyPr>
+          <a:lstStyle/>
+          <a:p>
+            <a:r>
+              <a:rPr lang="de-DE" sz="1000" dirty="0">
+                <a:solidFill>
+                  <a:schemeClr val="bg1">
+                    <a:lumMod val="75000"/>
+                  </a:schemeClr>
+                </a:solidFill>
+                <a:hlinkClick r:id="rId3">
+                  <a:extLst>
+                    <a:ext uri="{A12FA001-AC4F-418D-AE19-62706E023703}">
+                      <ahyp:hlinkClr xmlns:ahyp="http://schemas.microsoft.com/office/drawing/2018/hyperlinkcolor" val="tx"/>
+                    </a:ext>
+                  </a:extLst>
+                </a:hlinkClick>
+              </a:rPr>
+              <a:t>https://</a:t>
+            </a:r>
+            <a:r>
+              <a:rPr lang="de-DE" sz="1000" dirty="0" err="1">
+                <a:solidFill>
+                  <a:schemeClr val="bg1">
+                    <a:lumMod val="75000"/>
+                  </a:schemeClr>
+                </a:solidFill>
+                <a:hlinkClick r:id="rId3">
+                  <a:extLst>
+                    <a:ext uri="{A12FA001-AC4F-418D-AE19-62706E023703}">
+                      <ahyp:hlinkClr xmlns:ahyp="http://schemas.microsoft.com/office/drawing/2018/hyperlinkcolor" val="tx"/>
+                    </a:ext>
+                  </a:extLst>
+                </a:hlinkClick>
+              </a:rPr>
+              <a:t>www.tutorialspoint.com</a:t>
+            </a:r>
+            <a:r>
+              <a:rPr lang="de-DE" sz="1000" dirty="0">
+                <a:solidFill>
+                  <a:schemeClr val="bg1">
+                    <a:lumMod val="75000"/>
+                  </a:schemeClr>
+                </a:solidFill>
+                <a:hlinkClick r:id="rId3">
+                  <a:extLst>
+                    <a:ext uri="{A12FA001-AC4F-418D-AE19-62706E023703}">
+                      <ahyp:hlinkClr xmlns:ahyp="http://schemas.microsoft.com/office/drawing/2018/hyperlinkcolor" val="tx"/>
+                    </a:ext>
+                  </a:extLst>
+                </a:hlinkClick>
+              </a:rPr>
+              <a:t>/</a:t>
+            </a:r>
+            <a:r>
+              <a:rPr lang="de-DE" sz="1000" dirty="0" err="1">
+                <a:solidFill>
+                  <a:schemeClr val="bg1">
+                    <a:lumMod val="75000"/>
+                  </a:schemeClr>
+                </a:solidFill>
+                <a:hlinkClick r:id="rId3">
+                  <a:extLst>
+                    <a:ext uri="{A12FA001-AC4F-418D-AE19-62706E023703}">
+                      <ahyp:hlinkClr xmlns:ahyp="http://schemas.microsoft.com/office/drawing/2018/hyperlinkcolor" val="tx"/>
+                    </a:ext>
+                  </a:extLst>
+                </a:hlinkClick>
+              </a:rPr>
+              <a:t>assembly_programming</a:t>
+            </a:r>
+            <a:r>
+              <a:rPr lang="de-DE" sz="1000" dirty="0">
+                <a:solidFill>
+                  <a:schemeClr val="bg1">
+                    <a:lumMod val="75000"/>
+                  </a:schemeClr>
+                </a:solidFill>
+                <a:hlinkClick r:id="rId3">
+                  <a:extLst>
+                    <a:ext uri="{A12FA001-AC4F-418D-AE19-62706E023703}">
+                      <ahyp:hlinkClr xmlns:ahyp="http://schemas.microsoft.com/office/drawing/2018/hyperlinkcolor" val="tx"/>
+                    </a:ext>
+                  </a:extLst>
+                </a:hlinkClick>
+              </a:rPr>
+              <a:t>/</a:t>
+            </a:r>
+            <a:endParaRPr lang="de-DE" sz="1000" dirty="0">
+              <a:solidFill>
+                <a:schemeClr val="bg1">
+                  <a:lumMod val="75000"/>
+                </a:schemeClr>
+              </a:solidFill>
+            </a:endParaRPr>
+          </a:p>
+        </p:txBody>
+      </p:sp>
+      <p:sp>
+        <p:nvSpPr>
+          <p:cNvPr id="5" name="Content Placeholder 4">
+            <a:extLst>
+              <a:ext uri="{FF2B5EF4-FFF2-40B4-BE49-F238E27FC236}">
+                <a16:creationId xmlns:a16="http://schemas.microsoft.com/office/drawing/2014/main" id="{CEAD130D-3A30-2C48-A332-BA0E021C8FF4}"/>
+              </a:ext>
+            </a:extLst>
+          </p:cNvPr>
+          <p:cNvSpPr>
+            <a:spLocks noGrp="1"/>
+          </p:cNvSpPr>
+          <p:nvPr>
+            <p:ph idx="1"/>
+          </p:nvPr>
+        </p:nvSpPr>
+        <p:spPr/>
+        <p:txBody>
+          <a:bodyPr/>
+          <a:lstStyle/>
+          <a:p>
+            <a:r>
+              <a:rPr lang="de-DE" dirty="0"/>
+              <a:t>Fazit Christopher</a:t>
+            </a:r>
+          </a:p>
+          <a:p>
+            <a:pPr lvl="1"/>
+            <a:r>
+              <a:rPr lang="de-DE" dirty="0" err="1"/>
+              <a:t>Grössere</a:t>
+            </a:r>
+            <a:r>
+              <a:rPr lang="de-DE" dirty="0"/>
+              <a:t> Hürde zu überwinden</a:t>
+            </a:r>
+          </a:p>
+          <a:p>
+            <a:pPr lvl="1"/>
+            <a:r>
+              <a:rPr lang="de-DE" dirty="0"/>
+              <a:t>Lohnenswert</a:t>
+            </a:r>
+          </a:p>
+          <a:p>
+            <a:pPr lvl="1"/>
+            <a:r>
+              <a:rPr lang="de-DE" dirty="0"/>
+              <a:t>Verschafft besseres Verständnis über CPU</a:t>
+            </a:r>
+          </a:p>
+          <a:p>
+            <a:r>
+              <a:rPr lang="de-DE" dirty="0"/>
+              <a:t>Fazit Melvin</a:t>
+            </a:r>
+          </a:p>
+          <a:p>
+            <a:pPr lvl="1"/>
+            <a:r>
+              <a:rPr lang="de" dirty="0"/>
+              <a:t>eine Sprache, welche man in seiner Karriere als Software-Entwickler, angeschaut haben muss</a:t>
+            </a:r>
+          </a:p>
+          <a:p>
+            <a:pPr lvl="1"/>
+            <a:r>
+              <a:rPr lang="de" dirty="0"/>
+              <a:t>gibt ein gutes </a:t>
+            </a:r>
+            <a:r>
+              <a:rPr lang="de" dirty="0" err="1"/>
+              <a:t>Verständniss</a:t>
+            </a:r>
+            <a:r>
+              <a:rPr lang="de" dirty="0"/>
+              <a:t> über die Funktionsweise eines Prozessors </a:t>
+            </a:r>
+          </a:p>
+          <a:p>
+            <a:pPr lvl="1"/>
+            <a:r>
+              <a:rPr lang="en-US" dirty="0" err="1"/>
+              <a:t>zwingt</a:t>
+            </a:r>
+            <a:r>
+              <a:rPr lang="en-US" dirty="0"/>
+              <a:t> so die </a:t>
+            </a:r>
+            <a:r>
+              <a:rPr lang="en-US" dirty="0" err="1"/>
+              <a:t>Denkweise</a:t>
+            </a:r>
+            <a:endParaRPr lang="en-US" dirty="0"/>
+          </a:p>
+          <a:p>
+            <a:pPr lvl="1"/>
+            <a:r>
+              <a:rPr lang="de" dirty="0"/>
+              <a:t>kann ein hoch effizientes Programm erstellt werden.</a:t>
+            </a:r>
+          </a:p>
+          <a:p>
+            <a:pPr lvl="1"/>
+            <a:r>
+              <a:rPr lang="de" dirty="0" err="1"/>
+              <a:t>vorallem</a:t>
+            </a:r>
+            <a:r>
+              <a:rPr lang="de" dirty="0"/>
+              <a:t> für komplexere Vorgehen eine sehr anspruchsvolle Angelegenheit</a:t>
+            </a:r>
+            <a:endParaRPr lang="de-DE" dirty="0"/>
+          </a:p>
+        </p:txBody>
+      </p:sp>
+    </p:spTree>
+    <p:extLst>
+      <p:ext uri="{BB962C8B-B14F-4D97-AF65-F5344CB8AC3E}">
+        <p14:creationId xmlns:p14="http://schemas.microsoft.com/office/powerpoint/2010/main" val="2249121736"/>
+      </p:ext>
+    </p:extLst>
+  </p:cSld>
+  <p:clrMapOvr>
+    <a:masterClrMapping/>
+  </p:clrMapOvr>
+</p:sld>
+</file>
+
 <file path=ppt/slides/slide2.xml><?xml version="1.0" encoding="utf-8"?>
 <p:sld xmlns:a="http://schemas.openxmlformats.org/drawingml/2006/main" xmlns:r="http://schemas.openxmlformats.org/officeDocument/2006/relationships" xmlns:p="http://schemas.openxmlformats.org/presentationml/2006/main">
   <p:cSld>
@@ -5570,7 +7405,7 @@
                     <a:lumMod val="75000"/>
                   </a:schemeClr>
                 </a:solidFill>
-                <a:hlinkClick r:id="rId2">
+                <a:hlinkClick r:id="rId3">
                   <a:extLst>
                     <a:ext uri="{A12FA001-AC4F-418D-AE19-62706E023703}">
                       <ahyp:hlinkClr xmlns:ahyp="http://schemas.microsoft.com/office/drawing/2018/hyperlinkcolor" val="tx"/>
@@ -5587,7 +7422,7 @@
                     <a:lumMod val="75000"/>
                   </a:schemeClr>
                 </a:solidFill>
-                <a:hlinkClick r:id="rId2">
+                <a:hlinkClick r:id="rId3">
                   <a:extLst>
                     <a:ext uri="{A12FA001-AC4F-418D-AE19-62706E023703}">
                       <ahyp:hlinkClr xmlns:ahyp="http://schemas.microsoft.com/office/drawing/2018/hyperlinkcolor" val="tx"/>
@@ -5604,7 +7439,7 @@
                     <a:lumMod val="75000"/>
                   </a:schemeClr>
                 </a:solidFill>
-                <a:hlinkClick r:id="rId2">
+                <a:hlinkClick r:id="rId3">
                   <a:extLst>
                     <a:ext uri="{A12FA001-AC4F-418D-AE19-62706E023703}">
                       <ahyp:hlinkClr xmlns:ahyp="http://schemas.microsoft.com/office/drawing/2018/hyperlinkcolor" val="tx"/>
@@ -5621,7 +7456,7 @@
                     <a:lumMod val="75000"/>
                   </a:schemeClr>
                 </a:solidFill>
-                <a:hlinkClick r:id="rId2">
+                <a:hlinkClick r:id="rId3">
                   <a:extLst>
                     <a:ext uri="{A12FA001-AC4F-418D-AE19-62706E023703}">
                       <ahyp:hlinkClr xmlns:ahyp="http://schemas.microsoft.com/office/drawing/2018/hyperlinkcolor" val="tx"/>
@@ -5638,7 +7473,7 @@
                     <a:lumMod val="75000"/>
                   </a:schemeClr>
                 </a:solidFill>
-                <a:hlinkClick r:id="rId2">
+                <a:hlinkClick r:id="rId3">
                   <a:extLst>
                     <a:ext uri="{A12FA001-AC4F-418D-AE19-62706E023703}">
                       <ahyp:hlinkClr xmlns:ahyp="http://schemas.microsoft.com/office/drawing/2018/hyperlinkcolor" val="tx"/>
@@ -6213,7 +8048,7 @@
                     <a:lumMod val="75000"/>
                   </a:schemeClr>
                 </a:solidFill>
-                <a:hlinkClick r:id="rId2">
+                <a:hlinkClick r:id="rId3">
                   <a:extLst>
                     <a:ext uri="{A12FA001-AC4F-418D-AE19-62706E023703}">
                       <ahyp:hlinkClr xmlns:ahyp="http://schemas.microsoft.com/office/drawing/2018/hyperlinkcolor" val="tx"/>
@@ -6296,7 +8131,7 @@
           <p:nvPr/>
         </p:nvPicPr>
         <p:blipFill>
-          <a:blip r:embed="rId3"/>
+          <a:blip r:embed="rId4"/>
           <a:stretch>
             <a:fillRect/>
           </a:stretch>
@@ -6326,7 +8161,7 @@
           <p:nvPr/>
         </p:nvPicPr>
         <p:blipFill>
-          <a:blip r:embed="rId4"/>
+          <a:blip r:embed="rId5"/>
           <a:stretch>
             <a:fillRect/>
           </a:stretch>
@@ -9118,7 +10953,7 @@
                     <a:lumMod val="75000"/>
                   </a:schemeClr>
                 </a:solidFill>
-                <a:hlinkClick r:id="rId2">
+                <a:hlinkClick r:id="rId3">
                   <a:extLst>
                     <a:ext uri="{A12FA001-AC4F-418D-AE19-62706E023703}">
                       <ahyp:hlinkClr xmlns:ahyp="http://schemas.microsoft.com/office/drawing/2018/hyperlinkcolor" val="tx"/>
@@ -9135,7 +10970,7 @@
                     <a:lumMod val="75000"/>
                   </a:schemeClr>
                 </a:solidFill>
-                <a:hlinkClick r:id="rId2">
+                <a:hlinkClick r:id="rId3">
                   <a:extLst>
                     <a:ext uri="{A12FA001-AC4F-418D-AE19-62706E023703}">
                       <ahyp:hlinkClr xmlns:ahyp="http://schemas.microsoft.com/office/drawing/2018/hyperlinkcolor" val="tx"/>
@@ -9152,7 +10987,7 @@
                     <a:lumMod val="75000"/>
                   </a:schemeClr>
                 </a:solidFill>
-                <a:hlinkClick r:id="rId2">
+                <a:hlinkClick r:id="rId3">
                   <a:extLst>
                     <a:ext uri="{A12FA001-AC4F-418D-AE19-62706E023703}">
                       <ahyp:hlinkClr xmlns:ahyp="http://schemas.microsoft.com/office/drawing/2018/hyperlinkcolor" val="tx"/>
@@ -9169,7 +11004,7 @@
                     <a:lumMod val="75000"/>
                   </a:schemeClr>
                 </a:solidFill>
-                <a:hlinkClick r:id="rId2">
+                <a:hlinkClick r:id="rId3">
                   <a:extLst>
                     <a:ext uri="{A12FA001-AC4F-418D-AE19-62706E023703}">
                       <ahyp:hlinkClr xmlns:ahyp="http://schemas.microsoft.com/office/drawing/2018/hyperlinkcolor" val="tx"/>
@@ -9186,7 +11021,7 @@
                     <a:lumMod val="75000"/>
                   </a:schemeClr>
                 </a:solidFill>
-                <a:hlinkClick r:id="rId2">
+                <a:hlinkClick r:id="rId3">
                   <a:extLst>
                     <a:ext uri="{A12FA001-AC4F-418D-AE19-62706E023703}">
                       <ahyp:hlinkClr xmlns:ahyp="http://schemas.microsoft.com/office/drawing/2018/hyperlinkcolor" val="tx"/>
@@ -10414,7 +12249,7 @@
                     <a:lumMod val="75000"/>
                   </a:schemeClr>
                 </a:solidFill>
-                <a:hlinkClick r:id="rId2">
+                <a:hlinkClick r:id="rId3">
                   <a:extLst>
                     <a:ext uri="{A12FA001-AC4F-418D-AE19-62706E023703}">
                       <ahyp:hlinkClr xmlns:ahyp="http://schemas.microsoft.com/office/drawing/2018/hyperlinkcolor" val="tx"/>
@@ -10431,7 +12266,7 @@
                     <a:lumMod val="75000"/>
                   </a:schemeClr>
                 </a:solidFill>
-                <a:hlinkClick r:id="rId2">
+                <a:hlinkClick r:id="rId3">
                   <a:extLst>
                     <a:ext uri="{A12FA001-AC4F-418D-AE19-62706E023703}">
                       <ahyp:hlinkClr xmlns:ahyp="http://schemas.microsoft.com/office/drawing/2018/hyperlinkcolor" val="tx"/>
@@ -10448,7 +12283,7 @@
                     <a:lumMod val="75000"/>
                   </a:schemeClr>
                 </a:solidFill>
-                <a:hlinkClick r:id="rId2">
+                <a:hlinkClick r:id="rId3">
                   <a:extLst>
                     <a:ext uri="{A12FA001-AC4F-418D-AE19-62706E023703}">
                       <ahyp:hlinkClr xmlns:ahyp="http://schemas.microsoft.com/office/drawing/2018/hyperlinkcolor" val="tx"/>
@@ -10465,7 +12300,7 @@
                     <a:lumMod val="75000"/>
                   </a:schemeClr>
                 </a:solidFill>
-                <a:hlinkClick r:id="rId2">
+                <a:hlinkClick r:id="rId3">
                   <a:extLst>
                     <a:ext uri="{A12FA001-AC4F-418D-AE19-62706E023703}">
                       <ahyp:hlinkClr xmlns:ahyp="http://schemas.microsoft.com/office/drawing/2018/hyperlinkcolor" val="tx"/>
@@ -10482,7 +12317,7 @@
                     <a:lumMod val="75000"/>
                   </a:schemeClr>
                 </a:solidFill>
-                <a:hlinkClick r:id="rId2">
+                <a:hlinkClick r:id="rId3">
                   <a:extLst>
                     <a:ext uri="{A12FA001-AC4F-418D-AE19-62706E023703}">
                       <ahyp:hlinkClr xmlns:ahyp="http://schemas.microsoft.com/office/drawing/2018/hyperlinkcolor" val="tx"/>
@@ -10517,7 +12352,7 @@
           <p:nvPr/>
         </p:nvPicPr>
         <p:blipFill>
-          <a:blip r:embed="rId3"/>
+          <a:blip r:embed="rId4"/>
           <a:stretch>
             <a:fillRect/>
           </a:stretch>
@@ -11160,4 +12995,299 @@
     </a:ext>
   </a:extLst>
 </a:theme>
+</file>
+
+<file path=ppt/theme/theme2.xml><?xml version="1.0" encoding="utf-8"?>
+<a:theme xmlns:a="http://schemas.openxmlformats.org/drawingml/2006/main" name="Office Theme">
+  <a:themeElements>
+    <a:clrScheme name="Office">
+      <a:dk1>
+        <a:sysClr val="windowText" lastClr="000000"/>
+      </a:dk1>
+      <a:lt1>
+        <a:sysClr val="window" lastClr="FFFFFF"/>
+      </a:lt1>
+      <a:dk2>
+        <a:srgbClr val="44546A"/>
+      </a:dk2>
+      <a:lt2>
+        <a:srgbClr val="E7E6E6"/>
+      </a:lt2>
+      <a:accent1>
+        <a:srgbClr val="4472C4"/>
+      </a:accent1>
+      <a:accent2>
+        <a:srgbClr val="ED7D31"/>
+      </a:accent2>
+      <a:accent3>
+        <a:srgbClr val="A5A5A5"/>
+      </a:accent3>
+      <a:accent4>
+        <a:srgbClr val="FFC000"/>
+      </a:accent4>
+      <a:accent5>
+        <a:srgbClr val="5B9BD5"/>
+      </a:accent5>
+      <a:accent6>
+        <a:srgbClr val="70AD47"/>
+      </a:accent6>
+      <a:hlink>
+        <a:srgbClr val="0563C1"/>
+      </a:hlink>
+      <a:folHlink>
+        <a:srgbClr val="954F72"/>
+      </a:folHlink>
+    </a:clrScheme>
+    <a:fontScheme name="Office">
+      <a:majorFont>
+        <a:latin typeface="Calibri Light" panose="020F0302020204030204"/>
+        <a:ea typeface=""/>
+        <a:cs typeface=""/>
+        <a:font script="Jpan" typeface="游ゴシック Light"/>
+        <a:font script="Hang" typeface="맑은 고딕"/>
+        <a:font script="Hans" typeface="等线 Light"/>
+        <a:font script="Hant" typeface="新細明體"/>
+        <a:font script="Arab" typeface="Times New Roman"/>
+        <a:font script="Hebr" typeface="Times New Roman"/>
+        <a:font script="Thai" typeface="Angsana New"/>
+        <a:font script="Ethi" typeface="Nyala"/>
+        <a:font script="Beng" typeface="Vrinda"/>
+        <a:font script="Gujr" typeface="Shruti"/>
+        <a:font script="Khmr" typeface="MoolBoran"/>
+        <a:font script="Knda" typeface="Tunga"/>
+        <a:font script="Guru" typeface="Raavi"/>
+        <a:font script="Cans" typeface="Euphemia"/>
+        <a:font script="Cher" typeface="Plantagenet Cherokee"/>
+        <a:font script="Yiii" typeface="Microsoft Yi Baiti"/>
+        <a:font script="Tibt" typeface="Microsoft Himalaya"/>
+        <a:font script="Thaa" typeface="MV Boli"/>
+        <a:font script="Deva" typeface="Mangal"/>
+        <a:font script="Telu" typeface="Gautami"/>
+        <a:font script="Taml" typeface="Latha"/>
+        <a:font script="Syrc" typeface="Estrangelo Edessa"/>
+        <a:font script="Orya" typeface="Kalinga"/>
+        <a:font script="Mlym" typeface="Kartika"/>
+        <a:font script="Laoo" typeface="DokChampa"/>
+        <a:font script="Sinh" typeface="Iskoola Pota"/>
+        <a:font script="Mong" typeface="Mongolian Baiti"/>
+        <a:font script="Viet" typeface="Times New Roman"/>
+        <a:font script="Uigh" typeface="Microsoft Uighur"/>
+        <a:font script="Geor" typeface="Sylfaen"/>
+        <a:font script="Armn" typeface="Arial"/>
+        <a:font script="Bugi" typeface="Leelawadee UI"/>
+        <a:font script="Bopo" typeface="Microsoft JhengHei"/>
+        <a:font script="Java" typeface="Javanese Text"/>
+        <a:font script="Lisu" typeface="Segoe UI"/>
+        <a:font script="Mymr" typeface="Myanmar Text"/>
+        <a:font script="Nkoo" typeface="Ebrima"/>
+        <a:font script="Olck" typeface="Nirmala UI"/>
+        <a:font script="Osma" typeface="Ebrima"/>
+        <a:font script="Phag" typeface="Phagspa"/>
+        <a:font script="Syrn" typeface="Estrangelo Edessa"/>
+        <a:font script="Syrj" typeface="Estrangelo Edessa"/>
+        <a:font script="Syre" typeface="Estrangelo Edessa"/>
+        <a:font script="Sora" typeface="Nirmala UI"/>
+        <a:font script="Tale" typeface="Microsoft Tai Le"/>
+        <a:font script="Talu" typeface="Microsoft New Tai Lue"/>
+        <a:font script="Tfng" typeface="Ebrima"/>
+      </a:majorFont>
+      <a:minorFont>
+        <a:latin typeface="Calibri" panose="020F0502020204030204"/>
+        <a:ea typeface=""/>
+        <a:cs typeface=""/>
+        <a:font script="Jpan" typeface="游ゴシック"/>
+        <a:font script="Hang" typeface="맑은 고딕"/>
+        <a:font script="Hans" typeface="等线"/>
+        <a:font script="Hant" typeface="新細明體"/>
+        <a:font script="Arab" typeface="Arial"/>
+        <a:font script="Hebr" typeface="Arial"/>
+        <a:font script="Thai" typeface="Cordia New"/>
+        <a:font script="Ethi" typeface="Nyala"/>
+        <a:font script="Beng" typeface="Vrinda"/>
+        <a:font script="Gujr" typeface="Shruti"/>
+        <a:font script="Khmr" typeface="DaunPenh"/>
+        <a:font script="Knda" typeface="Tunga"/>
+        <a:font script="Guru" typeface="Raavi"/>
+        <a:font script="Cans" typeface="Euphemia"/>
+        <a:font script="Cher" typeface="Plantagenet Cherokee"/>
+        <a:font script="Yiii" typeface="Microsoft Yi Baiti"/>
+        <a:font script="Tibt" typeface="Microsoft Himalaya"/>
+        <a:font script="Thaa" typeface="MV Boli"/>
+        <a:font script="Deva" typeface="Mangal"/>
+        <a:font script="Telu" typeface="Gautami"/>
+        <a:font script="Taml" typeface="Latha"/>
+        <a:font script="Syrc" typeface="Estrangelo Edessa"/>
+        <a:font script="Orya" typeface="Kalinga"/>
+        <a:font script="Mlym" typeface="Kartika"/>
+        <a:font script="Laoo" typeface="DokChampa"/>
+        <a:font script="Sinh" typeface="Iskoola Pota"/>
+        <a:font script="Mong" typeface="Mongolian Baiti"/>
+        <a:font script="Viet" typeface="Arial"/>
+        <a:font script="Uigh" typeface="Microsoft Uighur"/>
+        <a:font script="Geor" typeface="Sylfaen"/>
+        <a:font script="Armn" typeface="Arial"/>
+        <a:font script="Bugi" typeface="Leelawadee UI"/>
+        <a:font script="Bopo" typeface="Microsoft JhengHei"/>
+        <a:font script="Java" typeface="Javanese Text"/>
+        <a:font script="Lisu" typeface="Segoe UI"/>
+        <a:font script="Mymr" typeface="Myanmar Text"/>
+        <a:font script="Nkoo" typeface="Ebrima"/>
+        <a:font script="Olck" typeface="Nirmala UI"/>
+        <a:font script="Osma" typeface="Ebrima"/>
+        <a:font script="Phag" typeface="Phagspa"/>
+        <a:font script="Syrn" typeface="Estrangelo Edessa"/>
+        <a:font script="Syrj" typeface="Estrangelo Edessa"/>
+        <a:font script="Syre" typeface="Estrangelo Edessa"/>
+        <a:font script="Sora" typeface="Nirmala UI"/>
+        <a:font script="Tale" typeface="Microsoft Tai Le"/>
+        <a:font script="Talu" typeface="Microsoft New Tai Lue"/>
+        <a:font script="Tfng" typeface="Ebrima"/>
+      </a:minorFont>
+    </a:fontScheme>
+    <a:fmtScheme name="Office">
+      <a:fillStyleLst>
+        <a:solidFill>
+          <a:schemeClr val="phClr"/>
+        </a:solidFill>
+        <a:gradFill rotWithShape="1">
+          <a:gsLst>
+            <a:gs pos="0">
+              <a:schemeClr val="phClr">
+                <a:lumMod val="110000"/>
+                <a:satMod val="105000"/>
+                <a:tint val="67000"/>
+              </a:schemeClr>
+            </a:gs>
+            <a:gs pos="50000">
+              <a:schemeClr val="phClr">
+                <a:lumMod val="105000"/>
+                <a:satMod val="103000"/>
+                <a:tint val="73000"/>
+              </a:schemeClr>
+            </a:gs>
+            <a:gs pos="100000">
+              <a:schemeClr val="phClr">
+                <a:lumMod val="105000"/>
+                <a:satMod val="109000"/>
+                <a:tint val="81000"/>
+              </a:schemeClr>
+            </a:gs>
+          </a:gsLst>
+          <a:lin ang="5400000" scaled="0"/>
+        </a:gradFill>
+        <a:gradFill rotWithShape="1">
+          <a:gsLst>
+            <a:gs pos="0">
+              <a:schemeClr val="phClr">
+                <a:satMod val="103000"/>
+                <a:lumMod val="102000"/>
+                <a:tint val="94000"/>
+              </a:schemeClr>
+            </a:gs>
+            <a:gs pos="50000">
+              <a:schemeClr val="phClr">
+                <a:satMod val="110000"/>
+                <a:lumMod val="100000"/>
+                <a:shade val="100000"/>
+              </a:schemeClr>
+            </a:gs>
+            <a:gs pos="100000">
+              <a:schemeClr val="phClr">
+                <a:lumMod val="99000"/>
+                <a:satMod val="120000"/>
+                <a:shade val="78000"/>
+              </a:schemeClr>
+            </a:gs>
+          </a:gsLst>
+          <a:lin ang="5400000" scaled="0"/>
+        </a:gradFill>
+      </a:fillStyleLst>
+      <a:lnStyleLst>
+        <a:ln w="6350" cap="flat" cmpd="sng" algn="ctr">
+          <a:solidFill>
+            <a:schemeClr val="phClr"/>
+          </a:solidFill>
+          <a:prstDash val="solid"/>
+          <a:miter lim="800000"/>
+        </a:ln>
+        <a:ln w="12700" cap="flat" cmpd="sng" algn="ctr">
+          <a:solidFill>
+            <a:schemeClr val="phClr"/>
+          </a:solidFill>
+          <a:prstDash val="solid"/>
+          <a:miter lim="800000"/>
+        </a:ln>
+        <a:ln w="19050" cap="flat" cmpd="sng" algn="ctr">
+          <a:solidFill>
+            <a:schemeClr val="phClr"/>
+          </a:solidFill>
+          <a:prstDash val="solid"/>
+          <a:miter lim="800000"/>
+        </a:ln>
+      </a:lnStyleLst>
+      <a:effectStyleLst>
+        <a:effectStyle>
+          <a:effectLst/>
+        </a:effectStyle>
+        <a:effectStyle>
+          <a:effectLst/>
+        </a:effectStyle>
+        <a:effectStyle>
+          <a:effectLst>
+            <a:outerShdw blurRad="57150" dist="19050" dir="5400000" algn="ctr" rotWithShape="0">
+              <a:srgbClr val="000000">
+                <a:alpha val="63000"/>
+              </a:srgbClr>
+            </a:outerShdw>
+          </a:effectLst>
+        </a:effectStyle>
+      </a:effectStyleLst>
+      <a:bgFillStyleLst>
+        <a:solidFill>
+          <a:schemeClr val="phClr"/>
+        </a:solidFill>
+        <a:solidFill>
+          <a:schemeClr val="phClr">
+            <a:tint val="95000"/>
+            <a:satMod val="170000"/>
+          </a:schemeClr>
+        </a:solidFill>
+        <a:gradFill rotWithShape="1">
+          <a:gsLst>
+            <a:gs pos="0">
+              <a:schemeClr val="phClr">
+                <a:tint val="93000"/>
+                <a:satMod val="150000"/>
+                <a:shade val="98000"/>
+                <a:lumMod val="102000"/>
+              </a:schemeClr>
+            </a:gs>
+            <a:gs pos="50000">
+              <a:schemeClr val="phClr">
+                <a:tint val="98000"/>
+                <a:satMod val="130000"/>
+                <a:shade val="90000"/>
+                <a:lumMod val="103000"/>
+              </a:schemeClr>
+            </a:gs>
+            <a:gs pos="100000">
+              <a:schemeClr val="phClr">
+                <a:shade val="63000"/>
+                <a:satMod val="120000"/>
+              </a:schemeClr>
+            </a:gs>
+          </a:gsLst>
+          <a:lin ang="5400000" scaled="0"/>
+        </a:gradFill>
+      </a:bgFillStyleLst>
+    </a:fmtScheme>
+  </a:themeElements>
+  <a:objectDefaults/>
+  <a:extraClrSchemeLst/>
+  <a:extLst>
+    <a:ext uri="{05A4C25C-085E-4340-85A3-A5531E510DB2}">
+      <thm15:themeFamily xmlns:thm15="http://schemas.microsoft.com/office/thememl/2012/main" name="Office Theme" id="{62F939B6-93AF-4DB8-9C6B-D6C7DFDC589F}" vid="{4A3C46E8-61CC-4603-A589-7422A47A8E4A}"/>
+    </a:ext>
+  </a:extLst>
+</a:theme>
 </file>
--- a/docs/ppt/presentation-v.1.pptx
+++ b/docs/ppt/presentation-v.1.pptx
@@ -1434,7 +1434,7 @@
               <a:buChar char="-"/>
             </a:pPr>
             <a:r>
-              <a:rPr lang="en-US" sz="1200" b="1" i="0" kern="1200">
+              <a:rPr lang="en-US" sz="1200" b="1" i="0" kern="1200" dirty="0">
                 <a:solidFill>
                   <a:schemeClr val="tx1"/>
                 </a:solidFill>
@@ -1446,7 +1446,7 @@
               <a:t>data register: </a:t>
             </a:r>
             <a:r>
-              <a:rPr lang="en-US" sz="1200" b="0" i="0" kern="1200">
+              <a:rPr lang="en-US" sz="1200" b="0" i="0" kern="1200" dirty="0">
                 <a:solidFill>
                   <a:schemeClr val="tx1"/>
                 </a:solidFill>
@@ -7343,7 +7343,15 @@
           <a:p>
             <a:r>
               <a:rPr lang="de" dirty="0"/>
-              <a:t>Erlaubt hardwarespezifisch komplexere Aufgaben einfacher umzusetzen</a:t>
+              <a:t>Erlaubt hardwarespezifisch komplexere Aufgaben </a:t>
+            </a:r>
+            <a:r>
+              <a:rPr lang="de"/>
+              <a:t>performanterk </a:t>
+            </a:r>
+            <a:r>
+              <a:rPr lang="de" dirty="0"/>
+              <a:t>umzusetzen</a:t>
             </a:r>
           </a:p>
           <a:p>
